--- a/Presentation/Projet E.pptx
+++ b/Presentation/Projet E.pptx
@@ -2,13 +2,20 @@
 <file path=ppt/presentation.xml><?xml version="1.0" encoding="utf-8"?>
 <p:presentation xmlns:a="http://schemas.openxmlformats.org/drawingml/2006/main" xmlns:r="http://schemas.openxmlformats.org/officeDocument/2006/relationships" xmlns:p="http://schemas.openxmlformats.org/presentationml/2006/main" autoCompressPictures="0">
   <p:sldMasterIdLst>
-    <p:sldMasterId id="2147483648" r:id="rId1"/>
+    <p:sldMasterId id="2147483778" r:id="rId1"/>
   </p:sldMasterIdLst>
   <p:sldIdLst>
     <p:sldId id="256" r:id="rId2"/>
     <p:sldId id="257" r:id="rId3"/>
     <p:sldId id="258" r:id="rId4"/>
     <p:sldId id="259" r:id="rId5"/>
+    <p:sldId id="260" r:id="rId6"/>
+    <p:sldId id="261" r:id="rId7"/>
+    <p:sldId id="262" r:id="rId8"/>
+    <p:sldId id="266" r:id="rId9"/>
+    <p:sldId id="263" r:id="rId10"/>
+    <p:sldId id="264" r:id="rId11"/>
+    <p:sldId id="265" r:id="rId12"/>
   </p:sldIdLst>
   <p:sldSz cx="12192000" cy="6858000"/>
   <p:notesSz cx="6858000" cy="9144000"/>
@@ -107,6 +114,11 @@
       </a:defRPr>
     </a:lvl9pPr>
   </p:defaultTextStyle>
+  <p:extLst>
+    <p:ext uri="{EFAFB233-063F-42B5-8137-9DF3F51BA10A}">
+      <p15:sldGuideLst xmlns:p15="http://schemas.microsoft.com/office/powerpoint/2012/main"/>
+    </p:ext>
+  </p:extLst>
 </p:presentation>
 </file>
 
@@ -127,84 +139,559 @@
           <a:chExt cx="0" cy="0"/>
         </a:xfrm>
       </p:grpSpPr>
-      <p:sp>
-        <p:nvSpPr>
-          <p:cNvPr id="7" name="Rectangle 6"/>
-          <p:cNvSpPr/>
+      <p:grpSp>
+        <p:nvGrpSpPr>
+          <p:cNvPr id="16" name="Group 15"/>
+          <p:cNvGrpSpPr/>
           <p:nvPr/>
-        </p:nvSpPr>
-        <p:spPr>
-          <a:xfrm>
-            <a:off x="3175" y="6400800"/>
-            <a:ext cx="12188825" cy="457200"/>
-          </a:xfrm>
-          <a:prstGeom prst="rect">
-            <a:avLst/>
-          </a:prstGeom>
-          <a:solidFill>
-            <a:schemeClr val="accent4">
-              <a:lumMod val="75000"/>
-            </a:schemeClr>
-          </a:solidFill>
-          <a:ln>
-            <a:noFill/>
-          </a:ln>
-        </p:spPr>
-        <p:style>
-          <a:lnRef idx="2">
-            <a:schemeClr val="accent1">
-              <a:shade val="50000"/>
-            </a:schemeClr>
-          </a:lnRef>
-          <a:fillRef idx="1">
-            <a:schemeClr val="accent1"/>
-          </a:fillRef>
-          <a:effectRef idx="0">
-            <a:schemeClr val="accent1"/>
-          </a:effectRef>
-          <a:fontRef idx="minor">
-            <a:schemeClr val="lt1"/>
-          </a:fontRef>
-        </p:style>
-      </p:sp>
-      <p:sp>
-        <p:nvSpPr>
-          <p:cNvPr id="8" name="Rectangle 7"/>
-          <p:cNvSpPr/>
-          <p:nvPr/>
-        </p:nvSpPr>
-        <p:spPr>
-          <a:xfrm>
-            <a:off x="15" y="6334316"/>
-            <a:ext cx="12188825" cy="64008"/>
-          </a:xfrm>
-          <a:prstGeom prst="rect">
-            <a:avLst/>
-          </a:prstGeom>
-          <a:solidFill>
-            <a:schemeClr val="accent4"/>
-          </a:solidFill>
-          <a:ln>
-            <a:noFill/>
-          </a:ln>
-        </p:spPr>
-        <p:style>
-          <a:lnRef idx="2">
-            <a:schemeClr val="accent1">
-              <a:shade val="50000"/>
-            </a:schemeClr>
-          </a:lnRef>
-          <a:fillRef idx="1">
-            <a:schemeClr val="accent1"/>
-          </a:fillRef>
-          <a:effectRef idx="0">
-            <a:schemeClr val="accent1"/>
-          </a:effectRef>
-          <a:fontRef idx="minor">
-            <a:schemeClr val="lt1"/>
-          </a:fontRef>
-        </p:style>
-      </p:sp>
+        </p:nvGrpSpPr>
+        <p:grpSpPr>
+          <a:xfrm>
+            <a:off x="0" y="-8467"/>
+            <a:ext cx="12192000" cy="6866467"/>
+            <a:chOff x="0" y="-8467"/>
+            <a:chExt cx="12192000" cy="6866467"/>
+          </a:xfrm>
+        </p:grpSpPr>
+        <p:sp>
+          <p:nvSpPr>
+            <p:cNvPr id="15" name="Freeform 14"/>
+            <p:cNvSpPr/>
+            <p:nvPr/>
+          </p:nvSpPr>
+          <p:spPr>
+            <a:xfrm>
+              <a:off x="0" y="-7862"/>
+              <a:ext cx="863600" cy="5698067"/>
+            </a:xfrm>
+            <a:custGeom>
+              <a:avLst/>
+              <a:gdLst/>
+              <a:ahLst/>
+              <a:cxnLst/>
+              <a:rect l="l" t="t" r="r" b="b"/>
+              <a:pathLst>
+                <a:path w="863600" h="5698067">
+                  <a:moveTo>
+                    <a:pt x="0" y="8467"/>
+                  </a:moveTo>
+                  <a:lnTo>
+                    <a:pt x="863600" y="0"/>
+                  </a:lnTo>
+                  <a:lnTo>
+                    <a:pt x="863600" y="16934"/>
+                  </a:lnTo>
+                  <a:lnTo>
+                    <a:pt x="0" y="5698067"/>
+                  </a:lnTo>
+                  <a:lnTo>
+                    <a:pt x="0" y="8467"/>
+                  </a:lnTo>
+                  <a:close/>
+                </a:path>
+              </a:pathLst>
+            </a:custGeom>
+            <a:solidFill>
+              <a:schemeClr val="accent1">
+                <a:alpha val="70000"/>
+              </a:schemeClr>
+            </a:solidFill>
+            <a:ln>
+              <a:noFill/>
+            </a:ln>
+            <a:effectLst/>
+          </p:spPr>
+          <p:style>
+            <a:lnRef idx="1">
+              <a:schemeClr val="accent1"/>
+            </a:lnRef>
+            <a:fillRef idx="3">
+              <a:schemeClr val="accent1"/>
+            </a:fillRef>
+            <a:effectRef idx="2">
+              <a:schemeClr val="accent1"/>
+            </a:effectRef>
+            <a:fontRef idx="minor">
+              <a:schemeClr val="lt1"/>
+            </a:fontRef>
+          </p:style>
+        </p:sp>
+        <p:cxnSp>
+          <p:nvCxnSpPr>
+            <p:cNvPr id="19" name="Straight Connector 18"/>
+            <p:cNvCxnSpPr/>
+            <p:nvPr/>
+          </p:nvCxnSpPr>
+          <p:spPr>
+            <a:xfrm>
+              <a:off x="9371012" y="0"/>
+              <a:ext cx="1219200" cy="6858000"/>
+            </a:xfrm>
+            <a:prstGeom prst="line">
+              <a:avLst/>
+            </a:prstGeom>
+            <a:ln w="9525">
+              <a:solidFill>
+                <a:schemeClr val="accent1">
+                  <a:alpha val="70000"/>
+                </a:schemeClr>
+              </a:solidFill>
+            </a:ln>
+          </p:spPr>
+          <p:style>
+            <a:lnRef idx="2">
+              <a:schemeClr val="accent1"/>
+            </a:lnRef>
+            <a:fillRef idx="0">
+              <a:schemeClr val="accent1"/>
+            </a:fillRef>
+            <a:effectRef idx="1">
+              <a:schemeClr val="accent1"/>
+            </a:effectRef>
+            <a:fontRef idx="minor">
+              <a:schemeClr val="tx1"/>
+            </a:fontRef>
+          </p:style>
+        </p:cxnSp>
+        <p:cxnSp>
+          <p:nvCxnSpPr>
+            <p:cNvPr id="20" name="Straight Connector 19"/>
+            <p:cNvCxnSpPr/>
+            <p:nvPr/>
+          </p:nvCxnSpPr>
+          <p:spPr>
+            <a:xfrm flipH="1">
+              <a:off x="7425267" y="3681413"/>
+              <a:ext cx="4763558" cy="3176587"/>
+            </a:xfrm>
+            <a:prstGeom prst="line">
+              <a:avLst/>
+            </a:prstGeom>
+            <a:ln w="9525">
+              <a:solidFill>
+                <a:schemeClr val="accent1">
+                  <a:alpha val="70000"/>
+                </a:schemeClr>
+              </a:solidFill>
+            </a:ln>
+          </p:spPr>
+          <p:style>
+            <a:lnRef idx="2">
+              <a:schemeClr val="accent1"/>
+            </a:lnRef>
+            <a:fillRef idx="0">
+              <a:schemeClr val="accent1"/>
+            </a:fillRef>
+            <a:effectRef idx="1">
+              <a:schemeClr val="accent1"/>
+            </a:effectRef>
+            <a:fontRef idx="minor">
+              <a:schemeClr val="tx1"/>
+            </a:fontRef>
+          </p:style>
+        </p:cxnSp>
+        <p:sp>
+          <p:nvSpPr>
+            <p:cNvPr id="21" name="Rectangle 23"/>
+            <p:cNvSpPr/>
+            <p:nvPr/>
+          </p:nvSpPr>
+          <p:spPr>
+            <a:xfrm>
+              <a:off x="9181476" y="-8467"/>
+              <a:ext cx="3007349" cy="6866467"/>
+            </a:xfrm>
+            <a:custGeom>
+              <a:avLst/>
+              <a:gdLst/>
+              <a:ahLst/>
+              <a:cxnLst/>
+              <a:rect l="l" t="t" r="r" b="b"/>
+              <a:pathLst>
+                <a:path w="3007349" h="6866467">
+                  <a:moveTo>
+                    <a:pt x="2045532" y="0"/>
+                  </a:moveTo>
+                  <a:lnTo>
+                    <a:pt x="3007349" y="0"/>
+                  </a:lnTo>
+                  <a:lnTo>
+                    <a:pt x="3007349" y="6866467"/>
+                  </a:lnTo>
+                  <a:lnTo>
+                    <a:pt x="0" y="6866467"/>
+                  </a:lnTo>
+                  <a:lnTo>
+                    <a:pt x="2045532" y="0"/>
+                  </a:lnTo>
+                  <a:close/>
+                </a:path>
+              </a:pathLst>
+            </a:custGeom>
+            <a:solidFill>
+              <a:schemeClr val="accent1">
+                <a:alpha val="36000"/>
+              </a:schemeClr>
+            </a:solidFill>
+            <a:ln>
+              <a:noFill/>
+            </a:ln>
+            <a:effectLst/>
+          </p:spPr>
+          <p:style>
+            <a:lnRef idx="1">
+              <a:schemeClr val="accent1"/>
+            </a:lnRef>
+            <a:fillRef idx="3">
+              <a:schemeClr val="accent1"/>
+            </a:fillRef>
+            <a:effectRef idx="2">
+              <a:schemeClr val="accent1"/>
+            </a:effectRef>
+            <a:fontRef idx="minor">
+              <a:schemeClr val="lt1"/>
+            </a:fontRef>
+          </p:style>
+        </p:sp>
+        <p:sp>
+          <p:nvSpPr>
+            <p:cNvPr id="22" name="Rectangle 25"/>
+            <p:cNvSpPr/>
+            <p:nvPr/>
+          </p:nvSpPr>
+          <p:spPr>
+            <a:xfrm>
+              <a:off x="9603442" y="-8467"/>
+              <a:ext cx="2588558" cy="6866467"/>
+            </a:xfrm>
+            <a:custGeom>
+              <a:avLst/>
+              <a:gdLst/>
+              <a:ahLst/>
+              <a:cxnLst/>
+              <a:rect l="l" t="t" r="r" b="b"/>
+              <a:pathLst>
+                <a:path w="2573311" h="6866467">
+                  <a:moveTo>
+                    <a:pt x="0" y="0"/>
+                  </a:moveTo>
+                  <a:lnTo>
+                    <a:pt x="2573311" y="0"/>
+                  </a:lnTo>
+                  <a:lnTo>
+                    <a:pt x="2573311" y="6866467"/>
+                  </a:lnTo>
+                  <a:lnTo>
+                    <a:pt x="1202336" y="6866467"/>
+                  </a:lnTo>
+                  <a:lnTo>
+                    <a:pt x="0" y="0"/>
+                  </a:lnTo>
+                  <a:close/>
+                </a:path>
+              </a:pathLst>
+            </a:custGeom>
+            <a:solidFill>
+              <a:schemeClr val="accent1">
+                <a:alpha val="20000"/>
+              </a:schemeClr>
+            </a:solidFill>
+            <a:ln>
+              <a:noFill/>
+            </a:ln>
+            <a:effectLst/>
+          </p:spPr>
+          <p:style>
+            <a:lnRef idx="1">
+              <a:schemeClr val="accent1"/>
+            </a:lnRef>
+            <a:fillRef idx="3">
+              <a:schemeClr val="accent1"/>
+            </a:fillRef>
+            <a:effectRef idx="2">
+              <a:schemeClr val="accent1"/>
+            </a:effectRef>
+            <a:fontRef idx="minor">
+              <a:schemeClr val="lt1"/>
+            </a:fontRef>
+          </p:style>
+        </p:sp>
+        <p:sp>
+          <p:nvSpPr>
+            <p:cNvPr id="23" name="Isosceles Triangle 22"/>
+            <p:cNvSpPr/>
+            <p:nvPr/>
+          </p:nvSpPr>
+          <p:spPr>
+            <a:xfrm>
+              <a:off x="8932333" y="3048000"/>
+              <a:ext cx="3259667" cy="3810000"/>
+            </a:xfrm>
+            <a:prstGeom prst="triangle">
+              <a:avLst>
+                <a:gd name="adj" fmla="val 100000"/>
+              </a:avLst>
+            </a:prstGeom>
+            <a:solidFill>
+              <a:schemeClr val="accent1">
+                <a:lumMod val="75000"/>
+                <a:alpha val="66000"/>
+              </a:schemeClr>
+            </a:solidFill>
+            <a:ln>
+              <a:noFill/>
+            </a:ln>
+            <a:effectLst/>
+          </p:spPr>
+          <p:style>
+            <a:lnRef idx="1">
+              <a:schemeClr val="accent1"/>
+            </a:lnRef>
+            <a:fillRef idx="3">
+              <a:schemeClr val="accent1"/>
+            </a:fillRef>
+            <a:effectRef idx="2">
+              <a:schemeClr val="accent1"/>
+            </a:effectRef>
+            <a:fontRef idx="minor">
+              <a:schemeClr val="lt1"/>
+            </a:fontRef>
+          </p:style>
+        </p:sp>
+        <p:sp>
+          <p:nvSpPr>
+            <p:cNvPr id="24" name="Rectangle 27"/>
+            <p:cNvSpPr/>
+            <p:nvPr/>
+          </p:nvSpPr>
+          <p:spPr>
+            <a:xfrm>
+              <a:off x="9334500" y="-8467"/>
+              <a:ext cx="2854326" cy="6866467"/>
+            </a:xfrm>
+            <a:custGeom>
+              <a:avLst/>
+              <a:gdLst/>
+              <a:ahLst/>
+              <a:cxnLst/>
+              <a:rect l="l" t="t" r="r" b="b"/>
+              <a:pathLst>
+                <a:path w="2858013" h="6866467">
+                  <a:moveTo>
+                    <a:pt x="0" y="0"/>
+                  </a:moveTo>
+                  <a:lnTo>
+                    <a:pt x="2858013" y="0"/>
+                  </a:lnTo>
+                  <a:lnTo>
+                    <a:pt x="2858013" y="6866467"/>
+                  </a:lnTo>
+                  <a:lnTo>
+                    <a:pt x="2473942" y="6866467"/>
+                  </a:lnTo>
+                  <a:lnTo>
+                    <a:pt x="0" y="0"/>
+                  </a:lnTo>
+                  <a:close/>
+                </a:path>
+              </a:pathLst>
+            </a:custGeom>
+            <a:solidFill>
+              <a:schemeClr val="accent1">
+                <a:lumMod val="75000"/>
+                <a:alpha val="50000"/>
+              </a:schemeClr>
+            </a:solidFill>
+            <a:ln>
+              <a:noFill/>
+            </a:ln>
+            <a:effectLst/>
+          </p:spPr>
+          <p:style>
+            <a:lnRef idx="1">
+              <a:schemeClr val="accent1"/>
+            </a:lnRef>
+            <a:fillRef idx="3">
+              <a:schemeClr val="accent1"/>
+            </a:fillRef>
+            <a:effectRef idx="2">
+              <a:schemeClr val="accent1"/>
+            </a:effectRef>
+            <a:fontRef idx="minor">
+              <a:schemeClr val="lt1"/>
+            </a:fontRef>
+          </p:style>
+        </p:sp>
+        <p:sp>
+          <p:nvSpPr>
+            <p:cNvPr id="25" name="Rectangle 28"/>
+            <p:cNvSpPr/>
+            <p:nvPr/>
+          </p:nvSpPr>
+          <p:spPr>
+            <a:xfrm>
+              <a:off x="10898730" y="-8467"/>
+              <a:ext cx="1290094" cy="6866467"/>
+            </a:xfrm>
+            <a:custGeom>
+              <a:avLst/>
+              <a:gdLst/>
+              <a:ahLst/>
+              <a:cxnLst/>
+              <a:rect l="l" t="t" r="r" b="b"/>
+              <a:pathLst>
+                <a:path w="1290094" h="6858000">
+                  <a:moveTo>
+                    <a:pt x="1019735" y="0"/>
+                  </a:moveTo>
+                  <a:lnTo>
+                    <a:pt x="1290094" y="0"/>
+                  </a:lnTo>
+                  <a:lnTo>
+                    <a:pt x="1290094" y="6858000"/>
+                  </a:lnTo>
+                  <a:lnTo>
+                    <a:pt x="0" y="6858000"/>
+                  </a:lnTo>
+                  <a:lnTo>
+                    <a:pt x="1019735" y="0"/>
+                  </a:lnTo>
+                  <a:close/>
+                </a:path>
+              </a:pathLst>
+            </a:custGeom>
+            <a:solidFill>
+              <a:schemeClr val="accent2">
+                <a:alpha val="70000"/>
+              </a:schemeClr>
+            </a:solidFill>
+            <a:ln>
+              <a:noFill/>
+            </a:ln>
+            <a:effectLst/>
+          </p:spPr>
+          <p:style>
+            <a:lnRef idx="1">
+              <a:schemeClr val="accent1"/>
+            </a:lnRef>
+            <a:fillRef idx="3">
+              <a:schemeClr val="accent1"/>
+            </a:fillRef>
+            <a:effectRef idx="2">
+              <a:schemeClr val="accent1"/>
+            </a:effectRef>
+            <a:fontRef idx="minor">
+              <a:schemeClr val="lt1"/>
+            </a:fontRef>
+          </p:style>
+        </p:sp>
+        <p:sp>
+          <p:nvSpPr>
+            <p:cNvPr id="26" name="Rectangle 29"/>
+            <p:cNvSpPr/>
+            <p:nvPr/>
+          </p:nvSpPr>
+          <p:spPr>
+            <a:xfrm>
+              <a:off x="10938999" y="-8467"/>
+              <a:ext cx="1249825" cy="6866467"/>
+            </a:xfrm>
+            <a:custGeom>
+              <a:avLst/>
+              <a:gdLst/>
+              <a:ahLst/>
+              <a:cxnLst/>
+              <a:rect l="l" t="t" r="r" b="b"/>
+              <a:pathLst>
+                <a:path w="1249825" h="6858000">
+                  <a:moveTo>
+                    <a:pt x="0" y="0"/>
+                  </a:moveTo>
+                  <a:lnTo>
+                    <a:pt x="1249825" y="0"/>
+                  </a:lnTo>
+                  <a:lnTo>
+                    <a:pt x="1249825" y="6858000"/>
+                  </a:lnTo>
+                  <a:lnTo>
+                    <a:pt x="1109382" y="6858000"/>
+                  </a:lnTo>
+                  <a:lnTo>
+                    <a:pt x="0" y="0"/>
+                  </a:lnTo>
+                  <a:close/>
+                </a:path>
+              </a:pathLst>
+            </a:custGeom>
+            <a:solidFill>
+              <a:schemeClr val="accent2">
+                <a:lumMod val="75000"/>
+                <a:alpha val="80000"/>
+              </a:schemeClr>
+            </a:solidFill>
+            <a:ln>
+              <a:noFill/>
+            </a:ln>
+            <a:effectLst/>
+          </p:spPr>
+          <p:style>
+            <a:lnRef idx="1">
+              <a:schemeClr val="accent1"/>
+            </a:lnRef>
+            <a:fillRef idx="3">
+              <a:schemeClr val="accent1"/>
+            </a:fillRef>
+            <a:effectRef idx="2">
+              <a:schemeClr val="accent1"/>
+            </a:effectRef>
+            <a:fontRef idx="minor">
+              <a:schemeClr val="lt1"/>
+            </a:fontRef>
+          </p:style>
+        </p:sp>
+        <p:sp>
+          <p:nvSpPr>
+            <p:cNvPr id="27" name="Isosceles Triangle 26"/>
+            <p:cNvSpPr/>
+            <p:nvPr/>
+          </p:nvSpPr>
+          <p:spPr>
+            <a:xfrm>
+              <a:off x="10371666" y="3589867"/>
+              <a:ext cx="1817159" cy="3268133"/>
+            </a:xfrm>
+            <a:prstGeom prst="triangle">
+              <a:avLst>
+                <a:gd name="adj" fmla="val 100000"/>
+              </a:avLst>
+            </a:prstGeom>
+            <a:solidFill>
+              <a:schemeClr val="accent1">
+                <a:lumMod val="75000"/>
+                <a:alpha val="66000"/>
+              </a:schemeClr>
+            </a:solidFill>
+            <a:ln>
+              <a:noFill/>
+            </a:ln>
+            <a:effectLst/>
+          </p:spPr>
+          <p:style>
+            <a:lnRef idx="1">
+              <a:schemeClr val="accent1"/>
+            </a:lnRef>
+            <a:fillRef idx="3">
+              <a:schemeClr val="accent1"/>
+            </a:fillRef>
+            <a:effectRef idx="2">
+              <a:schemeClr val="accent1"/>
+            </a:effectRef>
+            <a:fontRef idx="minor">
+              <a:schemeClr val="lt1"/>
+            </a:fontRef>
+          </p:style>
+        </p:sp>
+      </p:grpSp>
       <p:sp>
         <p:nvSpPr>
           <p:cNvPr id="2" name="Title 1"/>
@@ -217,25 +704,19 @@
         </p:nvSpPr>
         <p:spPr>
           <a:xfrm>
-            <a:off x="1097280" y="758952"/>
-            <a:ext cx="10058400" cy="3566160"/>
+            <a:off x="1507067" y="2404534"/>
+            <a:ext cx="7766936" cy="1646302"/>
           </a:xfrm>
         </p:spPr>
         <p:txBody>
           <a:bodyPr anchor="b">
-            <a:normAutofit/>
+            <a:noAutofit/>
           </a:bodyPr>
           <a:lstStyle>
-            <a:lvl1pPr algn="l">
-              <a:lnSpc>
-                <a:spcPct val="85000"/>
-              </a:lnSpc>
-              <a:defRPr sz="8000" spc="-50" baseline="0">
-                <a:solidFill>
-                  <a:schemeClr val="tx1">
-                    <a:lumMod val="85000"/>
-                    <a:lumOff val="15000"/>
-                  </a:schemeClr>
+            <a:lvl1pPr algn="r">
+              <a:defRPr sz="5400">
+                <a:solidFill>
+                  <a:schemeClr val="accent1"/>
                 </a:solidFill>
               </a:defRPr>
             </a:lvl1pPr>
@@ -261,55 +742,103 @@
         </p:nvSpPr>
         <p:spPr>
           <a:xfrm>
-            <a:off x="1100051" y="4455621"/>
-            <a:ext cx="10058400" cy="1143000"/>
-          </a:xfrm>
-        </p:spPr>
-        <p:txBody>
-          <a:bodyPr lIns="91440" rIns="91440">
-            <a:normAutofit/>
-          </a:bodyPr>
+            <a:off x="1507067" y="4050833"/>
+            <a:ext cx="7766936" cy="1096899"/>
+          </a:xfrm>
+        </p:spPr>
+        <p:txBody>
+          <a:bodyPr anchor="t"/>
           <a:lstStyle>
-            <a:lvl1pPr marL="0" indent="0" algn="l">
-              <a:buNone/>
-              <a:defRPr sz="2400" cap="all" spc="200" baseline="0">
-                <a:solidFill>
-                  <a:schemeClr val="tx2"/>
-                </a:solidFill>
-                <a:latin typeface="+mj-lt"/>
+            <a:lvl1pPr marL="0" indent="0" algn="r">
+              <a:buNone/>
+              <a:defRPr>
+                <a:solidFill>
+                  <a:schemeClr val="tx1">
+                    <a:lumMod val="50000"/>
+                    <a:lumOff val="50000"/>
+                  </a:schemeClr>
+                </a:solidFill>
               </a:defRPr>
             </a:lvl1pPr>
             <a:lvl2pPr marL="457200" indent="0" algn="ctr">
               <a:buNone/>
-              <a:defRPr sz="2400"/>
+              <a:defRPr>
+                <a:solidFill>
+                  <a:schemeClr val="tx1">
+                    <a:tint val="75000"/>
+                  </a:schemeClr>
+                </a:solidFill>
+              </a:defRPr>
             </a:lvl2pPr>
             <a:lvl3pPr marL="914400" indent="0" algn="ctr">
               <a:buNone/>
-              <a:defRPr sz="2400"/>
+              <a:defRPr>
+                <a:solidFill>
+                  <a:schemeClr val="tx1">
+                    <a:tint val="75000"/>
+                  </a:schemeClr>
+                </a:solidFill>
+              </a:defRPr>
             </a:lvl3pPr>
             <a:lvl4pPr marL="1371600" indent="0" algn="ctr">
               <a:buNone/>
-              <a:defRPr sz="2000"/>
+              <a:defRPr>
+                <a:solidFill>
+                  <a:schemeClr val="tx1">
+                    <a:tint val="75000"/>
+                  </a:schemeClr>
+                </a:solidFill>
+              </a:defRPr>
             </a:lvl4pPr>
             <a:lvl5pPr marL="1828800" indent="0" algn="ctr">
               <a:buNone/>
-              <a:defRPr sz="2000"/>
+              <a:defRPr>
+                <a:solidFill>
+                  <a:schemeClr val="tx1">
+                    <a:tint val="75000"/>
+                  </a:schemeClr>
+                </a:solidFill>
+              </a:defRPr>
             </a:lvl5pPr>
             <a:lvl6pPr marL="2286000" indent="0" algn="ctr">
               <a:buNone/>
-              <a:defRPr sz="2000"/>
+              <a:defRPr>
+                <a:solidFill>
+                  <a:schemeClr val="tx1">
+                    <a:tint val="75000"/>
+                  </a:schemeClr>
+                </a:solidFill>
+              </a:defRPr>
             </a:lvl6pPr>
             <a:lvl7pPr marL="2743200" indent="0" algn="ctr">
               <a:buNone/>
-              <a:defRPr sz="2000"/>
+              <a:defRPr>
+                <a:solidFill>
+                  <a:schemeClr val="tx1">
+                    <a:tint val="75000"/>
+                  </a:schemeClr>
+                </a:solidFill>
+              </a:defRPr>
             </a:lvl7pPr>
             <a:lvl8pPr marL="3200400" indent="0" algn="ctr">
               <a:buNone/>
-              <a:defRPr sz="2000"/>
+              <a:defRPr>
+                <a:solidFill>
+                  <a:schemeClr val="tx1">
+                    <a:tint val="75000"/>
+                  </a:schemeClr>
+                </a:solidFill>
+              </a:defRPr>
             </a:lvl8pPr>
             <a:lvl9pPr marL="3657600" indent="0" algn="ctr">
               <a:buNone/>
-              <a:defRPr sz="2000"/>
+              <a:defRPr>
+                <a:solidFill>
+                  <a:schemeClr val="tx1">
+                    <a:tint val="75000"/>
+                  </a:schemeClr>
+                </a:solidFill>
+              </a:defRPr>
             </a:lvl9pPr>
           </a:lstStyle>
           <a:p>
@@ -337,8 +866,8 @@
           <a:lstStyle/>
           <a:p>
             <a:fld id="{5A069CB8-F204-4D06-B913-C5A26A89888A}" type="datetimeFigureOut">
-              <a:rPr lang="en-US" dirty="0"/>
-              <a:t>1/21/2017</a:t>
+              <a:rPr lang="en-US" smtClean="0"/>
+              <a:t>1/25/2017</a:t>
             </a:fld>
             <a:endParaRPr lang="en-US" dirty="0"/>
           </a:p>
@@ -379,52 +908,19 @@
           <a:lstStyle/>
           <a:p>
             <a:fld id="{4FAB73BC-B049-4115-A692-8D63A059BFB8}" type="slidenum">
-              <a:rPr lang="en-US" dirty="0"/>
+              <a:rPr lang="en-US" smtClean="0"/>
               <a:t>‹N°›</a:t>
             </a:fld>
             <a:endParaRPr lang="en-US" dirty="0"/>
           </a:p>
         </p:txBody>
       </p:sp>
-      <p:cxnSp>
-        <p:nvCxnSpPr>
-          <p:cNvPr id="9" name="Straight Connector 8"/>
-          <p:cNvCxnSpPr/>
-          <p:nvPr/>
-        </p:nvCxnSpPr>
-        <p:spPr>
-          <a:xfrm>
-            <a:off x="1207658" y="4343400"/>
-            <a:ext cx="9875520" cy="0"/>
-          </a:xfrm>
-          <a:prstGeom prst="line">
-            <a:avLst/>
-          </a:prstGeom>
-          <a:ln w="6350">
-            <a:solidFill>
-              <a:schemeClr val="tx1">
-                <a:lumMod val="50000"/>
-                <a:lumOff val="50000"/>
-              </a:schemeClr>
-            </a:solidFill>
-          </a:ln>
-        </p:spPr>
-        <p:style>
-          <a:lnRef idx="1">
-            <a:schemeClr val="accent1"/>
-          </a:lnRef>
-          <a:fillRef idx="0">
-            <a:schemeClr val="accent1"/>
-          </a:fillRef>
-          <a:effectRef idx="0">
-            <a:schemeClr val="accent1"/>
-          </a:effectRef>
-          <a:fontRef idx="minor">
-            <a:schemeClr val="tx1"/>
-          </a:fontRef>
-        </p:style>
-      </p:cxnSp>
     </p:spTree>
+    <p:extLst>
+      <p:ext uri="{BB962C8B-B14F-4D97-AF65-F5344CB8AC3E}">
+        <p14:creationId xmlns:p14="http://schemas.microsoft.com/office/powerpoint/2010/main" val="2467630398"/>
+      </p:ext>
+    </p:extLst>
   </p:cSld>
   <p:clrMapOvr>
     <a:masterClrMapping/>
@@ -433,6 +929,1621 @@
 </file>
 
 <file path=ppt/slideLayouts/slideLayout10.xml><?xml version="1.0" encoding="utf-8"?>
+<p:sldLayout xmlns:a="http://schemas.openxmlformats.org/drawingml/2006/main" xmlns:r="http://schemas.openxmlformats.org/officeDocument/2006/relationships" xmlns:p="http://schemas.openxmlformats.org/presentationml/2006/main" preserve="1">
+  <p:cSld name="Titre et légende">
+    <p:spTree>
+      <p:nvGrpSpPr>
+        <p:cNvPr id="1" name=""/>
+        <p:cNvGrpSpPr/>
+        <p:nvPr/>
+      </p:nvGrpSpPr>
+      <p:grpSpPr>
+        <a:xfrm>
+          <a:off x="0" y="0"/>
+          <a:ext cx="0" cy="0"/>
+          <a:chOff x="0" y="0"/>
+          <a:chExt cx="0" cy="0"/>
+        </a:xfrm>
+      </p:grpSpPr>
+      <p:sp>
+        <p:nvSpPr>
+          <p:cNvPr id="2" name="Title 1"/>
+          <p:cNvSpPr>
+            <a:spLocks noGrp="1"/>
+          </p:cNvSpPr>
+          <p:nvPr>
+            <p:ph type="title"/>
+          </p:nvPr>
+        </p:nvSpPr>
+        <p:spPr>
+          <a:xfrm>
+            <a:off x="677335" y="609600"/>
+            <a:ext cx="8596668" cy="3403600"/>
+          </a:xfrm>
+        </p:spPr>
+        <p:txBody>
+          <a:bodyPr anchor="ctr">
+            <a:normAutofit/>
+          </a:bodyPr>
+          <a:lstStyle>
+            <a:lvl1pPr algn="l">
+              <a:defRPr sz="4400" b="0" cap="none"/>
+            </a:lvl1pPr>
+          </a:lstStyle>
+          <a:p>
+            <a:r>
+              <a:rPr lang="fr-FR" smtClean="0"/>
+              <a:t>Modifiez le style du titre</a:t>
+            </a:r>
+            <a:endParaRPr lang="en-US" dirty="0"/>
+          </a:p>
+        </p:txBody>
+      </p:sp>
+      <p:sp>
+        <p:nvSpPr>
+          <p:cNvPr id="3" name="Text Placeholder 2"/>
+          <p:cNvSpPr>
+            <a:spLocks noGrp="1"/>
+          </p:cNvSpPr>
+          <p:nvPr>
+            <p:ph type="body" idx="1"/>
+          </p:nvPr>
+        </p:nvSpPr>
+        <p:spPr>
+          <a:xfrm>
+            <a:off x="677335" y="4470400"/>
+            <a:ext cx="8596668" cy="1570962"/>
+          </a:xfrm>
+        </p:spPr>
+        <p:txBody>
+          <a:bodyPr anchor="ctr">
+            <a:normAutofit/>
+          </a:bodyPr>
+          <a:lstStyle>
+            <a:lvl1pPr marL="0" indent="0" algn="l">
+              <a:buNone/>
+              <a:defRPr sz="1800">
+                <a:solidFill>
+                  <a:schemeClr val="tx1">
+                    <a:lumMod val="75000"/>
+                    <a:lumOff val="25000"/>
+                  </a:schemeClr>
+                </a:solidFill>
+              </a:defRPr>
+            </a:lvl1pPr>
+            <a:lvl2pPr marL="457200" indent="0">
+              <a:buNone/>
+              <a:defRPr sz="1800">
+                <a:solidFill>
+                  <a:schemeClr val="tx1">
+                    <a:tint val="75000"/>
+                  </a:schemeClr>
+                </a:solidFill>
+              </a:defRPr>
+            </a:lvl2pPr>
+            <a:lvl3pPr marL="914400" indent="0">
+              <a:buNone/>
+              <a:defRPr sz="1600">
+                <a:solidFill>
+                  <a:schemeClr val="tx1">
+                    <a:tint val="75000"/>
+                  </a:schemeClr>
+                </a:solidFill>
+              </a:defRPr>
+            </a:lvl3pPr>
+            <a:lvl4pPr marL="1371600" indent="0">
+              <a:buNone/>
+              <a:defRPr sz="1400">
+                <a:solidFill>
+                  <a:schemeClr val="tx1">
+                    <a:tint val="75000"/>
+                  </a:schemeClr>
+                </a:solidFill>
+              </a:defRPr>
+            </a:lvl4pPr>
+            <a:lvl5pPr marL="1828800" indent="0">
+              <a:buNone/>
+              <a:defRPr sz="1400">
+                <a:solidFill>
+                  <a:schemeClr val="tx1">
+                    <a:tint val="75000"/>
+                  </a:schemeClr>
+                </a:solidFill>
+              </a:defRPr>
+            </a:lvl5pPr>
+            <a:lvl6pPr marL="2286000" indent="0">
+              <a:buNone/>
+              <a:defRPr sz="1400">
+                <a:solidFill>
+                  <a:schemeClr val="tx1">
+                    <a:tint val="75000"/>
+                  </a:schemeClr>
+                </a:solidFill>
+              </a:defRPr>
+            </a:lvl6pPr>
+            <a:lvl7pPr marL="2743200" indent="0">
+              <a:buNone/>
+              <a:defRPr sz="1400">
+                <a:solidFill>
+                  <a:schemeClr val="tx1">
+                    <a:tint val="75000"/>
+                  </a:schemeClr>
+                </a:solidFill>
+              </a:defRPr>
+            </a:lvl7pPr>
+            <a:lvl8pPr marL="3200400" indent="0">
+              <a:buNone/>
+              <a:defRPr sz="1400">
+                <a:solidFill>
+                  <a:schemeClr val="tx1">
+                    <a:tint val="75000"/>
+                  </a:schemeClr>
+                </a:solidFill>
+              </a:defRPr>
+            </a:lvl8pPr>
+            <a:lvl9pPr marL="3657600" indent="0">
+              <a:buNone/>
+              <a:defRPr sz="1400">
+                <a:solidFill>
+                  <a:schemeClr val="tx1">
+                    <a:tint val="75000"/>
+                  </a:schemeClr>
+                </a:solidFill>
+              </a:defRPr>
+            </a:lvl9pPr>
+          </a:lstStyle>
+          <a:p>
+            <a:pPr lvl="0"/>
+            <a:r>
+              <a:rPr lang="fr-FR" smtClean="0"/>
+              <a:t>Modifiez les styles du texte du masque</a:t>
+            </a:r>
+          </a:p>
+        </p:txBody>
+      </p:sp>
+      <p:sp>
+        <p:nvSpPr>
+          <p:cNvPr id="4" name="Date Placeholder 3"/>
+          <p:cNvSpPr>
+            <a:spLocks noGrp="1"/>
+          </p:cNvSpPr>
+          <p:nvPr>
+            <p:ph type="dt" sz="half" idx="10"/>
+          </p:nvPr>
+        </p:nvSpPr>
+        <p:spPr/>
+        <p:txBody>
+          <a:bodyPr/>
+          <a:lstStyle/>
+          <a:p>
+            <a:fld id="{5DC5B261-8843-42D1-AAFC-05E20E2D9B97}" type="datetimeFigureOut">
+              <a:rPr lang="en-US" smtClean="0"/>
+              <a:t>1/25/2017</a:t>
+            </a:fld>
+            <a:endParaRPr lang="en-US" dirty="0"/>
+          </a:p>
+        </p:txBody>
+      </p:sp>
+      <p:sp>
+        <p:nvSpPr>
+          <p:cNvPr id="5" name="Footer Placeholder 4"/>
+          <p:cNvSpPr>
+            <a:spLocks noGrp="1"/>
+          </p:cNvSpPr>
+          <p:nvPr>
+            <p:ph type="ftr" sz="quarter" idx="11"/>
+          </p:nvPr>
+        </p:nvSpPr>
+        <p:spPr/>
+        <p:txBody>
+          <a:bodyPr/>
+          <a:lstStyle/>
+          <a:p>
+            <a:endParaRPr lang="en-US" dirty="0"/>
+          </a:p>
+        </p:txBody>
+      </p:sp>
+      <p:sp>
+        <p:nvSpPr>
+          <p:cNvPr id="6" name="Slide Number Placeholder 5"/>
+          <p:cNvSpPr>
+            <a:spLocks noGrp="1"/>
+          </p:cNvSpPr>
+          <p:nvPr>
+            <p:ph type="sldNum" sz="quarter" idx="12"/>
+          </p:nvPr>
+        </p:nvSpPr>
+        <p:spPr/>
+        <p:txBody>
+          <a:bodyPr/>
+          <a:lstStyle/>
+          <a:p>
+            <a:fld id="{4FAB73BC-B049-4115-A692-8D63A059BFB8}" type="slidenum">
+              <a:rPr lang="en-US" smtClean="0"/>
+              <a:pPr/>
+              <a:t>‹N°›</a:t>
+            </a:fld>
+            <a:endParaRPr lang="en-US" dirty="0"/>
+          </a:p>
+        </p:txBody>
+      </p:sp>
+    </p:spTree>
+    <p:extLst>
+      <p:ext uri="{BB962C8B-B14F-4D97-AF65-F5344CB8AC3E}">
+        <p14:creationId xmlns:p14="http://schemas.microsoft.com/office/powerpoint/2010/main" val="3264834958"/>
+      </p:ext>
+    </p:extLst>
+  </p:cSld>
+  <p:clrMapOvr>
+    <a:masterClrMapping/>
+  </p:clrMapOvr>
+  <p:hf sldNum="0" hdr="0" ftr="0" dt="0"/>
+</p:sldLayout>
+</file>
+
+<file path=ppt/slideLayouts/slideLayout11.xml><?xml version="1.0" encoding="utf-8"?>
+<p:sldLayout xmlns:a="http://schemas.openxmlformats.org/drawingml/2006/main" xmlns:r="http://schemas.openxmlformats.org/officeDocument/2006/relationships" xmlns:p="http://schemas.openxmlformats.org/presentationml/2006/main" preserve="1">
+  <p:cSld name="Citation avec légende">
+    <p:spTree>
+      <p:nvGrpSpPr>
+        <p:cNvPr id="1" name=""/>
+        <p:cNvGrpSpPr/>
+        <p:nvPr/>
+      </p:nvGrpSpPr>
+      <p:grpSpPr>
+        <a:xfrm>
+          <a:off x="0" y="0"/>
+          <a:ext cx="0" cy="0"/>
+          <a:chOff x="0" y="0"/>
+          <a:chExt cx="0" cy="0"/>
+        </a:xfrm>
+      </p:grpSpPr>
+      <p:sp>
+        <p:nvSpPr>
+          <p:cNvPr id="2" name="Title 1"/>
+          <p:cNvSpPr>
+            <a:spLocks noGrp="1"/>
+          </p:cNvSpPr>
+          <p:nvPr>
+            <p:ph type="title"/>
+          </p:nvPr>
+        </p:nvSpPr>
+        <p:spPr>
+          <a:xfrm>
+            <a:off x="931334" y="609600"/>
+            <a:ext cx="8094134" cy="3022600"/>
+          </a:xfrm>
+        </p:spPr>
+        <p:txBody>
+          <a:bodyPr anchor="ctr">
+            <a:normAutofit/>
+          </a:bodyPr>
+          <a:lstStyle>
+            <a:lvl1pPr algn="l">
+              <a:defRPr sz="4400" b="0" cap="none"/>
+            </a:lvl1pPr>
+          </a:lstStyle>
+          <a:p>
+            <a:r>
+              <a:rPr lang="fr-FR" smtClean="0"/>
+              <a:t>Modifiez le style du titre</a:t>
+            </a:r>
+            <a:endParaRPr lang="en-US" dirty="0"/>
+          </a:p>
+        </p:txBody>
+      </p:sp>
+      <p:sp>
+        <p:nvSpPr>
+          <p:cNvPr id="23" name="Text Placeholder 9"/>
+          <p:cNvSpPr>
+            <a:spLocks noGrp="1"/>
+          </p:cNvSpPr>
+          <p:nvPr>
+            <p:ph type="body" sz="quarter" idx="13"/>
+          </p:nvPr>
+        </p:nvSpPr>
+        <p:spPr>
+          <a:xfrm>
+            <a:off x="1366139" y="3632200"/>
+            <a:ext cx="7224524" cy="381000"/>
+          </a:xfrm>
+        </p:spPr>
+        <p:txBody>
+          <a:bodyPr anchor="ctr">
+            <a:noAutofit/>
+          </a:bodyPr>
+          <a:lstStyle>
+            <a:lvl1pPr marL="0" indent="0">
+              <a:buFontTx/>
+              <a:buNone/>
+              <a:defRPr sz="1600">
+                <a:solidFill>
+                  <a:schemeClr val="tx1">
+                    <a:lumMod val="50000"/>
+                    <a:lumOff val="50000"/>
+                  </a:schemeClr>
+                </a:solidFill>
+              </a:defRPr>
+            </a:lvl1pPr>
+            <a:lvl2pPr marL="457200" indent="0">
+              <a:buFontTx/>
+              <a:buNone/>
+              <a:defRPr/>
+            </a:lvl2pPr>
+            <a:lvl3pPr marL="914400" indent="0">
+              <a:buFontTx/>
+              <a:buNone/>
+              <a:defRPr/>
+            </a:lvl3pPr>
+            <a:lvl4pPr marL="1371600" indent="0">
+              <a:buFontTx/>
+              <a:buNone/>
+              <a:defRPr/>
+            </a:lvl4pPr>
+            <a:lvl5pPr marL="1828800" indent="0">
+              <a:buFontTx/>
+              <a:buNone/>
+              <a:defRPr/>
+            </a:lvl5pPr>
+          </a:lstStyle>
+          <a:p>
+            <a:pPr lvl="0"/>
+            <a:r>
+              <a:rPr lang="fr-FR" smtClean="0"/>
+              <a:t>Modifiez les styles du texte du masque</a:t>
+            </a:r>
+          </a:p>
+        </p:txBody>
+      </p:sp>
+      <p:sp>
+        <p:nvSpPr>
+          <p:cNvPr id="3" name="Text Placeholder 2"/>
+          <p:cNvSpPr>
+            <a:spLocks noGrp="1"/>
+          </p:cNvSpPr>
+          <p:nvPr>
+            <p:ph type="body" idx="1"/>
+          </p:nvPr>
+        </p:nvSpPr>
+        <p:spPr>
+          <a:xfrm>
+            <a:off x="677335" y="4470400"/>
+            <a:ext cx="8596668" cy="1570962"/>
+          </a:xfrm>
+        </p:spPr>
+        <p:txBody>
+          <a:bodyPr anchor="ctr">
+            <a:normAutofit/>
+          </a:bodyPr>
+          <a:lstStyle>
+            <a:lvl1pPr marL="0" indent="0" algn="l">
+              <a:buNone/>
+              <a:defRPr sz="1800">
+                <a:solidFill>
+                  <a:schemeClr val="tx1">
+                    <a:lumMod val="75000"/>
+                    <a:lumOff val="25000"/>
+                  </a:schemeClr>
+                </a:solidFill>
+              </a:defRPr>
+            </a:lvl1pPr>
+            <a:lvl2pPr marL="457200" indent="0">
+              <a:buNone/>
+              <a:defRPr sz="1800">
+                <a:solidFill>
+                  <a:schemeClr val="tx1">
+                    <a:tint val="75000"/>
+                  </a:schemeClr>
+                </a:solidFill>
+              </a:defRPr>
+            </a:lvl2pPr>
+            <a:lvl3pPr marL="914400" indent="0">
+              <a:buNone/>
+              <a:defRPr sz="1600">
+                <a:solidFill>
+                  <a:schemeClr val="tx1">
+                    <a:tint val="75000"/>
+                  </a:schemeClr>
+                </a:solidFill>
+              </a:defRPr>
+            </a:lvl3pPr>
+            <a:lvl4pPr marL="1371600" indent="0">
+              <a:buNone/>
+              <a:defRPr sz="1400">
+                <a:solidFill>
+                  <a:schemeClr val="tx1">
+                    <a:tint val="75000"/>
+                  </a:schemeClr>
+                </a:solidFill>
+              </a:defRPr>
+            </a:lvl4pPr>
+            <a:lvl5pPr marL="1828800" indent="0">
+              <a:buNone/>
+              <a:defRPr sz="1400">
+                <a:solidFill>
+                  <a:schemeClr val="tx1">
+                    <a:tint val="75000"/>
+                  </a:schemeClr>
+                </a:solidFill>
+              </a:defRPr>
+            </a:lvl5pPr>
+            <a:lvl6pPr marL="2286000" indent="0">
+              <a:buNone/>
+              <a:defRPr sz="1400">
+                <a:solidFill>
+                  <a:schemeClr val="tx1">
+                    <a:tint val="75000"/>
+                  </a:schemeClr>
+                </a:solidFill>
+              </a:defRPr>
+            </a:lvl6pPr>
+            <a:lvl7pPr marL="2743200" indent="0">
+              <a:buNone/>
+              <a:defRPr sz="1400">
+                <a:solidFill>
+                  <a:schemeClr val="tx1">
+                    <a:tint val="75000"/>
+                  </a:schemeClr>
+                </a:solidFill>
+              </a:defRPr>
+            </a:lvl7pPr>
+            <a:lvl8pPr marL="3200400" indent="0">
+              <a:buNone/>
+              <a:defRPr sz="1400">
+                <a:solidFill>
+                  <a:schemeClr val="tx1">
+                    <a:tint val="75000"/>
+                  </a:schemeClr>
+                </a:solidFill>
+              </a:defRPr>
+            </a:lvl8pPr>
+            <a:lvl9pPr marL="3657600" indent="0">
+              <a:buNone/>
+              <a:defRPr sz="1400">
+                <a:solidFill>
+                  <a:schemeClr val="tx1">
+                    <a:tint val="75000"/>
+                  </a:schemeClr>
+                </a:solidFill>
+              </a:defRPr>
+            </a:lvl9pPr>
+          </a:lstStyle>
+          <a:p>
+            <a:pPr lvl="0"/>
+            <a:r>
+              <a:rPr lang="fr-FR" smtClean="0"/>
+              <a:t>Modifiez les styles du texte du masque</a:t>
+            </a:r>
+          </a:p>
+        </p:txBody>
+      </p:sp>
+      <p:sp>
+        <p:nvSpPr>
+          <p:cNvPr id="4" name="Date Placeholder 3"/>
+          <p:cNvSpPr>
+            <a:spLocks noGrp="1"/>
+          </p:cNvSpPr>
+          <p:nvPr>
+            <p:ph type="dt" sz="half" idx="10"/>
+          </p:nvPr>
+        </p:nvSpPr>
+        <p:spPr/>
+        <p:txBody>
+          <a:bodyPr/>
+          <a:lstStyle/>
+          <a:p>
+            <a:fld id="{5DC5B261-8843-42D1-AAFC-05E20E2D9B97}" type="datetimeFigureOut">
+              <a:rPr lang="en-US" smtClean="0"/>
+              <a:t>1/25/2017</a:t>
+            </a:fld>
+            <a:endParaRPr lang="en-US" dirty="0"/>
+          </a:p>
+        </p:txBody>
+      </p:sp>
+      <p:sp>
+        <p:nvSpPr>
+          <p:cNvPr id="5" name="Footer Placeholder 4"/>
+          <p:cNvSpPr>
+            <a:spLocks noGrp="1"/>
+          </p:cNvSpPr>
+          <p:nvPr>
+            <p:ph type="ftr" sz="quarter" idx="11"/>
+          </p:nvPr>
+        </p:nvSpPr>
+        <p:spPr/>
+        <p:txBody>
+          <a:bodyPr/>
+          <a:lstStyle/>
+          <a:p>
+            <a:endParaRPr lang="en-US" dirty="0"/>
+          </a:p>
+        </p:txBody>
+      </p:sp>
+      <p:sp>
+        <p:nvSpPr>
+          <p:cNvPr id="6" name="Slide Number Placeholder 5"/>
+          <p:cNvSpPr>
+            <a:spLocks noGrp="1"/>
+          </p:cNvSpPr>
+          <p:nvPr>
+            <p:ph type="sldNum" sz="quarter" idx="12"/>
+          </p:nvPr>
+        </p:nvSpPr>
+        <p:spPr/>
+        <p:txBody>
+          <a:bodyPr/>
+          <a:lstStyle/>
+          <a:p>
+            <a:fld id="{4FAB73BC-B049-4115-A692-8D63A059BFB8}" type="slidenum">
+              <a:rPr lang="en-US" smtClean="0"/>
+              <a:pPr/>
+              <a:t>‹N°›</a:t>
+            </a:fld>
+            <a:endParaRPr lang="en-US" dirty="0"/>
+          </a:p>
+        </p:txBody>
+      </p:sp>
+      <p:sp>
+        <p:nvSpPr>
+          <p:cNvPr id="24" name="TextBox 23"/>
+          <p:cNvSpPr txBox="1"/>
+          <p:nvPr/>
+        </p:nvSpPr>
+        <p:spPr>
+          <a:xfrm>
+            <a:off x="541870" y="790378"/>
+            <a:ext cx="609600" cy="584776"/>
+          </a:xfrm>
+          <a:prstGeom prst="rect">
+            <a:avLst/>
+          </a:prstGeom>
+        </p:spPr>
+        <p:txBody>
+          <a:bodyPr vert="horz" lIns="91440" tIns="45720" rIns="91440" bIns="45720" rtlCol="0" anchor="ctr">
+            <a:noAutofit/>
+          </a:bodyPr>
+          <a:lstStyle/>
+          <a:p>
+            <a:pPr lvl="0"/>
+            <a:r>
+              <a:rPr lang="en-US" sz="8000" baseline="0" dirty="0">
+                <a:ln w="3175" cmpd="sng">
+                  <a:noFill/>
+                </a:ln>
+                <a:solidFill>
+                  <a:schemeClr val="accent1">
+                    <a:lumMod val="60000"/>
+                    <a:lumOff val="40000"/>
+                  </a:schemeClr>
+                </a:solidFill>
+                <a:effectLst/>
+                <a:latin typeface="Arial"/>
+              </a:rPr>
+              <a:t>“</a:t>
+            </a:r>
+          </a:p>
+        </p:txBody>
+      </p:sp>
+      <p:sp>
+        <p:nvSpPr>
+          <p:cNvPr id="25" name="TextBox 24"/>
+          <p:cNvSpPr txBox="1"/>
+          <p:nvPr/>
+        </p:nvSpPr>
+        <p:spPr>
+          <a:xfrm>
+            <a:off x="8893011" y="2886556"/>
+            <a:ext cx="609600" cy="584776"/>
+          </a:xfrm>
+          <a:prstGeom prst="rect">
+            <a:avLst/>
+          </a:prstGeom>
+        </p:spPr>
+        <p:txBody>
+          <a:bodyPr vert="horz" lIns="91440" tIns="45720" rIns="91440" bIns="45720" rtlCol="0" anchor="ctr">
+            <a:noAutofit/>
+          </a:bodyPr>
+          <a:lstStyle/>
+          <a:p>
+            <a:pPr lvl="0"/>
+            <a:r>
+              <a:rPr lang="en-US" sz="8000" baseline="0" dirty="0">
+                <a:ln w="3175" cmpd="sng">
+                  <a:noFill/>
+                </a:ln>
+                <a:solidFill>
+                  <a:schemeClr val="accent1">
+                    <a:lumMod val="60000"/>
+                    <a:lumOff val="40000"/>
+                  </a:schemeClr>
+                </a:solidFill>
+                <a:effectLst/>
+                <a:latin typeface="Arial"/>
+              </a:rPr>
+              <a:t>”</a:t>
+            </a:r>
+          </a:p>
+        </p:txBody>
+      </p:sp>
+    </p:spTree>
+    <p:extLst>
+      <p:ext uri="{BB962C8B-B14F-4D97-AF65-F5344CB8AC3E}">
+        <p14:creationId xmlns:p14="http://schemas.microsoft.com/office/powerpoint/2010/main" val="1150244037"/>
+      </p:ext>
+    </p:extLst>
+  </p:cSld>
+  <p:clrMapOvr>
+    <a:masterClrMapping/>
+  </p:clrMapOvr>
+  <p:hf sldNum="0" hdr="0" ftr="0" dt="0"/>
+</p:sldLayout>
+</file>
+
+<file path=ppt/slideLayouts/slideLayout12.xml><?xml version="1.0" encoding="utf-8"?>
+<p:sldLayout xmlns:a="http://schemas.openxmlformats.org/drawingml/2006/main" xmlns:r="http://schemas.openxmlformats.org/officeDocument/2006/relationships" xmlns:p="http://schemas.openxmlformats.org/presentationml/2006/main" preserve="1">
+  <p:cSld name="Carte nom">
+    <p:spTree>
+      <p:nvGrpSpPr>
+        <p:cNvPr id="1" name=""/>
+        <p:cNvGrpSpPr/>
+        <p:nvPr/>
+      </p:nvGrpSpPr>
+      <p:grpSpPr>
+        <a:xfrm>
+          <a:off x="0" y="0"/>
+          <a:ext cx="0" cy="0"/>
+          <a:chOff x="0" y="0"/>
+          <a:chExt cx="0" cy="0"/>
+        </a:xfrm>
+      </p:grpSpPr>
+      <p:sp>
+        <p:nvSpPr>
+          <p:cNvPr id="2" name="Title 1"/>
+          <p:cNvSpPr>
+            <a:spLocks noGrp="1"/>
+          </p:cNvSpPr>
+          <p:nvPr>
+            <p:ph type="title"/>
+          </p:nvPr>
+        </p:nvSpPr>
+        <p:spPr>
+          <a:xfrm>
+            <a:off x="677335" y="1931988"/>
+            <a:ext cx="8596668" cy="2595460"/>
+          </a:xfrm>
+        </p:spPr>
+        <p:txBody>
+          <a:bodyPr anchor="b">
+            <a:normAutofit/>
+          </a:bodyPr>
+          <a:lstStyle>
+            <a:lvl1pPr algn="l">
+              <a:defRPr sz="4400" b="0" cap="none"/>
+            </a:lvl1pPr>
+          </a:lstStyle>
+          <a:p>
+            <a:r>
+              <a:rPr lang="fr-FR" smtClean="0"/>
+              <a:t>Modifiez le style du titre</a:t>
+            </a:r>
+            <a:endParaRPr lang="en-US" dirty="0"/>
+          </a:p>
+        </p:txBody>
+      </p:sp>
+      <p:sp>
+        <p:nvSpPr>
+          <p:cNvPr id="3" name="Text Placeholder 2"/>
+          <p:cNvSpPr>
+            <a:spLocks noGrp="1"/>
+          </p:cNvSpPr>
+          <p:nvPr>
+            <p:ph type="body" idx="1"/>
+          </p:nvPr>
+        </p:nvSpPr>
+        <p:spPr>
+          <a:xfrm>
+            <a:off x="677335" y="4527448"/>
+            <a:ext cx="8596668" cy="1513914"/>
+          </a:xfrm>
+        </p:spPr>
+        <p:txBody>
+          <a:bodyPr anchor="t">
+            <a:normAutofit/>
+          </a:bodyPr>
+          <a:lstStyle>
+            <a:lvl1pPr marL="0" indent="0" algn="l">
+              <a:buNone/>
+              <a:defRPr sz="1800">
+                <a:solidFill>
+                  <a:schemeClr val="tx1">
+                    <a:lumMod val="75000"/>
+                    <a:lumOff val="25000"/>
+                  </a:schemeClr>
+                </a:solidFill>
+              </a:defRPr>
+            </a:lvl1pPr>
+            <a:lvl2pPr marL="457200" indent="0">
+              <a:buNone/>
+              <a:defRPr sz="1800">
+                <a:solidFill>
+                  <a:schemeClr val="tx1">
+                    <a:tint val="75000"/>
+                  </a:schemeClr>
+                </a:solidFill>
+              </a:defRPr>
+            </a:lvl2pPr>
+            <a:lvl3pPr marL="914400" indent="0">
+              <a:buNone/>
+              <a:defRPr sz="1600">
+                <a:solidFill>
+                  <a:schemeClr val="tx1">
+                    <a:tint val="75000"/>
+                  </a:schemeClr>
+                </a:solidFill>
+              </a:defRPr>
+            </a:lvl3pPr>
+            <a:lvl4pPr marL="1371600" indent="0">
+              <a:buNone/>
+              <a:defRPr sz="1400">
+                <a:solidFill>
+                  <a:schemeClr val="tx1">
+                    <a:tint val="75000"/>
+                  </a:schemeClr>
+                </a:solidFill>
+              </a:defRPr>
+            </a:lvl4pPr>
+            <a:lvl5pPr marL="1828800" indent="0">
+              <a:buNone/>
+              <a:defRPr sz="1400">
+                <a:solidFill>
+                  <a:schemeClr val="tx1">
+                    <a:tint val="75000"/>
+                  </a:schemeClr>
+                </a:solidFill>
+              </a:defRPr>
+            </a:lvl5pPr>
+            <a:lvl6pPr marL="2286000" indent="0">
+              <a:buNone/>
+              <a:defRPr sz="1400">
+                <a:solidFill>
+                  <a:schemeClr val="tx1">
+                    <a:tint val="75000"/>
+                  </a:schemeClr>
+                </a:solidFill>
+              </a:defRPr>
+            </a:lvl6pPr>
+            <a:lvl7pPr marL="2743200" indent="0">
+              <a:buNone/>
+              <a:defRPr sz="1400">
+                <a:solidFill>
+                  <a:schemeClr val="tx1">
+                    <a:tint val="75000"/>
+                  </a:schemeClr>
+                </a:solidFill>
+              </a:defRPr>
+            </a:lvl7pPr>
+            <a:lvl8pPr marL="3200400" indent="0">
+              <a:buNone/>
+              <a:defRPr sz="1400">
+                <a:solidFill>
+                  <a:schemeClr val="tx1">
+                    <a:tint val="75000"/>
+                  </a:schemeClr>
+                </a:solidFill>
+              </a:defRPr>
+            </a:lvl8pPr>
+            <a:lvl9pPr marL="3657600" indent="0">
+              <a:buNone/>
+              <a:defRPr sz="1400">
+                <a:solidFill>
+                  <a:schemeClr val="tx1">
+                    <a:tint val="75000"/>
+                  </a:schemeClr>
+                </a:solidFill>
+              </a:defRPr>
+            </a:lvl9pPr>
+          </a:lstStyle>
+          <a:p>
+            <a:pPr lvl="0"/>
+            <a:r>
+              <a:rPr lang="fr-FR" smtClean="0"/>
+              <a:t>Modifiez les styles du texte du masque</a:t>
+            </a:r>
+          </a:p>
+        </p:txBody>
+      </p:sp>
+      <p:sp>
+        <p:nvSpPr>
+          <p:cNvPr id="4" name="Date Placeholder 3"/>
+          <p:cNvSpPr>
+            <a:spLocks noGrp="1"/>
+          </p:cNvSpPr>
+          <p:nvPr>
+            <p:ph type="dt" sz="half" idx="10"/>
+          </p:nvPr>
+        </p:nvSpPr>
+        <p:spPr/>
+        <p:txBody>
+          <a:bodyPr/>
+          <a:lstStyle/>
+          <a:p>
+            <a:fld id="{5DC5B261-8843-42D1-AAFC-05E20E2D9B97}" type="datetimeFigureOut">
+              <a:rPr lang="en-US" smtClean="0"/>
+              <a:t>1/25/2017</a:t>
+            </a:fld>
+            <a:endParaRPr lang="en-US" dirty="0"/>
+          </a:p>
+        </p:txBody>
+      </p:sp>
+      <p:sp>
+        <p:nvSpPr>
+          <p:cNvPr id="5" name="Footer Placeholder 4"/>
+          <p:cNvSpPr>
+            <a:spLocks noGrp="1"/>
+          </p:cNvSpPr>
+          <p:nvPr>
+            <p:ph type="ftr" sz="quarter" idx="11"/>
+          </p:nvPr>
+        </p:nvSpPr>
+        <p:spPr/>
+        <p:txBody>
+          <a:bodyPr/>
+          <a:lstStyle/>
+          <a:p>
+            <a:endParaRPr lang="en-US" dirty="0"/>
+          </a:p>
+        </p:txBody>
+      </p:sp>
+      <p:sp>
+        <p:nvSpPr>
+          <p:cNvPr id="6" name="Slide Number Placeholder 5"/>
+          <p:cNvSpPr>
+            <a:spLocks noGrp="1"/>
+          </p:cNvSpPr>
+          <p:nvPr>
+            <p:ph type="sldNum" sz="quarter" idx="12"/>
+          </p:nvPr>
+        </p:nvSpPr>
+        <p:spPr/>
+        <p:txBody>
+          <a:bodyPr/>
+          <a:lstStyle/>
+          <a:p>
+            <a:fld id="{4FAB73BC-B049-4115-A692-8D63A059BFB8}" type="slidenum">
+              <a:rPr lang="en-US" smtClean="0"/>
+              <a:pPr/>
+              <a:t>‹N°›</a:t>
+            </a:fld>
+            <a:endParaRPr lang="en-US" dirty="0"/>
+          </a:p>
+        </p:txBody>
+      </p:sp>
+    </p:spTree>
+    <p:extLst>
+      <p:ext uri="{BB962C8B-B14F-4D97-AF65-F5344CB8AC3E}">
+        <p14:creationId xmlns:p14="http://schemas.microsoft.com/office/powerpoint/2010/main" val="967369013"/>
+      </p:ext>
+    </p:extLst>
+  </p:cSld>
+  <p:clrMapOvr>
+    <a:masterClrMapping/>
+  </p:clrMapOvr>
+  <p:hf sldNum="0" hdr="0" ftr="0" dt="0"/>
+</p:sldLayout>
+</file>
+
+<file path=ppt/slideLayouts/slideLayout13.xml><?xml version="1.0" encoding="utf-8"?>
+<p:sldLayout xmlns:a="http://schemas.openxmlformats.org/drawingml/2006/main" xmlns:r="http://schemas.openxmlformats.org/officeDocument/2006/relationships" xmlns:p="http://schemas.openxmlformats.org/presentationml/2006/main" preserve="1">
+  <p:cSld name="Carte nom citation">
+    <p:spTree>
+      <p:nvGrpSpPr>
+        <p:cNvPr id="1" name=""/>
+        <p:cNvGrpSpPr/>
+        <p:nvPr/>
+      </p:nvGrpSpPr>
+      <p:grpSpPr>
+        <a:xfrm>
+          <a:off x="0" y="0"/>
+          <a:ext cx="0" cy="0"/>
+          <a:chOff x="0" y="0"/>
+          <a:chExt cx="0" cy="0"/>
+        </a:xfrm>
+      </p:grpSpPr>
+      <p:sp>
+        <p:nvSpPr>
+          <p:cNvPr id="2" name="Title 1"/>
+          <p:cNvSpPr>
+            <a:spLocks noGrp="1"/>
+          </p:cNvSpPr>
+          <p:nvPr>
+            <p:ph type="title"/>
+          </p:nvPr>
+        </p:nvSpPr>
+        <p:spPr>
+          <a:xfrm>
+            <a:off x="931334" y="609600"/>
+            <a:ext cx="8094134" cy="3022600"/>
+          </a:xfrm>
+        </p:spPr>
+        <p:txBody>
+          <a:bodyPr anchor="ctr">
+            <a:normAutofit/>
+          </a:bodyPr>
+          <a:lstStyle>
+            <a:lvl1pPr algn="l">
+              <a:defRPr sz="4400" b="0" cap="none"/>
+            </a:lvl1pPr>
+          </a:lstStyle>
+          <a:p>
+            <a:r>
+              <a:rPr lang="fr-FR" smtClean="0"/>
+              <a:t>Modifiez le style du titre</a:t>
+            </a:r>
+            <a:endParaRPr lang="en-US" dirty="0"/>
+          </a:p>
+        </p:txBody>
+      </p:sp>
+      <p:sp>
+        <p:nvSpPr>
+          <p:cNvPr id="23" name="Text Placeholder 9"/>
+          <p:cNvSpPr>
+            <a:spLocks noGrp="1"/>
+          </p:cNvSpPr>
+          <p:nvPr>
+            <p:ph type="body" sz="quarter" idx="13"/>
+          </p:nvPr>
+        </p:nvSpPr>
+        <p:spPr>
+          <a:xfrm>
+            <a:off x="677332" y="4013200"/>
+            <a:ext cx="8596669" cy="514248"/>
+          </a:xfrm>
+        </p:spPr>
+        <p:txBody>
+          <a:bodyPr anchor="b">
+            <a:noAutofit/>
+          </a:bodyPr>
+          <a:lstStyle>
+            <a:lvl1pPr marL="0" indent="0">
+              <a:buFontTx/>
+              <a:buNone/>
+              <a:defRPr sz="2400">
+                <a:solidFill>
+                  <a:schemeClr val="tx1">
+                    <a:lumMod val="75000"/>
+                    <a:lumOff val="25000"/>
+                  </a:schemeClr>
+                </a:solidFill>
+              </a:defRPr>
+            </a:lvl1pPr>
+            <a:lvl2pPr marL="457200" indent="0">
+              <a:buFontTx/>
+              <a:buNone/>
+              <a:defRPr/>
+            </a:lvl2pPr>
+            <a:lvl3pPr marL="914400" indent="0">
+              <a:buFontTx/>
+              <a:buNone/>
+              <a:defRPr/>
+            </a:lvl3pPr>
+            <a:lvl4pPr marL="1371600" indent="0">
+              <a:buFontTx/>
+              <a:buNone/>
+              <a:defRPr/>
+            </a:lvl4pPr>
+            <a:lvl5pPr marL="1828800" indent="0">
+              <a:buFontTx/>
+              <a:buNone/>
+              <a:defRPr/>
+            </a:lvl5pPr>
+          </a:lstStyle>
+          <a:p>
+            <a:pPr lvl="0"/>
+            <a:r>
+              <a:rPr lang="fr-FR" smtClean="0"/>
+              <a:t>Modifiez les styles du texte du masque</a:t>
+            </a:r>
+          </a:p>
+        </p:txBody>
+      </p:sp>
+      <p:sp>
+        <p:nvSpPr>
+          <p:cNvPr id="3" name="Text Placeholder 2"/>
+          <p:cNvSpPr>
+            <a:spLocks noGrp="1"/>
+          </p:cNvSpPr>
+          <p:nvPr>
+            <p:ph type="body" idx="1"/>
+          </p:nvPr>
+        </p:nvSpPr>
+        <p:spPr>
+          <a:xfrm>
+            <a:off x="677335" y="4527448"/>
+            <a:ext cx="8596668" cy="1513914"/>
+          </a:xfrm>
+        </p:spPr>
+        <p:txBody>
+          <a:bodyPr anchor="t">
+            <a:normAutofit/>
+          </a:bodyPr>
+          <a:lstStyle>
+            <a:lvl1pPr marL="0" indent="0" algn="l">
+              <a:buNone/>
+              <a:defRPr sz="1800">
+                <a:solidFill>
+                  <a:schemeClr val="tx1">
+                    <a:lumMod val="50000"/>
+                    <a:lumOff val="50000"/>
+                  </a:schemeClr>
+                </a:solidFill>
+              </a:defRPr>
+            </a:lvl1pPr>
+            <a:lvl2pPr marL="457200" indent="0">
+              <a:buNone/>
+              <a:defRPr sz="1800">
+                <a:solidFill>
+                  <a:schemeClr val="tx1">
+                    <a:tint val="75000"/>
+                  </a:schemeClr>
+                </a:solidFill>
+              </a:defRPr>
+            </a:lvl2pPr>
+            <a:lvl3pPr marL="914400" indent="0">
+              <a:buNone/>
+              <a:defRPr sz="1600">
+                <a:solidFill>
+                  <a:schemeClr val="tx1">
+                    <a:tint val="75000"/>
+                  </a:schemeClr>
+                </a:solidFill>
+              </a:defRPr>
+            </a:lvl3pPr>
+            <a:lvl4pPr marL="1371600" indent="0">
+              <a:buNone/>
+              <a:defRPr sz="1400">
+                <a:solidFill>
+                  <a:schemeClr val="tx1">
+                    <a:tint val="75000"/>
+                  </a:schemeClr>
+                </a:solidFill>
+              </a:defRPr>
+            </a:lvl4pPr>
+            <a:lvl5pPr marL="1828800" indent="0">
+              <a:buNone/>
+              <a:defRPr sz="1400">
+                <a:solidFill>
+                  <a:schemeClr val="tx1">
+                    <a:tint val="75000"/>
+                  </a:schemeClr>
+                </a:solidFill>
+              </a:defRPr>
+            </a:lvl5pPr>
+            <a:lvl6pPr marL="2286000" indent="0">
+              <a:buNone/>
+              <a:defRPr sz="1400">
+                <a:solidFill>
+                  <a:schemeClr val="tx1">
+                    <a:tint val="75000"/>
+                  </a:schemeClr>
+                </a:solidFill>
+              </a:defRPr>
+            </a:lvl6pPr>
+            <a:lvl7pPr marL="2743200" indent="0">
+              <a:buNone/>
+              <a:defRPr sz="1400">
+                <a:solidFill>
+                  <a:schemeClr val="tx1">
+                    <a:tint val="75000"/>
+                  </a:schemeClr>
+                </a:solidFill>
+              </a:defRPr>
+            </a:lvl7pPr>
+            <a:lvl8pPr marL="3200400" indent="0">
+              <a:buNone/>
+              <a:defRPr sz="1400">
+                <a:solidFill>
+                  <a:schemeClr val="tx1">
+                    <a:tint val="75000"/>
+                  </a:schemeClr>
+                </a:solidFill>
+              </a:defRPr>
+            </a:lvl8pPr>
+            <a:lvl9pPr marL="3657600" indent="0">
+              <a:buNone/>
+              <a:defRPr sz="1400">
+                <a:solidFill>
+                  <a:schemeClr val="tx1">
+                    <a:tint val="75000"/>
+                  </a:schemeClr>
+                </a:solidFill>
+              </a:defRPr>
+            </a:lvl9pPr>
+          </a:lstStyle>
+          <a:p>
+            <a:pPr lvl="0"/>
+            <a:r>
+              <a:rPr lang="fr-FR" smtClean="0"/>
+              <a:t>Modifiez les styles du texte du masque</a:t>
+            </a:r>
+          </a:p>
+        </p:txBody>
+      </p:sp>
+      <p:sp>
+        <p:nvSpPr>
+          <p:cNvPr id="4" name="Date Placeholder 3"/>
+          <p:cNvSpPr>
+            <a:spLocks noGrp="1"/>
+          </p:cNvSpPr>
+          <p:nvPr>
+            <p:ph type="dt" sz="half" idx="10"/>
+          </p:nvPr>
+        </p:nvSpPr>
+        <p:spPr/>
+        <p:txBody>
+          <a:bodyPr/>
+          <a:lstStyle/>
+          <a:p>
+            <a:fld id="{5DC5B261-8843-42D1-AAFC-05E20E2D9B97}" type="datetimeFigureOut">
+              <a:rPr lang="en-US" smtClean="0"/>
+              <a:t>1/25/2017</a:t>
+            </a:fld>
+            <a:endParaRPr lang="en-US" dirty="0"/>
+          </a:p>
+        </p:txBody>
+      </p:sp>
+      <p:sp>
+        <p:nvSpPr>
+          <p:cNvPr id="5" name="Footer Placeholder 4"/>
+          <p:cNvSpPr>
+            <a:spLocks noGrp="1"/>
+          </p:cNvSpPr>
+          <p:nvPr>
+            <p:ph type="ftr" sz="quarter" idx="11"/>
+          </p:nvPr>
+        </p:nvSpPr>
+        <p:spPr/>
+        <p:txBody>
+          <a:bodyPr/>
+          <a:lstStyle/>
+          <a:p>
+            <a:endParaRPr lang="en-US" dirty="0"/>
+          </a:p>
+        </p:txBody>
+      </p:sp>
+      <p:sp>
+        <p:nvSpPr>
+          <p:cNvPr id="6" name="Slide Number Placeholder 5"/>
+          <p:cNvSpPr>
+            <a:spLocks noGrp="1"/>
+          </p:cNvSpPr>
+          <p:nvPr>
+            <p:ph type="sldNum" sz="quarter" idx="12"/>
+          </p:nvPr>
+        </p:nvSpPr>
+        <p:spPr/>
+        <p:txBody>
+          <a:bodyPr/>
+          <a:lstStyle/>
+          <a:p>
+            <a:fld id="{4FAB73BC-B049-4115-A692-8D63A059BFB8}" type="slidenum">
+              <a:rPr lang="en-US" smtClean="0"/>
+              <a:pPr/>
+              <a:t>‹N°›</a:t>
+            </a:fld>
+            <a:endParaRPr lang="en-US" dirty="0"/>
+          </a:p>
+        </p:txBody>
+      </p:sp>
+      <p:sp>
+        <p:nvSpPr>
+          <p:cNvPr id="24" name="TextBox 23"/>
+          <p:cNvSpPr txBox="1"/>
+          <p:nvPr/>
+        </p:nvSpPr>
+        <p:spPr>
+          <a:xfrm>
+            <a:off x="541870" y="790378"/>
+            <a:ext cx="609600" cy="584776"/>
+          </a:xfrm>
+          <a:prstGeom prst="rect">
+            <a:avLst/>
+          </a:prstGeom>
+        </p:spPr>
+        <p:txBody>
+          <a:bodyPr vert="horz" lIns="91440" tIns="45720" rIns="91440" bIns="45720" rtlCol="0" anchor="ctr">
+            <a:noAutofit/>
+          </a:bodyPr>
+          <a:lstStyle/>
+          <a:p>
+            <a:pPr lvl="0"/>
+            <a:r>
+              <a:rPr lang="en-US" sz="8000" baseline="0" dirty="0">
+                <a:ln w="3175" cmpd="sng">
+                  <a:noFill/>
+                </a:ln>
+                <a:solidFill>
+                  <a:schemeClr val="accent1">
+                    <a:lumMod val="60000"/>
+                    <a:lumOff val="40000"/>
+                  </a:schemeClr>
+                </a:solidFill>
+                <a:effectLst/>
+                <a:latin typeface="Arial"/>
+              </a:rPr>
+              <a:t>“</a:t>
+            </a:r>
+          </a:p>
+        </p:txBody>
+      </p:sp>
+      <p:sp>
+        <p:nvSpPr>
+          <p:cNvPr id="25" name="TextBox 24"/>
+          <p:cNvSpPr txBox="1"/>
+          <p:nvPr/>
+        </p:nvSpPr>
+        <p:spPr>
+          <a:xfrm>
+            <a:off x="8893011" y="2886556"/>
+            <a:ext cx="609600" cy="584776"/>
+          </a:xfrm>
+          <a:prstGeom prst="rect">
+            <a:avLst/>
+          </a:prstGeom>
+        </p:spPr>
+        <p:txBody>
+          <a:bodyPr vert="horz" lIns="91440" tIns="45720" rIns="91440" bIns="45720" rtlCol="0" anchor="ctr">
+            <a:noAutofit/>
+          </a:bodyPr>
+          <a:lstStyle/>
+          <a:p>
+            <a:pPr lvl="0"/>
+            <a:r>
+              <a:rPr lang="en-US" sz="8000" baseline="0" dirty="0">
+                <a:ln w="3175" cmpd="sng">
+                  <a:noFill/>
+                </a:ln>
+                <a:solidFill>
+                  <a:schemeClr val="accent1">
+                    <a:lumMod val="60000"/>
+                    <a:lumOff val="40000"/>
+                  </a:schemeClr>
+                </a:solidFill>
+                <a:effectLst/>
+                <a:latin typeface="Arial"/>
+              </a:rPr>
+              <a:t>”</a:t>
+            </a:r>
+          </a:p>
+        </p:txBody>
+      </p:sp>
+    </p:spTree>
+    <p:extLst>
+      <p:ext uri="{BB962C8B-B14F-4D97-AF65-F5344CB8AC3E}">
+        <p14:creationId xmlns:p14="http://schemas.microsoft.com/office/powerpoint/2010/main" val="1859942790"/>
+      </p:ext>
+    </p:extLst>
+  </p:cSld>
+  <p:clrMapOvr>
+    <a:masterClrMapping/>
+  </p:clrMapOvr>
+  <p:hf sldNum="0" hdr="0" ftr="0" dt="0"/>
+</p:sldLayout>
+</file>
+
+<file path=ppt/slideLayouts/slideLayout14.xml><?xml version="1.0" encoding="utf-8"?>
+<p:sldLayout xmlns:a="http://schemas.openxmlformats.org/drawingml/2006/main" xmlns:r="http://schemas.openxmlformats.org/officeDocument/2006/relationships" xmlns:p="http://schemas.openxmlformats.org/presentationml/2006/main" preserve="1">
+  <p:cSld name="Vrai ou faux">
+    <p:spTree>
+      <p:nvGrpSpPr>
+        <p:cNvPr id="1" name=""/>
+        <p:cNvGrpSpPr/>
+        <p:nvPr/>
+      </p:nvGrpSpPr>
+      <p:grpSpPr>
+        <a:xfrm>
+          <a:off x="0" y="0"/>
+          <a:ext cx="0" cy="0"/>
+          <a:chOff x="0" y="0"/>
+          <a:chExt cx="0" cy="0"/>
+        </a:xfrm>
+      </p:grpSpPr>
+      <p:sp>
+        <p:nvSpPr>
+          <p:cNvPr id="2" name="Title 1"/>
+          <p:cNvSpPr>
+            <a:spLocks noGrp="1"/>
+          </p:cNvSpPr>
+          <p:nvPr>
+            <p:ph type="title"/>
+          </p:nvPr>
+        </p:nvSpPr>
+        <p:spPr>
+          <a:xfrm>
+            <a:off x="685799" y="609600"/>
+            <a:ext cx="8588203" cy="3022600"/>
+          </a:xfrm>
+        </p:spPr>
+        <p:txBody>
+          <a:bodyPr anchor="ctr">
+            <a:normAutofit/>
+          </a:bodyPr>
+          <a:lstStyle>
+            <a:lvl1pPr algn="l">
+              <a:defRPr sz="4400" b="0" cap="none"/>
+            </a:lvl1pPr>
+          </a:lstStyle>
+          <a:p>
+            <a:r>
+              <a:rPr lang="fr-FR" smtClean="0"/>
+              <a:t>Modifiez le style du titre</a:t>
+            </a:r>
+            <a:endParaRPr lang="en-US" dirty="0"/>
+          </a:p>
+        </p:txBody>
+      </p:sp>
+      <p:sp>
+        <p:nvSpPr>
+          <p:cNvPr id="23" name="Text Placeholder 9"/>
+          <p:cNvSpPr>
+            <a:spLocks noGrp="1"/>
+          </p:cNvSpPr>
+          <p:nvPr>
+            <p:ph type="body" sz="quarter" idx="13"/>
+          </p:nvPr>
+        </p:nvSpPr>
+        <p:spPr>
+          <a:xfrm>
+            <a:off x="677332" y="4013200"/>
+            <a:ext cx="8596669" cy="514248"/>
+          </a:xfrm>
+        </p:spPr>
+        <p:txBody>
+          <a:bodyPr anchor="b">
+            <a:noAutofit/>
+          </a:bodyPr>
+          <a:lstStyle>
+            <a:lvl1pPr marL="0" indent="0">
+              <a:buFontTx/>
+              <a:buNone/>
+              <a:defRPr sz="2400">
+                <a:solidFill>
+                  <a:schemeClr val="accent1"/>
+                </a:solidFill>
+              </a:defRPr>
+            </a:lvl1pPr>
+            <a:lvl2pPr marL="457200" indent="0">
+              <a:buFontTx/>
+              <a:buNone/>
+              <a:defRPr/>
+            </a:lvl2pPr>
+            <a:lvl3pPr marL="914400" indent="0">
+              <a:buFontTx/>
+              <a:buNone/>
+              <a:defRPr/>
+            </a:lvl3pPr>
+            <a:lvl4pPr marL="1371600" indent="0">
+              <a:buFontTx/>
+              <a:buNone/>
+              <a:defRPr/>
+            </a:lvl4pPr>
+            <a:lvl5pPr marL="1828800" indent="0">
+              <a:buFontTx/>
+              <a:buNone/>
+              <a:defRPr/>
+            </a:lvl5pPr>
+          </a:lstStyle>
+          <a:p>
+            <a:pPr lvl="0"/>
+            <a:r>
+              <a:rPr lang="fr-FR" smtClean="0"/>
+              <a:t>Modifiez les styles du texte du masque</a:t>
+            </a:r>
+          </a:p>
+        </p:txBody>
+      </p:sp>
+      <p:sp>
+        <p:nvSpPr>
+          <p:cNvPr id="3" name="Text Placeholder 2"/>
+          <p:cNvSpPr>
+            <a:spLocks noGrp="1"/>
+          </p:cNvSpPr>
+          <p:nvPr>
+            <p:ph type="body" idx="1"/>
+          </p:nvPr>
+        </p:nvSpPr>
+        <p:spPr>
+          <a:xfrm>
+            <a:off x="677335" y="4527448"/>
+            <a:ext cx="8596668" cy="1513914"/>
+          </a:xfrm>
+        </p:spPr>
+        <p:txBody>
+          <a:bodyPr anchor="t">
+            <a:normAutofit/>
+          </a:bodyPr>
+          <a:lstStyle>
+            <a:lvl1pPr marL="0" indent="0" algn="l">
+              <a:buNone/>
+              <a:defRPr sz="1800">
+                <a:solidFill>
+                  <a:schemeClr val="tx1">
+                    <a:lumMod val="50000"/>
+                    <a:lumOff val="50000"/>
+                  </a:schemeClr>
+                </a:solidFill>
+              </a:defRPr>
+            </a:lvl1pPr>
+            <a:lvl2pPr marL="457200" indent="0">
+              <a:buNone/>
+              <a:defRPr sz="1800">
+                <a:solidFill>
+                  <a:schemeClr val="tx1">
+                    <a:tint val="75000"/>
+                  </a:schemeClr>
+                </a:solidFill>
+              </a:defRPr>
+            </a:lvl2pPr>
+            <a:lvl3pPr marL="914400" indent="0">
+              <a:buNone/>
+              <a:defRPr sz="1600">
+                <a:solidFill>
+                  <a:schemeClr val="tx1">
+                    <a:tint val="75000"/>
+                  </a:schemeClr>
+                </a:solidFill>
+              </a:defRPr>
+            </a:lvl3pPr>
+            <a:lvl4pPr marL="1371600" indent="0">
+              <a:buNone/>
+              <a:defRPr sz="1400">
+                <a:solidFill>
+                  <a:schemeClr val="tx1">
+                    <a:tint val="75000"/>
+                  </a:schemeClr>
+                </a:solidFill>
+              </a:defRPr>
+            </a:lvl4pPr>
+            <a:lvl5pPr marL="1828800" indent="0">
+              <a:buNone/>
+              <a:defRPr sz="1400">
+                <a:solidFill>
+                  <a:schemeClr val="tx1">
+                    <a:tint val="75000"/>
+                  </a:schemeClr>
+                </a:solidFill>
+              </a:defRPr>
+            </a:lvl5pPr>
+            <a:lvl6pPr marL="2286000" indent="0">
+              <a:buNone/>
+              <a:defRPr sz="1400">
+                <a:solidFill>
+                  <a:schemeClr val="tx1">
+                    <a:tint val="75000"/>
+                  </a:schemeClr>
+                </a:solidFill>
+              </a:defRPr>
+            </a:lvl6pPr>
+            <a:lvl7pPr marL="2743200" indent="0">
+              <a:buNone/>
+              <a:defRPr sz="1400">
+                <a:solidFill>
+                  <a:schemeClr val="tx1">
+                    <a:tint val="75000"/>
+                  </a:schemeClr>
+                </a:solidFill>
+              </a:defRPr>
+            </a:lvl7pPr>
+            <a:lvl8pPr marL="3200400" indent="0">
+              <a:buNone/>
+              <a:defRPr sz="1400">
+                <a:solidFill>
+                  <a:schemeClr val="tx1">
+                    <a:tint val="75000"/>
+                  </a:schemeClr>
+                </a:solidFill>
+              </a:defRPr>
+            </a:lvl8pPr>
+            <a:lvl9pPr marL="3657600" indent="0">
+              <a:buNone/>
+              <a:defRPr sz="1400">
+                <a:solidFill>
+                  <a:schemeClr val="tx1">
+                    <a:tint val="75000"/>
+                  </a:schemeClr>
+                </a:solidFill>
+              </a:defRPr>
+            </a:lvl9pPr>
+          </a:lstStyle>
+          <a:p>
+            <a:pPr lvl="0"/>
+            <a:r>
+              <a:rPr lang="fr-FR" smtClean="0"/>
+              <a:t>Modifiez les styles du texte du masque</a:t>
+            </a:r>
+          </a:p>
+        </p:txBody>
+      </p:sp>
+      <p:sp>
+        <p:nvSpPr>
+          <p:cNvPr id="4" name="Date Placeholder 3"/>
+          <p:cNvSpPr>
+            <a:spLocks noGrp="1"/>
+          </p:cNvSpPr>
+          <p:nvPr>
+            <p:ph type="dt" sz="half" idx="10"/>
+          </p:nvPr>
+        </p:nvSpPr>
+        <p:spPr/>
+        <p:txBody>
+          <a:bodyPr/>
+          <a:lstStyle/>
+          <a:p>
+            <a:fld id="{5DC5B261-8843-42D1-AAFC-05E20E2D9B97}" type="datetimeFigureOut">
+              <a:rPr lang="en-US" smtClean="0"/>
+              <a:t>1/25/2017</a:t>
+            </a:fld>
+            <a:endParaRPr lang="en-US" dirty="0"/>
+          </a:p>
+        </p:txBody>
+      </p:sp>
+      <p:sp>
+        <p:nvSpPr>
+          <p:cNvPr id="5" name="Footer Placeholder 4"/>
+          <p:cNvSpPr>
+            <a:spLocks noGrp="1"/>
+          </p:cNvSpPr>
+          <p:nvPr>
+            <p:ph type="ftr" sz="quarter" idx="11"/>
+          </p:nvPr>
+        </p:nvSpPr>
+        <p:spPr/>
+        <p:txBody>
+          <a:bodyPr/>
+          <a:lstStyle/>
+          <a:p>
+            <a:endParaRPr lang="en-US" dirty="0"/>
+          </a:p>
+        </p:txBody>
+      </p:sp>
+      <p:sp>
+        <p:nvSpPr>
+          <p:cNvPr id="6" name="Slide Number Placeholder 5"/>
+          <p:cNvSpPr>
+            <a:spLocks noGrp="1"/>
+          </p:cNvSpPr>
+          <p:nvPr>
+            <p:ph type="sldNum" sz="quarter" idx="12"/>
+          </p:nvPr>
+        </p:nvSpPr>
+        <p:spPr/>
+        <p:txBody>
+          <a:bodyPr/>
+          <a:lstStyle/>
+          <a:p>
+            <a:fld id="{4FAB73BC-B049-4115-A692-8D63A059BFB8}" type="slidenum">
+              <a:rPr lang="en-US" smtClean="0"/>
+              <a:pPr/>
+              <a:t>‹N°›</a:t>
+            </a:fld>
+            <a:endParaRPr lang="en-US" dirty="0"/>
+          </a:p>
+        </p:txBody>
+      </p:sp>
+    </p:spTree>
+    <p:extLst>
+      <p:ext uri="{BB962C8B-B14F-4D97-AF65-F5344CB8AC3E}">
+        <p14:creationId xmlns:p14="http://schemas.microsoft.com/office/powerpoint/2010/main" val="4151118288"/>
+      </p:ext>
+    </p:extLst>
+  </p:cSld>
+  <p:clrMapOvr>
+    <a:masterClrMapping/>
+  </p:clrMapOvr>
+  <p:hf sldNum="0" hdr="0" ftr="0" dt="0"/>
+</p:sldLayout>
+</file>
+
+<file path=ppt/slideLayouts/slideLayout15.xml><?xml version="1.0" encoding="utf-8"?>
 <p:sldLayout xmlns:a="http://schemas.openxmlformats.org/drawingml/2006/main" xmlns:r="http://schemas.openxmlformats.org/officeDocument/2006/relationships" xmlns:p="http://schemas.openxmlformats.org/presentationml/2006/main" type="vertTx" preserve="1">
   <p:cSld name="Titre et texte vertical">
     <p:spTree>
@@ -484,7 +2595,7 @@
         </p:nvSpPr>
         <p:spPr/>
         <p:txBody>
-          <a:bodyPr vert="eaVert" lIns="45720" tIns="0" rIns="45720" bIns="0"/>
+          <a:bodyPr vert="eaVert"/>
           <a:lstStyle/>
           <a:p>
             <a:pPr lvl="0"/>
@@ -540,8 +2651,8 @@
           <a:lstStyle/>
           <a:p>
             <a:fld id="{50B6E300-0A13-4A81-945A-7333C271A069}" type="datetimeFigureOut">
-              <a:rPr lang="en-US" dirty="0"/>
-              <a:t>1/21/2017</a:t>
+              <a:rPr lang="en-US" smtClean="0"/>
+              <a:t>1/25/2017</a:t>
             </a:fld>
             <a:endParaRPr lang="en-US" dirty="0"/>
           </a:p>
@@ -582,7 +2693,7 @@
           <a:lstStyle/>
           <a:p>
             <a:fld id="{4FAB73BC-B049-4115-A692-8D63A059BFB8}" type="slidenum">
-              <a:rPr lang="en-US" dirty="0"/>
+              <a:rPr lang="en-US" smtClean="0"/>
               <a:t>‹N°›</a:t>
             </a:fld>
             <a:endParaRPr lang="en-US" dirty="0"/>
@@ -590,6 +2701,11 @@
         </p:txBody>
       </p:sp>
     </p:spTree>
+    <p:extLst>
+      <p:ext uri="{BB962C8B-B14F-4D97-AF65-F5344CB8AC3E}">
+        <p14:creationId xmlns:p14="http://schemas.microsoft.com/office/powerpoint/2010/main" val="3120825678"/>
+      </p:ext>
+    </p:extLst>
   </p:cSld>
   <p:clrMapOvr>
     <a:masterClrMapping/>
@@ -597,8 +2713,8 @@
 </p:sldLayout>
 </file>
 
-<file path=ppt/slideLayouts/slideLayout11.xml><?xml version="1.0" encoding="utf-8"?>
-<p:sldLayout xmlns:a="http://schemas.openxmlformats.org/drawingml/2006/main" xmlns:r="http://schemas.openxmlformats.org/officeDocument/2006/relationships" xmlns:p="http://schemas.openxmlformats.org/presentationml/2006/main" showMasterSp="0" type="vertTitleAndTx" preserve="1">
+<file path=ppt/slideLayouts/slideLayout16.xml><?xml version="1.0" encoding="utf-8"?>
+<p:sldLayout xmlns:a="http://schemas.openxmlformats.org/drawingml/2006/main" xmlns:r="http://schemas.openxmlformats.org/officeDocument/2006/relationships" xmlns:p="http://schemas.openxmlformats.org/presentationml/2006/main" type="vertTitleAndTx" preserve="1">
   <p:cSld name="Titre vertical et texte">
     <p:spTree>
       <p:nvGrpSpPr>
@@ -616,84 +2732,6 @@
       </p:grpSpPr>
       <p:sp>
         <p:nvSpPr>
-          <p:cNvPr id="7" name="Rectangle 6"/>
-          <p:cNvSpPr/>
-          <p:nvPr/>
-        </p:nvSpPr>
-        <p:spPr>
-          <a:xfrm>
-            <a:off x="3175" y="6400800"/>
-            <a:ext cx="12188825" cy="457200"/>
-          </a:xfrm>
-          <a:prstGeom prst="rect">
-            <a:avLst/>
-          </a:prstGeom>
-          <a:solidFill>
-            <a:schemeClr val="accent4">
-              <a:lumMod val="75000"/>
-            </a:schemeClr>
-          </a:solidFill>
-          <a:ln>
-            <a:noFill/>
-          </a:ln>
-        </p:spPr>
-        <p:style>
-          <a:lnRef idx="2">
-            <a:schemeClr val="accent1">
-              <a:shade val="50000"/>
-            </a:schemeClr>
-          </a:lnRef>
-          <a:fillRef idx="1">
-            <a:schemeClr val="accent1"/>
-          </a:fillRef>
-          <a:effectRef idx="0">
-            <a:schemeClr val="accent1"/>
-          </a:effectRef>
-          <a:fontRef idx="minor">
-            <a:schemeClr val="lt1"/>
-          </a:fontRef>
-        </p:style>
-      </p:sp>
-      <p:sp>
-        <p:nvSpPr>
-          <p:cNvPr id="8" name="Rectangle 7"/>
-          <p:cNvSpPr/>
-          <p:nvPr/>
-        </p:nvSpPr>
-        <p:spPr>
-          <a:xfrm>
-            <a:off x="15" y="6334316"/>
-            <a:ext cx="12188825" cy="64008"/>
-          </a:xfrm>
-          <a:prstGeom prst="rect">
-            <a:avLst/>
-          </a:prstGeom>
-          <a:solidFill>
-            <a:schemeClr val="accent4"/>
-          </a:solidFill>
-          <a:ln>
-            <a:noFill/>
-          </a:ln>
-        </p:spPr>
-        <p:style>
-          <a:lnRef idx="2">
-            <a:schemeClr val="accent1">
-              <a:shade val="50000"/>
-            </a:schemeClr>
-          </a:lnRef>
-          <a:fillRef idx="1">
-            <a:schemeClr val="accent1"/>
-          </a:fillRef>
-          <a:effectRef idx="0">
-            <a:schemeClr val="accent1"/>
-          </a:effectRef>
-          <a:fontRef idx="minor">
-            <a:schemeClr val="lt1"/>
-          </a:fontRef>
-        </p:style>
-      </p:sp>
-      <p:sp>
-        <p:nvSpPr>
           <p:cNvPr id="2" name="Vertical Title 1"/>
           <p:cNvSpPr>
             <a:spLocks noGrp="1"/>
@@ -704,12 +2742,12 @@
         </p:nvSpPr>
         <p:spPr>
           <a:xfrm>
-            <a:off x="8724900" y="412302"/>
-            <a:ext cx="2628900" cy="5759898"/>
-          </a:xfrm>
-        </p:spPr>
-        <p:txBody>
-          <a:bodyPr vert="eaVert"/>
+            <a:off x="7967673" y="609599"/>
+            <a:ext cx="1304743" cy="5251451"/>
+          </a:xfrm>
+        </p:spPr>
+        <p:txBody>
+          <a:bodyPr vert="eaVert" anchor="ctr"/>
           <a:lstStyle/>
           <a:p>
             <a:r>
@@ -732,12 +2770,12 @@
         </p:nvSpPr>
         <p:spPr>
           <a:xfrm>
-            <a:off x="838200" y="412302"/>
-            <a:ext cx="7734300" cy="5759898"/>
-          </a:xfrm>
-        </p:spPr>
-        <p:txBody>
-          <a:bodyPr vert="eaVert" lIns="45720" tIns="0" rIns="45720" bIns="0"/>
+            <a:off x="677335" y="609600"/>
+            <a:ext cx="7060150" cy="5251450"/>
+          </a:xfrm>
+        </p:spPr>
+        <p:txBody>
+          <a:bodyPr vert="eaVert"/>
           <a:lstStyle/>
           <a:p>
             <a:pPr lvl="0"/>
@@ -793,8 +2831,8 @@
           <a:lstStyle/>
           <a:p>
             <a:fld id="{34671962-1EA4-46E7-BCB0-F36CE46D1A59}" type="datetimeFigureOut">
-              <a:rPr lang="en-US" dirty="0"/>
-              <a:t>1/21/2017</a:t>
+              <a:rPr lang="en-US" smtClean="0"/>
+              <a:t>1/25/2017</a:t>
             </a:fld>
             <a:endParaRPr lang="en-US" dirty="0"/>
           </a:p>
@@ -835,7 +2873,7 @@
           <a:lstStyle/>
           <a:p>
             <a:fld id="{4FAB73BC-B049-4115-A692-8D63A059BFB8}" type="slidenum">
-              <a:rPr lang="en-US" dirty="0"/>
+              <a:rPr lang="en-US" smtClean="0"/>
               <a:t>‹N°›</a:t>
             </a:fld>
             <a:endParaRPr lang="en-US" dirty="0"/>
@@ -843,6 +2881,11 @@
         </p:txBody>
       </p:sp>
     </p:spTree>
+    <p:extLst>
+      <p:ext uri="{BB962C8B-B14F-4D97-AF65-F5344CB8AC3E}">
+        <p14:creationId xmlns:p14="http://schemas.microsoft.com/office/powerpoint/2010/main" val="1889482121"/>
+      </p:ext>
+    </p:extLst>
   </p:cSld>
   <p:clrMapOvr>
     <a:masterClrMapping/>
@@ -958,8 +3001,8 @@
           <a:lstStyle/>
           <a:p>
             <a:fld id="{D30BB376-B19C-488D-ABEB-03C7E6E9E3E0}" type="datetimeFigureOut">
-              <a:rPr lang="en-US" dirty="0"/>
-              <a:t>1/21/2017</a:t>
+              <a:rPr lang="en-US" smtClean="0"/>
+              <a:t>1/25/2017</a:t>
             </a:fld>
             <a:endParaRPr lang="en-US" dirty="0"/>
           </a:p>
@@ -1000,7 +3043,7 @@
           <a:lstStyle/>
           <a:p>
             <a:fld id="{629637A9-119A-49DA-BD12-AAC58B377D80}" type="slidenum">
-              <a:rPr lang="en-US" dirty="0"/>
+              <a:rPr lang="en-US" smtClean="0"/>
               <a:t>‹N°›</a:t>
             </a:fld>
             <a:endParaRPr lang="en-US" dirty="0"/>
@@ -1008,6 +3051,11 @@
         </p:txBody>
       </p:sp>
     </p:spTree>
+    <p:extLst>
+      <p:ext uri="{BB962C8B-B14F-4D97-AF65-F5344CB8AC3E}">
+        <p14:creationId xmlns:p14="http://schemas.microsoft.com/office/powerpoint/2010/main" val="1694182125"/>
+      </p:ext>
+    </p:extLst>
   </p:cSld>
   <p:clrMapOvr>
     <a:masterClrMapping/>
@@ -1016,7 +3064,7 @@
 </file>
 
 <file path=ppt/slideLayouts/slideLayout3.xml><?xml version="1.0" encoding="utf-8"?>
-<p:sldLayout xmlns:a="http://schemas.openxmlformats.org/drawingml/2006/main" xmlns:r="http://schemas.openxmlformats.org/officeDocument/2006/relationships" xmlns:p="http://schemas.openxmlformats.org/presentationml/2006/main" showMasterSp="0" type="secHead" preserve="1">
+<p:sldLayout xmlns:a="http://schemas.openxmlformats.org/drawingml/2006/main" xmlns:r="http://schemas.openxmlformats.org/officeDocument/2006/relationships" xmlns:p="http://schemas.openxmlformats.org/presentationml/2006/main" type="secHead" preserve="1">
   <p:cSld name="Titre de section">
     <p:spTree>
       <p:nvGrpSpPr>
@@ -1034,84 +3082,6 @@
       </p:grpSpPr>
       <p:sp>
         <p:nvSpPr>
-          <p:cNvPr id="7" name="Rectangle 6"/>
-          <p:cNvSpPr/>
-          <p:nvPr/>
-        </p:nvSpPr>
-        <p:spPr>
-          <a:xfrm>
-            <a:off x="3175" y="6400800"/>
-            <a:ext cx="12188825" cy="457200"/>
-          </a:xfrm>
-          <a:prstGeom prst="rect">
-            <a:avLst/>
-          </a:prstGeom>
-          <a:solidFill>
-            <a:schemeClr val="accent4">
-              <a:lumMod val="75000"/>
-            </a:schemeClr>
-          </a:solidFill>
-          <a:ln>
-            <a:noFill/>
-          </a:ln>
-        </p:spPr>
-        <p:style>
-          <a:lnRef idx="2">
-            <a:schemeClr val="accent1">
-              <a:shade val="50000"/>
-            </a:schemeClr>
-          </a:lnRef>
-          <a:fillRef idx="1">
-            <a:schemeClr val="accent1"/>
-          </a:fillRef>
-          <a:effectRef idx="0">
-            <a:schemeClr val="accent1"/>
-          </a:effectRef>
-          <a:fontRef idx="minor">
-            <a:schemeClr val="lt1"/>
-          </a:fontRef>
-        </p:style>
-      </p:sp>
-      <p:sp>
-        <p:nvSpPr>
-          <p:cNvPr id="8" name="Rectangle 7"/>
-          <p:cNvSpPr/>
-          <p:nvPr/>
-        </p:nvSpPr>
-        <p:spPr>
-          <a:xfrm>
-            <a:off x="15" y="6334316"/>
-            <a:ext cx="12188825" cy="64008"/>
-          </a:xfrm>
-          <a:prstGeom prst="rect">
-            <a:avLst/>
-          </a:prstGeom>
-          <a:solidFill>
-            <a:schemeClr val="accent4"/>
-          </a:solidFill>
-          <a:ln>
-            <a:noFill/>
-          </a:ln>
-        </p:spPr>
-        <p:style>
-          <a:lnRef idx="2">
-            <a:schemeClr val="accent1">
-              <a:shade val="50000"/>
-            </a:schemeClr>
-          </a:lnRef>
-          <a:fillRef idx="1">
-            <a:schemeClr val="accent1"/>
-          </a:fillRef>
-          <a:effectRef idx="0">
-            <a:schemeClr val="accent1"/>
-          </a:effectRef>
-          <a:fontRef idx="minor">
-            <a:schemeClr val="lt1"/>
-          </a:fontRef>
-        </p:style>
-      </p:sp>
-      <p:sp>
-        <p:nvSpPr>
           <p:cNvPr id="2" name="Title 1"/>
           <p:cNvSpPr>
             <a:spLocks noGrp="1"/>
@@ -1122,27 +3092,15 @@
         </p:nvSpPr>
         <p:spPr>
           <a:xfrm>
-            <a:off x="1097280" y="758952"/>
-            <a:ext cx="10058400" cy="3566160"/>
-          </a:xfrm>
-        </p:spPr>
-        <p:txBody>
-          <a:bodyPr anchor="b" anchorCtr="0">
-            <a:normAutofit/>
-          </a:bodyPr>
+            <a:off x="677335" y="2700867"/>
+            <a:ext cx="8596668" cy="1826581"/>
+          </a:xfrm>
+        </p:spPr>
+        <p:txBody>
+          <a:bodyPr anchor="b"/>
           <a:lstStyle>
-            <a:lvl1pPr>
-              <a:lnSpc>
-                <a:spcPct val="85000"/>
-              </a:lnSpc>
-              <a:defRPr sz="8000" b="0">
-                <a:solidFill>
-                  <a:schemeClr val="tx1">
-                    <a:lumMod val="85000"/>
-                    <a:lumOff val="15000"/>
-                  </a:schemeClr>
-                </a:solidFill>
-              </a:defRPr>
+            <a:lvl1pPr algn="l">
+              <a:defRPr sz="4000" b="0" cap="none"/>
             </a:lvl1pPr>
           </a:lstStyle>
           <a:p>
@@ -1166,22 +3124,22 @@
         </p:nvSpPr>
         <p:spPr>
           <a:xfrm>
-            <a:off x="1097280" y="4453128"/>
-            <a:ext cx="10058400" cy="1143000"/>
-          </a:xfrm>
-        </p:spPr>
-        <p:txBody>
-          <a:bodyPr lIns="91440" rIns="91440" anchor="t" anchorCtr="0">
-            <a:normAutofit/>
-          </a:bodyPr>
+            <a:off x="677335" y="4527448"/>
+            <a:ext cx="8596668" cy="860400"/>
+          </a:xfrm>
+        </p:spPr>
+        <p:txBody>
+          <a:bodyPr anchor="t"/>
           <a:lstStyle>
-            <a:lvl1pPr marL="0" indent="0">
-              <a:buNone/>
-              <a:defRPr sz="2400" cap="all" spc="200" baseline="0">
-                <a:solidFill>
-                  <a:schemeClr val="tx2"/>
-                </a:solidFill>
-                <a:latin typeface="+mj-lt"/>
+            <a:lvl1pPr marL="0" indent="0" algn="l">
+              <a:buNone/>
+              <a:defRPr sz="2000">
+                <a:solidFill>
+                  <a:schemeClr val="tx1">
+                    <a:lumMod val="50000"/>
+                    <a:lumOff val="50000"/>
+                  </a:schemeClr>
+                </a:solidFill>
               </a:defRPr>
             </a:lvl1pPr>
             <a:lvl2pPr marL="457200" indent="0">
@@ -1290,8 +3248,8 @@
           <a:lstStyle/>
           <a:p>
             <a:fld id="{486F077B-A50F-4D64-8574-E2D6A98A5553}" type="datetimeFigureOut">
-              <a:rPr lang="en-US" dirty="0"/>
-              <a:t>1/21/2017</a:t>
+              <a:rPr lang="en-US" smtClean="0"/>
+              <a:t>1/25/2017</a:t>
             </a:fld>
             <a:endParaRPr lang="en-US" dirty="0"/>
           </a:p>
@@ -1332,52 +3290,19 @@
           <a:lstStyle/>
           <a:p>
             <a:fld id="{4FAB73BC-B049-4115-A692-8D63A059BFB8}" type="slidenum">
-              <a:rPr lang="en-US" dirty="0"/>
+              <a:rPr lang="en-US" smtClean="0"/>
               <a:t>‹N°›</a:t>
             </a:fld>
             <a:endParaRPr lang="en-US" dirty="0"/>
           </a:p>
         </p:txBody>
       </p:sp>
-      <p:cxnSp>
-        <p:nvCxnSpPr>
-          <p:cNvPr id="9" name="Straight Connector 8"/>
-          <p:cNvCxnSpPr/>
-          <p:nvPr/>
-        </p:nvCxnSpPr>
-        <p:spPr>
-          <a:xfrm>
-            <a:off x="1207658" y="4343400"/>
-            <a:ext cx="9875520" cy="0"/>
-          </a:xfrm>
-          <a:prstGeom prst="line">
-            <a:avLst/>
-          </a:prstGeom>
-          <a:ln w="6350">
-            <a:solidFill>
-              <a:schemeClr val="tx1">
-                <a:lumMod val="50000"/>
-                <a:lumOff val="50000"/>
-              </a:schemeClr>
-            </a:solidFill>
-          </a:ln>
-        </p:spPr>
-        <p:style>
-          <a:lnRef idx="1">
-            <a:schemeClr val="accent1"/>
-          </a:lnRef>
-          <a:fillRef idx="0">
-            <a:schemeClr val="accent1"/>
-          </a:fillRef>
-          <a:effectRef idx="0">
-            <a:schemeClr val="accent1"/>
-          </a:effectRef>
-          <a:fontRef idx="minor">
-            <a:schemeClr val="tx1"/>
-          </a:fontRef>
-        </p:style>
-      </p:cxnSp>
     </p:spTree>
+    <p:extLst>
+      <p:ext uri="{BB962C8B-B14F-4D97-AF65-F5344CB8AC3E}">
+        <p14:creationId xmlns:p14="http://schemas.microsoft.com/office/powerpoint/2010/main" val="449751990"/>
+      </p:ext>
+    </p:extLst>
   </p:cSld>
   <p:clrMapOvr>
     <a:masterClrMapping/>
@@ -1404,7 +3329,7 @@
       </p:grpSpPr>
       <p:sp>
         <p:nvSpPr>
-          <p:cNvPr id="8" name="Title 7"/>
+          <p:cNvPr id="2" name="Title 1"/>
           <p:cNvSpPr>
             <a:spLocks noGrp="1"/>
           </p:cNvSpPr>
@@ -1412,12 +3337,7 @@
             <p:ph type="title"/>
           </p:nvPr>
         </p:nvSpPr>
-        <p:spPr>
-          <a:xfrm>
-            <a:off x="1097280" y="286603"/>
-            <a:ext cx="10058400" cy="1450757"/>
-          </a:xfrm>
-        </p:spPr>
+        <p:spPr/>
         <p:txBody>
           <a:bodyPr/>
           <a:lstStyle/>
@@ -1442,8 +3362,8 @@
         </p:nvSpPr>
         <p:spPr>
           <a:xfrm>
-            <a:off x="1097278" y="1845734"/>
-            <a:ext cx="4937760" cy="4023360"/>
+            <a:off x="677334" y="2160589"/>
+            <a:ext cx="4184035" cy="3880772"/>
           </a:xfrm>
         </p:spPr>
         <p:txBody>
@@ -1499,8 +3419,8 @@
         </p:nvSpPr>
         <p:spPr>
           <a:xfrm>
-            <a:off x="6217920" y="1845735"/>
-            <a:ext cx="4937760" cy="4023360"/>
+            <a:off x="5089970" y="2160589"/>
+            <a:ext cx="4184034" cy="3880773"/>
           </a:xfrm>
         </p:spPr>
         <p:txBody>
@@ -1560,8 +3480,8 @@
           <a:lstStyle/>
           <a:p>
             <a:fld id="{7D9E2A62-1983-43A1-A163-D8AA46534C80}" type="datetimeFigureOut">
-              <a:rPr lang="en-US" dirty="0"/>
-              <a:t>1/21/2017</a:t>
+              <a:rPr lang="en-US" smtClean="0"/>
+              <a:t>1/25/2017</a:t>
             </a:fld>
             <a:endParaRPr lang="en-US" dirty="0"/>
           </a:p>
@@ -1602,7 +3522,7 @@
           <a:lstStyle/>
           <a:p>
             <a:fld id="{4FAB73BC-B049-4115-A692-8D63A059BFB8}" type="slidenum">
-              <a:rPr lang="en-US" dirty="0"/>
+              <a:rPr lang="en-US" smtClean="0"/>
               <a:t>‹N°›</a:t>
             </a:fld>
             <a:endParaRPr lang="en-US" dirty="0"/>
@@ -1610,6 +3530,11 @@
         </p:txBody>
       </p:sp>
     </p:spTree>
+    <p:extLst>
+      <p:ext uri="{BB962C8B-B14F-4D97-AF65-F5344CB8AC3E}">
+        <p14:creationId xmlns:p14="http://schemas.microsoft.com/office/powerpoint/2010/main" val="4187717206"/>
+      </p:ext>
+    </p:extLst>
   </p:cSld>
   <p:clrMapOvr>
     <a:masterClrMapping/>
@@ -1636,7 +3561,7 @@
       </p:grpSpPr>
       <p:sp>
         <p:nvSpPr>
-          <p:cNvPr id="10" name="Title 9"/>
+          <p:cNvPr id="2" name="Title 1"/>
           <p:cNvSpPr>
             <a:spLocks noGrp="1"/>
           </p:cNvSpPr>
@@ -1644,15 +3569,14 @@
             <p:ph type="title"/>
           </p:nvPr>
         </p:nvSpPr>
-        <p:spPr>
-          <a:xfrm>
-            <a:off x="1097280" y="286603"/>
-            <a:ext cx="10058400" cy="1450757"/>
-          </a:xfrm>
-        </p:spPr>
+        <p:spPr/>
         <p:txBody>
           <a:bodyPr/>
-          <a:lstStyle/>
+          <a:lstStyle>
+            <a:lvl1pPr>
+              <a:defRPr/>
+            </a:lvl1pPr>
+          </a:lstStyle>
           <a:p>
             <a:r>
               <a:rPr lang="fr-FR" smtClean="0"/>
@@ -1674,22 +3598,18 @@
         </p:nvSpPr>
         <p:spPr>
           <a:xfrm>
-            <a:off x="1097280" y="1846052"/>
-            <a:ext cx="4937760" cy="736282"/>
-          </a:xfrm>
-        </p:spPr>
-        <p:txBody>
-          <a:bodyPr lIns="91440" rIns="91440" anchor="ctr">
-            <a:normAutofit/>
+            <a:off x="675745" y="2160983"/>
+            <a:ext cx="4185623" cy="576262"/>
+          </a:xfrm>
+        </p:spPr>
+        <p:txBody>
+          <a:bodyPr anchor="b">
+            <a:noAutofit/>
           </a:bodyPr>
           <a:lstStyle>
             <a:lvl1pPr marL="0" indent="0">
               <a:buNone/>
-              <a:defRPr sz="2000" b="0" cap="all" baseline="0">
-                <a:solidFill>
-                  <a:schemeClr val="tx2"/>
-                </a:solidFill>
-              </a:defRPr>
+              <a:defRPr sz="2400" b="0"/>
             </a:lvl1pPr>
             <a:lvl2pPr marL="457200" indent="0">
               <a:buNone/>
@@ -1745,12 +3665,14 @@
         </p:nvSpPr>
         <p:spPr>
           <a:xfrm>
-            <a:off x="1097280" y="2582334"/>
-            <a:ext cx="4937760" cy="3378200"/>
-          </a:xfrm>
-        </p:spPr>
-        <p:txBody>
-          <a:bodyPr/>
+            <a:off x="675745" y="2737245"/>
+            <a:ext cx="4185623" cy="3304117"/>
+          </a:xfrm>
+        </p:spPr>
+        <p:txBody>
+          <a:bodyPr>
+            <a:normAutofit/>
+          </a:bodyPr>
           <a:lstStyle/>
           <a:p>
             <a:pPr lvl="0"/>
@@ -1802,22 +3724,18 @@
         </p:nvSpPr>
         <p:spPr>
           <a:xfrm>
-            <a:off x="6217920" y="1846052"/>
-            <a:ext cx="4937760" cy="736282"/>
-          </a:xfrm>
-        </p:spPr>
-        <p:txBody>
-          <a:bodyPr lIns="91440" rIns="91440" anchor="ctr">
-            <a:normAutofit/>
+            <a:off x="5088383" y="2160983"/>
+            <a:ext cx="4185618" cy="576262"/>
+          </a:xfrm>
+        </p:spPr>
+        <p:txBody>
+          <a:bodyPr anchor="b">
+            <a:noAutofit/>
           </a:bodyPr>
           <a:lstStyle>
             <a:lvl1pPr marL="0" indent="0">
               <a:buNone/>
-              <a:defRPr sz="2000" b="0" cap="all" baseline="0">
-                <a:solidFill>
-                  <a:schemeClr val="tx2"/>
-                </a:solidFill>
-              </a:defRPr>
+              <a:defRPr sz="2400" b="0"/>
             </a:lvl1pPr>
             <a:lvl2pPr marL="457200" indent="0">
               <a:buNone/>
@@ -1873,12 +3791,14 @@
         </p:nvSpPr>
         <p:spPr>
           <a:xfrm>
-            <a:off x="6217920" y="2582334"/>
-            <a:ext cx="4937760" cy="3378200"/>
-          </a:xfrm>
-        </p:spPr>
-        <p:txBody>
-          <a:bodyPr/>
+            <a:off x="5088384" y="2737245"/>
+            <a:ext cx="4185617" cy="3304117"/>
+          </a:xfrm>
+        </p:spPr>
+        <p:txBody>
+          <a:bodyPr>
+            <a:normAutofit/>
+          </a:bodyPr>
           <a:lstStyle/>
           <a:p>
             <a:pPr lvl="0"/>
@@ -1934,8 +3854,8 @@
           <a:lstStyle/>
           <a:p>
             <a:fld id="{898F3E3B-34E3-4345-B2A1-994B83598A9C}" type="datetimeFigureOut">
-              <a:rPr lang="en-US" dirty="0"/>
-              <a:t>1/21/2017</a:t>
+              <a:rPr lang="en-US" smtClean="0"/>
+              <a:t>1/25/2017</a:t>
             </a:fld>
             <a:endParaRPr lang="en-US" dirty="0"/>
           </a:p>
@@ -1976,7 +3896,7 @@
           <a:lstStyle/>
           <a:p>
             <a:fld id="{4FAB73BC-B049-4115-A692-8D63A059BFB8}" type="slidenum">
-              <a:rPr lang="en-US" dirty="0"/>
+              <a:rPr lang="en-US" smtClean="0"/>
               <a:t>‹N°›</a:t>
             </a:fld>
             <a:endParaRPr lang="en-US" dirty="0"/>
@@ -1984,6 +3904,11 @@
         </p:txBody>
       </p:sp>
     </p:spTree>
+    <p:extLst>
+      <p:ext uri="{BB962C8B-B14F-4D97-AF65-F5344CB8AC3E}">
+        <p14:creationId xmlns:p14="http://schemas.microsoft.com/office/powerpoint/2010/main" val="3260628571"/>
+      </p:ext>
+    </p:extLst>
   </p:cSld>
   <p:clrMapOvr>
     <a:masterClrMapping/>
@@ -2018,7 +3943,12 @@
             <p:ph type="title"/>
           </p:nvPr>
         </p:nvSpPr>
-        <p:spPr/>
+        <p:spPr>
+          <a:xfrm>
+            <a:off x="677334" y="609600"/>
+            <a:ext cx="8596668" cy="1320800"/>
+          </a:xfrm>
+        </p:spPr>
         <p:txBody>
           <a:bodyPr/>
           <a:lstStyle/>
@@ -2047,8 +3977,8 @@
           <a:lstStyle/>
           <a:p>
             <a:fld id="{FD816C96-82A1-4D77-8ADA-627AC6FE3D65}" type="datetimeFigureOut">
-              <a:rPr lang="en-US" dirty="0"/>
-              <a:t>1/21/2017</a:t>
+              <a:rPr lang="en-US" smtClean="0"/>
+              <a:t>1/25/2017</a:t>
             </a:fld>
             <a:endParaRPr lang="en-US" dirty="0"/>
           </a:p>
@@ -2089,7 +4019,7 @@
           <a:lstStyle/>
           <a:p>
             <a:fld id="{4FAB73BC-B049-4115-A692-8D63A059BFB8}" type="slidenum">
-              <a:rPr lang="en-US" dirty="0"/>
+              <a:rPr lang="en-US" smtClean="0"/>
               <a:t>‹N°›</a:t>
             </a:fld>
             <a:endParaRPr lang="en-US" dirty="0"/>
@@ -2097,6 +4027,11 @@
         </p:txBody>
       </p:sp>
     </p:spTree>
+    <p:extLst>
+      <p:ext uri="{BB962C8B-B14F-4D97-AF65-F5344CB8AC3E}">
+        <p14:creationId xmlns:p14="http://schemas.microsoft.com/office/powerpoint/2010/main" val="1355574110"/>
+      </p:ext>
+    </p:extLst>
   </p:cSld>
   <p:clrMapOvr>
     <a:masterClrMapping/>
@@ -2105,7 +4040,7 @@
 </file>
 
 <file path=ppt/slideLayouts/slideLayout7.xml><?xml version="1.0" encoding="utf-8"?>
-<p:sldLayout xmlns:a="http://schemas.openxmlformats.org/drawingml/2006/main" xmlns:r="http://schemas.openxmlformats.org/officeDocument/2006/relationships" xmlns:p="http://schemas.openxmlformats.org/presentationml/2006/main" showMasterSp="0" type="blank" preserve="1">
+<p:sldLayout xmlns:a="http://schemas.openxmlformats.org/drawingml/2006/main" xmlns:r="http://schemas.openxmlformats.org/officeDocument/2006/relationships" xmlns:p="http://schemas.openxmlformats.org/presentationml/2006/main" type="blank" preserve="1">
   <p:cSld name="Vide">
     <p:spTree>
       <p:nvGrpSpPr>
@@ -2123,85 +4058,7 @@
       </p:grpSpPr>
       <p:sp>
         <p:nvSpPr>
-          <p:cNvPr id="5" name="Rectangle 4"/>
-          <p:cNvSpPr/>
-          <p:nvPr/>
-        </p:nvSpPr>
-        <p:spPr>
-          <a:xfrm>
-            <a:off x="3175" y="6400800"/>
-            <a:ext cx="12188825" cy="457200"/>
-          </a:xfrm>
-          <a:prstGeom prst="rect">
-            <a:avLst/>
-          </a:prstGeom>
-          <a:solidFill>
-            <a:schemeClr val="accent4">
-              <a:lumMod val="75000"/>
-            </a:schemeClr>
-          </a:solidFill>
-          <a:ln>
-            <a:noFill/>
-          </a:ln>
-        </p:spPr>
-        <p:style>
-          <a:lnRef idx="2">
-            <a:schemeClr val="accent1">
-              <a:shade val="50000"/>
-            </a:schemeClr>
-          </a:lnRef>
-          <a:fillRef idx="1">
-            <a:schemeClr val="accent1"/>
-          </a:fillRef>
-          <a:effectRef idx="0">
-            <a:schemeClr val="accent1"/>
-          </a:effectRef>
-          <a:fontRef idx="minor">
-            <a:schemeClr val="lt1"/>
-          </a:fontRef>
-        </p:style>
-      </p:sp>
-      <p:sp>
-        <p:nvSpPr>
-          <p:cNvPr id="6" name="Rectangle 5"/>
-          <p:cNvSpPr/>
-          <p:nvPr/>
-        </p:nvSpPr>
-        <p:spPr>
-          <a:xfrm>
-            <a:off x="15" y="6334316"/>
-            <a:ext cx="12188825" cy="64008"/>
-          </a:xfrm>
-          <a:prstGeom prst="rect">
-            <a:avLst/>
-          </a:prstGeom>
-          <a:solidFill>
-            <a:schemeClr val="accent4"/>
-          </a:solidFill>
-          <a:ln>
-            <a:noFill/>
-          </a:ln>
-        </p:spPr>
-        <p:style>
-          <a:lnRef idx="2">
-            <a:schemeClr val="accent1">
-              <a:shade val="50000"/>
-            </a:schemeClr>
-          </a:lnRef>
-          <a:fillRef idx="1">
-            <a:schemeClr val="accent1"/>
-          </a:fillRef>
-          <a:effectRef idx="0">
-            <a:schemeClr val="accent1"/>
-          </a:effectRef>
-          <a:fontRef idx="minor">
-            <a:schemeClr val="lt1"/>
-          </a:fontRef>
-        </p:style>
-      </p:sp>
-      <p:sp>
-        <p:nvSpPr>
-          <p:cNvPr id="7" name="Date Placeholder 6"/>
+          <p:cNvPr id="2" name="Date Placeholder 1"/>
           <p:cNvSpPr>
             <a:spLocks noGrp="1"/>
           </p:cNvSpPr>
@@ -2215,8 +4072,8 @@
           <a:lstStyle/>
           <a:p>
             <a:fld id="{1D102C1E-28F2-47E9-802D-339E64E2F920}" type="datetimeFigureOut">
-              <a:rPr lang="en-US" dirty="0"/>
-              <a:t>1/21/2017</a:t>
+              <a:rPr lang="en-US" smtClean="0"/>
+              <a:t>1/25/2017</a:t>
             </a:fld>
             <a:endParaRPr lang="en-US" dirty="0"/>
           </a:p>
@@ -2224,7 +4081,7 @@
       </p:sp>
       <p:sp>
         <p:nvSpPr>
-          <p:cNvPr id="8" name="Footer Placeholder 7"/>
+          <p:cNvPr id="3" name="Footer Placeholder 2"/>
           <p:cNvSpPr>
             <a:spLocks noGrp="1"/>
           </p:cNvSpPr>
@@ -2235,15 +4092,7 @@
         <p:spPr/>
         <p:txBody>
           <a:bodyPr/>
-          <a:lstStyle>
-            <a:lvl1pPr>
-              <a:defRPr>
-                <a:solidFill>
-                  <a:srgbClr val="FFFFFF"/>
-                </a:solidFill>
-              </a:defRPr>
-            </a:lvl1pPr>
-          </a:lstStyle>
+          <a:lstStyle/>
           <a:p>
             <a:endParaRPr lang="en-US" dirty="0"/>
           </a:p>
@@ -2251,7 +4100,7 @@
       </p:sp>
       <p:sp>
         <p:nvSpPr>
-          <p:cNvPr id="9" name="Slide Number Placeholder 8"/>
+          <p:cNvPr id="4" name="Slide Number Placeholder 3"/>
           <p:cNvSpPr>
             <a:spLocks noGrp="1"/>
           </p:cNvSpPr>
@@ -2265,7 +4114,7 @@
           <a:lstStyle/>
           <a:p>
             <a:fld id="{4FAB73BC-B049-4115-A692-8D63A059BFB8}" type="slidenum">
-              <a:rPr lang="en-US" dirty="0"/>
+              <a:rPr lang="en-US" smtClean="0"/>
               <a:pPr/>
               <a:t>‹N°›</a:t>
             </a:fld>
@@ -2274,6 +4123,11 @@
         </p:txBody>
       </p:sp>
     </p:spTree>
+    <p:extLst>
+      <p:ext uri="{BB962C8B-B14F-4D97-AF65-F5344CB8AC3E}">
+        <p14:creationId xmlns:p14="http://schemas.microsoft.com/office/powerpoint/2010/main" val="3992846923"/>
+      </p:ext>
+    </p:extLst>
   </p:cSld>
   <p:clrMapOvr>
     <a:masterClrMapping/>
@@ -2282,7 +4136,7 @@
 </file>
 
 <file path=ppt/slideLayouts/slideLayout8.xml><?xml version="1.0" encoding="utf-8"?>
-<p:sldLayout xmlns:a="http://schemas.openxmlformats.org/drawingml/2006/main" xmlns:r="http://schemas.openxmlformats.org/officeDocument/2006/relationships" xmlns:p="http://schemas.openxmlformats.org/presentationml/2006/main" showMasterSp="0" type="objTx" preserve="1">
+<p:sldLayout xmlns:a="http://schemas.openxmlformats.org/drawingml/2006/main" xmlns:r="http://schemas.openxmlformats.org/officeDocument/2006/relationships" xmlns:p="http://schemas.openxmlformats.org/presentationml/2006/main" type="objTx" preserve="1">
   <p:cSld name="Contenu avec légende">
     <p:spTree>
       <p:nvGrpSpPr>
@@ -2300,84 +4154,6 @@
       </p:grpSpPr>
       <p:sp>
         <p:nvSpPr>
-          <p:cNvPr id="8" name="Rectangle 7"/>
-          <p:cNvSpPr/>
-          <p:nvPr/>
-        </p:nvSpPr>
-        <p:spPr>
-          <a:xfrm>
-            <a:off x="16" y="0"/>
-            <a:ext cx="4050791" cy="6858000"/>
-          </a:xfrm>
-          <a:prstGeom prst="rect">
-            <a:avLst/>
-          </a:prstGeom>
-          <a:solidFill>
-            <a:schemeClr val="accent4">
-              <a:lumMod val="75000"/>
-            </a:schemeClr>
-          </a:solidFill>
-          <a:ln>
-            <a:noFill/>
-          </a:ln>
-        </p:spPr>
-        <p:style>
-          <a:lnRef idx="2">
-            <a:schemeClr val="accent1">
-              <a:shade val="50000"/>
-            </a:schemeClr>
-          </a:lnRef>
-          <a:fillRef idx="1">
-            <a:schemeClr val="accent1"/>
-          </a:fillRef>
-          <a:effectRef idx="0">
-            <a:schemeClr val="accent1"/>
-          </a:effectRef>
-          <a:fontRef idx="minor">
-            <a:schemeClr val="lt1"/>
-          </a:fontRef>
-        </p:style>
-      </p:sp>
-      <p:sp>
-        <p:nvSpPr>
-          <p:cNvPr id="9" name="Rectangle 8"/>
-          <p:cNvSpPr/>
-          <p:nvPr/>
-        </p:nvSpPr>
-        <p:spPr>
-          <a:xfrm>
-            <a:off x="4040071" y="0"/>
-            <a:ext cx="64008" cy="6858000"/>
-          </a:xfrm>
-          <a:prstGeom prst="rect">
-            <a:avLst/>
-          </a:prstGeom>
-          <a:solidFill>
-            <a:schemeClr val="accent4"/>
-          </a:solidFill>
-          <a:ln>
-            <a:noFill/>
-          </a:ln>
-        </p:spPr>
-        <p:style>
-          <a:lnRef idx="2">
-            <a:schemeClr val="accent1">
-              <a:shade val="50000"/>
-            </a:schemeClr>
-          </a:lnRef>
-          <a:fillRef idx="1">
-            <a:schemeClr val="accent1"/>
-          </a:fillRef>
-          <a:effectRef idx="0">
-            <a:schemeClr val="accent1"/>
-          </a:effectRef>
-          <a:fontRef idx="minor">
-            <a:schemeClr val="lt1"/>
-          </a:fontRef>
-        </p:style>
-      </p:sp>
-      <p:sp>
-        <p:nvSpPr>
           <p:cNvPr id="2" name="Title 1"/>
           <p:cNvSpPr>
             <a:spLocks noGrp="1"/>
@@ -2388,8 +4164,8 @@
         </p:nvSpPr>
         <p:spPr>
           <a:xfrm>
-            <a:off x="457200" y="594359"/>
-            <a:ext cx="3200400" cy="2286000"/>
+            <a:off x="677334" y="1498604"/>
+            <a:ext cx="3854528" cy="1278466"/>
           </a:xfrm>
         </p:spPr>
         <p:txBody>
@@ -2398,11 +4174,7 @@
           </a:bodyPr>
           <a:lstStyle>
             <a:lvl1pPr>
-              <a:defRPr sz="3600" b="0">
-                <a:solidFill>
-                  <a:srgbClr val="FFFFFF"/>
-                </a:solidFill>
-              </a:defRPr>
+              <a:defRPr sz="2000"/>
             </a:lvl1pPr>
           </a:lstStyle>
           <a:p>
@@ -2426,12 +4198,14 @@
         </p:nvSpPr>
         <p:spPr>
           <a:xfrm>
-            <a:off x="4800600" y="731520"/>
-            <a:ext cx="6492240" cy="5257800"/>
-          </a:xfrm>
-        </p:spPr>
-        <p:txBody>
-          <a:bodyPr/>
+            <a:off x="4760461" y="514924"/>
+            <a:ext cx="4513541" cy="5526437"/>
+          </a:xfrm>
+        </p:spPr>
+        <p:txBody>
+          <a:bodyPr>
+            <a:normAutofit/>
+          </a:bodyPr>
           <a:lstStyle/>
           <a:p>
             <a:pPr lvl="0"/>
@@ -2483,54 +4257,50 @@
         </p:nvSpPr>
         <p:spPr>
           <a:xfrm>
-            <a:off x="457200" y="2926080"/>
-            <a:ext cx="3200400" cy="3379124"/>
-          </a:xfrm>
-        </p:spPr>
-        <p:txBody>
-          <a:bodyPr lIns="91440" rIns="91440">
+            <a:off x="677334" y="2777069"/>
+            <a:ext cx="3854528" cy="2584449"/>
+          </a:xfrm>
+        </p:spPr>
+        <p:txBody>
+          <a:bodyPr>
             <a:normAutofit/>
           </a:bodyPr>
           <a:lstStyle>
             <a:lvl1pPr marL="0" indent="0">
               <a:buNone/>
-              <a:defRPr sz="1500">
-                <a:solidFill>
-                  <a:srgbClr val="FFFFFF"/>
-                </a:solidFill>
-              </a:defRPr>
+              <a:defRPr sz="1400"/>
             </a:lvl1pPr>
-            <a:lvl2pPr marL="457200" indent="0">
+            <a:lvl2pPr marL="457063" indent="0">
+              <a:buNone/>
+              <a:defRPr sz="1400"/>
+            </a:lvl2pPr>
+            <a:lvl3pPr marL="914126" indent="0">
               <a:buNone/>
               <a:defRPr sz="1200"/>
-            </a:lvl2pPr>
-            <a:lvl3pPr marL="914400" indent="0">
+            </a:lvl3pPr>
+            <a:lvl4pPr marL="1371189" indent="0">
               <a:buNone/>
               <a:defRPr sz="1000"/>
-            </a:lvl3pPr>
-            <a:lvl4pPr marL="1371600" indent="0">
-              <a:buNone/>
-              <a:defRPr sz="900"/>
             </a:lvl4pPr>
-            <a:lvl5pPr marL="1828800" indent="0">
-              <a:buNone/>
-              <a:defRPr sz="900"/>
+            <a:lvl5pPr marL="1828251" indent="0">
+              <a:buNone/>
+              <a:defRPr sz="1000"/>
             </a:lvl5pPr>
-            <a:lvl6pPr marL="2286000" indent="0">
-              <a:buNone/>
-              <a:defRPr sz="900"/>
+            <a:lvl6pPr marL="2285314" indent="0">
+              <a:buNone/>
+              <a:defRPr sz="1000"/>
             </a:lvl6pPr>
-            <a:lvl7pPr marL="2743200" indent="0">
-              <a:buNone/>
-              <a:defRPr sz="900"/>
+            <a:lvl7pPr marL="2742377" indent="0">
+              <a:buNone/>
+              <a:defRPr sz="1000"/>
             </a:lvl7pPr>
-            <a:lvl8pPr marL="3200400" indent="0">
-              <a:buNone/>
-              <a:defRPr sz="900"/>
+            <a:lvl8pPr marL="3199440" indent="0">
+              <a:buNone/>
+              <a:defRPr sz="1000"/>
             </a:lvl8pPr>
-            <a:lvl9pPr marL="3657600" indent="0">
-              <a:buNone/>
-              <a:defRPr sz="900"/>
+            <a:lvl9pPr marL="3656503" indent="0">
+              <a:buNone/>
+              <a:defRPr sz="1000"/>
             </a:lvl9pPr>
           </a:lstStyle>
           <a:p>
@@ -2552,23 +4322,14 @@
             <p:ph type="dt" sz="half" idx="10"/>
           </p:nvPr>
         </p:nvSpPr>
-        <p:spPr>
-          <a:xfrm>
-            <a:off x="465512" y="6459785"/>
-            <a:ext cx="2618510" cy="365125"/>
-          </a:xfrm>
-        </p:spPr>
+        <p:spPr/>
         <p:txBody>
           <a:bodyPr/>
-          <a:lstStyle>
-            <a:lvl1pPr algn="l">
-              <a:defRPr/>
-            </a:lvl1pPr>
-          </a:lstStyle>
+          <a:lstStyle/>
           <a:p>
             <a:fld id="{24271A48-F18A-45B3-BC05-1E27DA3F88AF}" type="datetimeFigureOut">
-              <a:rPr lang="en-US" dirty="0"/>
-              <a:t>1/21/2017</a:t>
+              <a:rPr lang="en-US" smtClean="0"/>
+              <a:t>1/25/2017</a:t>
             </a:fld>
             <a:endParaRPr lang="en-US" dirty="0"/>
           </a:p>
@@ -2584,23 +4345,10 @@
             <p:ph type="ftr" sz="quarter" idx="11"/>
           </p:nvPr>
         </p:nvSpPr>
-        <p:spPr>
-          <a:xfrm>
-            <a:off x="4800600" y="6459785"/>
-            <a:ext cx="4648200" cy="365125"/>
-          </a:xfrm>
-        </p:spPr>
+        <p:spPr/>
         <p:txBody>
           <a:bodyPr/>
-          <a:lstStyle>
-            <a:lvl1pPr algn="l">
-              <a:defRPr>
-                <a:solidFill>
-                  <a:schemeClr val="tx2"/>
-                </a:solidFill>
-              </a:defRPr>
-            </a:lvl1pPr>
-          </a:lstStyle>
+          <a:lstStyle/>
           <a:p>
             <a:endParaRPr lang="en-US" dirty="0"/>
           </a:p>
@@ -2619,18 +4367,10 @@
         <p:spPr/>
         <p:txBody>
           <a:bodyPr/>
-          <a:lstStyle>
-            <a:lvl1pPr>
-              <a:defRPr>
-                <a:solidFill>
-                  <a:schemeClr val="tx2"/>
-                </a:solidFill>
-              </a:defRPr>
-            </a:lvl1pPr>
-          </a:lstStyle>
+          <a:lstStyle/>
           <a:p>
             <a:fld id="{4FAB73BC-B049-4115-A692-8D63A059BFB8}" type="slidenum">
-              <a:rPr lang="en-US" dirty="0"/>
+              <a:rPr lang="en-US" smtClean="0"/>
               <a:pPr/>
               <a:t>‹N°›</a:t>
             </a:fld>
@@ -2639,6 +4379,11 @@
         </p:txBody>
       </p:sp>
     </p:spTree>
+    <p:extLst>
+      <p:ext uri="{BB962C8B-B14F-4D97-AF65-F5344CB8AC3E}">
+        <p14:creationId xmlns:p14="http://schemas.microsoft.com/office/powerpoint/2010/main" val="3205087991"/>
+      </p:ext>
+    </p:extLst>
   </p:cSld>
   <p:clrMapOvr>
     <a:masterClrMapping/>
@@ -2647,7 +4392,7 @@
 </file>
 
 <file path=ppt/slideLayouts/slideLayout9.xml><?xml version="1.0" encoding="utf-8"?>
-<p:sldLayout xmlns:a="http://schemas.openxmlformats.org/drawingml/2006/main" xmlns:r="http://schemas.openxmlformats.org/officeDocument/2006/relationships" xmlns:p="http://schemas.openxmlformats.org/presentationml/2006/main" showMasterSp="0" type="picTx" preserve="1">
+<p:sldLayout xmlns:a="http://schemas.openxmlformats.org/drawingml/2006/main" xmlns:r="http://schemas.openxmlformats.org/officeDocument/2006/relationships" xmlns:p="http://schemas.openxmlformats.org/presentationml/2006/main" type="picTx" preserve="1">
   <p:cSld name="Image avec légende">
     <p:spTree>
       <p:nvGrpSpPr>
@@ -2665,84 +4410,6 @@
       </p:grpSpPr>
       <p:sp>
         <p:nvSpPr>
-          <p:cNvPr id="8" name="Rectangle 7"/>
-          <p:cNvSpPr/>
-          <p:nvPr/>
-        </p:nvSpPr>
-        <p:spPr>
-          <a:xfrm>
-            <a:off x="0" y="4953000"/>
-            <a:ext cx="12188825" cy="1905000"/>
-          </a:xfrm>
-          <a:prstGeom prst="rect">
-            <a:avLst/>
-          </a:prstGeom>
-          <a:solidFill>
-            <a:schemeClr val="accent4">
-              <a:lumMod val="75000"/>
-            </a:schemeClr>
-          </a:solidFill>
-          <a:ln>
-            <a:noFill/>
-          </a:ln>
-        </p:spPr>
-        <p:style>
-          <a:lnRef idx="2">
-            <a:schemeClr val="accent1">
-              <a:shade val="50000"/>
-            </a:schemeClr>
-          </a:lnRef>
-          <a:fillRef idx="1">
-            <a:schemeClr val="accent1"/>
-          </a:fillRef>
-          <a:effectRef idx="0">
-            <a:schemeClr val="accent1"/>
-          </a:effectRef>
-          <a:fontRef idx="minor">
-            <a:schemeClr val="lt1"/>
-          </a:fontRef>
-        </p:style>
-      </p:sp>
-      <p:sp>
-        <p:nvSpPr>
-          <p:cNvPr id="9" name="Rectangle 8"/>
-          <p:cNvSpPr/>
-          <p:nvPr/>
-        </p:nvSpPr>
-        <p:spPr>
-          <a:xfrm>
-            <a:off x="15" y="4915076"/>
-            <a:ext cx="12188825" cy="64008"/>
-          </a:xfrm>
-          <a:prstGeom prst="rect">
-            <a:avLst/>
-          </a:prstGeom>
-          <a:solidFill>
-            <a:schemeClr val="accent4"/>
-          </a:solidFill>
-          <a:ln>
-            <a:noFill/>
-          </a:ln>
-        </p:spPr>
-        <p:style>
-          <a:lnRef idx="2">
-            <a:schemeClr val="accent1">
-              <a:shade val="50000"/>
-            </a:schemeClr>
-          </a:lnRef>
-          <a:fillRef idx="1">
-            <a:schemeClr val="accent1"/>
-          </a:fillRef>
-          <a:effectRef idx="0">
-            <a:schemeClr val="accent1"/>
-          </a:effectRef>
-          <a:fontRef idx="minor">
-            <a:schemeClr val="lt1"/>
-          </a:fontRef>
-        </p:style>
-      </p:sp>
-      <p:sp>
-        <p:nvSpPr>
           <p:cNvPr id="2" name="Title 1"/>
           <p:cNvSpPr>
             <a:spLocks noGrp="1"/>
@@ -2753,21 +4420,17 @@
         </p:nvSpPr>
         <p:spPr>
           <a:xfrm>
-            <a:off x="1097280" y="5074920"/>
-            <a:ext cx="10113645" cy="822960"/>
-          </a:xfrm>
-        </p:spPr>
-        <p:txBody>
-          <a:bodyPr lIns="91440" tIns="0" rIns="91440" bIns="0" anchor="b">
-            <a:noAutofit/>
+            <a:off x="677334" y="4800600"/>
+            <a:ext cx="8596667" cy="566738"/>
+          </a:xfrm>
+        </p:spPr>
+        <p:txBody>
+          <a:bodyPr anchor="b">
+            <a:normAutofit/>
           </a:bodyPr>
           <a:lstStyle>
-            <a:lvl1pPr>
-              <a:defRPr sz="3600" b="0">
-                <a:solidFill>
-                  <a:srgbClr val="FFFFFF"/>
-                </a:solidFill>
-              </a:defRPr>
+            <a:lvl1pPr algn="l">
+              <a:defRPr sz="2400" b="0"/>
             </a:lvl1pPr>
           </a:lstStyle>
           <a:p>
@@ -2791,53 +4454,50 @@
         </p:nvSpPr>
         <p:spPr>
           <a:xfrm>
-            <a:off x="15" y="0"/>
-            <a:ext cx="12191985" cy="4915076"/>
-          </a:xfrm>
-          <a:solidFill>
-            <a:schemeClr val="bg2">
-              <a:lumMod val="90000"/>
-            </a:schemeClr>
-          </a:solidFill>
-        </p:spPr>
-        <p:txBody>
-          <a:bodyPr lIns="457200" tIns="457200" anchor="t"/>
+            <a:off x="677334" y="609600"/>
+            <a:ext cx="8596668" cy="3845718"/>
+          </a:xfrm>
+        </p:spPr>
+        <p:txBody>
+          <a:bodyPr anchor="t">
+            <a:normAutofit/>
+          </a:bodyPr>
           <a:lstStyle>
-            <a:lvl1pPr marL="0" indent="0">
-              <a:buNone/>
-              <a:defRPr sz="3200"/>
+            <a:lvl1pPr marL="0" indent="0" algn="ctr">
+              <a:buNone/>
+              <a:defRPr sz="1600"/>
             </a:lvl1pPr>
             <a:lvl2pPr marL="457200" indent="0">
               <a:buNone/>
-              <a:defRPr sz="2800"/>
+              <a:defRPr sz="1600"/>
             </a:lvl2pPr>
             <a:lvl3pPr marL="914400" indent="0">
               <a:buNone/>
-              <a:defRPr sz="2400"/>
+              <a:defRPr sz="1600"/>
             </a:lvl3pPr>
             <a:lvl4pPr marL="1371600" indent="0">
               <a:buNone/>
-              <a:defRPr sz="2000"/>
+              <a:defRPr sz="1600"/>
             </a:lvl4pPr>
             <a:lvl5pPr marL="1828800" indent="0">
               <a:buNone/>
-              <a:defRPr sz="2000"/>
+              <a:defRPr sz="1600"/>
             </a:lvl5pPr>
             <a:lvl6pPr marL="2286000" indent="0">
               <a:buNone/>
-              <a:defRPr sz="2000"/>
+              <a:defRPr sz="1600"/>
             </a:lvl6pPr>
             <a:lvl7pPr marL="2743200" indent="0">
               <a:buNone/>
-              <a:defRPr sz="2000"/>
+              <a:defRPr sz="1600"/>
             </a:lvl7pPr>
             <a:lvl8pPr marL="3200400" indent="0">
               <a:buNone/>
-              <a:defRPr sz="2000"/>
+              <a:defRPr sz="1600"/>
             </a:lvl8pPr>
             <a:lvl9pPr marL="3657600" indent="0">
               <a:buNone/>
-              <a:defRPr sz="2000"/>
+              <a:defRPr sz="1600"/>
             </a:lvl9pPr>
           </a:lstStyle>
           <a:p>
@@ -2861,28 +4521,18 @@
         </p:nvSpPr>
         <p:spPr>
           <a:xfrm>
-            <a:off x="1097280" y="5907024"/>
-            <a:ext cx="10113264" cy="594360"/>
-          </a:xfrm>
-        </p:spPr>
-        <p:txBody>
-          <a:bodyPr lIns="91440" tIns="0" rIns="91440" bIns="0">
+            <a:off x="677334" y="5367338"/>
+            <a:ext cx="8596667" cy="674024"/>
+          </a:xfrm>
+        </p:spPr>
+        <p:txBody>
+          <a:bodyPr>
             <a:normAutofit/>
           </a:bodyPr>
           <a:lstStyle>
             <a:lvl1pPr marL="0" indent="0">
-              <a:spcBef>
-                <a:spcPts val="0"/>
-              </a:spcBef>
-              <a:spcAft>
-                <a:spcPts val="600"/>
-              </a:spcAft>
-              <a:buNone/>
-              <a:defRPr sz="1500">
-                <a:solidFill>
-                  <a:srgbClr val="FFFFFF"/>
-                </a:solidFill>
-              </a:defRPr>
+              <a:buNone/>
+              <a:defRPr sz="1200"/>
             </a:lvl1pPr>
             <a:lvl2pPr marL="457200" indent="0">
               <a:buNone/>
@@ -2928,12 +4578,12 @@
       </p:sp>
       <p:sp>
         <p:nvSpPr>
-          <p:cNvPr id="5" name="Date Placeholder 4"/>
-          <p:cNvSpPr>
-            <a:spLocks noGrp="1"/>
-          </p:cNvSpPr>
-          <p:nvPr>
-            <p:ph type="dt" sz="half" idx="10"/>
+          <p:cNvPr id="6" name="Footer Placeholder 5"/>
+          <p:cNvSpPr>
+            <a:spLocks noGrp="1"/>
+          </p:cNvSpPr>
+          <p:nvPr>
+            <p:ph type="ftr" sz="quarter" idx="11"/>
           </p:nvPr>
         </p:nvSpPr>
         <p:spPr/>
@@ -2941,22 +4591,18 @@
           <a:bodyPr/>
           <a:lstStyle/>
           <a:p>
-            <a:fld id="{65B747F8-9654-4282-85D2-65F41AAE7A75}" type="datetimeFigureOut">
-              <a:rPr lang="en-US" dirty="0"/>
-              <a:t>1/21/2017</a:t>
-            </a:fld>
             <a:endParaRPr lang="en-US" dirty="0"/>
           </a:p>
         </p:txBody>
       </p:sp>
       <p:sp>
         <p:nvSpPr>
-          <p:cNvPr id="6" name="Footer Placeholder 5"/>
-          <p:cNvSpPr>
-            <a:spLocks noGrp="1"/>
-          </p:cNvSpPr>
-          <p:nvPr>
-            <p:ph type="ftr" sz="quarter" idx="11"/>
+          <p:cNvPr id="7" name="Slide Number Placeholder 6"/>
+          <p:cNvSpPr>
+            <a:spLocks noGrp="1"/>
+          </p:cNvSpPr>
+          <p:nvPr>
+            <p:ph type="sldNum" sz="quarter" idx="12"/>
           </p:nvPr>
         </p:nvSpPr>
         <p:spPr/>
@@ -2964,34 +4610,43 @@
           <a:bodyPr/>
           <a:lstStyle/>
           <a:p>
-            <a:endParaRPr lang="en-US" dirty="0"/>
-          </a:p>
-        </p:txBody>
-      </p:sp>
-      <p:sp>
-        <p:nvSpPr>
-          <p:cNvPr id="7" name="Slide Number Placeholder 6"/>
-          <p:cNvSpPr>
-            <a:spLocks noGrp="1"/>
-          </p:cNvSpPr>
-          <p:nvPr>
-            <p:ph type="sldNum" sz="quarter" idx="12"/>
-          </p:nvPr>
-        </p:nvSpPr>
-        <p:spPr/>
-        <p:txBody>
-          <a:bodyPr/>
-          <a:lstStyle/>
-          <a:p>
             <a:fld id="{4FAB73BC-B049-4115-A692-8D63A059BFB8}" type="slidenum">
-              <a:rPr lang="en-US" dirty="0"/>
+              <a:rPr lang="en-US" smtClean="0"/>
               <a:t>‹N°›</a:t>
             </a:fld>
             <a:endParaRPr lang="en-US" dirty="0"/>
           </a:p>
         </p:txBody>
       </p:sp>
+      <p:sp>
+        <p:nvSpPr>
+          <p:cNvPr id="5" name="Date Placeholder 4"/>
+          <p:cNvSpPr>
+            <a:spLocks noGrp="1"/>
+          </p:cNvSpPr>
+          <p:nvPr>
+            <p:ph type="dt" sz="half" idx="10"/>
+          </p:nvPr>
+        </p:nvSpPr>
+        <p:spPr/>
+        <p:txBody>
+          <a:bodyPr/>
+          <a:lstStyle/>
+          <a:p>
+            <a:fld id="{65B747F8-9654-4282-85D2-65F41AAE7A75}" type="datetimeFigureOut">
+              <a:rPr lang="en-US" smtClean="0"/>
+              <a:t>1/25/2017</a:t>
+            </a:fld>
+            <a:endParaRPr lang="en-US" dirty="0"/>
+          </a:p>
+        </p:txBody>
+      </p:sp>
     </p:spTree>
+    <p:extLst>
+      <p:ext uri="{BB962C8B-B14F-4D97-AF65-F5344CB8AC3E}">
+        <p14:creationId xmlns:p14="http://schemas.microsoft.com/office/powerpoint/2010/main" val="1086576967"/>
+      </p:ext>
+    </p:extLst>
   </p:cSld>
   <p:clrMapOvr>
     <a:masterClrMapping/>
@@ -3004,7 +4659,7 @@
   <p:cSld>
     <p:bg>
       <p:bgRef idx="1001">
-        <a:schemeClr val="bg2"/>
+        <a:schemeClr val="bg1"/>
       </p:bgRef>
     </p:bg>
     <p:spTree>
@@ -3021,193 +4676,687 @@
           <a:chExt cx="0" cy="0"/>
         </a:xfrm>
       </p:grpSpPr>
-      <p:sp>
-        <p:nvSpPr>
-          <p:cNvPr id="7" name="Rectangle 6"/>
-          <p:cNvSpPr/>
+      <p:grpSp>
+        <p:nvGrpSpPr>
+          <p:cNvPr id="44" name="Group 43"/>
+          <p:cNvGrpSpPr/>
           <p:nvPr/>
-        </p:nvSpPr>
-        <p:spPr>
-          <a:xfrm>
-            <a:off x="1" y="6400800"/>
-            <a:ext cx="12192000" cy="457200"/>
+        </p:nvGrpSpPr>
+        <p:grpSpPr>
+          <a:xfrm>
+            <a:off x="0" y="-8467"/>
+            <a:ext cx="12192000" cy="6866467"/>
+            <a:chOff x="0" y="-8467"/>
+            <a:chExt cx="12192000" cy="6866467"/>
+          </a:xfrm>
+        </p:grpSpPr>
+        <p:cxnSp>
+          <p:nvCxnSpPr>
+            <p:cNvPr id="20" name="Straight Connector 19"/>
+            <p:cNvCxnSpPr/>
+            <p:nvPr/>
+          </p:nvCxnSpPr>
+          <p:spPr>
+            <a:xfrm>
+              <a:off x="9371012" y="0"/>
+              <a:ext cx="1219200" cy="6858000"/>
+            </a:xfrm>
+            <a:prstGeom prst="line">
+              <a:avLst/>
+            </a:prstGeom>
+            <a:ln w="9525">
+              <a:solidFill>
+                <a:schemeClr val="accent1">
+                  <a:alpha val="70000"/>
+                </a:schemeClr>
+              </a:solidFill>
+            </a:ln>
+          </p:spPr>
+          <p:style>
+            <a:lnRef idx="2">
+              <a:schemeClr val="accent1"/>
+            </a:lnRef>
+            <a:fillRef idx="0">
+              <a:schemeClr val="accent1"/>
+            </a:fillRef>
+            <a:effectRef idx="1">
+              <a:schemeClr val="accent1"/>
+            </a:effectRef>
+            <a:fontRef idx="minor">
+              <a:schemeClr val="tx1"/>
+            </a:fontRef>
+          </p:style>
+        </p:cxnSp>
+        <p:cxnSp>
+          <p:nvCxnSpPr>
+            <p:cNvPr id="21" name="Straight Connector 20"/>
+            <p:cNvCxnSpPr/>
+            <p:nvPr/>
+          </p:nvCxnSpPr>
+          <p:spPr>
+            <a:xfrm flipH="1">
+              <a:off x="7425267" y="3681413"/>
+              <a:ext cx="4763558" cy="3176587"/>
+            </a:xfrm>
+            <a:prstGeom prst="line">
+              <a:avLst/>
+            </a:prstGeom>
+            <a:ln w="9525">
+              <a:solidFill>
+                <a:schemeClr val="accent1">
+                  <a:alpha val="70000"/>
+                </a:schemeClr>
+              </a:solidFill>
+            </a:ln>
+          </p:spPr>
+          <p:style>
+            <a:lnRef idx="2">
+              <a:schemeClr val="accent1"/>
+            </a:lnRef>
+            <a:fillRef idx="0">
+              <a:schemeClr val="accent1"/>
+            </a:fillRef>
+            <a:effectRef idx="1">
+              <a:schemeClr val="accent1"/>
+            </a:effectRef>
+            <a:fontRef idx="minor">
+              <a:schemeClr val="tx1"/>
+            </a:fontRef>
+          </p:style>
+        </p:cxnSp>
+        <p:sp>
+          <p:nvSpPr>
+            <p:cNvPr id="22" name="Rectangle 23"/>
+            <p:cNvSpPr/>
+            <p:nvPr/>
+          </p:nvSpPr>
+          <p:spPr>
+            <a:xfrm>
+              <a:off x="9181476" y="-8467"/>
+              <a:ext cx="3007349" cy="6866467"/>
+            </a:xfrm>
+            <a:custGeom>
+              <a:avLst/>
+              <a:gdLst/>
+              <a:ahLst/>
+              <a:cxnLst/>
+              <a:rect l="l" t="t" r="r" b="b"/>
+              <a:pathLst>
+                <a:path w="3007349" h="6866467">
+                  <a:moveTo>
+                    <a:pt x="2045532" y="0"/>
+                  </a:moveTo>
+                  <a:lnTo>
+                    <a:pt x="3007349" y="0"/>
+                  </a:lnTo>
+                  <a:lnTo>
+                    <a:pt x="3007349" y="6866467"/>
+                  </a:lnTo>
+                  <a:lnTo>
+                    <a:pt x="0" y="6866467"/>
+                  </a:lnTo>
+                  <a:lnTo>
+                    <a:pt x="2045532" y="0"/>
+                  </a:lnTo>
+                  <a:close/>
+                </a:path>
+              </a:pathLst>
+            </a:custGeom>
+            <a:solidFill>
+              <a:schemeClr val="accent1">
+                <a:alpha val="36000"/>
+              </a:schemeClr>
+            </a:solidFill>
+            <a:ln>
+              <a:noFill/>
+            </a:ln>
+            <a:effectLst/>
+          </p:spPr>
+          <p:style>
+            <a:lnRef idx="1">
+              <a:schemeClr val="accent1"/>
+            </a:lnRef>
+            <a:fillRef idx="3">
+              <a:schemeClr val="accent1"/>
+            </a:fillRef>
+            <a:effectRef idx="2">
+              <a:schemeClr val="accent1"/>
+            </a:effectRef>
+            <a:fontRef idx="minor">
+              <a:schemeClr val="lt1"/>
+            </a:fontRef>
+          </p:style>
+        </p:sp>
+        <p:sp>
+          <p:nvSpPr>
+            <p:cNvPr id="23" name="Rectangle 25"/>
+            <p:cNvSpPr/>
+            <p:nvPr/>
+          </p:nvSpPr>
+          <p:spPr>
+            <a:xfrm>
+              <a:off x="9603442" y="-8467"/>
+              <a:ext cx="2588558" cy="6866467"/>
+            </a:xfrm>
+            <a:custGeom>
+              <a:avLst/>
+              <a:gdLst/>
+              <a:ahLst/>
+              <a:cxnLst/>
+              <a:rect l="l" t="t" r="r" b="b"/>
+              <a:pathLst>
+                <a:path w="2573311" h="6866467">
+                  <a:moveTo>
+                    <a:pt x="0" y="0"/>
+                  </a:moveTo>
+                  <a:lnTo>
+                    <a:pt x="2573311" y="0"/>
+                  </a:lnTo>
+                  <a:lnTo>
+                    <a:pt x="2573311" y="6866467"/>
+                  </a:lnTo>
+                  <a:lnTo>
+                    <a:pt x="1202336" y="6866467"/>
+                  </a:lnTo>
+                  <a:lnTo>
+                    <a:pt x="0" y="0"/>
+                  </a:lnTo>
+                  <a:close/>
+                </a:path>
+              </a:pathLst>
+            </a:custGeom>
+            <a:solidFill>
+              <a:schemeClr val="accent1">
+                <a:alpha val="20000"/>
+              </a:schemeClr>
+            </a:solidFill>
+            <a:ln>
+              <a:noFill/>
+            </a:ln>
+            <a:effectLst/>
+          </p:spPr>
+          <p:style>
+            <a:lnRef idx="1">
+              <a:schemeClr val="accent1"/>
+            </a:lnRef>
+            <a:fillRef idx="3">
+              <a:schemeClr val="accent1"/>
+            </a:fillRef>
+            <a:effectRef idx="2">
+              <a:schemeClr val="accent1"/>
+            </a:effectRef>
+            <a:fontRef idx="minor">
+              <a:schemeClr val="lt1"/>
+            </a:fontRef>
+          </p:style>
+        </p:sp>
+        <p:sp>
+          <p:nvSpPr>
+            <p:cNvPr id="24" name="Isosceles Triangle 23"/>
+            <p:cNvSpPr/>
+            <p:nvPr/>
+          </p:nvSpPr>
+          <p:spPr>
+            <a:xfrm>
+              <a:off x="8932333" y="3048000"/>
+              <a:ext cx="3259667" cy="3810000"/>
+            </a:xfrm>
+            <a:prstGeom prst="triangle">
+              <a:avLst>
+                <a:gd name="adj" fmla="val 100000"/>
+              </a:avLst>
+            </a:prstGeom>
+            <a:solidFill>
+              <a:schemeClr val="accent1">
+                <a:lumMod val="75000"/>
+                <a:alpha val="66000"/>
+              </a:schemeClr>
+            </a:solidFill>
+            <a:ln>
+              <a:noFill/>
+            </a:ln>
+            <a:effectLst/>
+          </p:spPr>
+          <p:style>
+            <a:lnRef idx="1">
+              <a:schemeClr val="accent1"/>
+            </a:lnRef>
+            <a:fillRef idx="3">
+              <a:schemeClr val="accent1"/>
+            </a:fillRef>
+            <a:effectRef idx="2">
+              <a:schemeClr val="accent1"/>
+            </a:effectRef>
+            <a:fontRef idx="minor">
+              <a:schemeClr val="lt1"/>
+            </a:fontRef>
+          </p:style>
+        </p:sp>
+        <p:sp>
+          <p:nvSpPr>
+            <p:cNvPr id="25" name="Rectangle 27"/>
+            <p:cNvSpPr/>
+            <p:nvPr/>
+          </p:nvSpPr>
+          <p:spPr>
+            <a:xfrm>
+              <a:off x="9334500" y="-8467"/>
+              <a:ext cx="2854326" cy="6866467"/>
+            </a:xfrm>
+            <a:custGeom>
+              <a:avLst/>
+              <a:gdLst/>
+              <a:ahLst/>
+              <a:cxnLst/>
+              <a:rect l="l" t="t" r="r" b="b"/>
+              <a:pathLst>
+                <a:path w="2858013" h="6866467">
+                  <a:moveTo>
+                    <a:pt x="0" y="0"/>
+                  </a:moveTo>
+                  <a:lnTo>
+                    <a:pt x="2858013" y="0"/>
+                  </a:lnTo>
+                  <a:lnTo>
+                    <a:pt x="2858013" y="6866467"/>
+                  </a:lnTo>
+                  <a:lnTo>
+                    <a:pt x="2473942" y="6866467"/>
+                  </a:lnTo>
+                  <a:lnTo>
+                    <a:pt x="0" y="0"/>
+                  </a:lnTo>
+                  <a:close/>
+                </a:path>
+              </a:pathLst>
+            </a:custGeom>
+            <a:solidFill>
+              <a:schemeClr val="accent1">
+                <a:lumMod val="75000"/>
+                <a:alpha val="50000"/>
+              </a:schemeClr>
+            </a:solidFill>
+            <a:ln>
+              <a:noFill/>
+            </a:ln>
+            <a:effectLst/>
+          </p:spPr>
+          <p:style>
+            <a:lnRef idx="1">
+              <a:schemeClr val="accent1"/>
+            </a:lnRef>
+            <a:fillRef idx="3">
+              <a:schemeClr val="accent1"/>
+            </a:fillRef>
+            <a:effectRef idx="2">
+              <a:schemeClr val="accent1"/>
+            </a:effectRef>
+            <a:fontRef idx="minor">
+              <a:schemeClr val="lt1"/>
+            </a:fontRef>
+          </p:style>
+        </p:sp>
+        <p:sp>
+          <p:nvSpPr>
+            <p:cNvPr id="26" name="Rectangle 28"/>
+            <p:cNvSpPr/>
+            <p:nvPr/>
+          </p:nvSpPr>
+          <p:spPr>
+            <a:xfrm>
+              <a:off x="10898730" y="-8467"/>
+              <a:ext cx="1290094" cy="6866467"/>
+            </a:xfrm>
+            <a:custGeom>
+              <a:avLst/>
+              <a:gdLst/>
+              <a:ahLst/>
+              <a:cxnLst/>
+              <a:rect l="l" t="t" r="r" b="b"/>
+              <a:pathLst>
+                <a:path w="1290094" h="6858000">
+                  <a:moveTo>
+                    <a:pt x="1019735" y="0"/>
+                  </a:moveTo>
+                  <a:lnTo>
+                    <a:pt x="1290094" y="0"/>
+                  </a:lnTo>
+                  <a:lnTo>
+                    <a:pt x="1290094" y="6858000"/>
+                  </a:lnTo>
+                  <a:lnTo>
+                    <a:pt x="0" y="6858000"/>
+                  </a:lnTo>
+                  <a:lnTo>
+                    <a:pt x="1019735" y="0"/>
+                  </a:lnTo>
+                  <a:close/>
+                </a:path>
+              </a:pathLst>
+            </a:custGeom>
+            <a:solidFill>
+              <a:schemeClr val="accent2">
+                <a:alpha val="70000"/>
+              </a:schemeClr>
+            </a:solidFill>
+            <a:ln>
+              <a:noFill/>
+            </a:ln>
+            <a:effectLst/>
+          </p:spPr>
+          <p:style>
+            <a:lnRef idx="1">
+              <a:schemeClr val="accent1"/>
+            </a:lnRef>
+            <a:fillRef idx="3">
+              <a:schemeClr val="accent1"/>
+            </a:fillRef>
+            <a:effectRef idx="2">
+              <a:schemeClr val="accent1"/>
+            </a:effectRef>
+            <a:fontRef idx="minor">
+              <a:schemeClr val="lt1"/>
+            </a:fontRef>
+          </p:style>
+        </p:sp>
+        <p:sp>
+          <p:nvSpPr>
+            <p:cNvPr id="27" name="Rectangle 29"/>
+            <p:cNvSpPr/>
+            <p:nvPr/>
+          </p:nvSpPr>
+          <p:spPr>
+            <a:xfrm>
+              <a:off x="10938999" y="-8467"/>
+              <a:ext cx="1249825" cy="6866467"/>
+            </a:xfrm>
+            <a:custGeom>
+              <a:avLst/>
+              <a:gdLst/>
+              <a:ahLst/>
+              <a:cxnLst/>
+              <a:rect l="l" t="t" r="r" b="b"/>
+              <a:pathLst>
+                <a:path w="1249825" h="6858000">
+                  <a:moveTo>
+                    <a:pt x="0" y="0"/>
+                  </a:moveTo>
+                  <a:lnTo>
+                    <a:pt x="1249825" y="0"/>
+                  </a:lnTo>
+                  <a:lnTo>
+                    <a:pt x="1249825" y="6858000"/>
+                  </a:lnTo>
+                  <a:lnTo>
+                    <a:pt x="1109382" y="6858000"/>
+                  </a:lnTo>
+                  <a:lnTo>
+                    <a:pt x="0" y="0"/>
+                  </a:lnTo>
+                  <a:close/>
+                </a:path>
+              </a:pathLst>
+            </a:custGeom>
+            <a:solidFill>
+              <a:schemeClr val="accent2">
+                <a:lumMod val="75000"/>
+                <a:alpha val="80000"/>
+              </a:schemeClr>
+            </a:solidFill>
+            <a:ln>
+              <a:noFill/>
+            </a:ln>
+            <a:effectLst/>
+          </p:spPr>
+          <p:style>
+            <a:lnRef idx="1">
+              <a:schemeClr val="accent1"/>
+            </a:lnRef>
+            <a:fillRef idx="3">
+              <a:schemeClr val="accent1"/>
+            </a:fillRef>
+            <a:effectRef idx="2">
+              <a:schemeClr val="accent1"/>
+            </a:effectRef>
+            <a:fontRef idx="minor">
+              <a:schemeClr val="lt1"/>
+            </a:fontRef>
+          </p:style>
+        </p:sp>
+        <p:sp>
+          <p:nvSpPr>
+            <p:cNvPr id="28" name="Isosceles Triangle 27"/>
+            <p:cNvSpPr/>
+            <p:nvPr/>
+          </p:nvSpPr>
+          <p:spPr>
+            <a:xfrm>
+              <a:off x="10371666" y="3589867"/>
+              <a:ext cx="1817159" cy="3268133"/>
+            </a:xfrm>
+            <a:prstGeom prst="triangle">
+              <a:avLst>
+                <a:gd name="adj" fmla="val 100000"/>
+              </a:avLst>
+            </a:prstGeom>
+            <a:solidFill>
+              <a:schemeClr val="accent1">
+                <a:lumMod val="75000"/>
+                <a:alpha val="66000"/>
+              </a:schemeClr>
+            </a:solidFill>
+            <a:ln>
+              <a:noFill/>
+            </a:ln>
+            <a:effectLst/>
+          </p:spPr>
+          <p:style>
+            <a:lnRef idx="1">
+              <a:schemeClr val="accent1"/>
+            </a:lnRef>
+            <a:fillRef idx="3">
+              <a:schemeClr val="accent1"/>
+            </a:fillRef>
+            <a:effectRef idx="2">
+              <a:schemeClr val="accent1"/>
+            </a:effectRef>
+            <a:fontRef idx="minor">
+              <a:schemeClr val="lt1"/>
+            </a:fontRef>
+          </p:style>
+        </p:sp>
+        <p:sp>
+          <p:nvSpPr>
+            <p:cNvPr id="19" name="Isosceles Triangle 18"/>
+            <p:cNvSpPr/>
+            <p:nvPr/>
+          </p:nvSpPr>
+          <p:spPr>
+            <a:xfrm>
+              <a:off x="0" y="4013200"/>
+              <a:ext cx="448733" cy="2844800"/>
+            </a:xfrm>
+            <a:prstGeom prst="triangle">
+              <a:avLst>
+                <a:gd name="adj" fmla="val 0"/>
+              </a:avLst>
+            </a:prstGeom>
+            <a:solidFill>
+              <a:schemeClr val="accent1">
+                <a:alpha val="70000"/>
+              </a:schemeClr>
+            </a:solidFill>
+            <a:ln>
+              <a:noFill/>
+            </a:ln>
+            <a:effectLst/>
+          </p:spPr>
+          <p:style>
+            <a:lnRef idx="1">
+              <a:schemeClr val="accent1"/>
+            </a:lnRef>
+            <a:fillRef idx="3">
+              <a:schemeClr val="accent1"/>
+            </a:fillRef>
+            <a:effectRef idx="2">
+              <a:schemeClr val="accent1"/>
+            </a:effectRef>
+            <a:fontRef idx="minor">
+              <a:schemeClr val="lt1"/>
+            </a:fontRef>
+          </p:style>
+        </p:sp>
+      </p:grpSp>
+      <p:sp>
+        <p:nvSpPr>
+          <p:cNvPr id="2" name="Title Placeholder 1"/>
+          <p:cNvSpPr>
+            <a:spLocks noGrp="1"/>
+          </p:cNvSpPr>
+          <p:nvPr>
+            <p:ph type="title"/>
+          </p:nvPr>
+        </p:nvSpPr>
+        <p:spPr>
+          <a:xfrm>
+            <a:off x="677334" y="609600"/>
+            <a:ext cx="8596668" cy="1320800"/>
           </a:xfrm>
           <a:prstGeom prst="rect">
             <a:avLst/>
           </a:prstGeom>
-          <a:solidFill>
-            <a:schemeClr val="accent4">
-              <a:lumMod val="75000"/>
-            </a:schemeClr>
-          </a:solidFill>
-          <a:ln>
-            <a:noFill/>
-          </a:ln>
-        </p:spPr>
-        <p:style>
-          <a:lnRef idx="2">
-            <a:schemeClr val="accent1">
-              <a:shade val="50000"/>
-            </a:schemeClr>
-          </a:lnRef>
-          <a:fillRef idx="1">
-            <a:schemeClr val="accent1"/>
-          </a:fillRef>
-          <a:effectRef idx="0">
-            <a:schemeClr val="accent1"/>
-          </a:effectRef>
-          <a:fontRef idx="minor">
-            <a:schemeClr val="lt1"/>
-          </a:fontRef>
-        </p:style>
-      </p:sp>
-      <p:sp>
-        <p:nvSpPr>
-          <p:cNvPr id="9" name="Rectangle 8"/>
-          <p:cNvSpPr/>
-          <p:nvPr/>
-        </p:nvSpPr>
-        <p:spPr>
-          <a:xfrm>
-            <a:off x="15" y="6334316"/>
-            <a:ext cx="12191985" cy="66484"/>
+        </p:spPr>
+        <p:txBody>
+          <a:bodyPr vert="horz" lIns="91440" tIns="45720" rIns="91440" bIns="45720" rtlCol="0" anchor="t">
+            <a:normAutofit/>
+          </a:bodyPr>
+          <a:lstStyle/>
+          <a:p>
+            <a:r>
+              <a:rPr lang="fr-FR" smtClean="0"/>
+              <a:t>Modifiez le style du titre</a:t>
+            </a:r>
+            <a:endParaRPr lang="en-US" dirty="0"/>
+          </a:p>
+        </p:txBody>
+      </p:sp>
+      <p:sp>
+        <p:nvSpPr>
+          <p:cNvPr id="3" name="Text Placeholder 2"/>
+          <p:cNvSpPr>
+            <a:spLocks noGrp="1"/>
+          </p:cNvSpPr>
+          <p:nvPr>
+            <p:ph type="body" idx="1"/>
+          </p:nvPr>
+        </p:nvSpPr>
+        <p:spPr>
+          <a:xfrm>
+            <a:off x="677334" y="2160589"/>
+            <a:ext cx="8596668" cy="3880773"/>
           </a:xfrm>
           <a:prstGeom prst="rect">
             <a:avLst/>
           </a:prstGeom>
-          <a:solidFill>
-            <a:schemeClr val="accent4"/>
-          </a:solidFill>
-          <a:ln>
-            <a:noFill/>
-          </a:ln>
-        </p:spPr>
-        <p:style>
-          <a:lnRef idx="2">
-            <a:schemeClr val="accent1">
-              <a:shade val="50000"/>
-            </a:schemeClr>
-          </a:lnRef>
-          <a:fillRef idx="1">
-            <a:schemeClr val="accent1"/>
-          </a:fillRef>
-          <a:effectRef idx="0">
-            <a:schemeClr val="accent1"/>
-          </a:effectRef>
-          <a:fontRef idx="minor">
-            <a:schemeClr val="lt1"/>
-          </a:fontRef>
-        </p:style>
-      </p:sp>
-      <p:sp>
-        <p:nvSpPr>
-          <p:cNvPr id="2" name="Title Placeholder 1"/>
-          <p:cNvSpPr>
-            <a:spLocks noGrp="1"/>
-          </p:cNvSpPr>
-          <p:nvPr>
-            <p:ph type="title"/>
-          </p:nvPr>
-        </p:nvSpPr>
-        <p:spPr>
-          <a:xfrm>
-            <a:off x="1097280" y="286603"/>
-            <a:ext cx="10058400" cy="1450757"/>
+        </p:spPr>
+        <p:txBody>
+          <a:bodyPr vert="horz" lIns="91440" tIns="45720" rIns="91440" bIns="45720" rtlCol="0">
+            <a:normAutofit/>
+          </a:bodyPr>
+          <a:lstStyle/>
+          <a:p>
+            <a:pPr lvl="0"/>
+            <a:r>
+              <a:rPr lang="fr-FR" smtClean="0"/>
+              <a:t>Modifiez les styles du texte du masque</a:t>
+            </a:r>
+          </a:p>
+          <a:p>
+            <a:pPr lvl="1"/>
+            <a:r>
+              <a:rPr lang="fr-FR" smtClean="0"/>
+              <a:t>Deuxième niveau</a:t>
+            </a:r>
+          </a:p>
+          <a:p>
+            <a:pPr lvl="2"/>
+            <a:r>
+              <a:rPr lang="fr-FR" smtClean="0"/>
+              <a:t>Troisième niveau</a:t>
+            </a:r>
+          </a:p>
+          <a:p>
+            <a:pPr lvl="3"/>
+            <a:r>
+              <a:rPr lang="fr-FR" smtClean="0"/>
+              <a:t>Quatrième niveau</a:t>
+            </a:r>
+          </a:p>
+          <a:p>
+            <a:pPr lvl="4"/>
+            <a:r>
+              <a:rPr lang="fr-FR" smtClean="0"/>
+              <a:t>Cinquième niveau</a:t>
+            </a:r>
+            <a:endParaRPr lang="en-US" dirty="0"/>
+          </a:p>
+        </p:txBody>
+      </p:sp>
+      <p:sp>
+        <p:nvSpPr>
+          <p:cNvPr id="4" name="Date Placeholder 3"/>
+          <p:cNvSpPr>
+            <a:spLocks noGrp="1"/>
+          </p:cNvSpPr>
+          <p:nvPr>
+            <p:ph type="dt" sz="half" idx="2"/>
+          </p:nvPr>
+        </p:nvSpPr>
+        <p:spPr>
+          <a:xfrm>
+            <a:off x="7205133" y="6041362"/>
+            <a:ext cx="911939" cy="365125"/>
           </a:xfrm>
           <a:prstGeom prst="rect">
             <a:avLst/>
           </a:prstGeom>
         </p:spPr>
         <p:txBody>
-          <a:bodyPr vert="horz" lIns="91440" tIns="45720" rIns="91440" bIns="45720" rtlCol="0" anchor="b">
-            <a:normAutofit/>
-          </a:bodyPr>
-          <a:lstStyle/>
-          <a:p>
-            <a:r>
-              <a:rPr lang="fr-FR" smtClean="0"/>
-              <a:t>Modifiez le style du titre</a:t>
-            </a:r>
+          <a:bodyPr vert="horz" lIns="91440" tIns="45720" rIns="91440" bIns="45720" rtlCol="0" anchor="ctr"/>
+          <a:lstStyle>
+            <a:lvl1pPr algn="r">
+              <a:defRPr sz="900">
+                <a:solidFill>
+                  <a:schemeClr val="tx1">
+                    <a:tint val="75000"/>
+                  </a:schemeClr>
+                </a:solidFill>
+              </a:defRPr>
+            </a:lvl1pPr>
+          </a:lstStyle>
+          <a:p>
+            <a:fld id="{5DC5B261-8843-42D1-AAFC-05E20E2D9B97}" type="datetimeFigureOut">
+              <a:rPr lang="en-US" smtClean="0"/>
+              <a:t>1/25/2017</a:t>
+            </a:fld>
             <a:endParaRPr lang="en-US" dirty="0"/>
           </a:p>
         </p:txBody>
       </p:sp>
       <p:sp>
         <p:nvSpPr>
-          <p:cNvPr id="3" name="Text Placeholder 2"/>
-          <p:cNvSpPr>
-            <a:spLocks noGrp="1"/>
-          </p:cNvSpPr>
-          <p:nvPr>
-            <p:ph type="body" idx="1"/>
-          </p:nvPr>
-        </p:nvSpPr>
-        <p:spPr>
-          <a:xfrm>
-            <a:off x="1097280" y="1845734"/>
-            <a:ext cx="10058400" cy="4023360"/>
-          </a:xfrm>
-          <a:prstGeom prst="rect">
-            <a:avLst/>
-          </a:prstGeom>
-        </p:spPr>
-        <p:txBody>
-          <a:bodyPr vert="horz" lIns="0" tIns="45720" rIns="0" bIns="45720" rtlCol="0">
-            <a:normAutofit/>
-          </a:bodyPr>
-          <a:lstStyle/>
-          <a:p>
-            <a:pPr lvl="0"/>
-            <a:r>
-              <a:rPr lang="fr-FR" smtClean="0"/>
-              <a:t>Modifiez les styles du texte du masque</a:t>
-            </a:r>
-          </a:p>
-          <a:p>
-            <a:pPr lvl="1"/>
-            <a:r>
-              <a:rPr lang="fr-FR" smtClean="0"/>
-              <a:t>Deuxième niveau</a:t>
-            </a:r>
-          </a:p>
-          <a:p>
-            <a:pPr lvl="2"/>
-            <a:r>
-              <a:rPr lang="fr-FR" smtClean="0"/>
-              <a:t>Troisième niveau</a:t>
-            </a:r>
-          </a:p>
-          <a:p>
-            <a:pPr lvl="3"/>
-            <a:r>
-              <a:rPr lang="fr-FR" smtClean="0"/>
-              <a:t>Quatrième niveau</a:t>
-            </a:r>
-          </a:p>
-          <a:p>
-            <a:pPr lvl="4"/>
-            <a:r>
-              <a:rPr lang="fr-FR" smtClean="0"/>
-              <a:t>Cinquième niveau</a:t>
-            </a:r>
-            <a:endParaRPr lang="en-US" dirty="0"/>
-          </a:p>
-        </p:txBody>
-      </p:sp>
-      <p:sp>
-        <p:nvSpPr>
-          <p:cNvPr id="4" name="Date Placeholder 3"/>
-          <p:cNvSpPr>
-            <a:spLocks noGrp="1"/>
-          </p:cNvSpPr>
-          <p:nvPr>
-            <p:ph type="dt" sz="half" idx="2"/>
-          </p:nvPr>
-        </p:nvSpPr>
-        <p:spPr>
-          <a:xfrm>
-            <a:off x="1097280" y="6459785"/>
-            <a:ext cx="2472271" cy="365125"/>
+          <p:cNvPr id="5" name="Footer Placeholder 4"/>
+          <p:cNvSpPr>
+            <a:spLocks noGrp="1"/>
+          </p:cNvSpPr>
+          <p:nvPr>
+            <p:ph type="ftr" sz="quarter" idx="3"/>
+          </p:nvPr>
+        </p:nvSpPr>
+        <p:spPr>
+          <a:xfrm>
+            <a:off x="677334" y="6041362"/>
+            <a:ext cx="6297612" cy="365125"/>
           </a:xfrm>
           <a:prstGeom prst="rect">
             <a:avLst/>
@@ -3219,34 +5368,32 @@
             <a:lvl1pPr algn="l">
               <a:defRPr sz="900">
                 <a:solidFill>
-                  <a:srgbClr val="FFFFFF"/>
+                  <a:schemeClr val="tx1">
+                    <a:tint val="75000"/>
+                  </a:schemeClr>
                 </a:solidFill>
               </a:defRPr>
             </a:lvl1pPr>
           </a:lstStyle>
           <a:p>
-            <a:fld id="{5DC5B261-8843-42D1-AAFC-05E20E2D9B97}" type="datetimeFigureOut">
-              <a:rPr lang="en-US" dirty="0"/>
-              <a:t>1/21/2017</a:t>
-            </a:fld>
             <a:endParaRPr lang="en-US" dirty="0"/>
           </a:p>
         </p:txBody>
       </p:sp>
       <p:sp>
         <p:nvSpPr>
-          <p:cNvPr id="5" name="Footer Placeholder 4"/>
-          <p:cNvSpPr>
-            <a:spLocks noGrp="1"/>
-          </p:cNvSpPr>
-          <p:nvPr>
-            <p:ph type="ftr" sz="quarter" idx="3"/>
-          </p:nvPr>
-        </p:nvSpPr>
-        <p:spPr>
-          <a:xfrm>
-            <a:off x="3686185" y="6459785"/>
-            <a:ext cx="4822804" cy="365125"/>
+          <p:cNvPr id="6" name="Slide Number Placeholder 5"/>
+          <p:cNvSpPr>
+            <a:spLocks noGrp="1"/>
+          </p:cNvSpPr>
+          <p:nvPr>
+            <p:ph type="sldNum" sz="quarter" idx="4"/>
+          </p:nvPr>
+        </p:nvSpPr>
+        <p:spPr>
+          <a:xfrm>
+            <a:off x="8590663" y="6041362"/>
+            <a:ext cx="683339" cy="365125"/>
           </a:xfrm>
           <a:prstGeom prst="rect">
             <a:avLst/>
@@ -3255,52 +5402,17 @@
         <p:txBody>
           <a:bodyPr vert="horz" lIns="91440" tIns="45720" rIns="91440" bIns="45720" rtlCol="0" anchor="ctr"/>
           <a:lstStyle>
-            <a:lvl1pPr algn="ctr">
-              <a:defRPr sz="900" cap="all" baseline="0">
-                <a:solidFill>
-                  <a:srgbClr val="FFFFFF"/>
+            <a:lvl1pPr algn="r">
+              <a:defRPr sz="900">
+                <a:solidFill>
+                  <a:schemeClr val="accent1"/>
                 </a:solidFill>
               </a:defRPr>
             </a:lvl1pPr>
           </a:lstStyle>
           <a:p>
-            <a:endParaRPr lang="en-US" dirty="0"/>
-          </a:p>
-        </p:txBody>
-      </p:sp>
-      <p:sp>
-        <p:nvSpPr>
-          <p:cNvPr id="6" name="Slide Number Placeholder 5"/>
-          <p:cNvSpPr>
-            <a:spLocks noGrp="1"/>
-          </p:cNvSpPr>
-          <p:nvPr>
-            <p:ph type="sldNum" sz="quarter" idx="4"/>
-          </p:nvPr>
-        </p:nvSpPr>
-        <p:spPr>
-          <a:xfrm>
-            <a:off x="9900458" y="6459785"/>
-            <a:ext cx="1312025" cy="365125"/>
-          </a:xfrm>
-          <a:prstGeom prst="rect">
-            <a:avLst/>
-          </a:prstGeom>
-        </p:spPr>
-        <p:txBody>
-          <a:bodyPr vert="horz" lIns="91440" tIns="45720" rIns="91440" bIns="45720" rtlCol="0" anchor="ctr"/>
-          <a:lstStyle>
-            <a:lvl1pPr algn="r">
-              <a:defRPr sz="1050">
-                <a:solidFill>
-                  <a:srgbClr val="FFFFFF"/>
-                </a:solidFill>
-              </a:defRPr>
-            </a:lvl1pPr>
-          </a:lstStyle>
-          <a:p>
             <a:fld id="{4FAB73BC-B049-4115-A692-8D63A059BFB8}" type="slidenum">
-              <a:rPr lang="en-US" dirty="0"/>
+              <a:rPr lang="en-US" smtClean="0"/>
               <a:pPr/>
               <a:t>‹N°›</a:t>
             </a:fld>
@@ -3308,102 +5420,121 @@
           </a:p>
         </p:txBody>
       </p:sp>
-      <p:cxnSp>
-        <p:nvCxnSpPr>
-          <p:cNvPr id="10" name="Straight Connector 9"/>
-          <p:cNvCxnSpPr/>
-          <p:nvPr/>
-        </p:nvCxnSpPr>
-        <p:spPr>
-          <a:xfrm>
-            <a:off x="1193532" y="1737845"/>
-            <a:ext cx="9966960" cy="0"/>
-          </a:xfrm>
-          <a:prstGeom prst="line">
-            <a:avLst/>
-          </a:prstGeom>
-          <a:ln w="6350">
-            <a:solidFill>
-              <a:schemeClr val="tx1">
-                <a:lumMod val="50000"/>
-                <a:lumOff val="50000"/>
-              </a:schemeClr>
-            </a:solidFill>
-          </a:ln>
-        </p:spPr>
-        <p:style>
-          <a:lnRef idx="1">
-            <a:schemeClr val="accent1"/>
-          </a:lnRef>
-          <a:fillRef idx="0">
-            <a:schemeClr val="accent1"/>
-          </a:fillRef>
-          <a:effectRef idx="0">
-            <a:schemeClr val="accent1"/>
-          </a:effectRef>
-          <a:fontRef idx="minor">
-            <a:schemeClr val="tx1"/>
-          </a:fontRef>
-        </p:style>
-      </p:cxnSp>
     </p:spTree>
+    <p:extLst>
+      <p:ext uri="{BB962C8B-B14F-4D97-AF65-F5344CB8AC3E}">
+        <p14:creationId xmlns:p14="http://schemas.microsoft.com/office/powerpoint/2010/main" val="2723288473"/>
+      </p:ext>
+    </p:extLst>
   </p:cSld>
   <p:clrMap bg1="lt1" tx1="dk1" bg2="lt2" tx2="dk2" accent1="accent1" accent2="accent2" accent3="accent3" accent4="accent4" accent5="accent5" accent6="accent6" hlink="hlink" folHlink="folHlink"/>
   <p:sldLayoutIdLst>
-    <p:sldLayoutId id="2147483649" r:id="rId1"/>
-    <p:sldLayoutId id="2147483660" r:id="rId2"/>
-    <p:sldLayoutId id="2147483651" r:id="rId3"/>
-    <p:sldLayoutId id="2147483652" r:id="rId4"/>
-    <p:sldLayoutId id="2147483653" r:id="rId5"/>
-    <p:sldLayoutId id="2147483654" r:id="rId6"/>
-    <p:sldLayoutId id="2147483655" r:id="rId7"/>
-    <p:sldLayoutId id="2147483656" r:id="rId8"/>
-    <p:sldLayoutId id="2147483657" r:id="rId9"/>
-    <p:sldLayoutId id="2147483658" r:id="rId10"/>
-    <p:sldLayoutId id="2147483659" r:id="rId11"/>
+    <p:sldLayoutId id="2147483779" r:id="rId1"/>
+    <p:sldLayoutId id="2147483780" r:id="rId2"/>
+    <p:sldLayoutId id="2147483781" r:id="rId3"/>
+    <p:sldLayoutId id="2147483782" r:id="rId4"/>
+    <p:sldLayoutId id="2147483783" r:id="rId5"/>
+    <p:sldLayoutId id="2147483784" r:id="rId6"/>
+    <p:sldLayoutId id="2147483785" r:id="rId7"/>
+    <p:sldLayoutId id="2147483786" r:id="rId8"/>
+    <p:sldLayoutId id="2147483787" r:id="rId9"/>
+    <p:sldLayoutId id="2147483788" r:id="rId10"/>
+    <p:sldLayoutId id="2147483789" r:id="rId11"/>
+    <p:sldLayoutId id="2147483790" r:id="rId12"/>
+    <p:sldLayoutId id="2147483791" r:id="rId13"/>
+    <p:sldLayoutId id="2147483792" r:id="rId14"/>
+    <p:sldLayoutId id="2147483793" r:id="rId15"/>
+    <p:sldLayoutId id="2147483794" r:id="rId16"/>
   </p:sldLayoutIdLst>
   <p:hf sldNum="0" hdr="0" ftr="0" dt="0"/>
   <p:txStyles>
     <p:titleStyle>
-      <a:lvl1pPr algn="l" defTabSz="914400" rtl="0" eaLnBrk="1" latinLnBrk="0" hangingPunct="1">
-        <a:lnSpc>
-          <a:spcPct val="85000"/>
-        </a:lnSpc>
+      <a:lvl1pPr algn="l" defTabSz="457200" rtl="0" eaLnBrk="1" latinLnBrk="0" hangingPunct="1">
         <a:spcBef>
           <a:spcPct val="0"/>
         </a:spcBef>
         <a:buNone/>
-        <a:defRPr sz="4800" kern="1200" spc="-50" baseline="0">
+        <a:defRPr sz="3600" kern="1200">
           <a:solidFill>
-            <a:schemeClr val="tx1">
-              <a:lumMod val="75000"/>
-              <a:lumOff val="25000"/>
-            </a:schemeClr>
+            <a:schemeClr val="accent1"/>
           </a:solidFill>
           <a:latin typeface="+mj-lt"/>
           <a:ea typeface="+mj-ea"/>
           <a:cs typeface="+mj-cs"/>
         </a:defRPr>
       </a:lvl1pPr>
+      <a:lvl2pPr eaLnBrk="1" hangingPunct="1">
+        <a:defRPr>
+          <a:solidFill>
+            <a:schemeClr val="tx2"/>
+          </a:solidFill>
+        </a:defRPr>
+      </a:lvl2pPr>
+      <a:lvl3pPr eaLnBrk="1" hangingPunct="1">
+        <a:defRPr>
+          <a:solidFill>
+            <a:schemeClr val="tx2"/>
+          </a:solidFill>
+        </a:defRPr>
+      </a:lvl3pPr>
+      <a:lvl4pPr eaLnBrk="1" hangingPunct="1">
+        <a:defRPr>
+          <a:solidFill>
+            <a:schemeClr val="tx2"/>
+          </a:solidFill>
+        </a:defRPr>
+      </a:lvl4pPr>
+      <a:lvl5pPr eaLnBrk="1" hangingPunct="1">
+        <a:defRPr>
+          <a:solidFill>
+            <a:schemeClr val="tx2"/>
+          </a:solidFill>
+        </a:defRPr>
+      </a:lvl5pPr>
+      <a:lvl6pPr eaLnBrk="1" hangingPunct="1">
+        <a:defRPr>
+          <a:solidFill>
+            <a:schemeClr val="tx2"/>
+          </a:solidFill>
+        </a:defRPr>
+      </a:lvl6pPr>
+      <a:lvl7pPr eaLnBrk="1" hangingPunct="1">
+        <a:defRPr>
+          <a:solidFill>
+            <a:schemeClr val="tx2"/>
+          </a:solidFill>
+        </a:defRPr>
+      </a:lvl7pPr>
+      <a:lvl8pPr eaLnBrk="1" hangingPunct="1">
+        <a:defRPr>
+          <a:solidFill>
+            <a:schemeClr val="tx2"/>
+          </a:solidFill>
+        </a:defRPr>
+      </a:lvl8pPr>
+      <a:lvl9pPr eaLnBrk="1" hangingPunct="1">
+        <a:defRPr>
+          <a:solidFill>
+            <a:schemeClr val="tx2"/>
+          </a:solidFill>
+        </a:defRPr>
+      </a:lvl9pPr>
     </p:titleStyle>
     <p:bodyStyle>
-      <a:lvl1pPr marL="91440" indent="-91440" algn="l" defTabSz="914400" rtl="0" eaLnBrk="1" latinLnBrk="0" hangingPunct="1">
-        <a:lnSpc>
-          <a:spcPct val="90000"/>
-        </a:lnSpc>
+      <a:lvl1pPr marL="342900" indent="-342900" algn="l" defTabSz="457200" rtl="0" eaLnBrk="1" latinLnBrk="0" hangingPunct="1">
         <a:spcBef>
-          <a:spcPts val="1200"/>
+          <a:spcPts val="1000"/>
         </a:spcBef>
         <a:spcAft>
-          <a:spcPts val="200"/>
+          <a:spcPts val="0"/>
         </a:spcAft>
         <a:buClr>
           <a:schemeClr val="accent1"/>
         </a:buClr>
-        <a:buSzPct val="100000"/>
-        <a:buFont typeface="Calibri" panose="020F0502020204030204" pitchFamily="34" charset="0"/>
-        <a:buChar char=" "/>
-        <a:defRPr sz="2000" kern="1200">
+        <a:buSzPct val="80000"/>
+        <a:buFont typeface="Wingdings 3" charset="2"/>
+        <a:buChar char=""/>
+        <a:defRPr sz="1800" kern="1200">
           <a:solidFill>
             <a:schemeClr val="tx1">
               <a:lumMod val="75000"/>
@@ -3415,22 +5546,20 @@
           <a:cs typeface="+mn-cs"/>
         </a:defRPr>
       </a:lvl1pPr>
-      <a:lvl2pPr marL="384048" indent="-182880" algn="l" defTabSz="914400" rtl="0" eaLnBrk="1" latinLnBrk="0" hangingPunct="1">
-        <a:lnSpc>
-          <a:spcPct val="90000"/>
-        </a:lnSpc>
+      <a:lvl2pPr marL="742950" indent="-285750" algn="l" defTabSz="457200" rtl="0" eaLnBrk="1" latinLnBrk="0" hangingPunct="1">
         <a:spcBef>
-          <a:spcPts val="200"/>
+          <a:spcPts val="1000"/>
         </a:spcBef>
         <a:spcAft>
-          <a:spcPts val="400"/>
+          <a:spcPts val="0"/>
         </a:spcAft>
         <a:buClr>
           <a:schemeClr val="accent1"/>
         </a:buClr>
-        <a:buFont typeface="Calibri" pitchFamily="34" charset="0"/>
-        <a:buChar char="◦"/>
-        <a:defRPr sz="1800" kern="1200">
+        <a:buSzPct val="80000"/>
+        <a:buFont typeface="Wingdings 3" charset="2"/>
+        <a:buChar char=""/>
+        <a:defRPr sz="1600" kern="1200">
           <a:solidFill>
             <a:schemeClr val="tx1">
               <a:lumMod val="75000"/>
@@ -3442,21 +5571,19 @@
           <a:cs typeface="+mn-cs"/>
         </a:defRPr>
       </a:lvl2pPr>
-      <a:lvl3pPr marL="566928" indent="-182880" algn="l" defTabSz="914400" rtl="0" eaLnBrk="1" latinLnBrk="0" hangingPunct="1">
-        <a:lnSpc>
-          <a:spcPct val="90000"/>
-        </a:lnSpc>
+      <a:lvl3pPr marL="1143000" indent="-228600" algn="l" defTabSz="457200" rtl="0" eaLnBrk="1" latinLnBrk="0" hangingPunct="1">
         <a:spcBef>
-          <a:spcPts val="200"/>
+          <a:spcPts val="1000"/>
         </a:spcBef>
         <a:spcAft>
-          <a:spcPts val="400"/>
+          <a:spcPts val="0"/>
         </a:spcAft>
         <a:buClr>
           <a:schemeClr val="accent1"/>
         </a:buClr>
-        <a:buFont typeface="Calibri" pitchFamily="34" charset="0"/>
-        <a:buChar char="◦"/>
+        <a:buSzPct val="80000"/>
+        <a:buFont typeface="Wingdings 3" charset="2"/>
+        <a:buChar char=""/>
         <a:defRPr sz="1400" kern="1200">
           <a:solidFill>
             <a:schemeClr val="tx1">
@@ -3469,22 +5596,20 @@
           <a:cs typeface="+mn-cs"/>
         </a:defRPr>
       </a:lvl3pPr>
-      <a:lvl4pPr marL="749808" indent="-182880" algn="l" defTabSz="914400" rtl="0" eaLnBrk="1" latinLnBrk="0" hangingPunct="1">
-        <a:lnSpc>
-          <a:spcPct val="90000"/>
-        </a:lnSpc>
+      <a:lvl4pPr marL="1600200" indent="-228600" algn="l" defTabSz="457200" rtl="0" eaLnBrk="1" latinLnBrk="0" hangingPunct="1">
         <a:spcBef>
-          <a:spcPts val="200"/>
+          <a:spcPts val="1000"/>
         </a:spcBef>
         <a:spcAft>
-          <a:spcPts val="400"/>
+          <a:spcPts val="0"/>
         </a:spcAft>
         <a:buClr>
           <a:schemeClr val="accent1"/>
         </a:buClr>
-        <a:buFont typeface="Calibri" pitchFamily="34" charset="0"/>
-        <a:buChar char="◦"/>
-        <a:defRPr sz="1400" kern="1200">
+        <a:buSzPct val="80000"/>
+        <a:buFont typeface="Wingdings 3" charset="2"/>
+        <a:buChar char=""/>
+        <a:defRPr sz="1200" kern="1200">
           <a:solidFill>
             <a:schemeClr val="tx1">
               <a:lumMod val="75000"/>
@@ -3496,22 +5621,20 @@
           <a:cs typeface="+mn-cs"/>
         </a:defRPr>
       </a:lvl4pPr>
-      <a:lvl5pPr marL="932688" indent="-182880" algn="l" defTabSz="914400" rtl="0" eaLnBrk="1" latinLnBrk="0" hangingPunct="1">
-        <a:lnSpc>
-          <a:spcPct val="90000"/>
-        </a:lnSpc>
+      <a:lvl5pPr marL="2057400" indent="-228600" algn="l" defTabSz="457200" rtl="0" eaLnBrk="1" latinLnBrk="0" hangingPunct="1">
         <a:spcBef>
-          <a:spcPts val="200"/>
+          <a:spcPts val="1000"/>
         </a:spcBef>
         <a:spcAft>
-          <a:spcPts val="400"/>
+          <a:spcPts val="0"/>
         </a:spcAft>
         <a:buClr>
           <a:schemeClr val="accent1"/>
         </a:buClr>
-        <a:buFont typeface="Calibri" pitchFamily="34" charset="0"/>
-        <a:buChar char="◦"/>
-        <a:defRPr sz="1400" kern="1200">
+        <a:buSzPct val="80000"/>
+        <a:buFont typeface="Wingdings 3" charset="2"/>
+        <a:buChar char=""/>
+        <a:defRPr sz="1200" kern="1200">
           <a:solidFill>
             <a:schemeClr val="tx1">
               <a:lumMod val="75000"/>
@@ -3523,22 +5646,20 @@
           <a:cs typeface="+mn-cs"/>
         </a:defRPr>
       </a:lvl5pPr>
-      <a:lvl6pPr marL="1100000" indent="-228600" algn="l" defTabSz="914400" rtl="0" eaLnBrk="1" latinLnBrk="0" hangingPunct="1">
-        <a:lnSpc>
-          <a:spcPct val="90000"/>
-        </a:lnSpc>
+      <a:lvl6pPr marL="2514600" indent="-228600" algn="l" defTabSz="457200" rtl="0" eaLnBrk="1" latinLnBrk="0" hangingPunct="1">
         <a:spcBef>
-          <a:spcPts val="200"/>
+          <a:spcPts val="1000"/>
         </a:spcBef>
         <a:spcAft>
-          <a:spcPts val="400"/>
+          <a:spcPts val="0"/>
         </a:spcAft>
         <a:buClr>
           <a:schemeClr val="accent1"/>
         </a:buClr>
-        <a:buFont typeface="Calibri" pitchFamily="34" charset="0"/>
-        <a:buChar char="◦"/>
-        <a:defRPr sz="1400" kern="1200">
+        <a:buSzPct val="80000"/>
+        <a:buFont typeface="Wingdings 3" charset="2"/>
+        <a:buChar char=""/>
+        <a:defRPr sz="1200" kern="1200">
           <a:solidFill>
             <a:schemeClr val="tx1">
               <a:lumMod val="75000"/>
@@ -3550,22 +5671,20 @@
           <a:cs typeface="+mn-cs"/>
         </a:defRPr>
       </a:lvl6pPr>
-      <a:lvl7pPr marL="1300000" indent="-228600" algn="l" defTabSz="914400" rtl="0" eaLnBrk="1" latinLnBrk="0" hangingPunct="1">
-        <a:lnSpc>
-          <a:spcPct val="90000"/>
-        </a:lnSpc>
+      <a:lvl7pPr marL="2971800" indent="-228600" algn="l" defTabSz="457200" rtl="0" eaLnBrk="1" latinLnBrk="0" hangingPunct="1">
         <a:spcBef>
-          <a:spcPts val="200"/>
+          <a:spcPts val="1000"/>
         </a:spcBef>
         <a:spcAft>
-          <a:spcPts val="400"/>
+          <a:spcPts val="0"/>
         </a:spcAft>
         <a:buClr>
           <a:schemeClr val="accent1"/>
         </a:buClr>
-        <a:buFont typeface="Calibri" pitchFamily="34" charset="0"/>
-        <a:buChar char="◦"/>
-        <a:defRPr sz="1400" kern="1200">
+        <a:buSzPct val="80000"/>
+        <a:buFont typeface="Wingdings 3" charset="2"/>
+        <a:buChar char=""/>
+        <a:defRPr sz="1200" kern="1200">
           <a:solidFill>
             <a:schemeClr val="tx1">
               <a:lumMod val="75000"/>
@@ -3577,22 +5696,20 @@
           <a:cs typeface="+mn-cs"/>
         </a:defRPr>
       </a:lvl7pPr>
-      <a:lvl8pPr marL="1500000" indent="-228600" algn="l" defTabSz="914400" rtl="0" eaLnBrk="1" latinLnBrk="0" hangingPunct="1">
-        <a:lnSpc>
-          <a:spcPct val="90000"/>
-        </a:lnSpc>
+      <a:lvl8pPr marL="3429000" indent="-228600" algn="l" defTabSz="457200" rtl="0" eaLnBrk="1" latinLnBrk="0" hangingPunct="1">
         <a:spcBef>
-          <a:spcPts val="200"/>
+          <a:spcPts val="1000"/>
         </a:spcBef>
         <a:spcAft>
-          <a:spcPts val="400"/>
+          <a:spcPts val="0"/>
         </a:spcAft>
         <a:buClr>
           <a:schemeClr val="accent1"/>
         </a:buClr>
-        <a:buFont typeface="Calibri" pitchFamily="34" charset="0"/>
-        <a:buChar char="◦"/>
-        <a:defRPr sz="1400" kern="1200">
+        <a:buSzPct val="80000"/>
+        <a:buFont typeface="Wingdings 3" charset="2"/>
+        <a:buChar char=""/>
+        <a:defRPr sz="1200" kern="1200">
           <a:solidFill>
             <a:schemeClr val="tx1">
               <a:lumMod val="75000"/>
@@ -3604,22 +5721,20 @@
           <a:cs typeface="+mn-cs"/>
         </a:defRPr>
       </a:lvl8pPr>
-      <a:lvl9pPr marL="1700000" indent="-228600" algn="l" defTabSz="914400" rtl="0" eaLnBrk="1" latinLnBrk="0" hangingPunct="1">
-        <a:lnSpc>
-          <a:spcPct val="90000"/>
-        </a:lnSpc>
+      <a:lvl9pPr marL="3886200" indent="-228600" algn="l" defTabSz="457200" rtl="0" eaLnBrk="1" latinLnBrk="0" hangingPunct="1">
         <a:spcBef>
-          <a:spcPts val="200"/>
+          <a:spcPts val="1000"/>
         </a:spcBef>
         <a:spcAft>
-          <a:spcPts val="400"/>
+          <a:spcPts val="0"/>
         </a:spcAft>
         <a:buClr>
           <a:schemeClr val="accent1"/>
         </a:buClr>
-        <a:buFont typeface="Calibri" pitchFamily="34" charset="0"/>
-        <a:buChar char="◦"/>
-        <a:defRPr sz="1400" kern="1200">
+        <a:buSzPct val="80000"/>
+        <a:buFont typeface="Wingdings 3" charset="2"/>
+        <a:buChar char=""/>
+        <a:defRPr sz="1200" kern="1200">
           <a:solidFill>
             <a:schemeClr val="tx1">
               <a:lumMod val="75000"/>
@@ -3636,7 +5751,7 @@
       <a:defPPr>
         <a:defRPr lang="en-US"/>
       </a:defPPr>
-      <a:lvl1pPr marL="0" algn="l" defTabSz="914400" rtl="0" eaLnBrk="1" latinLnBrk="0" hangingPunct="1">
+      <a:lvl1pPr marL="0" algn="l" defTabSz="457200" rtl="0" eaLnBrk="1" latinLnBrk="0" hangingPunct="1">
         <a:defRPr sz="1800" kern="1200">
           <a:solidFill>
             <a:schemeClr val="tx1"/>
@@ -3646,7 +5761,7 @@
           <a:cs typeface="+mn-cs"/>
         </a:defRPr>
       </a:lvl1pPr>
-      <a:lvl2pPr marL="457200" algn="l" defTabSz="914400" rtl="0" eaLnBrk="1" latinLnBrk="0" hangingPunct="1">
+      <a:lvl2pPr marL="457200" algn="l" defTabSz="457200" rtl="0" eaLnBrk="1" latinLnBrk="0" hangingPunct="1">
         <a:defRPr sz="1800" kern="1200">
           <a:solidFill>
             <a:schemeClr val="tx1"/>
@@ -3656,7 +5771,7 @@
           <a:cs typeface="+mn-cs"/>
         </a:defRPr>
       </a:lvl2pPr>
-      <a:lvl3pPr marL="914400" algn="l" defTabSz="914400" rtl="0" eaLnBrk="1" latinLnBrk="0" hangingPunct="1">
+      <a:lvl3pPr marL="914400" algn="l" defTabSz="457200" rtl="0" eaLnBrk="1" latinLnBrk="0" hangingPunct="1">
         <a:defRPr sz="1800" kern="1200">
           <a:solidFill>
             <a:schemeClr val="tx1"/>
@@ -3666,7 +5781,7 @@
           <a:cs typeface="+mn-cs"/>
         </a:defRPr>
       </a:lvl3pPr>
-      <a:lvl4pPr marL="1371600" algn="l" defTabSz="914400" rtl="0" eaLnBrk="1" latinLnBrk="0" hangingPunct="1">
+      <a:lvl4pPr marL="1371600" algn="l" defTabSz="457200" rtl="0" eaLnBrk="1" latinLnBrk="0" hangingPunct="1">
         <a:defRPr sz="1800" kern="1200">
           <a:solidFill>
             <a:schemeClr val="tx1"/>
@@ -3676,7 +5791,7 @@
           <a:cs typeface="+mn-cs"/>
         </a:defRPr>
       </a:lvl4pPr>
-      <a:lvl5pPr marL="1828800" algn="l" defTabSz="914400" rtl="0" eaLnBrk="1" latinLnBrk="0" hangingPunct="1">
+      <a:lvl5pPr marL="1828800" algn="l" defTabSz="457200" rtl="0" eaLnBrk="1" latinLnBrk="0" hangingPunct="1">
         <a:defRPr sz="1800" kern="1200">
           <a:solidFill>
             <a:schemeClr val="tx1"/>
@@ -3686,7 +5801,7 @@
           <a:cs typeface="+mn-cs"/>
         </a:defRPr>
       </a:lvl5pPr>
-      <a:lvl6pPr marL="2286000" algn="l" defTabSz="914400" rtl="0" eaLnBrk="1" latinLnBrk="0" hangingPunct="1">
+      <a:lvl6pPr marL="2286000" algn="l" defTabSz="457200" rtl="0" eaLnBrk="1" latinLnBrk="0" hangingPunct="1">
         <a:defRPr sz="1800" kern="1200">
           <a:solidFill>
             <a:schemeClr val="tx1"/>
@@ -3696,7 +5811,7 @@
           <a:cs typeface="+mn-cs"/>
         </a:defRPr>
       </a:lvl6pPr>
-      <a:lvl7pPr marL="2743200" algn="l" defTabSz="914400" rtl="0" eaLnBrk="1" latinLnBrk="0" hangingPunct="1">
+      <a:lvl7pPr marL="2743200" algn="l" defTabSz="457200" rtl="0" eaLnBrk="1" latinLnBrk="0" hangingPunct="1">
         <a:defRPr sz="1800" kern="1200">
           <a:solidFill>
             <a:schemeClr val="tx1"/>
@@ -3706,7 +5821,7 @@
           <a:cs typeface="+mn-cs"/>
         </a:defRPr>
       </a:lvl7pPr>
-      <a:lvl8pPr marL="3200400" algn="l" defTabSz="914400" rtl="0" eaLnBrk="1" latinLnBrk="0" hangingPunct="1">
+      <a:lvl8pPr marL="3200400" algn="l" defTabSz="457200" rtl="0" eaLnBrk="1" latinLnBrk="0" hangingPunct="1">
         <a:defRPr sz="1800" kern="1200">
           <a:solidFill>
             <a:schemeClr val="tx1"/>
@@ -3716,7 +5831,7 @@
           <a:cs typeface="+mn-cs"/>
         </a:defRPr>
       </a:lvl8pPr>
-      <a:lvl9pPr marL="3657600" algn="l" defTabSz="914400" rtl="0" eaLnBrk="1" latinLnBrk="0" hangingPunct="1">
+      <a:lvl9pPr marL="3657600" algn="l" defTabSz="457200" rtl="0" eaLnBrk="1" latinLnBrk="0" hangingPunct="1">
         <a:defRPr sz="1800" kern="1200">
           <a:solidFill>
             <a:schemeClr val="tx1"/>
@@ -3758,15 +5873,30 @@
             <p:ph type="ctrTitle"/>
           </p:nvPr>
         </p:nvSpPr>
-        <p:spPr/>
+        <p:spPr>
+          <a:xfrm>
+            <a:off x="2879265" y="1380530"/>
+            <a:ext cx="4974147" cy="1646302"/>
+          </a:xfrm>
+        </p:spPr>
         <p:txBody>
           <a:bodyPr>
-            <a:normAutofit/>
+            <a:normAutofit fontScale="90000"/>
           </a:bodyPr>
           <a:lstStyle/>
           <a:p>
             <a:r>
               <a:rPr lang="fr-FR" sz="11500" dirty="0" smtClean="0">
+                <a:ln>
+                  <a:solidFill>
+                    <a:schemeClr val="tx1"/>
+                  </a:solidFill>
+                </a:ln>
+                <a:solidFill>
+                  <a:schemeClr val="accent1">
+                    <a:lumMod val="75000"/>
+                  </a:schemeClr>
+                </a:solidFill>
                 <a:effectLst>
                   <a:outerShdw blurRad="38100" dist="38100" dir="2700000" algn="tl">
                     <a:srgbClr val="000000">
@@ -3778,6 +5908,16 @@
               <a:t>Projet E</a:t>
             </a:r>
             <a:endParaRPr lang="fr-FR" sz="11500" dirty="0">
+              <a:ln>
+                <a:solidFill>
+                  <a:schemeClr val="tx1"/>
+                </a:solidFill>
+              </a:ln>
+              <a:solidFill>
+                <a:schemeClr val="accent1">
+                  <a:lumMod val="75000"/>
+                </a:schemeClr>
+              </a:solidFill>
               <a:effectLst>
                 <a:outerShdw blurRad="38100" dist="38100" dir="2700000" algn="tl">
                   <a:srgbClr val="000000">
@@ -3799,24 +5939,47 @@
             <p:ph type="subTitle" idx="1"/>
           </p:nvPr>
         </p:nvSpPr>
-        <p:spPr/>
-        <p:txBody>
-          <a:bodyPr/>
-          <a:lstStyle/>
-          <a:p>
-            <a:r>
-              <a:rPr lang="fr-FR" dirty="0" err="1" smtClean="0"/>
-              <a:t>Detection</a:t>
-            </a:r>
-            <a:r>
-              <a:rPr lang="fr-FR" dirty="0" smtClean="0"/>
-              <a:t> et comptage de </a:t>
-            </a:r>
-            <a:r>
-              <a:rPr lang="fr-FR" dirty="0" err="1" smtClean="0"/>
-              <a:t>pietons</a:t>
-            </a:r>
-            <a:endParaRPr lang="fr-FR" dirty="0"/>
+        <p:spPr>
+          <a:xfrm>
+            <a:off x="2988123" y="3321491"/>
+            <a:ext cx="5022536" cy="1096899"/>
+          </a:xfrm>
+        </p:spPr>
+        <p:txBody>
+          <a:bodyPr>
+            <a:normAutofit/>
+          </a:bodyPr>
+          <a:lstStyle/>
+          <a:p>
+            <a:r>
+              <a:rPr lang="fr-FR" sz="2400" dirty="0" smtClean="0">
+                <a:solidFill>
+                  <a:schemeClr val="tx1"/>
+                </a:solidFill>
+              </a:rPr>
+              <a:t>Détection </a:t>
+            </a:r>
+            <a:r>
+              <a:rPr lang="fr-FR" sz="2400" dirty="0" smtClean="0">
+                <a:solidFill>
+                  <a:schemeClr val="tx1"/>
+                </a:solidFill>
+              </a:rPr>
+              <a:t>et comptage de </a:t>
+            </a:r>
+            <a:r>
+              <a:rPr lang="fr-FR" sz="2400" dirty="0" smtClean="0">
+                <a:solidFill>
+                  <a:schemeClr val="tx1"/>
+                </a:solidFill>
+              </a:rPr>
+              <a:t>piétons.</a:t>
+            </a:r>
+            <a:endParaRPr lang="fr-FR" sz="2400" dirty="0">
+              <a:solidFill>
+                <a:schemeClr val="tx1"/>
+              </a:solidFill>
+            </a:endParaRPr>
           </a:p>
         </p:txBody>
       </p:sp>
@@ -3828,7 +5991,7 @@
         </p:nvSpPr>
         <p:spPr>
           <a:xfrm>
-            <a:off x="9361714" y="468086"/>
+            <a:off x="119743" y="5715000"/>
             <a:ext cx="1983107" cy="923330"/>
           </a:xfrm>
           <a:prstGeom prst="rect">
@@ -3904,10 +6067,17 @@
   <p:clrMapOvr>
     <a:masterClrMapping/>
   </p:clrMapOvr>
+  <p:timing>
+    <p:tnLst>
+      <p:par>
+        <p:cTn id="1" dur="indefinite" restart="never" nodeType="tmRoot"/>
+      </p:par>
+    </p:tnLst>
+  </p:timing>
 </p:sld>
 </file>
 
-<file path=ppt/slides/slide2.xml><?xml version="1.0" encoding="utf-8"?>
+<file path=ppt/slides/slide10.xml><?xml version="1.0" encoding="utf-8"?>
 <p:sld xmlns:a="http://schemas.openxmlformats.org/drawingml/2006/main" xmlns:r="http://schemas.openxmlformats.org/officeDocument/2006/relationships" xmlns:p="http://schemas.openxmlformats.org/presentationml/2006/main">
   <p:cSld>
     <p:spTree>
@@ -3926,12 +6096,12 @@
       </p:grpSpPr>
       <p:sp>
         <p:nvSpPr>
-          <p:cNvPr id="2" name="Titre 1"/>
-          <p:cNvSpPr>
-            <a:spLocks noGrp="1"/>
-          </p:cNvSpPr>
-          <p:nvPr>
-            <p:ph type="title"/>
+          <p:cNvPr id="3" name="Espace réservé du contenu 2"/>
+          <p:cNvSpPr>
+            <a:spLocks noGrp="1"/>
+          </p:cNvSpPr>
+          <p:nvPr>
+            <p:ph idx="1"/>
           </p:nvPr>
         </p:nvSpPr>
         <p:spPr/>
@@ -3939,9 +6109,20 @@
           <a:bodyPr/>
           <a:lstStyle/>
           <a:p>
+            <a:pPr marL="0" indent="0">
+              <a:buNone/>
+            </a:pPr>
             <a:r>
               <a:rPr lang="fr-FR" dirty="0" smtClean="0"/>
-              <a:t>Introduction</a:t>
+              <a:t>Support </a:t>
+            </a:r>
+            <a:r>
+              <a:rPr lang="fr-FR" dirty="0" err="1" smtClean="0"/>
+              <a:t>Vector</a:t>
+            </a:r>
+            <a:r>
+              <a:rPr lang="fr-FR" dirty="0" smtClean="0"/>
+              <a:t> Machine</a:t>
             </a:r>
             <a:endParaRPr lang="fr-FR" dirty="0"/>
           </a:p>
@@ -3949,13 +6130,11 @@
       </p:sp>
       <p:pic>
         <p:nvPicPr>
-          <p:cNvPr id="4" name="Espace réservé du contenu 3"/>
+          <p:cNvPr id="4" name="Image 3"/>
           <p:cNvPicPr>
-            <a:picLocks noGrp="1" noChangeAspect="1"/>
+            <a:picLocks noChangeAspect="1"/>
           </p:cNvPicPr>
-          <p:nvPr>
-            <p:ph idx="1"/>
-          </p:nvPr>
+          <p:nvPr/>
         </p:nvPicPr>
         <p:blipFill>
           <a:blip r:embed="rId2">
@@ -3971,9 +6150,12 @@
         </p:blipFill>
         <p:spPr>
           <a:xfrm>
-            <a:off x="5757621" y="2144373"/>
-            <a:ext cx="2964575" cy="1291318"/>
-          </a:xfrm>
+            <a:off x="6945739" y="1982848"/>
+            <a:ext cx="4073285" cy="3886246"/>
+          </a:xfrm>
+          <a:prstGeom prst="rect">
+            <a:avLst/>
+          </a:prstGeom>
         </p:spPr>
       </p:pic>
       <p:pic>
@@ -3998,14 +6180,406 @@
         </p:blipFill>
         <p:spPr>
           <a:xfrm>
-            <a:off x="7239909" y="3312954"/>
-            <a:ext cx="3422339" cy="2566754"/>
+            <a:off x="3929808" y="3080593"/>
+            <a:ext cx="969034" cy="2422586"/>
           </a:xfrm>
           <a:prstGeom prst="rect">
             <a:avLst/>
           </a:prstGeom>
         </p:spPr>
       </p:pic>
+      <p:pic>
+        <p:nvPicPr>
+          <p:cNvPr id="6" name="Image 5"/>
+          <p:cNvPicPr>
+            <a:picLocks noChangeAspect="1"/>
+          </p:cNvPicPr>
+          <p:nvPr/>
+        </p:nvPicPr>
+        <p:blipFill>
+          <a:blip r:embed="rId4">
+            <a:extLst>
+              <a:ext uri="{28A0092B-C50C-407E-A947-70E740481C1C}">
+                <a14:useLocalDpi xmlns:a14="http://schemas.microsoft.com/office/drawing/2010/main" val="0"/>
+              </a:ext>
+            </a:extLst>
+          </a:blip>
+          <a:stretch>
+            <a:fillRect/>
+          </a:stretch>
+        </p:blipFill>
+        <p:spPr>
+          <a:xfrm>
+            <a:off x="2997041" y="2646121"/>
+            <a:ext cx="969034" cy="2422586"/>
+          </a:xfrm>
+          <a:prstGeom prst="rect">
+            <a:avLst/>
+          </a:prstGeom>
+        </p:spPr>
+      </p:pic>
+      <p:pic>
+        <p:nvPicPr>
+          <p:cNvPr id="7" name="Image 6"/>
+          <p:cNvPicPr>
+            <a:picLocks noChangeAspect="1"/>
+          </p:cNvPicPr>
+          <p:nvPr/>
+        </p:nvPicPr>
+        <p:blipFill>
+          <a:blip r:embed="rId5">
+            <a:extLst>
+              <a:ext uri="{28A0092B-C50C-407E-A947-70E740481C1C}">
+                <a14:useLocalDpi xmlns:a14="http://schemas.microsoft.com/office/drawing/2010/main" val="0"/>
+              </a:ext>
+            </a:extLst>
+          </a:blip>
+          <a:stretch>
+            <a:fillRect/>
+          </a:stretch>
+        </p:blipFill>
+        <p:spPr>
+          <a:xfrm>
+            <a:off x="2044731" y="3059496"/>
+            <a:ext cx="973893" cy="2434733"/>
+          </a:xfrm>
+          <a:prstGeom prst="rect">
+            <a:avLst/>
+          </a:prstGeom>
+        </p:spPr>
+      </p:pic>
+      <p:pic>
+        <p:nvPicPr>
+          <p:cNvPr id="9" name="Image 8"/>
+          <p:cNvPicPr>
+            <a:picLocks noChangeAspect="1"/>
+          </p:cNvPicPr>
+          <p:nvPr/>
+        </p:nvPicPr>
+        <p:blipFill>
+          <a:blip r:embed="rId6">
+            <a:extLst>
+              <a:ext uri="{28A0092B-C50C-407E-A947-70E740481C1C}">
+                <a14:useLocalDpi xmlns:a14="http://schemas.microsoft.com/office/drawing/2010/main" val="0"/>
+              </a:ext>
+            </a:extLst>
+          </a:blip>
+          <a:stretch>
+            <a:fillRect/>
+          </a:stretch>
+        </p:blipFill>
+        <p:spPr>
+          <a:xfrm>
+            <a:off x="4823166" y="2646121"/>
+            <a:ext cx="986860" cy="2467150"/>
+          </a:xfrm>
+          <a:prstGeom prst="rect">
+            <a:avLst/>
+          </a:prstGeom>
+        </p:spPr>
+      </p:pic>
+    </p:spTree>
+    <p:extLst>
+      <p:ext uri="{BB962C8B-B14F-4D97-AF65-F5344CB8AC3E}">
+        <p14:creationId xmlns:p14="http://schemas.microsoft.com/office/powerpoint/2010/main" val="998969261"/>
+      </p:ext>
+    </p:extLst>
+  </p:cSld>
+  <p:clrMapOvr>
+    <a:masterClrMapping/>
+  </p:clrMapOvr>
+  <p:timing>
+    <p:tnLst>
+      <p:par>
+        <p:cTn id="1" dur="indefinite" restart="never" nodeType="tmRoot"/>
+      </p:par>
+    </p:tnLst>
+  </p:timing>
+</p:sld>
+</file>
+
+<file path=ppt/slides/slide11.xml><?xml version="1.0" encoding="utf-8"?>
+<p:sld xmlns:a="http://schemas.openxmlformats.org/drawingml/2006/main" xmlns:r="http://schemas.openxmlformats.org/officeDocument/2006/relationships" xmlns:p="http://schemas.openxmlformats.org/presentationml/2006/main">
+  <p:cSld>
+    <p:spTree>
+      <p:nvGrpSpPr>
+        <p:cNvPr id="1" name=""/>
+        <p:cNvGrpSpPr/>
+        <p:nvPr/>
+      </p:nvGrpSpPr>
+      <p:grpSpPr>
+        <a:xfrm>
+          <a:off x="0" y="0"/>
+          <a:ext cx="0" cy="0"/>
+          <a:chOff x="0" y="0"/>
+          <a:chExt cx="0" cy="0"/>
+        </a:xfrm>
+      </p:grpSpPr>
+      <p:sp>
+        <p:nvSpPr>
+          <p:cNvPr id="2" name="Titre 1"/>
+          <p:cNvSpPr>
+            <a:spLocks noGrp="1"/>
+          </p:cNvSpPr>
+          <p:nvPr>
+            <p:ph type="title"/>
+          </p:nvPr>
+        </p:nvSpPr>
+        <p:spPr/>
+        <p:txBody>
+          <a:bodyPr>
+            <a:normAutofit/>
+          </a:bodyPr>
+          <a:lstStyle/>
+          <a:p>
+            <a:r>
+              <a:rPr lang="fr-FR" sz="4000" b="1" dirty="0" smtClean="0">
+                <a:ln>
+                  <a:solidFill>
+                    <a:schemeClr val="tx1"/>
+                  </a:solidFill>
+                </a:ln>
+              </a:rPr>
+              <a:t>Morphologie ?</a:t>
+            </a:r>
+            <a:endParaRPr lang="fr-FR" sz="4000" b="1" dirty="0">
+              <a:ln>
+                <a:solidFill>
+                  <a:schemeClr val="tx1"/>
+                </a:solidFill>
+              </a:ln>
+            </a:endParaRPr>
+          </a:p>
+        </p:txBody>
+      </p:sp>
+      <p:pic>
+        <p:nvPicPr>
+          <p:cNvPr id="4" name="Espace réservé du contenu 3"/>
+          <p:cNvPicPr>
+            <a:picLocks noGrp="1" noChangeAspect="1"/>
+          </p:cNvPicPr>
+          <p:nvPr>
+            <p:ph idx="1"/>
+          </p:nvPr>
+        </p:nvPicPr>
+        <p:blipFill rotWithShape="1">
+          <a:blip r:embed="rId2">
+            <a:extLst>
+              <a:ext uri="{28A0092B-C50C-407E-A947-70E740481C1C}">
+                <a14:useLocalDpi xmlns:a14="http://schemas.microsoft.com/office/drawing/2010/main" val="0"/>
+              </a:ext>
+            </a:extLst>
+          </a:blip>
+          <a:srcRect l="43476" t="14148" r="44770" b="29668"/>
+          <a:stretch/>
+        </p:blipFill>
+        <p:spPr>
+          <a:xfrm>
+            <a:off x="3088256" y="2720675"/>
+            <a:ext cx="1262677" cy="2953760"/>
+          </a:xfrm>
+        </p:spPr>
+      </p:pic>
+      <p:pic>
+        <p:nvPicPr>
+          <p:cNvPr id="5" name="Image 4"/>
+          <p:cNvPicPr>
+            <a:picLocks noChangeAspect="1"/>
+          </p:cNvPicPr>
+          <p:nvPr/>
+        </p:nvPicPr>
+        <p:blipFill rotWithShape="1">
+          <a:blip r:embed="rId3">
+            <a:extLst>
+              <a:ext uri="{28A0092B-C50C-407E-A947-70E740481C1C}">
+                <a14:useLocalDpi xmlns:a14="http://schemas.microsoft.com/office/drawing/2010/main" val="0"/>
+              </a:ext>
+            </a:extLst>
+          </a:blip>
+          <a:srcRect l="43788" t="14506" r="44528" b="32716"/>
+          <a:stretch/>
+        </p:blipFill>
+        <p:spPr>
+          <a:xfrm>
+            <a:off x="5833067" y="2720675"/>
+            <a:ext cx="1276708" cy="2822199"/>
+          </a:xfrm>
+          <a:prstGeom prst="rect">
+            <a:avLst/>
+          </a:prstGeom>
+        </p:spPr>
+      </p:pic>
+      <p:pic>
+        <p:nvPicPr>
+          <p:cNvPr id="6" name="Image 5"/>
+          <p:cNvPicPr>
+            <a:picLocks noChangeAspect="1"/>
+          </p:cNvPicPr>
+          <p:nvPr/>
+        </p:nvPicPr>
+        <p:blipFill rotWithShape="1">
+          <a:blip r:embed="rId4">
+            <a:extLst>
+              <a:ext uri="{28A0092B-C50C-407E-A947-70E740481C1C}">
+                <a14:useLocalDpi xmlns:a14="http://schemas.microsoft.com/office/drawing/2010/main" val="0"/>
+              </a:ext>
+            </a:extLst>
+          </a:blip>
+          <a:srcRect l="44151" t="14795" r="45094" b="32867"/>
+          <a:stretch/>
+        </p:blipFill>
+        <p:spPr>
+          <a:xfrm>
+            <a:off x="8591909" y="2720675"/>
+            <a:ext cx="1187226" cy="2827472"/>
+          </a:xfrm>
+          <a:prstGeom prst="rect">
+            <a:avLst/>
+          </a:prstGeom>
+        </p:spPr>
+      </p:pic>
+    </p:spTree>
+    <p:extLst>
+      <p:ext uri="{BB962C8B-B14F-4D97-AF65-F5344CB8AC3E}">
+        <p14:creationId xmlns:p14="http://schemas.microsoft.com/office/powerpoint/2010/main" val="3322833802"/>
+      </p:ext>
+    </p:extLst>
+  </p:cSld>
+  <p:clrMapOvr>
+    <a:masterClrMapping/>
+  </p:clrMapOvr>
+  <p:timing>
+    <p:tnLst>
+      <p:par>
+        <p:cTn id="1" dur="indefinite" restart="never" nodeType="tmRoot"/>
+      </p:par>
+    </p:tnLst>
+  </p:timing>
+</p:sld>
+</file>
+
+<file path=ppt/slides/slide2.xml><?xml version="1.0" encoding="utf-8"?>
+<p:sld xmlns:a="http://schemas.openxmlformats.org/drawingml/2006/main" xmlns:r="http://schemas.openxmlformats.org/officeDocument/2006/relationships" xmlns:p="http://schemas.openxmlformats.org/presentationml/2006/main">
+  <p:cSld>
+    <p:spTree>
+      <p:nvGrpSpPr>
+        <p:cNvPr id="1" name=""/>
+        <p:cNvGrpSpPr/>
+        <p:nvPr/>
+      </p:nvGrpSpPr>
+      <p:grpSpPr>
+        <a:xfrm>
+          <a:off x="0" y="0"/>
+          <a:ext cx="0" cy="0"/>
+          <a:chOff x="0" y="0"/>
+          <a:chExt cx="0" cy="0"/>
+        </a:xfrm>
+      </p:grpSpPr>
+      <p:sp>
+        <p:nvSpPr>
+          <p:cNvPr id="2" name="Titre 1"/>
+          <p:cNvSpPr>
+            <a:spLocks noGrp="1"/>
+          </p:cNvSpPr>
+          <p:nvPr>
+            <p:ph type="title"/>
+          </p:nvPr>
+        </p:nvSpPr>
+        <p:spPr/>
+        <p:txBody>
+          <a:bodyPr>
+            <a:normAutofit/>
+          </a:bodyPr>
+          <a:lstStyle/>
+          <a:p>
+            <a:r>
+              <a:rPr lang="fr-FR" sz="4400" b="1" dirty="0" smtClean="0">
+                <a:ln>
+                  <a:solidFill>
+                    <a:schemeClr val="tx1"/>
+                  </a:solidFill>
+                </a:ln>
+                <a:solidFill>
+                  <a:schemeClr val="accent1">
+                    <a:lumMod val="75000"/>
+                  </a:schemeClr>
+                </a:solidFill>
+              </a:rPr>
+              <a:t>Introduction</a:t>
+            </a:r>
+            <a:endParaRPr lang="fr-FR" sz="4400" b="1" dirty="0">
+              <a:ln>
+                <a:solidFill>
+                  <a:schemeClr val="tx1"/>
+                </a:solidFill>
+              </a:ln>
+              <a:solidFill>
+                <a:schemeClr val="accent1">
+                  <a:lumMod val="75000"/>
+                </a:schemeClr>
+              </a:solidFill>
+            </a:endParaRPr>
+          </a:p>
+        </p:txBody>
+      </p:sp>
+      <p:pic>
+        <p:nvPicPr>
+          <p:cNvPr id="4" name="Espace réservé du contenu 3"/>
+          <p:cNvPicPr>
+            <a:picLocks noGrp="1" noChangeAspect="1"/>
+          </p:cNvPicPr>
+          <p:nvPr>
+            <p:ph idx="1"/>
+          </p:nvPr>
+        </p:nvPicPr>
+        <p:blipFill rotWithShape="1">
+          <a:blip r:embed="rId2">
+            <a:extLst>
+              <a:ext uri="{28A0092B-C50C-407E-A947-70E740481C1C}">
+                <a14:useLocalDpi xmlns:a14="http://schemas.microsoft.com/office/drawing/2010/main" val="0"/>
+              </a:ext>
+            </a:extLst>
+          </a:blip>
+          <a:srcRect l="19826" r="27413"/>
+          <a:stretch/>
+        </p:blipFill>
+        <p:spPr>
+          <a:xfrm>
+            <a:off x="2772646" y="3728676"/>
+            <a:ext cx="3276600" cy="2705100"/>
+          </a:xfrm>
+        </p:spPr>
+      </p:pic>
+      <p:pic>
+        <p:nvPicPr>
+          <p:cNvPr id="5" name="Image 4"/>
+          <p:cNvPicPr>
+            <a:picLocks noChangeAspect="1"/>
+          </p:cNvPicPr>
+          <p:nvPr/>
+        </p:nvPicPr>
+        <p:blipFill>
+          <a:blip r:embed="rId3">
+            <a:extLst>
+              <a:ext uri="{28A0092B-C50C-407E-A947-70E740481C1C}">
+                <a14:useLocalDpi xmlns:a14="http://schemas.microsoft.com/office/drawing/2010/main" val="0"/>
+              </a:ext>
+            </a:extLst>
+          </a:blip>
+          <a:stretch>
+            <a:fillRect/>
+          </a:stretch>
+        </p:blipFill>
+        <p:spPr>
+          <a:xfrm>
+            <a:off x="6815368" y="449325"/>
+            <a:ext cx="4625518" cy="3469138"/>
+          </a:xfrm>
+          <a:prstGeom prst="rect">
+            <a:avLst/>
+          </a:prstGeom>
+        </p:spPr>
+      </p:pic>
       <p:sp>
         <p:nvSpPr>
           <p:cNvPr id="7" name="ZoneTexte 6"/>
@@ -4014,7 +6588,7 @@
         </p:nvSpPr>
         <p:spPr>
           <a:xfrm>
-            <a:off x="1097280" y="2126526"/>
+            <a:off x="1783080" y="1830274"/>
             <a:ext cx="4115820" cy="830997"/>
           </a:xfrm>
           <a:prstGeom prst="rect">
@@ -4029,8 +6603,14 @@
           <a:lstStyle/>
           <a:p>
             <a:pPr marL="342900" indent="-342900">
-              <a:buFont typeface="Arial" panose="020B0604020202020204" pitchFamily="34" charset="0"/>
-              <a:buChar char="•"/>
+              <a:buClr>
+                <a:schemeClr val="accent1">
+                  <a:lumMod val="75000"/>
+                </a:schemeClr>
+              </a:buClr>
+              <a:buSzPct val="80000"/>
+              <a:buFont typeface="Wingdings 3" panose="05040102010807070707" pitchFamily="18" charset="2"/>
+              <a:buChar char="u"/>
             </a:pPr>
             <a:r>
               <a:rPr lang="fr-FR" sz="2400" dirty="0" smtClean="0"/>
@@ -4061,8 +6641,8 @@
         </p:blipFill>
         <p:spPr>
           <a:xfrm>
-            <a:off x="5400165" y="3728677"/>
-            <a:ext cx="1543050" cy="2333625"/>
+            <a:off x="289232" y="3728676"/>
+            <a:ext cx="1867781" cy="2824730"/>
           </a:xfrm>
           <a:prstGeom prst="rect">
             <a:avLst/>
@@ -4077,7 +6657,7 @@
         </p:nvSpPr>
         <p:spPr>
           <a:xfrm>
-            <a:off x="1097280" y="3728677"/>
+            <a:off x="6507480" y="4665728"/>
             <a:ext cx="4115820" cy="830997"/>
           </a:xfrm>
           <a:prstGeom prst="rect">
@@ -4092,8 +6672,14 @@
           <a:lstStyle/>
           <a:p>
             <a:pPr marL="342900" indent="-342900">
-              <a:buFont typeface="Arial" panose="020B0604020202020204" pitchFamily="34" charset="0"/>
-              <a:buChar char="•"/>
+              <a:buClr>
+                <a:schemeClr val="accent1">
+                  <a:lumMod val="75000"/>
+                </a:schemeClr>
+              </a:buClr>
+              <a:buSzPct val="80000"/>
+              <a:buFont typeface="Wingdings 3" panose="05040102010807070707" pitchFamily="18" charset="2"/>
+              <a:buChar char="u"/>
             </a:pPr>
             <a:r>
               <a:rPr lang="fr-FR" sz="2400" dirty="0" smtClean="0"/>
@@ -4112,6 +6698,13 @@
   <p:clrMapOvr>
     <a:masterClrMapping/>
   </p:clrMapOvr>
+  <p:timing>
+    <p:tnLst>
+      <p:par>
+        <p:cTn id="1" dur="indefinite" restart="never" nodeType="tmRoot"/>
+      </p:par>
+    </p:tnLst>
+  </p:timing>
 </p:sld>
 </file>
 
@@ -4142,16 +6735,45 @@
             <p:ph type="title"/>
           </p:nvPr>
         </p:nvSpPr>
-        <p:spPr/>
-        <p:txBody>
-          <a:bodyPr/>
-          <a:lstStyle/>
-          <a:p>
-            <a:r>
-              <a:rPr lang="fr-FR" dirty="0" smtClean="0"/>
+        <p:spPr>
+          <a:xfrm>
+            <a:off x="677334" y="609600"/>
+            <a:ext cx="5277152" cy="777167"/>
+          </a:xfrm>
+        </p:spPr>
+        <p:txBody>
+          <a:bodyPr>
+            <a:noAutofit/>
+          </a:bodyPr>
+          <a:lstStyle/>
+          <a:p>
+            <a:r>
+              <a:rPr lang="fr-FR" sz="4400" b="1" dirty="0" smtClean="0">
+                <a:ln>
+                  <a:solidFill>
+                    <a:schemeClr val="tx1"/>
+                  </a:solidFill>
+                </a:ln>
+                <a:solidFill>
+                  <a:schemeClr val="accent1">
+                    <a:lumMod val="75000"/>
+                  </a:schemeClr>
+                </a:solidFill>
+              </a:rPr>
               <a:t>Cahier des charges</a:t>
             </a:r>
-            <a:endParaRPr lang="fr-FR" dirty="0"/>
+            <a:endParaRPr lang="fr-FR" sz="4400" b="1" dirty="0">
+              <a:ln>
+                <a:solidFill>
+                  <a:schemeClr val="tx1"/>
+                </a:solidFill>
+              </a:ln>
+              <a:solidFill>
+                <a:schemeClr val="accent1">
+                  <a:lumMod val="75000"/>
+                </a:schemeClr>
+              </a:solidFill>
+            </a:endParaRPr>
           </a:p>
         </p:txBody>
       </p:sp>
@@ -4167,8 +6789,8 @@
         </p:nvSpPr>
         <p:spPr>
           <a:xfrm>
-            <a:off x="1097280" y="1845734"/>
-            <a:ext cx="3648891" cy="4023360"/>
+            <a:off x="881883" y="1770283"/>
+            <a:ext cx="3855720" cy="614437"/>
           </a:xfrm>
         </p:spPr>
         <p:txBody>
@@ -4177,23 +6799,39 @@
           </a:bodyPr>
           <a:lstStyle/>
           <a:p>
-            <a:r>
-              <a:rPr lang="fr-FR" sz="2800" dirty="0" smtClean="0"/>
-              <a:t>Deux contraintes :</a:t>
-            </a:r>
-          </a:p>
-          <a:p>
+            <a:pPr marL="0" indent="0">
+              <a:buNone/>
+            </a:pPr>
+            <a:r>
+              <a:rPr lang="fr-FR" sz="2400" b="1" u="sng" dirty="0" smtClean="0">
+                <a:solidFill>
+                  <a:schemeClr val="tx1"/>
+                </a:solidFill>
+              </a:rPr>
+              <a:t>Deux </a:t>
+            </a:r>
+            <a:r>
+              <a:rPr lang="fr-FR" sz="2400" b="1" u="sng" dirty="0" smtClean="0">
+                <a:solidFill>
+                  <a:schemeClr val="tx1"/>
+                </a:solidFill>
+              </a:rPr>
+              <a:t>contraintes</a:t>
+            </a:r>
+            <a:r>
+              <a:rPr lang="fr-FR" sz="2400" b="1" dirty="0" smtClean="0">
+                <a:solidFill>
+                  <a:schemeClr val="tx1"/>
+                </a:solidFill>
+              </a:rPr>
+              <a:t> :</a:t>
+            </a:r>
+          </a:p>
+          <a:p>
+            <a:pPr marL="0" indent="0">
+              <a:buNone/>
+            </a:pPr>
             <a:endParaRPr lang="fr-FR" sz="2800" dirty="0" smtClean="0"/>
-          </a:p>
-          <a:p>
-            <a:r>
-              <a:rPr lang="fr-FR" sz="4800" b="1" dirty="0" smtClean="0"/>
-              <a:t>Précision</a:t>
-            </a:r>
-            <a:br>
-              <a:rPr lang="fr-FR" sz="4800" b="1" dirty="0" smtClean="0"/>
-            </a:br>
-            <a:endParaRPr lang="fr-FR" sz="4800" b="1" dirty="0"/>
           </a:p>
         </p:txBody>
       </p:sp>
@@ -4207,8 +6845,8 @@
         </p:nvSpPr>
         <p:spPr>
           <a:xfrm>
-            <a:off x="7280366" y="1845734"/>
-            <a:ext cx="3648891" cy="4023360"/>
+            <a:off x="6362264" y="2981516"/>
+            <a:ext cx="3648891" cy="707672"/>
           </a:xfrm>
           <a:prstGeom prst="rect">
             <a:avLst/>
@@ -4465,20 +7103,29 @@
             </a:lvl9pPr>
           </a:lstStyle>
           <a:p>
-            <a:endParaRPr lang="fr-FR" sz="2800" dirty="0"/>
-          </a:p>
-          <a:p>
-            <a:endParaRPr lang="fr-FR" sz="2800" dirty="0" smtClean="0"/>
-          </a:p>
-          <a:p>
-            <a:r>
-              <a:rPr lang="fr-FR" sz="4800" b="1" dirty="0" smtClean="0"/>
+            <a:pPr>
+              <a:buClr>
+                <a:schemeClr val="accent1">
+                  <a:lumMod val="75000"/>
+                </a:schemeClr>
+              </a:buClr>
+              <a:buSzPct val="80000"/>
+              <a:buFont typeface="Wingdings 3" panose="05040102010807070707" pitchFamily="18" charset="2"/>
+              <a:buChar char=""/>
+            </a:pPr>
+            <a:r>
+              <a:rPr lang="fr-FR" sz="4400" dirty="0"/>
+              <a:t> </a:t>
+            </a:r>
+            <a:r>
+              <a:rPr lang="fr-FR" sz="4400" b="1" dirty="0" smtClean="0">
+                <a:solidFill>
+                  <a:schemeClr val="tx1"/>
+                </a:solidFill>
+              </a:rPr>
               <a:t>Rapidité</a:t>
             </a:r>
-            <a:br>
-              <a:rPr lang="fr-FR" sz="4800" b="1" dirty="0" smtClean="0"/>
-            </a:br>
-            <a:endParaRPr lang="fr-FR" sz="4800" b="1" dirty="0"/>
+            <a:endParaRPr lang="fr-FR" sz="4400" b="1" dirty="0"/>
           </a:p>
         </p:txBody>
       </p:sp>
@@ -4490,7 +7137,7 @@
         </p:nvSpPr>
         <p:spPr>
           <a:xfrm rot="5400000">
-            <a:off x="1491343" y="3857414"/>
+            <a:off x="1160770" y="4826242"/>
             <a:ext cx="850392" cy="731520"/>
           </a:xfrm>
           <a:prstGeom prst="bentUpArrow">
@@ -4564,7 +7211,7 @@
         </p:nvSpPr>
         <p:spPr>
           <a:xfrm rot="5400000">
-            <a:off x="7696200" y="3857414"/>
+            <a:off x="6302828" y="4826242"/>
             <a:ext cx="850392" cy="731520"/>
           </a:xfrm>
           <a:prstGeom prst="bentUpArrow">
@@ -4638,7 +7285,7 @@
         </p:nvSpPr>
         <p:spPr>
           <a:xfrm>
-            <a:off x="2468035" y="4279038"/>
+            <a:off x="2276818" y="4970867"/>
             <a:ext cx="2676182" cy="646331"/>
           </a:xfrm>
           <a:prstGeom prst="rect">
@@ -4679,7 +7326,7 @@
         </p:nvSpPr>
         <p:spPr>
           <a:xfrm>
-            <a:off x="8788254" y="4223174"/>
+            <a:off x="7302719" y="4970867"/>
             <a:ext cx="1200329" cy="646331"/>
           </a:xfrm>
           <a:prstGeom prst="rect">
@@ -4709,6 +7356,46 @@
               <a:t>4 à 20 FPS)</a:t>
             </a:r>
             <a:endParaRPr lang="fr-FR" dirty="0"/>
+          </a:p>
+        </p:txBody>
+      </p:sp>
+      <p:sp>
+        <p:nvSpPr>
+          <p:cNvPr id="6" name="ZoneTexte 5"/>
+          <p:cNvSpPr txBox="1"/>
+          <p:nvPr/>
+        </p:nvSpPr>
+        <p:spPr>
+          <a:xfrm>
+            <a:off x="1220206" y="2908352"/>
+            <a:ext cx="3179075" cy="769441"/>
+          </a:xfrm>
+          <a:prstGeom prst="rect">
+            <a:avLst/>
+          </a:prstGeom>
+          <a:noFill/>
+        </p:spPr>
+        <p:txBody>
+          <a:bodyPr wrap="none" rtlCol="0">
+            <a:spAutoFit/>
+          </a:bodyPr>
+          <a:lstStyle/>
+          <a:p>
+            <a:pPr marL="571500" indent="-571500">
+              <a:buClr>
+                <a:schemeClr val="accent1">
+                  <a:lumMod val="75000"/>
+                </a:schemeClr>
+              </a:buClr>
+              <a:buSzPct val="80000"/>
+              <a:buFont typeface="Wingdings 3" panose="05040102010807070707" pitchFamily="18" charset="2"/>
+              <a:buChar char="u"/>
+            </a:pPr>
+            <a:r>
+              <a:rPr lang="fr-FR" sz="4400" b="1" dirty="0" smtClean="0"/>
+              <a:t>Précision</a:t>
+            </a:r>
+            <a:endParaRPr lang="fr-FR" sz="4400" b="1" dirty="0"/>
           </a:p>
         </p:txBody>
       </p:sp>
@@ -4722,6 +7409,13 @@
   <p:clrMapOvr>
     <a:masterClrMapping/>
   </p:clrMapOvr>
+  <p:timing>
+    <p:tnLst>
+      <p:par>
+        <p:cTn id="1" dur="indefinite" restart="never" nodeType="tmRoot"/>
+      </p:par>
+    </p:tnLst>
+  </p:timing>
 </p:sld>
 </file>
 
@@ -4754,19 +7448,43 @@
         </p:nvSpPr>
         <p:spPr>
           <a:xfrm>
-            <a:off x="1097280" y="288527"/>
+            <a:off x="731212" y="556749"/>
             <a:ext cx="10058400" cy="1450757"/>
           </a:xfrm>
         </p:spPr>
         <p:txBody>
-          <a:bodyPr/>
-          <a:lstStyle/>
-          <a:p>
-            <a:r>
-              <a:rPr lang="fr-FR" dirty="0" smtClean="0"/>
+          <a:bodyPr>
+            <a:normAutofit/>
+          </a:bodyPr>
+          <a:lstStyle/>
+          <a:p>
+            <a:r>
+              <a:rPr lang="fr-FR" sz="4400" b="1" dirty="0" smtClean="0">
+                <a:ln>
+                  <a:solidFill>
+                    <a:schemeClr val="tx1"/>
+                  </a:solidFill>
+                </a:ln>
+                <a:solidFill>
+                  <a:schemeClr val="accent1">
+                    <a:lumMod val="75000"/>
+                  </a:schemeClr>
+                </a:solidFill>
+              </a:rPr>
               <a:t>Etat de l’art</a:t>
             </a:r>
-            <a:endParaRPr lang="fr-FR" dirty="0"/>
+            <a:endParaRPr lang="fr-FR" sz="4400" b="1" dirty="0">
+              <a:ln>
+                <a:solidFill>
+                  <a:schemeClr val="tx1"/>
+                </a:solidFill>
+              </a:ln>
+              <a:solidFill>
+                <a:schemeClr val="accent1">
+                  <a:lumMod val="75000"/>
+                </a:schemeClr>
+              </a:solidFill>
+            </a:endParaRPr>
           </a:p>
         </p:txBody>
       </p:sp>
@@ -5233,13 +7951,974 @@
   <p:clrMapOvr>
     <a:masterClrMapping/>
   </p:clrMapOvr>
+  <p:timing>
+    <p:tnLst>
+      <p:par>
+        <p:cTn id="1" dur="indefinite" restart="never" nodeType="tmRoot"/>
+      </p:par>
+    </p:tnLst>
+  </p:timing>
+</p:sld>
+</file>
+
+<file path=ppt/slides/slide5.xml><?xml version="1.0" encoding="utf-8"?>
+<p:sld xmlns:a="http://schemas.openxmlformats.org/drawingml/2006/main" xmlns:r="http://schemas.openxmlformats.org/officeDocument/2006/relationships" xmlns:p="http://schemas.openxmlformats.org/presentationml/2006/main">
+  <p:cSld>
+    <p:spTree>
+      <p:nvGrpSpPr>
+        <p:cNvPr id="1" name=""/>
+        <p:cNvGrpSpPr/>
+        <p:nvPr/>
+      </p:nvGrpSpPr>
+      <p:grpSpPr>
+        <a:xfrm>
+          <a:off x="0" y="0"/>
+          <a:ext cx="0" cy="0"/>
+          <a:chOff x="0" y="0"/>
+          <a:chExt cx="0" cy="0"/>
+        </a:xfrm>
+      </p:grpSpPr>
+      <p:sp>
+        <p:nvSpPr>
+          <p:cNvPr id="2" name="Titre 1"/>
+          <p:cNvSpPr>
+            <a:spLocks noGrp="1"/>
+          </p:cNvSpPr>
+          <p:nvPr>
+            <p:ph type="title"/>
+          </p:nvPr>
+        </p:nvSpPr>
+        <p:spPr>
+          <a:xfrm>
+            <a:off x="677684" y="283029"/>
+            <a:ext cx="8596668" cy="1320800"/>
+          </a:xfrm>
+        </p:spPr>
+        <p:txBody>
+          <a:bodyPr>
+            <a:normAutofit/>
+          </a:bodyPr>
+          <a:lstStyle/>
+          <a:p>
+            <a:r>
+              <a:rPr lang="fr-FR" sz="4400" b="1" dirty="0" smtClean="0">
+                <a:ln>
+                  <a:solidFill>
+                    <a:schemeClr val="tx1"/>
+                  </a:solidFill>
+                </a:ln>
+                <a:solidFill>
+                  <a:schemeClr val="accent1">
+                    <a:lumMod val="75000"/>
+                  </a:schemeClr>
+                </a:solidFill>
+              </a:rPr>
+              <a:t>De m</a:t>
+            </a:r>
+            <a:r>
+              <a:rPr lang="fr-FR" sz="4400" b="1" dirty="0" smtClean="0">
+                <a:ln>
+                  <a:solidFill>
+                    <a:schemeClr val="tx1"/>
+                  </a:solidFill>
+                </a:ln>
+                <a:solidFill>
+                  <a:schemeClr val="accent1">
+                    <a:lumMod val="75000"/>
+                  </a:schemeClr>
+                </a:solidFill>
+              </a:rPr>
+              <a:t>ultiples approches…</a:t>
+            </a:r>
+            <a:endParaRPr lang="fr-FR" sz="4400" b="1" dirty="0">
+              <a:ln>
+                <a:solidFill>
+                  <a:schemeClr val="tx1"/>
+                </a:solidFill>
+              </a:ln>
+              <a:solidFill>
+                <a:schemeClr val="accent1">
+                  <a:lumMod val="75000"/>
+                </a:schemeClr>
+              </a:solidFill>
+            </a:endParaRPr>
+          </a:p>
+        </p:txBody>
+      </p:sp>
+      <p:pic>
+        <p:nvPicPr>
+          <p:cNvPr id="7" name="Espace réservé du contenu 6"/>
+          <p:cNvPicPr>
+            <a:picLocks noGrp="1" noChangeAspect="1"/>
+          </p:cNvPicPr>
+          <p:nvPr>
+            <p:ph idx="1"/>
+          </p:nvPr>
+        </p:nvPicPr>
+        <p:blipFill>
+          <a:blip r:embed="rId2"/>
+          <a:stretch>
+            <a:fillRect/>
+          </a:stretch>
+        </p:blipFill>
+        <p:spPr>
+          <a:xfrm>
+            <a:off x="771552" y="2160588"/>
+            <a:ext cx="8408933" cy="3881437"/>
+          </a:xfrm>
+          <a:prstGeom prst="rect">
+            <a:avLst/>
+          </a:prstGeom>
+        </p:spPr>
+      </p:pic>
+    </p:spTree>
+    <p:extLst>
+      <p:ext uri="{BB962C8B-B14F-4D97-AF65-F5344CB8AC3E}">
+        <p14:creationId xmlns:p14="http://schemas.microsoft.com/office/powerpoint/2010/main" val="4118782878"/>
+      </p:ext>
+    </p:extLst>
+  </p:cSld>
+  <p:clrMapOvr>
+    <a:masterClrMapping/>
+  </p:clrMapOvr>
+  <p:timing>
+    <p:tnLst>
+      <p:par>
+        <p:cTn id="1" dur="indefinite" restart="never" nodeType="tmRoot"/>
+      </p:par>
+    </p:tnLst>
+  </p:timing>
+</p:sld>
+</file>
+
+<file path=ppt/slides/slide6.xml><?xml version="1.0" encoding="utf-8"?>
+<p:sld xmlns:a="http://schemas.openxmlformats.org/drawingml/2006/main" xmlns:r="http://schemas.openxmlformats.org/officeDocument/2006/relationships" xmlns:p="http://schemas.openxmlformats.org/presentationml/2006/main">
+  <p:cSld>
+    <p:spTree>
+      <p:nvGrpSpPr>
+        <p:cNvPr id="1" name=""/>
+        <p:cNvGrpSpPr/>
+        <p:nvPr/>
+      </p:nvGrpSpPr>
+      <p:grpSpPr>
+        <a:xfrm>
+          <a:off x="0" y="0"/>
+          <a:ext cx="0" cy="0"/>
+          <a:chOff x="0" y="0"/>
+          <a:chExt cx="0" cy="0"/>
+        </a:xfrm>
+      </p:grpSpPr>
+      <p:sp>
+        <p:nvSpPr>
+          <p:cNvPr id="2" name="Titre 1"/>
+          <p:cNvSpPr>
+            <a:spLocks noGrp="1"/>
+          </p:cNvSpPr>
+          <p:nvPr>
+            <p:ph type="title"/>
+          </p:nvPr>
+        </p:nvSpPr>
+        <p:spPr>
+          <a:xfrm>
+            <a:off x="558097" y="339577"/>
+            <a:ext cx="9566123" cy="1320800"/>
+          </a:xfrm>
+        </p:spPr>
+        <p:txBody>
+          <a:bodyPr>
+            <a:noAutofit/>
+          </a:bodyPr>
+          <a:lstStyle/>
+          <a:p>
+            <a:r>
+              <a:rPr lang="fr-FR" sz="4400" b="1" dirty="0" smtClean="0">
+                <a:ln>
+                  <a:solidFill>
+                    <a:schemeClr val="tx1"/>
+                  </a:solidFill>
+                </a:ln>
+                <a:solidFill>
+                  <a:schemeClr val="accent1">
+                    <a:lumMod val="75000"/>
+                  </a:schemeClr>
+                </a:solidFill>
+              </a:rPr>
+              <a:t>.</a:t>
+            </a:r>
+            <a:r>
+              <a:rPr lang="fr-FR" sz="4400" b="1" dirty="0" smtClean="0">
+                <a:ln>
+                  <a:solidFill>
+                    <a:schemeClr val="tx1"/>
+                  </a:solidFill>
+                </a:ln>
+                <a:solidFill>
+                  <a:schemeClr val="accent1">
+                    <a:lumMod val="75000"/>
+                  </a:schemeClr>
+                </a:solidFill>
+              </a:rPr>
+              <a:t>.. pour de multiples contraintes</a:t>
+            </a:r>
+            <a:endParaRPr lang="fr-FR" sz="4400" b="1" dirty="0">
+              <a:ln>
+                <a:solidFill>
+                  <a:schemeClr val="tx1"/>
+                </a:solidFill>
+              </a:ln>
+              <a:solidFill>
+                <a:schemeClr val="accent1">
+                  <a:lumMod val="75000"/>
+                </a:schemeClr>
+              </a:solidFill>
+            </a:endParaRPr>
+          </a:p>
+        </p:txBody>
+      </p:sp>
+      <p:pic>
+        <p:nvPicPr>
+          <p:cNvPr id="5" name="Image 4"/>
+          <p:cNvPicPr>
+            <a:picLocks noChangeAspect="1"/>
+          </p:cNvPicPr>
+          <p:nvPr/>
+        </p:nvPicPr>
+        <p:blipFill>
+          <a:blip r:embed="rId2">
+            <a:extLst>
+              <a:ext uri="{28A0092B-C50C-407E-A947-70E740481C1C}">
+                <a14:useLocalDpi xmlns:a14="http://schemas.microsoft.com/office/drawing/2010/main" val="0"/>
+              </a:ext>
+            </a:extLst>
+          </a:blip>
+          <a:stretch>
+            <a:fillRect/>
+          </a:stretch>
+        </p:blipFill>
+        <p:spPr>
+          <a:xfrm>
+            <a:off x="558097" y="1937837"/>
+            <a:ext cx="3948740" cy="2632494"/>
+          </a:xfrm>
+          <a:prstGeom prst="rect">
+            <a:avLst/>
+          </a:prstGeom>
+        </p:spPr>
+      </p:pic>
+      <p:pic>
+        <p:nvPicPr>
+          <p:cNvPr id="6" name="Image 5"/>
+          <p:cNvPicPr>
+            <a:picLocks noChangeAspect="1"/>
+          </p:cNvPicPr>
+          <p:nvPr/>
+        </p:nvPicPr>
+        <p:blipFill>
+          <a:blip r:embed="rId3">
+            <a:extLst>
+              <a:ext uri="{28A0092B-C50C-407E-A947-70E740481C1C}">
+                <a14:useLocalDpi xmlns:a14="http://schemas.microsoft.com/office/drawing/2010/main" val="0"/>
+              </a:ext>
+            </a:extLst>
+          </a:blip>
+          <a:stretch>
+            <a:fillRect/>
+          </a:stretch>
+        </p:blipFill>
+        <p:spPr>
+          <a:xfrm>
+            <a:off x="7530727" y="1937837"/>
+            <a:ext cx="4282490" cy="2416449"/>
+          </a:xfrm>
+          <a:prstGeom prst="rect">
+            <a:avLst/>
+          </a:prstGeom>
+        </p:spPr>
+      </p:pic>
+      <p:pic>
+        <p:nvPicPr>
+          <p:cNvPr id="4" name="Espace réservé du contenu 3"/>
+          <p:cNvPicPr>
+            <a:picLocks noGrp="1" noChangeAspect="1"/>
+          </p:cNvPicPr>
+          <p:nvPr>
+            <p:ph idx="1"/>
+          </p:nvPr>
+        </p:nvPicPr>
+        <p:blipFill>
+          <a:blip r:embed="rId4">
+            <a:extLst>
+              <a:ext uri="{28A0092B-C50C-407E-A947-70E740481C1C}">
+                <a14:useLocalDpi xmlns:a14="http://schemas.microsoft.com/office/drawing/2010/main" val="0"/>
+              </a:ext>
+            </a:extLst>
+          </a:blip>
+          <a:stretch>
+            <a:fillRect/>
+          </a:stretch>
+        </p:blipFill>
+        <p:spPr>
+          <a:xfrm>
+            <a:off x="3976212" y="3723094"/>
+            <a:ext cx="4513023" cy="2743200"/>
+          </a:xfrm>
+        </p:spPr>
+      </p:pic>
+    </p:spTree>
+    <p:extLst>
+      <p:ext uri="{BB962C8B-B14F-4D97-AF65-F5344CB8AC3E}">
+        <p14:creationId xmlns:p14="http://schemas.microsoft.com/office/powerpoint/2010/main" val="199788267"/>
+      </p:ext>
+    </p:extLst>
+  </p:cSld>
+  <p:clrMapOvr>
+    <a:masterClrMapping/>
+  </p:clrMapOvr>
+  <p:timing>
+    <p:tnLst>
+      <p:par>
+        <p:cTn id="1" dur="indefinite" restart="never" nodeType="tmRoot"/>
+      </p:par>
+    </p:tnLst>
+  </p:timing>
+</p:sld>
+</file>
+
+<file path=ppt/slides/slide7.xml><?xml version="1.0" encoding="utf-8"?>
+<p:sld xmlns:a="http://schemas.openxmlformats.org/drawingml/2006/main" xmlns:r="http://schemas.openxmlformats.org/officeDocument/2006/relationships" xmlns:p="http://schemas.openxmlformats.org/presentationml/2006/main">
+  <p:cSld>
+    <p:spTree>
+      <p:nvGrpSpPr>
+        <p:cNvPr id="1" name=""/>
+        <p:cNvGrpSpPr/>
+        <p:nvPr/>
+      </p:nvGrpSpPr>
+      <p:grpSpPr>
+        <a:xfrm>
+          <a:off x="0" y="0"/>
+          <a:ext cx="0" cy="0"/>
+          <a:chOff x="0" y="0"/>
+          <a:chExt cx="0" cy="0"/>
+        </a:xfrm>
+      </p:grpSpPr>
+      <p:sp>
+        <p:nvSpPr>
+          <p:cNvPr id="2" name="Titre 1"/>
+          <p:cNvSpPr>
+            <a:spLocks noGrp="1"/>
+          </p:cNvSpPr>
+          <p:nvPr>
+            <p:ph type="title"/>
+          </p:nvPr>
+        </p:nvSpPr>
+        <p:spPr>
+          <a:xfrm>
+            <a:off x="677334" y="337457"/>
+            <a:ext cx="8596668" cy="925286"/>
+          </a:xfrm>
+        </p:spPr>
+        <p:txBody>
+          <a:bodyPr>
+            <a:normAutofit/>
+          </a:bodyPr>
+          <a:lstStyle/>
+          <a:p>
+            <a:r>
+              <a:rPr lang="fr-FR" sz="4400" b="1" dirty="0" smtClean="0">
+                <a:ln>
+                  <a:solidFill>
+                    <a:schemeClr val="tx1"/>
+                  </a:solidFill>
+                </a:ln>
+                <a:solidFill>
+                  <a:schemeClr val="accent1">
+                    <a:lumMod val="75000"/>
+                  </a:schemeClr>
+                </a:solidFill>
+              </a:rPr>
+              <a:t>Contexte</a:t>
+            </a:r>
+            <a:endParaRPr lang="fr-FR" sz="4400" b="1" dirty="0">
+              <a:ln>
+                <a:solidFill>
+                  <a:schemeClr val="tx1"/>
+                </a:solidFill>
+              </a:ln>
+              <a:solidFill>
+                <a:schemeClr val="accent1">
+                  <a:lumMod val="75000"/>
+                </a:schemeClr>
+              </a:solidFill>
+            </a:endParaRPr>
+          </a:p>
+        </p:txBody>
+      </p:sp>
+      <p:sp>
+        <p:nvSpPr>
+          <p:cNvPr id="3" name="Espace réservé du contenu 2"/>
+          <p:cNvSpPr>
+            <a:spLocks noGrp="1"/>
+          </p:cNvSpPr>
+          <p:nvPr>
+            <p:ph idx="1"/>
+          </p:nvPr>
+        </p:nvSpPr>
+        <p:spPr>
+          <a:xfrm>
+            <a:off x="677334" y="1666227"/>
+            <a:ext cx="8596668" cy="2215468"/>
+          </a:xfrm>
+        </p:spPr>
+        <p:txBody>
+          <a:bodyPr>
+            <a:normAutofit/>
+          </a:bodyPr>
+          <a:lstStyle/>
+          <a:p>
+            <a:pPr>
+              <a:buClr>
+                <a:schemeClr val="accent1">
+                  <a:lumMod val="75000"/>
+                </a:schemeClr>
+              </a:buClr>
+              <a:buSzPct val="100000"/>
+              <a:buFont typeface="Wingdings 3" panose="05040102010807070707" pitchFamily="18" charset="2"/>
+              <a:buChar char=""/>
+            </a:pPr>
+            <a:r>
+              <a:rPr lang="fr-FR" dirty="0">
+                <a:solidFill>
+                  <a:schemeClr val="tx1"/>
+                </a:solidFill>
+              </a:rPr>
+              <a:t>C</a:t>
+            </a:r>
+            <a:r>
+              <a:rPr lang="fr-FR" dirty="0" smtClean="0">
+                <a:solidFill>
+                  <a:schemeClr val="tx1"/>
+                </a:solidFill>
+              </a:rPr>
+              <a:t>onditions favorables :</a:t>
+            </a:r>
+          </a:p>
+          <a:p>
+            <a:pPr lvl="1">
+              <a:buClr>
+                <a:schemeClr val="tx1"/>
+              </a:buClr>
+              <a:buSzPct val="100000"/>
+              <a:buFont typeface="Arial" panose="020B0604020202020204" pitchFamily="34" charset="0"/>
+              <a:buChar char="•"/>
+            </a:pPr>
+            <a:r>
+              <a:rPr lang="fr-FR" dirty="0" smtClean="0">
+                <a:solidFill>
+                  <a:schemeClr val="tx1"/>
+                </a:solidFill>
+              </a:rPr>
+              <a:t>Peu voire pas de recouvrement</a:t>
+            </a:r>
+          </a:p>
+          <a:p>
+            <a:pPr lvl="1">
+              <a:buClr>
+                <a:schemeClr val="tx1"/>
+              </a:buClr>
+              <a:buSzPct val="100000"/>
+              <a:buFont typeface="Arial" panose="020B0604020202020204" pitchFamily="34" charset="0"/>
+              <a:buChar char="•"/>
+            </a:pPr>
+            <a:r>
+              <a:rPr lang="fr-FR" dirty="0" smtClean="0">
+                <a:solidFill>
+                  <a:schemeClr val="tx1"/>
+                </a:solidFill>
+              </a:rPr>
+              <a:t>Classification binaire piéton/fond (pas de vélo, voiture…)</a:t>
+            </a:r>
+          </a:p>
+          <a:p>
+            <a:pPr lvl="1">
+              <a:buClr>
+                <a:schemeClr val="tx1"/>
+              </a:buClr>
+              <a:buSzPct val="100000"/>
+              <a:buFont typeface="Arial" panose="020B0604020202020204" pitchFamily="34" charset="0"/>
+              <a:buChar char="•"/>
+            </a:pPr>
+            <a:r>
+              <a:rPr lang="fr-FR" dirty="0" smtClean="0">
+                <a:solidFill>
+                  <a:schemeClr val="tx1"/>
+                </a:solidFill>
+              </a:rPr>
+              <a:t>Orientation vers l’horizontale </a:t>
+            </a:r>
+            <a:r>
+              <a:rPr lang="fr-FR" dirty="0" smtClean="0">
+                <a:solidFill>
+                  <a:schemeClr val="tx1"/>
+                </a:solidFill>
+                <a:sym typeface="Wingdings 3" panose="05040102010807070707" pitchFamily="18" charset="2"/>
+              </a:rPr>
+              <a:t></a:t>
+            </a:r>
+            <a:r>
+              <a:rPr lang="fr-FR" dirty="0" smtClean="0">
+                <a:solidFill>
+                  <a:schemeClr val="tx1"/>
+                </a:solidFill>
+              </a:rPr>
+              <a:t> piétons de profil</a:t>
+            </a:r>
+            <a:endParaRPr lang="fr-FR" dirty="0">
+              <a:solidFill>
+                <a:schemeClr val="tx1"/>
+              </a:solidFill>
+            </a:endParaRPr>
+          </a:p>
+          <a:p>
+            <a:pPr lvl="1">
+              <a:buClr>
+                <a:schemeClr val="tx1"/>
+              </a:buClr>
+              <a:buSzPct val="100000"/>
+              <a:buFont typeface="Arial" panose="020B0604020202020204" pitchFamily="34" charset="0"/>
+              <a:buChar char="•"/>
+            </a:pPr>
+            <a:r>
+              <a:rPr lang="fr-FR" dirty="0" smtClean="0">
+                <a:solidFill>
+                  <a:schemeClr val="tx1"/>
+                </a:solidFill>
+              </a:rPr>
+              <a:t>Images en couleur et de bonne qualité</a:t>
+            </a:r>
+          </a:p>
+          <a:p>
+            <a:pPr marL="201168" lvl="1" indent="0">
+              <a:buNone/>
+            </a:pPr>
+            <a:endParaRPr lang="fr-FR" dirty="0">
+              <a:solidFill>
+                <a:schemeClr val="tx1"/>
+              </a:solidFill>
+            </a:endParaRPr>
+          </a:p>
+        </p:txBody>
+      </p:sp>
+      <p:pic>
+        <p:nvPicPr>
+          <p:cNvPr id="4" name="Image 3"/>
+          <p:cNvPicPr>
+            <a:picLocks noChangeAspect="1"/>
+          </p:cNvPicPr>
+          <p:nvPr/>
+        </p:nvPicPr>
+        <p:blipFill>
+          <a:blip r:embed="rId2">
+            <a:extLst>
+              <a:ext uri="{28A0092B-C50C-407E-A947-70E740481C1C}">
+                <a14:useLocalDpi xmlns:a14="http://schemas.microsoft.com/office/drawing/2010/main" val="0"/>
+              </a:ext>
+            </a:extLst>
+          </a:blip>
+          <a:stretch>
+            <a:fillRect/>
+          </a:stretch>
+        </p:blipFill>
+        <p:spPr>
+          <a:xfrm>
+            <a:off x="7217229" y="2179653"/>
+            <a:ext cx="4474028" cy="3355521"/>
+          </a:xfrm>
+          <a:prstGeom prst="rect">
+            <a:avLst/>
+          </a:prstGeom>
+        </p:spPr>
+      </p:pic>
+      <p:sp>
+        <p:nvSpPr>
+          <p:cNvPr id="5" name="ZoneTexte 4"/>
+          <p:cNvSpPr txBox="1"/>
+          <p:nvPr/>
+        </p:nvSpPr>
+        <p:spPr>
+          <a:xfrm>
+            <a:off x="677334" y="4896322"/>
+            <a:ext cx="4691743" cy="785793"/>
+          </a:xfrm>
+          <a:prstGeom prst="rect">
+            <a:avLst/>
+          </a:prstGeom>
+          <a:noFill/>
+        </p:spPr>
+        <p:txBody>
+          <a:bodyPr wrap="square" rtlCol="0">
+            <a:spAutoFit/>
+          </a:bodyPr>
+          <a:lstStyle/>
+          <a:p>
+            <a:pPr marL="772668" lvl="1" indent="-285750">
+              <a:lnSpc>
+                <a:spcPct val="150000"/>
+              </a:lnSpc>
+              <a:buClr>
+                <a:schemeClr val="tx1"/>
+              </a:buClr>
+              <a:buFont typeface="Arial" panose="020B0604020202020204" pitchFamily="34" charset="0"/>
+              <a:buChar char="•"/>
+            </a:pPr>
+            <a:r>
+              <a:rPr lang="fr-FR" sz="1600" dirty="0" smtClean="0"/>
+              <a:t>Piétons serrés</a:t>
+            </a:r>
+          </a:p>
+          <a:p>
+            <a:pPr marL="772668" lvl="1" indent="-285750">
+              <a:lnSpc>
+                <a:spcPct val="150000"/>
+              </a:lnSpc>
+              <a:buClr>
+                <a:schemeClr val="tx1"/>
+              </a:buClr>
+              <a:buFont typeface="Arial" panose="020B0604020202020204" pitchFamily="34" charset="0"/>
+              <a:buChar char="•"/>
+            </a:pPr>
+            <a:r>
+              <a:rPr lang="fr-FR" sz="1600" dirty="0" smtClean="0"/>
+              <a:t>Végétation </a:t>
+            </a:r>
+            <a:r>
+              <a:rPr lang="fr-FR" sz="1600" dirty="0"/>
+              <a:t>mouvante</a:t>
+            </a:r>
+            <a:endParaRPr lang="fr-FR" sz="1600" dirty="0"/>
+          </a:p>
+        </p:txBody>
+      </p:sp>
+      <p:sp>
+        <p:nvSpPr>
+          <p:cNvPr id="6" name="ZoneTexte 5"/>
+          <p:cNvSpPr txBox="1"/>
+          <p:nvPr/>
+        </p:nvSpPr>
+        <p:spPr>
+          <a:xfrm>
+            <a:off x="677334" y="4573157"/>
+            <a:ext cx="5007429" cy="646331"/>
+          </a:xfrm>
+          <a:prstGeom prst="rect">
+            <a:avLst/>
+          </a:prstGeom>
+          <a:noFill/>
+        </p:spPr>
+        <p:txBody>
+          <a:bodyPr wrap="square" rtlCol="0">
+            <a:spAutoFit/>
+          </a:bodyPr>
+          <a:lstStyle/>
+          <a:p>
+            <a:pPr marL="285750" indent="-285750">
+              <a:buClr>
+                <a:schemeClr val="accent1">
+                  <a:lumMod val="75000"/>
+                </a:schemeClr>
+              </a:buClr>
+              <a:buFont typeface="Wingdings 3" panose="05040102010807070707" pitchFamily="18" charset="2"/>
+              <a:buChar char="u"/>
+            </a:pPr>
+            <a:r>
+              <a:rPr lang="fr-FR" dirty="0" smtClean="0"/>
+              <a:t> Contraintes à gérer :</a:t>
+            </a:r>
+          </a:p>
+          <a:p>
+            <a:pPr>
+              <a:buClr>
+                <a:schemeClr val="accent1">
+                  <a:lumMod val="75000"/>
+                </a:schemeClr>
+              </a:buClr>
+            </a:pPr>
+            <a:endParaRPr lang="fr-FR" dirty="0"/>
+          </a:p>
+        </p:txBody>
+      </p:sp>
+    </p:spTree>
+    <p:extLst>
+      <p:ext uri="{BB962C8B-B14F-4D97-AF65-F5344CB8AC3E}">
+        <p14:creationId xmlns:p14="http://schemas.microsoft.com/office/powerpoint/2010/main" val="1957474668"/>
+      </p:ext>
+    </p:extLst>
+  </p:cSld>
+  <p:clrMapOvr>
+    <a:masterClrMapping/>
+  </p:clrMapOvr>
+  <p:timing>
+    <p:tnLst>
+      <p:par>
+        <p:cTn id="1" dur="indefinite" restart="never" nodeType="tmRoot"/>
+      </p:par>
+    </p:tnLst>
+  </p:timing>
+</p:sld>
+</file>
+
+<file path=ppt/slides/slide8.xml><?xml version="1.0" encoding="utf-8"?>
+<p:sld xmlns:a="http://schemas.openxmlformats.org/drawingml/2006/main" xmlns:r="http://schemas.openxmlformats.org/officeDocument/2006/relationships" xmlns:p="http://schemas.openxmlformats.org/presentationml/2006/main">
+  <p:cSld>
+    <p:spTree>
+      <p:nvGrpSpPr>
+        <p:cNvPr id="1" name=""/>
+        <p:cNvGrpSpPr/>
+        <p:nvPr/>
+      </p:nvGrpSpPr>
+      <p:grpSpPr>
+        <a:xfrm>
+          <a:off x="0" y="0"/>
+          <a:ext cx="0" cy="0"/>
+          <a:chOff x="0" y="0"/>
+          <a:chExt cx="0" cy="0"/>
+        </a:xfrm>
+      </p:grpSpPr>
+      <p:sp>
+        <p:nvSpPr>
+          <p:cNvPr id="2" name="Titre 1"/>
+          <p:cNvSpPr>
+            <a:spLocks noGrp="1"/>
+          </p:cNvSpPr>
+          <p:nvPr>
+            <p:ph type="title"/>
+          </p:nvPr>
+        </p:nvSpPr>
+        <p:spPr>
+          <a:xfrm>
+            <a:off x="1929191" y="2601685"/>
+            <a:ext cx="6507237" cy="1320800"/>
+          </a:xfrm>
+        </p:spPr>
+        <p:txBody>
+          <a:bodyPr>
+            <a:normAutofit/>
+          </a:bodyPr>
+          <a:lstStyle/>
+          <a:p>
+            <a:r>
+              <a:rPr lang="fr-FR" sz="6600" b="1" dirty="0">
+                <a:ln>
+                  <a:solidFill>
+                    <a:schemeClr val="tx1"/>
+                  </a:solidFill>
+                </a:ln>
+                <a:solidFill>
+                  <a:schemeClr val="accent1">
+                    <a:lumMod val="75000"/>
+                  </a:schemeClr>
+                </a:solidFill>
+              </a:rPr>
+              <a:t>Notre approche</a:t>
+            </a:r>
+            <a:endParaRPr lang="fr-FR" sz="6600" dirty="0"/>
+          </a:p>
+        </p:txBody>
+      </p:sp>
+    </p:spTree>
+    <p:extLst>
+      <p:ext uri="{BB962C8B-B14F-4D97-AF65-F5344CB8AC3E}">
+        <p14:creationId xmlns:p14="http://schemas.microsoft.com/office/powerpoint/2010/main" val="2659698468"/>
+      </p:ext>
+    </p:extLst>
+  </p:cSld>
+  <p:clrMapOvr>
+    <a:masterClrMapping/>
+  </p:clrMapOvr>
+  <p:timing>
+    <p:tnLst>
+      <p:par>
+        <p:cTn id="1" dur="indefinite" restart="never" nodeType="tmRoot"/>
+      </p:par>
+    </p:tnLst>
+  </p:timing>
+</p:sld>
+</file>
+
+<file path=ppt/slides/slide9.xml><?xml version="1.0" encoding="utf-8"?>
+<p:sld xmlns:a="http://schemas.openxmlformats.org/drawingml/2006/main" xmlns:r="http://schemas.openxmlformats.org/officeDocument/2006/relationships" xmlns:p="http://schemas.openxmlformats.org/presentationml/2006/main">
+  <p:cSld>
+    <p:spTree>
+      <p:nvGrpSpPr>
+        <p:cNvPr id="1" name=""/>
+        <p:cNvGrpSpPr/>
+        <p:nvPr/>
+      </p:nvGrpSpPr>
+      <p:grpSpPr>
+        <a:xfrm>
+          <a:off x="0" y="0"/>
+          <a:ext cx="0" cy="0"/>
+          <a:chOff x="0" y="0"/>
+          <a:chExt cx="0" cy="0"/>
+        </a:xfrm>
+      </p:grpSpPr>
+      <p:sp>
+        <p:nvSpPr>
+          <p:cNvPr id="2" name="Titre 1"/>
+          <p:cNvSpPr>
+            <a:spLocks noGrp="1"/>
+          </p:cNvSpPr>
+          <p:nvPr>
+            <p:ph type="title"/>
+          </p:nvPr>
+        </p:nvSpPr>
+        <p:spPr>
+          <a:xfrm>
+            <a:off x="677334" y="609600"/>
+            <a:ext cx="8596668" cy="743403"/>
+          </a:xfrm>
+        </p:spPr>
+        <p:txBody>
+          <a:bodyPr>
+            <a:normAutofit fontScale="90000"/>
+          </a:bodyPr>
+          <a:lstStyle/>
+          <a:p>
+            <a:r>
+              <a:rPr lang="fr-FR" sz="4000" b="1" dirty="0">
+                <a:ln>
+                  <a:solidFill>
+                    <a:schemeClr val="tx1"/>
+                  </a:solidFill>
+                </a:ln>
+                <a:solidFill>
+                  <a:schemeClr val="accent1">
+                    <a:lumMod val="75000"/>
+                  </a:schemeClr>
+                </a:solidFill>
+              </a:rPr>
+              <a:t>Histogramme des gradients </a:t>
+            </a:r>
+            <a:r>
+              <a:rPr lang="fr-FR" sz="4000" b="1" dirty="0" smtClean="0">
+                <a:ln>
+                  <a:solidFill>
+                    <a:schemeClr val="tx1"/>
+                  </a:solidFill>
+                </a:ln>
+                <a:solidFill>
+                  <a:schemeClr val="accent1">
+                    <a:lumMod val="75000"/>
+                  </a:schemeClr>
+                </a:solidFill>
+              </a:rPr>
+              <a:t>orientés</a:t>
+            </a:r>
+            <a:r>
+              <a:rPr lang="fr-FR" sz="4000" dirty="0"/>
+              <a:t/>
+            </a:r>
+            <a:br>
+              <a:rPr lang="fr-FR" sz="4000" dirty="0"/>
+            </a:br>
+            <a:endParaRPr lang="fr-FR" sz="4000" b="1" dirty="0">
+              <a:ln>
+                <a:solidFill>
+                  <a:schemeClr val="tx1"/>
+                </a:solidFill>
+              </a:ln>
+              <a:solidFill>
+                <a:schemeClr val="accent1">
+                  <a:lumMod val="75000"/>
+                </a:schemeClr>
+              </a:solidFill>
+            </a:endParaRPr>
+          </a:p>
+        </p:txBody>
+      </p:sp>
+      <p:pic>
+        <p:nvPicPr>
+          <p:cNvPr id="4" name="Image 3"/>
+          <p:cNvPicPr>
+            <a:picLocks noChangeAspect="1"/>
+          </p:cNvPicPr>
+          <p:nvPr/>
+        </p:nvPicPr>
+        <p:blipFill>
+          <a:blip r:embed="rId2">
+            <a:extLst>
+              <a:ext uri="{28A0092B-C50C-407E-A947-70E740481C1C}">
+                <a14:useLocalDpi xmlns:a14="http://schemas.microsoft.com/office/drawing/2010/main" val="0"/>
+              </a:ext>
+            </a:extLst>
+          </a:blip>
+          <a:stretch>
+            <a:fillRect/>
+          </a:stretch>
+        </p:blipFill>
+        <p:spPr>
+          <a:xfrm>
+            <a:off x="1097280" y="2481051"/>
+            <a:ext cx="7134225" cy="2752725"/>
+          </a:xfrm>
+          <a:prstGeom prst="rect">
+            <a:avLst/>
+          </a:prstGeom>
+        </p:spPr>
+      </p:pic>
+      <p:pic>
+        <p:nvPicPr>
+          <p:cNvPr id="5" name="Image 4"/>
+          <p:cNvPicPr>
+            <a:picLocks noChangeAspect="1"/>
+          </p:cNvPicPr>
+          <p:nvPr/>
+        </p:nvPicPr>
+        <p:blipFill>
+          <a:blip r:embed="rId3">
+            <a:extLst>
+              <a:ext uri="{28A0092B-C50C-407E-A947-70E740481C1C}">
+                <a14:useLocalDpi xmlns:a14="http://schemas.microsoft.com/office/drawing/2010/main" val="0"/>
+              </a:ext>
+            </a:extLst>
+          </a:blip>
+          <a:stretch>
+            <a:fillRect/>
+          </a:stretch>
+        </p:blipFill>
+        <p:spPr>
+          <a:xfrm>
+            <a:off x="9372886" y="2481051"/>
+            <a:ext cx="2090677" cy="2752725"/>
+          </a:xfrm>
+          <a:prstGeom prst="rect">
+            <a:avLst/>
+          </a:prstGeom>
+        </p:spPr>
+      </p:pic>
+    </p:spTree>
+    <p:extLst>
+      <p:ext uri="{BB962C8B-B14F-4D97-AF65-F5344CB8AC3E}">
+        <p14:creationId xmlns:p14="http://schemas.microsoft.com/office/powerpoint/2010/main" val="2723521297"/>
+      </p:ext>
+    </p:extLst>
+  </p:cSld>
+  <p:clrMapOvr>
+    <a:masterClrMapping/>
+  </p:clrMapOvr>
+  <p:timing>
+    <p:tnLst>
+      <p:par>
+        <p:cTn id="1" dur="indefinite" restart="never" nodeType="tmRoot"/>
+      </p:par>
+    </p:tnLst>
+  </p:timing>
 </p:sld>
 </file>
 
 <file path=ppt/theme/theme1.xml><?xml version="1.0" encoding="utf-8"?>
-<a:theme xmlns:a="http://schemas.openxmlformats.org/drawingml/2006/main" name="Rétrospective">
+<a:theme xmlns:a="http://schemas.openxmlformats.org/drawingml/2006/main" name="Facette">
   <a:themeElements>
-    <a:clrScheme name="Retrospect">
+    <a:clrScheme name="Facette">
       <a:dk1>
         <a:sysClr val="windowText" lastClr="000000"/>
       </a:dk1>
@@ -5247,52 +8926,52 @@
         <a:sysClr val="window" lastClr="FFFFFF"/>
       </a:lt1>
       <a:dk2>
-        <a:srgbClr val="514949"/>
+        <a:srgbClr val="2C3C43"/>
       </a:dk2>
       <a:lt2>
-        <a:srgbClr val="E1E1DB"/>
+        <a:srgbClr val="EBEBEB"/>
       </a:lt2>
       <a:accent1>
-        <a:srgbClr val="9DBFBE"/>
+        <a:srgbClr val="5FCBEF"/>
       </a:accent1>
       <a:accent2>
-        <a:srgbClr val="DB8631"/>
+        <a:srgbClr val="2E83C3"/>
       </a:accent2>
       <a:accent3>
-        <a:srgbClr val="E3CC5A"/>
+        <a:srgbClr val="42D0A2"/>
       </a:accent3>
       <a:accent4>
-        <a:srgbClr val="ACADA8"/>
+        <a:srgbClr val="2E946B"/>
       </a:accent4>
       <a:accent5>
-        <a:srgbClr val="927C61"/>
+        <a:srgbClr val="42B051"/>
       </a:accent5>
       <a:accent6>
-        <a:srgbClr val="B3B435"/>
+        <a:srgbClr val="96D141"/>
       </a:accent6>
       <a:hlink>
-        <a:srgbClr val="0000FF"/>
+        <a:srgbClr val="3FCDE7"/>
       </a:hlink>
       <a:folHlink>
-        <a:srgbClr val="800080"/>
+        <a:srgbClr val="A9D3E1"/>
       </a:folHlink>
     </a:clrScheme>
-    <a:fontScheme name="Retrospect">
+    <a:fontScheme name="Facette">
       <a:majorFont>
-        <a:latin typeface="Calibri Light" panose="020F0302020204030204"/>
+        <a:latin typeface="Trebuchet MS" panose="020B0603020202020204"/>
         <a:ea typeface=""/>
         <a:cs typeface=""/>
-        <a:font script="Jpan" typeface="ＭＳ Ｐゴシック"/>
+        <a:font script="Jpan" typeface="メイリオ"/>
         <a:font script="Hang" typeface="맑은 고딕"/>
-        <a:font script="Hans" typeface="宋体"/>
-        <a:font script="Hant" typeface="新細明體"/>
-        <a:font script="Arab" typeface="Times New Roman"/>
-        <a:font script="Hebr" typeface="Times New Roman"/>
-        <a:font script="Thai" typeface="Angsana New"/>
+        <a:font script="Hans" typeface="方正姚体"/>
+        <a:font script="Hant" typeface="微軟正黑體"/>
+        <a:font script="Arab" typeface="Tahoma"/>
+        <a:font script="Hebr" typeface="Arial"/>
+        <a:font script="Thai" typeface="Cordia New"/>
         <a:font script="Ethi" typeface="Nyala"/>
         <a:font script="Beng" typeface="Vrinda"/>
         <a:font script="Gujr" typeface="Shruti"/>
-        <a:font script="Khmr" typeface="MoolBoran"/>
+        <a:font script="Khmr" typeface="DaunPenh"/>
         <a:font script="Knda" typeface="Tunga"/>
         <a:font script="Guru" typeface="Raavi"/>
         <a:font script="Cans" typeface="Euphemia"/>
@@ -5309,21 +8988,21 @@
         <a:font script="Laoo" typeface="DokChampa"/>
         <a:font script="Sinh" typeface="Iskoola Pota"/>
         <a:font script="Mong" typeface="Mongolian Baiti"/>
-        <a:font script="Viet" typeface="Times New Roman"/>
+        <a:font script="Viet" typeface="Tahoma"/>
         <a:font script="Uigh" typeface="Microsoft Uighur"/>
         <a:font script="Geor" typeface="Sylfaen"/>
       </a:majorFont>
       <a:minorFont>
-        <a:latin typeface="Calibri" panose="020F0502020204030204"/>
+        <a:latin typeface="Trebuchet MS" panose="020B0603020202020204"/>
         <a:ea typeface=""/>
         <a:cs typeface=""/>
-        <a:font script="Jpan" typeface="ＭＳ Ｐゴシック"/>
-        <a:font script="Hang" typeface="맑은 고딕"/>
-        <a:font script="Hans" typeface="宋体"/>
-        <a:font script="Hant" typeface="新細明體"/>
-        <a:font script="Arab" typeface="Arial"/>
-        <a:font script="Hebr" typeface="Arial"/>
-        <a:font script="Thai" typeface="Cordia New"/>
+        <a:font script="Jpan" typeface="メイリオ"/>
+        <a:font script="Hang" typeface="HY그래픽M"/>
+        <a:font script="Hans" typeface="华文新魏"/>
+        <a:font script="Hant" typeface="微軟正黑體"/>
+        <a:font script="Arab" typeface="Tahoma"/>
+        <a:font script="Hebr" typeface="Gisha"/>
+        <a:font script="Thai" typeface="IrisUPC"/>
         <a:font script="Ethi" typeface="Nyala"/>
         <a:font script="Beng" typeface="Vrinda"/>
         <a:font script="Gujr" typeface="Shruti"/>
@@ -5349,7 +9028,7 @@
         <a:font script="Geor" typeface="Sylfaen"/>
       </a:minorFont>
     </a:fontScheme>
-    <a:fmtScheme name="Retrospect">
+    <a:fmtScheme name="Facette">
       <a:fillStyleLst>
         <a:solidFill>
           <a:schemeClr val="phClr"/>
@@ -5359,76 +9038,49 @@
             <a:gs pos="0">
               <a:schemeClr val="phClr">
                 <a:tint val="65000"/>
-                <a:shade val="92000"/>
-                <a:satMod val="130000"/>
+                <a:lumMod val="110000"/>
               </a:schemeClr>
             </a:gs>
-            <a:gs pos="45000">
+            <a:gs pos="88000">
               <a:schemeClr val="phClr">
-                <a:tint val="60000"/>
-                <a:shade val="99000"/>
-                <a:satMod val="120000"/>
-              </a:schemeClr>
-            </a:gs>
-            <a:gs pos="100000">
-              <a:schemeClr val="phClr">
-                <a:tint val="55000"/>
-                <a:satMod val="140000"/>
+                <a:tint val="90000"/>
               </a:schemeClr>
             </a:gs>
           </a:gsLst>
-          <a:path path="circle">
-            <a:fillToRect l="100000" t="100000" r="100000" b="100000"/>
-          </a:path>
+          <a:lin ang="5400000" scaled="0"/>
         </a:gradFill>
         <a:gradFill rotWithShape="1">
           <a:gsLst>
             <a:gs pos="0">
               <a:schemeClr val="phClr">
-                <a:shade val="85000"/>
-                <a:satMod val="130000"/>
+                <a:tint val="96000"/>
+                <a:lumMod val="100000"/>
               </a:schemeClr>
             </a:gs>
-            <a:gs pos="34000">
+            <a:gs pos="78000">
               <a:schemeClr val="phClr">
-                <a:shade val="87000"/>
-                <a:satMod val="125000"/>
-              </a:schemeClr>
-            </a:gs>
-            <a:gs pos="70000">
-              <a:schemeClr val="phClr">
-                <a:tint val="100000"/>
-                <a:shade val="90000"/>
-                <a:satMod val="130000"/>
-              </a:schemeClr>
-            </a:gs>
-            <a:gs pos="100000">
-              <a:schemeClr val="phClr">
-                <a:tint val="100000"/>
-                <a:shade val="100000"/>
-                <a:satMod val="110000"/>
+                <a:shade val="94000"/>
+                <a:lumMod val="94000"/>
               </a:schemeClr>
             </a:gs>
           </a:gsLst>
-          <a:path path="circle">
-            <a:fillToRect l="100000" t="100000" r="100000" b="100000"/>
-          </a:path>
+          <a:lin ang="5400000" scaled="0"/>
         </a:gradFill>
       </a:fillStyleLst>
       <a:lnStyleLst>
-        <a:ln w="12700" cap="flat" cmpd="sng" algn="ctr">
+        <a:ln w="12700" cap="rnd" cmpd="sng" algn="ctr">
           <a:solidFill>
             <a:schemeClr val="phClr"/>
           </a:solidFill>
           <a:prstDash val="solid"/>
         </a:ln>
-        <a:ln w="15875" cap="flat" cmpd="sng" algn="ctr">
+        <a:ln w="19050" cap="rnd" cmpd="sng" algn="ctr">
           <a:solidFill>
             <a:schemeClr val="phClr"/>
           </a:solidFill>
           <a:prstDash val="solid"/>
         </a:ln>
-        <a:ln w="25400" cap="flat" cmpd="sng" algn="ctr">
+        <a:ln w="25400" cap="rnd" cmpd="sng" algn="ctr">
           <a:solidFill>
             <a:schemeClr val="phClr"/>
           </a:solidFill>
@@ -5441,18 +9093,18 @@
         </a:effectStyle>
         <a:effectStyle>
           <a:effectLst>
-            <a:outerShdw blurRad="38100" dist="25400" dir="2700000" algn="br" rotWithShape="0">
+            <a:outerShdw blurRad="38100" dist="25400" dir="5400000" rotWithShape="0">
               <a:srgbClr val="000000">
-                <a:alpha val="60000"/>
+                <a:alpha val="35000"/>
               </a:srgbClr>
             </a:outerShdw>
           </a:effectLst>
         </a:effectStyle>
         <a:effectStyle>
           <a:effectLst>
-            <a:outerShdw blurRad="44450" dist="25400" dir="2700000" algn="br" rotWithShape="0">
+            <a:outerShdw blurRad="50800" dist="38100" dir="5400000" rotWithShape="0">
               <a:srgbClr val="000000">
-                <a:alpha val="60000"/>
+                <a:alpha val="35000"/>
               </a:srgbClr>
             </a:outerShdw>
           </a:effectLst>
@@ -5460,12 +9112,10 @@
             <a:camera prst="orthographicFront">
               <a:rot lat="0" lon="0" rev="0"/>
             </a:camera>
-            <a:lightRig rig="threePt" dir="t">
-              <a:rot lat="0" lon="0" rev="19800000"/>
-            </a:lightRig>
+            <a:lightRig rig="threePt" dir="tl"/>
           </a:scene3d>
-          <a:sp3d prstMaterial="flat">
-            <a:bevelT w="25400" h="31750"/>
+          <a:sp3d prstMaterial="plastic">
+            <a:bevelT w="0" h="0"/>
           </a:sp3d>
         </a:effectStyle>
       </a:effectStyleLst>
@@ -5473,38 +9123,41 @@
         <a:solidFill>
           <a:schemeClr val="phClr"/>
         </a:solidFill>
-        <a:solidFill>
-          <a:schemeClr val="phClr">
-            <a:tint val="90000"/>
-            <a:shade val="97000"/>
-            <a:satMod val="130000"/>
-          </a:schemeClr>
-        </a:solidFill>
         <a:gradFill rotWithShape="1">
           <a:gsLst>
             <a:gs pos="0">
               <a:schemeClr val="phClr">
-                <a:tint val="96000"/>
-                <a:shade val="99000"/>
-                <a:satMod val="140000"/>
+                <a:tint val="90000"/>
+                <a:lumMod val="104000"/>
               </a:schemeClr>
             </a:gs>
-            <a:gs pos="65000">
+            <a:gs pos="94000">
               <a:schemeClr val="phClr">
-                <a:tint val="100000"/>
-                <a:shade val="80000"/>
-                <a:satMod val="130000"/>
+                <a:shade val="96000"/>
+                <a:lumMod val="82000"/>
+              </a:schemeClr>
+            </a:gs>
+          </a:gsLst>
+          <a:lin ang="5400000" scaled="0"/>
+        </a:gradFill>
+        <a:gradFill rotWithShape="1">
+          <a:gsLst>
+            <a:gs pos="0">
+              <a:schemeClr val="phClr">
+                <a:tint val="90000"/>
+                <a:lumMod val="110000"/>
               </a:schemeClr>
             </a:gs>
             <a:gs pos="100000">
               <a:schemeClr val="phClr">
-                <a:tint val="100000"/>
-                <a:shade val="48000"/>
-                <a:satMod val="120000"/>
+                <a:shade val="94000"/>
+                <a:lumMod val="96000"/>
               </a:schemeClr>
             </a:gs>
           </a:gsLst>
-          <a:lin ang="16200000" scaled="0"/>
+          <a:path path="circle">
+            <a:fillToRect l="50000" t="50000" r="100000" b="100000"/>
+          </a:path>
         </a:gradFill>
       </a:bgFillStyleLst>
     </a:fmtScheme>
@@ -5513,7 +9166,7 @@
   <a:extraClrSchemeLst/>
   <a:extLst>
     <a:ext uri="{05A4C25C-085E-4340-85A3-A5531E510DB2}">
-      <thm15:themeFamily xmlns:thm15="http://schemas.microsoft.com/office/thememl/2012/main" name="Retrospect" id="{5F128B03-DCCA-4EEB-AB3B-CF2899314A46}" vid="{243AF7DC-D15B-41C0-AE81-23980D1B9FC4}"/>
+      <thm15:themeFamily xmlns:thm15="http://schemas.microsoft.com/office/thememl/2012/main" name="Facet" id="{C0C680CD-088A-49FC-A102-D699147F32B2}" vid="{0B5AB586-D108-4FC1-8368-649FE654B894}"/>
     </a:ext>
   </a:extLst>
 </a:theme>

--- a/Presentation/Projet E.pptx
+++ b/Presentation/Projet E.pptx
@@ -12,10 +12,13 @@
     <p:sldId id="260" r:id="rId6"/>
     <p:sldId id="261" r:id="rId7"/>
     <p:sldId id="262" r:id="rId8"/>
-    <p:sldId id="266" r:id="rId9"/>
-    <p:sldId id="263" r:id="rId10"/>
-    <p:sldId id="264" r:id="rId11"/>
-    <p:sldId id="265" r:id="rId12"/>
+    <p:sldId id="263" r:id="rId9"/>
+    <p:sldId id="264" r:id="rId10"/>
+    <p:sldId id="265" r:id="rId11"/>
+    <p:sldId id="266" r:id="rId12"/>
+    <p:sldId id="267" r:id="rId13"/>
+    <p:sldId id="268" r:id="rId14"/>
+    <p:sldId id="269" r:id="rId15"/>
   </p:sldIdLst>
   <p:sldSz cx="12192000" cy="6858000"/>
   <p:notesSz cx="6858000" cy="9144000"/>
@@ -867,7 +870,7 @@
           <a:p>
             <a:fld id="{5A069CB8-F204-4D06-B913-C5A26A89888A}" type="datetimeFigureOut">
               <a:rPr lang="en-US" smtClean="0"/>
-              <a:t>1/25/2017</a:t>
+              <a:t>1/26/2017</a:t>
             </a:fld>
             <a:endParaRPr lang="en-US" dirty="0"/>
           </a:p>
@@ -1118,7 +1121,7 @@
           <a:p>
             <a:fld id="{5DC5B261-8843-42D1-AAFC-05E20E2D9B97}" type="datetimeFigureOut">
               <a:rPr lang="en-US" smtClean="0"/>
-              <a:t>1/25/2017</a:t>
+              <a:t>1/26/2017</a:t>
             </a:fld>
             <a:endParaRPr lang="en-US" dirty="0"/>
           </a:p>
@@ -1434,7 +1437,7 @@
           <a:p>
             <a:fld id="{5DC5B261-8843-42D1-AAFC-05E20E2D9B97}" type="datetimeFigureOut">
               <a:rPr lang="en-US" smtClean="0"/>
-              <a:t>1/25/2017</a:t>
+              <a:t>1/26/2017</a:t>
             </a:fld>
             <a:endParaRPr lang="en-US" dirty="0"/>
           </a:p>
@@ -1769,7 +1772,7 @@
           <a:p>
             <a:fld id="{5DC5B261-8843-42D1-AAFC-05E20E2D9B97}" type="datetimeFigureOut">
               <a:rPr lang="en-US" smtClean="0"/>
-              <a:t>1/25/2017</a:t>
+              <a:t>1/26/2017</a:t>
             </a:fld>
             <a:endParaRPr lang="en-US" dirty="0"/>
           </a:p>
@@ -2085,7 +2088,7 @@
           <a:p>
             <a:fld id="{5DC5B261-8843-42D1-AAFC-05E20E2D9B97}" type="datetimeFigureOut">
               <a:rPr lang="en-US" smtClean="0"/>
-              <a:t>1/25/2017</a:t>
+              <a:t>1/26/2017</a:t>
             </a:fld>
             <a:endParaRPr lang="en-US" dirty="0"/>
           </a:p>
@@ -2480,7 +2483,7 @@
           <a:p>
             <a:fld id="{5DC5B261-8843-42D1-AAFC-05E20E2D9B97}" type="datetimeFigureOut">
               <a:rPr lang="en-US" smtClean="0"/>
-              <a:t>1/25/2017</a:t>
+              <a:t>1/26/2017</a:t>
             </a:fld>
             <a:endParaRPr lang="en-US" dirty="0"/>
           </a:p>
@@ -2652,7 +2655,7 @@
           <a:p>
             <a:fld id="{50B6E300-0A13-4A81-945A-7333C271A069}" type="datetimeFigureOut">
               <a:rPr lang="en-US" smtClean="0"/>
-              <a:t>1/25/2017</a:t>
+              <a:t>1/26/2017</a:t>
             </a:fld>
             <a:endParaRPr lang="en-US" dirty="0"/>
           </a:p>
@@ -2832,7 +2835,7 @@
           <a:p>
             <a:fld id="{34671962-1EA4-46E7-BCB0-F36CE46D1A59}" type="datetimeFigureOut">
               <a:rPr lang="en-US" smtClean="0"/>
-              <a:t>1/25/2017</a:t>
+              <a:t>1/26/2017</a:t>
             </a:fld>
             <a:endParaRPr lang="en-US" dirty="0"/>
           </a:p>
@@ -3002,7 +3005,7 @@
           <a:p>
             <a:fld id="{D30BB376-B19C-488D-ABEB-03C7E6E9E3E0}" type="datetimeFigureOut">
               <a:rPr lang="en-US" smtClean="0"/>
-              <a:t>1/25/2017</a:t>
+              <a:t>1/26/2017</a:t>
             </a:fld>
             <a:endParaRPr lang="en-US" dirty="0"/>
           </a:p>
@@ -3249,7 +3252,7 @@
           <a:p>
             <a:fld id="{486F077B-A50F-4D64-8574-E2D6A98A5553}" type="datetimeFigureOut">
               <a:rPr lang="en-US" smtClean="0"/>
-              <a:t>1/25/2017</a:t>
+              <a:t>1/26/2017</a:t>
             </a:fld>
             <a:endParaRPr lang="en-US" dirty="0"/>
           </a:p>
@@ -3481,7 +3484,7 @@
           <a:p>
             <a:fld id="{7D9E2A62-1983-43A1-A163-D8AA46534C80}" type="datetimeFigureOut">
               <a:rPr lang="en-US" smtClean="0"/>
-              <a:t>1/25/2017</a:t>
+              <a:t>1/26/2017</a:t>
             </a:fld>
             <a:endParaRPr lang="en-US" dirty="0"/>
           </a:p>
@@ -3855,7 +3858,7 @@
           <a:p>
             <a:fld id="{898F3E3B-34E3-4345-B2A1-994B83598A9C}" type="datetimeFigureOut">
               <a:rPr lang="en-US" smtClean="0"/>
-              <a:t>1/25/2017</a:t>
+              <a:t>1/26/2017</a:t>
             </a:fld>
             <a:endParaRPr lang="en-US" dirty="0"/>
           </a:p>
@@ -3978,7 +3981,7 @@
           <a:p>
             <a:fld id="{FD816C96-82A1-4D77-8ADA-627AC6FE3D65}" type="datetimeFigureOut">
               <a:rPr lang="en-US" smtClean="0"/>
-              <a:t>1/25/2017</a:t>
+              <a:t>1/26/2017</a:t>
             </a:fld>
             <a:endParaRPr lang="en-US" dirty="0"/>
           </a:p>
@@ -4073,7 +4076,7 @@
           <a:p>
             <a:fld id="{1D102C1E-28F2-47E9-802D-339E64E2F920}" type="datetimeFigureOut">
               <a:rPr lang="en-US" smtClean="0"/>
-              <a:t>1/25/2017</a:t>
+              <a:t>1/26/2017</a:t>
             </a:fld>
             <a:endParaRPr lang="en-US" dirty="0"/>
           </a:p>
@@ -4329,7 +4332,7 @@
           <a:p>
             <a:fld id="{24271A48-F18A-45B3-BC05-1E27DA3F88AF}" type="datetimeFigureOut">
               <a:rPr lang="en-US" smtClean="0"/>
-              <a:t>1/25/2017</a:t>
+              <a:t>1/26/2017</a:t>
             </a:fld>
             <a:endParaRPr lang="en-US" dirty="0"/>
           </a:p>
@@ -4635,7 +4638,7 @@
           <a:p>
             <a:fld id="{65B747F8-9654-4282-85D2-65F41AAE7A75}" type="datetimeFigureOut">
               <a:rPr lang="en-US" smtClean="0"/>
-              <a:t>1/25/2017</a:t>
+              <a:t>1/26/2017</a:t>
             </a:fld>
             <a:endParaRPr lang="en-US" dirty="0"/>
           </a:p>
@@ -5337,7 +5340,7 @@
           <a:p>
             <a:fld id="{5DC5B261-8843-42D1-AAFC-05E20E2D9B97}" type="datetimeFigureOut">
               <a:rPr lang="en-US" smtClean="0"/>
-              <a:t>1/25/2017</a:t>
+              <a:t>1/26/2017</a:t>
             </a:fld>
             <a:endParaRPr lang="en-US" dirty="0"/>
           </a:p>
@@ -5957,23 +5960,7 @@
                   <a:schemeClr val="tx1"/>
                 </a:solidFill>
               </a:rPr>
-              <a:t>Détection </a:t>
-            </a:r>
-            <a:r>
-              <a:rPr lang="fr-FR" sz="2400" dirty="0" smtClean="0">
-                <a:solidFill>
-                  <a:schemeClr val="tx1"/>
-                </a:solidFill>
-              </a:rPr>
-              <a:t>et comptage de </a:t>
-            </a:r>
-            <a:r>
-              <a:rPr lang="fr-FR" sz="2400" dirty="0" smtClean="0">
-                <a:solidFill>
-                  <a:schemeClr val="tx1"/>
-                </a:solidFill>
-              </a:rPr>
-              <a:t>piétons.</a:t>
+              <a:t>Détection et comptage de piétons.</a:t>
             </a:r>
             <a:endParaRPr lang="fr-FR" sz="2400" dirty="0">
               <a:solidFill>
@@ -6094,49 +6081,17 @@
           <a:chExt cx="0" cy="0"/>
         </a:xfrm>
       </p:grpSpPr>
-      <p:sp>
-        <p:nvSpPr>
-          <p:cNvPr id="3" name="Espace réservé du contenu 2"/>
-          <p:cNvSpPr>
-            <a:spLocks noGrp="1"/>
-          </p:cNvSpPr>
+      <p:pic>
+        <p:nvPicPr>
+          <p:cNvPr id="4" name="Espace réservé du contenu 3"/>
+          <p:cNvPicPr>
+            <a:picLocks noGrp="1" noChangeAspect="1"/>
+          </p:cNvPicPr>
           <p:nvPr>
             <p:ph idx="1"/>
           </p:nvPr>
-        </p:nvSpPr>
-        <p:spPr/>
-        <p:txBody>
-          <a:bodyPr/>
-          <a:lstStyle/>
-          <a:p>
-            <a:pPr marL="0" indent="0">
-              <a:buNone/>
-            </a:pPr>
-            <a:r>
-              <a:rPr lang="fr-FR" dirty="0" smtClean="0"/>
-              <a:t>Support </a:t>
-            </a:r>
-            <a:r>
-              <a:rPr lang="fr-FR" dirty="0" err="1" smtClean="0"/>
-              <a:t>Vector</a:t>
-            </a:r>
-            <a:r>
-              <a:rPr lang="fr-FR" dirty="0" smtClean="0"/>
-              <a:t> Machine</a:t>
-            </a:r>
-            <a:endParaRPr lang="fr-FR" dirty="0"/>
-          </a:p>
-        </p:txBody>
-      </p:sp>
-      <p:pic>
-        <p:nvPicPr>
-          <p:cNvPr id="4" name="Image 3"/>
-          <p:cNvPicPr>
-            <a:picLocks noChangeAspect="1"/>
-          </p:cNvPicPr>
-          <p:nvPr/>
         </p:nvPicPr>
-        <p:blipFill>
+        <p:blipFill rotWithShape="1">
           <a:blip r:embed="rId2">
             <a:extLst>
               <a:ext uri="{28A0092B-C50C-407E-A947-70E740481C1C}">
@@ -6144,18 +6099,14 @@
               </a:ext>
             </a:extLst>
           </a:blip>
-          <a:stretch>
-            <a:fillRect/>
-          </a:stretch>
+          <a:srcRect l="43476" t="14148" r="44770" b="29668"/>
+          <a:stretch/>
         </p:blipFill>
         <p:spPr>
           <a:xfrm>
-            <a:off x="6945739" y="1982848"/>
-            <a:ext cx="4073285" cy="3886246"/>
+            <a:off x="1542485" y="3145218"/>
+            <a:ext cx="1262677" cy="2953760"/>
           </a:xfrm>
-          <a:prstGeom prst="rect">
-            <a:avLst/>
-          </a:prstGeom>
         </p:spPr>
       </p:pic>
       <p:pic>
@@ -6166,7 +6117,7 @@
           </p:cNvPicPr>
           <p:nvPr/>
         </p:nvPicPr>
-        <p:blipFill>
+        <p:blipFill rotWithShape="1">
           <a:blip r:embed="rId3">
             <a:extLst>
               <a:ext uri="{28A0092B-C50C-407E-A947-70E740481C1C}">
@@ -6174,14 +6125,13 @@
               </a:ext>
             </a:extLst>
           </a:blip>
-          <a:stretch>
-            <a:fillRect/>
-          </a:stretch>
+          <a:srcRect l="43788" t="14506" r="44528" b="32716"/>
+          <a:stretch/>
         </p:blipFill>
         <p:spPr>
           <a:xfrm>
-            <a:off x="3929808" y="3080593"/>
-            <a:ext cx="969034" cy="2422586"/>
+            <a:off x="4287296" y="3145218"/>
+            <a:ext cx="1276708" cy="2822199"/>
           </a:xfrm>
           <a:prstGeom prst="rect">
             <a:avLst/>
@@ -6196,7 +6146,7 @@
           </p:cNvPicPr>
           <p:nvPr/>
         </p:nvPicPr>
-        <p:blipFill>
+        <p:blipFill rotWithShape="1">
           <a:blip r:embed="rId4">
             <a:extLst>
               <a:ext uri="{28A0092B-C50C-407E-A947-70E740481C1C}">
@@ -6204,84 +6154,481 @@
               </a:ext>
             </a:extLst>
           </a:blip>
-          <a:stretch>
-            <a:fillRect/>
-          </a:stretch>
+          <a:srcRect l="44151" t="14795" r="45094" b="32867"/>
+          <a:stretch/>
         </p:blipFill>
         <p:spPr>
           <a:xfrm>
-            <a:off x="2997041" y="2646121"/>
-            <a:ext cx="969034" cy="2422586"/>
+            <a:off x="7046138" y="3145218"/>
+            <a:ext cx="1187226" cy="2827472"/>
           </a:xfrm>
           <a:prstGeom prst="rect">
             <a:avLst/>
           </a:prstGeom>
         </p:spPr>
       </p:pic>
-      <p:pic>
-        <p:nvPicPr>
-          <p:cNvPr id="7" name="Image 6"/>
-          <p:cNvPicPr>
-            <a:picLocks noChangeAspect="1"/>
-          </p:cNvPicPr>
+      <p:sp>
+        <p:nvSpPr>
+          <p:cNvPr id="7" name="Titre 1"/>
+          <p:cNvSpPr txBox="1">
+            <a:spLocks/>
+          </p:cNvSpPr>
           <p:nvPr/>
-        </p:nvPicPr>
-        <p:blipFill>
-          <a:blip r:embed="rId5">
-            <a:extLst>
-              <a:ext uri="{28A0092B-C50C-407E-A947-70E740481C1C}">
-                <a14:useLocalDpi xmlns:a14="http://schemas.microsoft.com/office/drawing/2010/main" val="0"/>
-              </a:ext>
-            </a:extLst>
-          </a:blip>
-          <a:stretch>
-            <a:fillRect/>
-          </a:stretch>
-        </p:blipFill>
+        </p:nvSpPr>
         <p:spPr>
           <a:xfrm>
-            <a:off x="2044731" y="3059496"/>
-            <a:ext cx="973893" cy="2434733"/>
+            <a:off x="677334" y="337457"/>
+            <a:ext cx="8596668" cy="925286"/>
           </a:xfrm>
           <a:prstGeom prst="rect">
             <a:avLst/>
           </a:prstGeom>
         </p:spPr>
-      </p:pic>
-      <p:pic>
-        <p:nvPicPr>
-          <p:cNvPr id="9" name="Image 8"/>
-          <p:cNvPicPr>
-            <a:picLocks noChangeAspect="1"/>
-          </p:cNvPicPr>
+        <p:txBody>
+          <a:bodyPr vert="horz" lIns="91440" tIns="45720" rIns="91440" bIns="45720" rtlCol="0" anchor="t">
+            <a:normAutofit/>
+          </a:bodyPr>
+          <a:lstStyle>
+            <a:lvl1pPr algn="l" defTabSz="457200" rtl="0" eaLnBrk="1" latinLnBrk="0" hangingPunct="1">
+              <a:spcBef>
+                <a:spcPct val="0"/>
+              </a:spcBef>
+              <a:buNone/>
+              <a:defRPr sz="3600" kern="1200">
+                <a:solidFill>
+                  <a:schemeClr val="accent1"/>
+                </a:solidFill>
+                <a:latin typeface="+mj-lt"/>
+                <a:ea typeface="+mj-ea"/>
+                <a:cs typeface="+mj-cs"/>
+              </a:defRPr>
+            </a:lvl1pPr>
+            <a:lvl2pPr eaLnBrk="1" hangingPunct="1">
+              <a:defRPr>
+                <a:solidFill>
+                  <a:schemeClr val="tx2"/>
+                </a:solidFill>
+              </a:defRPr>
+            </a:lvl2pPr>
+            <a:lvl3pPr eaLnBrk="1" hangingPunct="1">
+              <a:defRPr>
+                <a:solidFill>
+                  <a:schemeClr val="tx2"/>
+                </a:solidFill>
+              </a:defRPr>
+            </a:lvl3pPr>
+            <a:lvl4pPr eaLnBrk="1" hangingPunct="1">
+              <a:defRPr>
+                <a:solidFill>
+                  <a:schemeClr val="tx2"/>
+                </a:solidFill>
+              </a:defRPr>
+            </a:lvl4pPr>
+            <a:lvl5pPr eaLnBrk="1" hangingPunct="1">
+              <a:defRPr>
+                <a:solidFill>
+                  <a:schemeClr val="tx2"/>
+                </a:solidFill>
+              </a:defRPr>
+            </a:lvl5pPr>
+            <a:lvl6pPr eaLnBrk="1" hangingPunct="1">
+              <a:defRPr>
+                <a:solidFill>
+                  <a:schemeClr val="tx2"/>
+                </a:solidFill>
+              </a:defRPr>
+            </a:lvl6pPr>
+            <a:lvl7pPr eaLnBrk="1" hangingPunct="1">
+              <a:defRPr>
+                <a:solidFill>
+                  <a:schemeClr val="tx2"/>
+                </a:solidFill>
+              </a:defRPr>
+            </a:lvl7pPr>
+            <a:lvl8pPr eaLnBrk="1" hangingPunct="1">
+              <a:defRPr>
+                <a:solidFill>
+                  <a:schemeClr val="tx2"/>
+                </a:solidFill>
+              </a:defRPr>
+            </a:lvl8pPr>
+            <a:lvl9pPr eaLnBrk="1" hangingPunct="1">
+              <a:defRPr>
+                <a:solidFill>
+                  <a:schemeClr val="tx2"/>
+                </a:solidFill>
+              </a:defRPr>
+            </a:lvl9pPr>
+          </a:lstStyle>
+          <a:p>
+            <a:r>
+              <a:rPr lang="fr-FR" sz="4400" b="1" dirty="0" smtClean="0">
+                <a:ln>
+                  <a:solidFill>
+                    <a:schemeClr val="tx1"/>
+                  </a:solidFill>
+                </a:ln>
+                <a:solidFill>
+                  <a:schemeClr val="accent1">
+                    <a:lumMod val="75000"/>
+                  </a:schemeClr>
+                </a:solidFill>
+              </a:rPr>
+              <a:t>Morphologie ?</a:t>
+            </a:r>
+            <a:endParaRPr lang="fr-FR" sz="4400" b="1" dirty="0">
+              <a:ln>
+                <a:solidFill>
+                  <a:schemeClr val="tx1"/>
+                </a:solidFill>
+              </a:ln>
+              <a:solidFill>
+                <a:schemeClr val="accent1">
+                  <a:lumMod val="75000"/>
+                </a:schemeClr>
+              </a:solidFill>
+            </a:endParaRPr>
+          </a:p>
+        </p:txBody>
+      </p:sp>
+      <p:sp>
+        <p:nvSpPr>
+          <p:cNvPr id="8" name="Espace réservé du contenu 2"/>
+          <p:cNvSpPr txBox="1">
+            <a:spLocks/>
+          </p:cNvSpPr>
           <p:nvPr/>
-        </p:nvPicPr>
-        <p:blipFill>
-          <a:blip r:embed="rId6">
-            <a:extLst>
-              <a:ext uri="{28A0092B-C50C-407E-A947-70E740481C1C}">
-                <a14:useLocalDpi xmlns:a14="http://schemas.microsoft.com/office/drawing/2010/main" val="0"/>
-              </a:ext>
-            </a:extLst>
-          </a:blip>
-          <a:stretch>
-            <a:fillRect/>
-          </a:stretch>
-        </p:blipFill>
+        </p:nvSpPr>
         <p:spPr>
           <a:xfrm>
-            <a:off x="4823166" y="2646121"/>
-            <a:ext cx="986860" cy="2467150"/>
+            <a:off x="677334" y="1460402"/>
+            <a:ext cx="8596668" cy="2215468"/>
           </a:xfrm>
           <a:prstGeom prst="rect">
             <a:avLst/>
           </a:prstGeom>
         </p:spPr>
-      </p:pic>
+        <p:txBody>
+          <a:bodyPr vert="horz" lIns="91440" tIns="45720" rIns="91440" bIns="45720" rtlCol="0">
+            <a:normAutofit/>
+          </a:bodyPr>
+          <a:lstStyle>
+            <a:lvl1pPr marL="342900" indent="-342900" algn="l" defTabSz="457200" rtl="0" eaLnBrk="1" latinLnBrk="0" hangingPunct="1">
+              <a:spcBef>
+                <a:spcPts val="1000"/>
+              </a:spcBef>
+              <a:spcAft>
+                <a:spcPts val="0"/>
+              </a:spcAft>
+              <a:buClr>
+                <a:schemeClr val="accent1"/>
+              </a:buClr>
+              <a:buSzPct val="80000"/>
+              <a:buFont typeface="Wingdings 3" charset="2"/>
+              <a:buChar char=""/>
+              <a:defRPr sz="1800" kern="1200">
+                <a:solidFill>
+                  <a:schemeClr val="tx1">
+                    <a:lumMod val="75000"/>
+                    <a:lumOff val="25000"/>
+                  </a:schemeClr>
+                </a:solidFill>
+                <a:latin typeface="+mn-lt"/>
+                <a:ea typeface="+mn-ea"/>
+                <a:cs typeface="+mn-cs"/>
+              </a:defRPr>
+            </a:lvl1pPr>
+            <a:lvl2pPr marL="742950" indent="-285750" algn="l" defTabSz="457200" rtl="0" eaLnBrk="1" latinLnBrk="0" hangingPunct="1">
+              <a:spcBef>
+                <a:spcPts val="1000"/>
+              </a:spcBef>
+              <a:spcAft>
+                <a:spcPts val="0"/>
+              </a:spcAft>
+              <a:buClr>
+                <a:schemeClr val="accent1"/>
+              </a:buClr>
+              <a:buSzPct val="80000"/>
+              <a:buFont typeface="Wingdings 3" charset="2"/>
+              <a:buChar char=""/>
+              <a:defRPr sz="1600" kern="1200">
+                <a:solidFill>
+                  <a:schemeClr val="tx1">
+                    <a:lumMod val="75000"/>
+                    <a:lumOff val="25000"/>
+                  </a:schemeClr>
+                </a:solidFill>
+                <a:latin typeface="+mn-lt"/>
+                <a:ea typeface="+mn-ea"/>
+                <a:cs typeface="+mn-cs"/>
+              </a:defRPr>
+            </a:lvl2pPr>
+            <a:lvl3pPr marL="1143000" indent="-228600" algn="l" defTabSz="457200" rtl="0" eaLnBrk="1" latinLnBrk="0" hangingPunct="1">
+              <a:spcBef>
+                <a:spcPts val="1000"/>
+              </a:spcBef>
+              <a:spcAft>
+                <a:spcPts val="0"/>
+              </a:spcAft>
+              <a:buClr>
+                <a:schemeClr val="accent1"/>
+              </a:buClr>
+              <a:buSzPct val="80000"/>
+              <a:buFont typeface="Wingdings 3" charset="2"/>
+              <a:buChar char=""/>
+              <a:defRPr sz="1400" kern="1200">
+                <a:solidFill>
+                  <a:schemeClr val="tx1">
+                    <a:lumMod val="75000"/>
+                    <a:lumOff val="25000"/>
+                  </a:schemeClr>
+                </a:solidFill>
+                <a:latin typeface="+mn-lt"/>
+                <a:ea typeface="+mn-ea"/>
+                <a:cs typeface="+mn-cs"/>
+              </a:defRPr>
+            </a:lvl3pPr>
+            <a:lvl4pPr marL="1600200" indent="-228600" algn="l" defTabSz="457200" rtl="0" eaLnBrk="1" latinLnBrk="0" hangingPunct="1">
+              <a:spcBef>
+                <a:spcPts val="1000"/>
+              </a:spcBef>
+              <a:spcAft>
+                <a:spcPts val="0"/>
+              </a:spcAft>
+              <a:buClr>
+                <a:schemeClr val="accent1"/>
+              </a:buClr>
+              <a:buSzPct val="80000"/>
+              <a:buFont typeface="Wingdings 3" charset="2"/>
+              <a:buChar char=""/>
+              <a:defRPr sz="1200" kern="1200">
+                <a:solidFill>
+                  <a:schemeClr val="tx1">
+                    <a:lumMod val="75000"/>
+                    <a:lumOff val="25000"/>
+                  </a:schemeClr>
+                </a:solidFill>
+                <a:latin typeface="+mn-lt"/>
+                <a:ea typeface="+mn-ea"/>
+                <a:cs typeface="+mn-cs"/>
+              </a:defRPr>
+            </a:lvl4pPr>
+            <a:lvl5pPr marL="2057400" indent="-228600" algn="l" defTabSz="457200" rtl="0" eaLnBrk="1" latinLnBrk="0" hangingPunct="1">
+              <a:spcBef>
+                <a:spcPts val="1000"/>
+              </a:spcBef>
+              <a:spcAft>
+                <a:spcPts val="0"/>
+              </a:spcAft>
+              <a:buClr>
+                <a:schemeClr val="accent1"/>
+              </a:buClr>
+              <a:buSzPct val="80000"/>
+              <a:buFont typeface="Wingdings 3" charset="2"/>
+              <a:buChar char=""/>
+              <a:defRPr sz="1200" kern="1200">
+                <a:solidFill>
+                  <a:schemeClr val="tx1">
+                    <a:lumMod val="75000"/>
+                    <a:lumOff val="25000"/>
+                  </a:schemeClr>
+                </a:solidFill>
+                <a:latin typeface="+mn-lt"/>
+                <a:ea typeface="+mn-ea"/>
+                <a:cs typeface="+mn-cs"/>
+              </a:defRPr>
+            </a:lvl5pPr>
+            <a:lvl6pPr marL="2514600" indent="-228600" algn="l" defTabSz="457200" rtl="0" eaLnBrk="1" latinLnBrk="0" hangingPunct="1">
+              <a:spcBef>
+                <a:spcPts val="1000"/>
+              </a:spcBef>
+              <a:spcAft>
+                <a:spcPts val="0"/>
+              </a:spcAft>
+              <a:buClr>
+                <a:schemeClr val="accent1"/>
+              </a:buClr>
+              <a:buSzPct val="80000"/>
+              <a:buFont typeface="Wingdings 3" charset="2"/>
+              <a:buChar char=""/>
+              <a:defRPr sz="1200" kern="1200">
+                <a:solidFill>
+                  <a:schemeClr val="tx1">
+                    <a:lumMod val="75000"/>
+                    <a:lumOff val="25000"/>
+                  </a:schemeClr>
+                </a:solidFill>
+                <a:latin typeface="+mn-lt"/>
+                <a:ea typeface="+mn-ea"/>
+                <a:cs typeface="+mn-cs"/>
+              </a:defRPr>
+            </a:lvl6pPr>
+            <a:lvl7pPr marL="2971800" indent="-228600" algn="l" defTabSz="457200" rtl="0" eaLnBrk="1" latinLnBrk="0" hangingPunct="1">
+              <a:spcBef>
+                <a:spcPts val="1000"/>
+              </a:spcBef>
+              <a:spcAft>
+                <a:spcPts val="0"/>
+              </a:spcAft>
+              <a:buClr>
+                <a:schemeClr val="accent1"/>
+              </a:buClr>
+              <a:buSzPct val="80000"/>
+              <a:buFont typeface="Wingdings 3" charset="2"/>
+              <a:buChar char=""/>
+              <a:defRPr sz="1200" kern="1200">
+                <a:solidFill>
+                  <a:schemeClr val="tx1">
+                    <a:lumMod val="75000"/>
+                    <a:lumOff val="25000"/>
+                  </a:schemeClr>
+                </a:solidFill>
+                <a:latin typeface="+mn-lt"/>
+                <a:ea typeface="+mn-ea"/>
+                <a:cs typeface="+mn-cs"/>
+              </a:defRPr>
+            </a:lvl7pPr>
+            <a:lvl8pPr marL="3429000" indent="-228600" algn="l" defTabSz="457200" rtl="0" eaLnBrk="1" latinLnBrk="0" hangingPunct="1">
+              <a:spcBef>
+                <a:spcPts val="1000"/>
+              </a:spcBef>
+              <a:spcAft>
+                <a:spcPts val="0"/>
+              </a:spcAft>
+              <a:buClr>
+                <a:schemeClr val="accent1"/>
+              </a:buClr>
+              <a:buSzPct val="80000"/>
+              <a:buFont typeface="Wingdings 3" charset="2"/>
+              <a:buChar char=""/>
+              <a:defRPr sz="1200" kern="1200">
+                <a:solidFill>
+                  <a:schemeClr val="tx1">
+                    <a:lumMod val="75000"/>
+                    <a:lumOff val="25000"/>
+                  </a:schemeClr>
+                </a:solidFill>
+                <a:latin typeface="+mn-lt"/>
+                <a:ea typeface="+mn-ea"/>
+                <a:cs typeface="+mn-cs"/>
+              </a:defRPr>
+            </a:lvl8pPr>
+            <a:lvl9pPr marL="3886200" indent="-228600" algn="l" defTabSz="457200" rtl="0" eaLnBrk="1" latinLnBrk="0" hangingPunct="1">
+              <a:spcBef>
+                <a:spcPts val="1000"/>
+              </a:spcBef>
+              <a:spcAft>
+                <a:spcPts val="0"/>
+              </a:spcAft>
+              <a:buClr>
+                <a:schemeClr val="accent1"/>
+              </a:buClr>
+              <a:buSzPct val="80000"/>
+              <a:buFont typeface="Wingdings 3" charset="2"/>
+              <a:buChar char=""/>
+              <a:defRPr sz="1200" kern="1200">
+                <a:solidFill>
+                  <a:schemeClr val="tx1">
+                    <a:lumMod val="75000"/>
+                    <a:lumOff val="25000"/>
+                  </a:schemeClr>
+                </a:solidFill>
+                <a:latin typeface="+mn-lt"/>
+                <a:ea typeface="+mn-ea"/>
+                <a:cs typeface="+mn-cs"/>
+              </a:defRPr>
+            </a:lvl9pPr>
+          </a:lstStyle>
+          <a:p>
+            <a:pPr>
+              <a:buClr>
+                <a:schemeClr val="accent1">
+                  <a:lumMod val="75000"/>
+                </a:schemeClr>
+              </a:buClr>
+              <a:buSzPct val="100000"/>
+              <a:buFont typeface="Wingdings 3" panose="05040102010807070707" pitchFamily="18" charset="2"/>
+              <a:buChar char=""/>
+            </a:pPr>
+            <a:r>
+              <a:rPr lang="fr-FR" dirty="0" smtClean="0">
+                <a:solidFill>
+                  <a:schemeClr val="tx1"/>
+                </a:solidFill>
+              </a:rPr>
+              <a:t>Travail sur une image binaire obtenue par seuillage</a:t>
+            </a:r>
+          </a:p>
+          <a:p>
+            <a:pPr>
+              <a:buClr>
+                <a:schemeClr val="accent1">
+                  <a:lumMod val="75000"/>
+                </a:schemeClr>
+              </a:buClr>
+              <a:buSzPct val="100000"/>
+              <a:buFont typeface="Wingdings 3" panose="05040102010807070707" pitchFamily="18" charset="2"/>
+              <a:buChar char=""/>
+            </a:pPr>
+            <a:r>
+              <a:rPr lang="fr-FR" dirty="0" smtClean="0">
+                <a:solidFill>
+                  <a:schemeClr val="tx1"/>
+                </a:solidFill>
+              </a:rPr>
+              <a:t>Traitement par séquence d’opérations </a:t>
+            </a:r>
+            <a:r>
+              <a:rPr lang="fr-FR" dirty="0" err="1" smtClean="0">
+                <a:solidFill>
+                  <a:schemeClr val="tx1"/>
+                </a:solidFill>
+              </a:rPr>
+              <a:t>morpholiguqes</a:t>
+            </a:r>
+            <a:endParaRPr lang="fr-FR" dirty="0" smtClean="0">
+              <a:solidFill>
+                <a:schemeClr val="tx1"/>
+              </a:solidFill>
+            </a:endParaRPr>
+          </a:p>
+          <a:p>
+            <a:pPr>
+              <a:buClr>
+                <a:schemeClr val="accent1">
+                  <a:lumMod val="75000"/>
+                </a:schemeClr>
+              </a:buClr>
+              <a:buSzPct val="100000"/>
+              <a:buFont typeface="Wingdings 3" panose="05040102010807070707" pitchFamily="18" charset="2"/>
+              <a:buChar char=""/>
+            </a:pPr>
+            <a:r>
+              <a:rPr lang="fr-FR" dirty="0" smtClean="0">
+                <a:solidFill>
+                  <a:schemeClr val="tx1"/>
+                </a:solidFill>
+              </a:rPr>
+              <a:t>Détection de « blobs »</a:t>
+            </a:r>
+          </a:p>
+          <a:p>
+            <a:pPr marL="201168" lvl="1" indent="0">
+              <a:buFont typeface="Wingdings 3" charset="2"/>
+              <a:buNone/>
+            </a:pPr>
+            <a:endParaRPr lang="fr-FR" dirty="0">
+              <a:solidFill>
+                <a:schemeClr val="tx1"/>
+              </a:solidFill>
+            </a:endParaRPr>
+          </a:p>
+        </p:txBody>
+      </p:sp>
     </p:spTree>
     <p:extLst>
       <p:ext uri="{BB962C8B-B14F-4D97-AF65-F5344CB8AC3E}">
-        <p14:creationId xmlns:p14="http://schemas.microsoft.com/office/powerpoint/2010/main" val="998969261"/>
+        <p14:creationId xmlns:p14="http://schemas.microsoft.com/office/powerpoint/2010/main" val="3322833802"/>
       </p:ext>
     </p:extLst>
   </p:cSld>
@@ -6317,7 +6664,162 @@
       </p:grpSpPr>
       <p:sp>
         <p:nvSpPr>
-          <p:cNvPr id="2" name="Titre 1"/>
+          <p:cNvPr id="5" name="Titre 1"/>
+          <p:cNvSpPr txBox="1">
+            <a:spLocks/>
+          </p:cNvSpPr>
+          <p:nvPr/>
+        </p:nvSpPr>
+        <p:spPr>
+          <a:xfrm>
+            <a:off x="677334" y="337457"/>
+            <a:ext cx="8596668" cy="925286"/>
+          </a:xfrm>
+          <a:prstGeom prst="rect">
+            <a:avLst/>
+          </a:prstGeom>
+        </p:spPr>
+        <p:txBody>
+          <a:bodyPr vert="horz" lIns="91440" tIns="45720" rIns="91440" bIns="45720" rtlCol="0" anchor="t">
+            <a:normAutofit/>
+          </a:bodyPr>
+          <a:lstStyle>
+            <a:lvl1pPr algn="l" defTabSz="457200" rtl="0" eaLnBrk="1" latinLnBrk="0" hangingPunct="1">
+              <a:spcBef>
+                <a:spcPct val="0"/>
+              </a:spcBef>
+              <a:buNone/>
+              <a:defRPr sz="3600" kern="1200">
+                <a:solidFill>
+                  <a:schemeClr val="accent1"/>
+                </a:solidFill>
+                <a:latin typeface="+mj-lt"/>
+                <a:ea typeface="+mj-ea"/>
+                <a:cs typeface="+mj-cs"/>
+              </a:defRPr>
+            </a:lvl1pPr>
+            <a:lvl2pPr eaLnBrk="1" hangingPunct="1">
+              <a:defRPr>
+                <a:solidFill>
+                  <a:schemeClr val="tx2"/>
+                </a:solidFill>
+              </a:defRPr>
+            </a:lvl2pPr>
+            <a:lvl3pPr eaLnBrk="1" hangingPunct="1">
+              <a:defRPr>
+                <a:solidFill>
+                  <a:schemeClr val="tx2"/>
+                </a:solidFill>
+              </a:defRPr>
+            </a:lvl3pPr>
+            <a:lvl4pPr eaLnBrk="1" hangingPunct="1">
+              <a:defRPr>
+                <a:solidFill>
+                  <a:schemeClr val="tx2"/>
+                </a:solidFill>
+              </a:defRPr>
+            </a:lvl4pPr>
+            <a:lvl5pPr eaLnBrk="1" hangingPunct="1">
+              <a:defRPr>
+                <a:solidFill>
+                  <a:schemeClr val="tx2"/>
+                </a:solidFill>
+              </a:defRPr>
+            </a:lvl5pPr>
+            <a:lvl6pPr eaLnBrk="1" hangingPunct="1">
+              <a:defRPr>
+                <a:solidFill>
+                  <a:schemeClr val="tx2"/>
+                </a:solidFill>
+              </a:defRPr>
+            </a:lvl6pPr>
+            <a:lvl7pPr eaLnBrk="1" hangingPunct="1">
+              <a:defRPr>
+                <a:solidFill>
+                  <a:schemeClr val="tx2"/>
+                </a:solidFill>
+              </a:defRPr>
+            </a:lvl7pPr>
+            <a:lvl8pPr eaLnBrk="1" hangingPunct="1">
+              <a:defRPr>
+                <a:solidFill>
+                  <a:schemeClr val="tx2"/>
+                </a:solidFill>
+              </a:defRPr>
+            </a:lvl8pPr>
+            <a:lvl9pPr eaLnBrk="1" hangingPunct="1">
+              <a:defRPr>
+                <a:solidFill>
+                  <a:schemeClr val="tx2"/>
+                </a:solidFill>
+              </a:defRPr>
+            </a:lvl9pPr>
+          </a:lstStyle>
+          <a:p>
+            <a:r>
+              <a:rPr lang="fr-FR" sz="4400" b="1" dirty="0" smtClean="0">
+                <a:ln>
+                  <a:solidFill>
+                    <a:schemeClr val="tx1"/>
+                  </a:solidFill>
+                </a:ln>
+                <a:solidFill>
+                  <a:schemeClr val="accent1">
+                    <a:lumMod val="75000"/>
+                  </a:schemeClr>
+                </a:solidFill>
+              </a:rPr>
+              <a:t>Méthodologie de tests</a:t>
+            </a:r>
+            <a:endParaRPr lang="fr-FR" sz="4400" b="1" dirty="0">
+              <a:ln>
+                <a:solidFill>
+                  <a:schemeClr val="tx1"/>
+                </a:solidFill>
+              </a:ln>
+              <a:solidFill>
+                <a:schemeClr val="accent1">
+                  <a:lumMod val="75000"/>
+                </a:schemeClr>
+              </a:solidFill>
+            </a:endParaRPr>
+          </a:p>
+        </p:txBody>
+      </p:sp>
+      <p:cxnSp>
+        <p:nvCxnSpPr>
+          <p:cNvPr id="7" name="Connecteur droit 6"/>
+          <p:cNvCxnSpPr/>
+          <p:nvPr/>
+        </p:nvCxnSpPr>
+        <p:spPr>
+          <a:xfrm flipH="1">
+            <a:off x="5421086" y="1687286"/>
+            <a:ext cx="10885" cy="3962400"/>
+          </a:xfrm>
+          <a:prstGeom prst="line">
+            <a:avLst/>
+          </a:prstGeom>
+          <a:ln w="57150"/>
+        </p:spPr>
+        <p:style>
+          <a:lnRef idx="1">
+            <a:schemeClr val="accent1"/>
+          </a:lnRef>
+          <a:fillRef idx="0">
+            <a:schemeClr val="accent1"/>
+          </a:fillRef>
+          <a:effectRef idx="0">
+            <a:schemeClr val="accent1"/>
+          </a:effectRef>
+          <a:fontRef idx="minor">
+            <a:schemeClr val="tx1"/>
+          </a:fontRef>
+        </p:style>
+      </p:cxnSp>
+      <p:sp>
+        <p:nvSpPr>
+          <p:cNvPr id="8" name="Titre 1"/>
           <p:cNvSpPr>
             <a:spLocks noGrp="1"/>
           </p:cNvSpPr>
@@ -6325,123 +6827,4465 @@
             <p:ph type="title"/>
           </p:nvPr>
         </p:nvSpPr>
-        <p:spPr/>
+        <p:spPr>
+          <a:xfrm>
+            <a:off x="677334" y="1687286"/>
+            <a:ext cx="4406295" cy="743403"/>
+          </a:xfrm>
+        </p:spPr>
         <p:txBody>
           <a:bodyPr>
-            <a:normAutofit/>
+            <a:noAutofit/>
           </a:bodyPr>
           <a:lstStyle/>
           <a:p>
             <a:r>
-              <a:rPr lang="fr-FR" sz="4000" b="1" dirty="0" smtClean="0">
+              <a:rPr lang="fr-FR" sz="1800" b="1" dirty="0" smtClean="0">
                 <a:ln>
                   <a:solidFill>
                     <a:schemeClr val="tx1"/>
                   </a:solidFill>
                 </a:ln>
+                <a:solidFill>
+                  <a:schemeClr val="accent1">
+                    <a:lumMod val="75000"/>
+                  </a:schemeClr>
+                </a:solidFill>
               </a:rPr>
-              <a:t>Morphologie ?</a:t>
-            </a:r>
-            <a:endParaRPr lang="fr-FR" sz="4000" b="1" dirty="0">
+              <a:t>Qualité et robustesse de la description</a:t>
+            </a:r>
+            <a:r>
+              <a:rPr lang="fr-FR" sz="1800" dirty="0"/>
+              <a:t/>
+            </a:r>
+            <a:br>
+              <a:rPr lang="fr-FR" sz="1800" dirty="0"/>
+            </a:br>
+            <a:endParaRPr lang="fr-FR" sz="1800" b="1" dirty="0">
               <a:ln>
                 <a:solidFill>
                   <a:schemeClr val="tx1"/>
                 </a:solidFill>
               </a:ln>
+              <a:solidFill>
+                <a:schemeClr val="accent1">
+                  <a:lumMod val="75000"/>
+                </a:schemeClr>
+              </a:solidFill>
             </a:endParaRPr>
           </a:p>
         </p:txBody>
       </p:sp>
-      <p:pic>
-        <p:nvPicPr>
-          <p:cNvPr id="4" name="Espace réservé du contenu 3"/>
-          <p:cNvPicPr>
-            <a:picLocks noGrp="1" noChangeAspect="1"/>
-          </p:cNvPicPr>
-          <p:nvPr>
-            <p:ph idx="1"/>
-          </p:nvPr>
-        </p:nvPicPr>
-        <p:blipFill rotWithShape="1">
-          <a:blip r:embed="rId2">
-            <a:extLst>
-              <a:ext uri="{28A0092B-C50C-407E-A947-70E740481C1C}">
-                <a14:useLocalDpi xmlns:a14="http://schemas.microsoft.com/office/drawing/2010/main" val="0"/>
-              </a:ext>
-            </a:extLst>
-          </a:blip>
-          <a:srcRect l="43476" t="14148" r="44770" b="29668"/>
-          <a:stretch/>
-        </p:blipFill>
+      <p:sp>
+        <p:nvSpPr>
+          <p:cNvPr id="9" name="Titre 1"/>
+          <p:cNvSpPr txBox="1">
+            <a:spLocks/>
+          </p:cNvSpPr>
+          <p:nvPr/>
+        </p:nvSpPr>
         <p:spPr>
           <a:xfrm>
-            <a:off x="3088256" y="2720675"/>
-            <a:ext cx="1262677" cy="2953760"/>
-          </a:xfrm>
-        </p:spPr>
-      </p:pic>
-      <p:pic>
-        <p:nvPicPr>
-          <p:cNvPr id="5" name="Image 4"/>
-          <p:cNvPicPr>
-            <a:picLocks noChangeAspect="1"/>
-          </p:cNvPicPr>
-          <p:nvPr/>
-        </p:nvPicPr>
-        <p:blipFill rotWithShape="1">
-          <a:blip r:embed="rId3">
-            <a:extLst>
-              <a:ext uri="{28A0092B-C50C-407E-A947-70E740481C1C}">
-                <a14:useLocalDpi xmlns:a14="http://schemas.microsoft.com/office/drawing/2010/main" val="0"/>
-              </a:ext>
-            </a:extLst>
-          </a:blip>
-          <a:srcRect l="43788" t="14506" r="44528" b="32716"/>
-          <a:stretch/>
-        </p:blipFill>
-        <p:spPr>
-          <a:xfrm>
-            <a:off x="5833067" y="2720675"/>
-            <a:ext cx="1276708" cy="2822199"/>
+            <a:off x="5932714" y="1687285"/>
+            <a:ext cx="4406295" cy="743403"/>
           </a:xfrm>
           <a:prstGeom prst="rect">
             <a:avLst/>
           </a:prstGeom>
         </p:spPr>
-      </p:pic>
-      <p:pic>
-        <p:nvPicPr>
-          <p:cNvPr id="6" name="Image 5"/>
-          <p:cNvPicPr>
-            <a:picLocks noChangeAspect="1"/>
-          </p:cNvPicPr>
+        <p:txBody>
+          <a:bodyPr vert="horz" lIns="91440" tIns="45720" rIns="91440" bIns="45720" rtlCol="0" anchor="t">
+            <a:noAutofit/>
+          </a:bodyPr>
+          <a:lstStyle>
+            <a:lvl1pPr algn="l" defTabSz="457200" rtl="0" eaLnBrk="1" latinLnBrk="0" hangingPunct="1">
+              <a:spcBef>
+                <a:spcPct val="0"/>
+              </a:spcBef>
+              <a:buNone/>
+              <a:defRPr sz="3600" kern="1200">
+                <a:solidFill>
+                  <a:schemeClr val="accent1"/>
+                </a:solidFill>
+                <a:latin typeface="+mj-lt"/>
+                <a:ea typeface="+mj-ea"/>
+                <a:cs typeface="+mj-cs"/>
+              </a:defRPr>
+            </a:lvl1pPr>
+            <a:lvl2pPr eaLnBrk="1" hangingPunct="1">
+              <a:defRPr>
+                <a:solidFill>
+                  <a:schemeClr val="tx2"/>
+                </a:solidFill>
+              </a:defRPr>
+            </a:lvl2pPr>
+            <a:lvl3pPr eaLnBrk="1" hangingPunct="1">
+              <a:defRPr>
+                <a:solidFill>
+                  <a:schemeClr val="tx2"/>
+                </a:solidFill>
+              </a:defRPr>
+            </a:lvl3pPr>
+            <a:lvl4pPr eaLnBrk="1" hangingPunct="1">
+              <a:defRPr>
+                <a:solidFill>
+                  <a:schemeClr val="tx2"/>
+                </a:solidFill>
+              </a:defRPr>
+            </a:lvl4pPr>
+            <a:lvl5pPr eaLnBrk="1" hangingPunct="1">
+              <a:defRPr>
+                <a:solidFill>
+                  <a:schemeClr val="tx2"/>
+                </a:solidFill>
+              </a:defRPr>
+            </a:lvl5pPr>
+            <a:lvl6pPr eaLnBrk="1" hangingPunct="1">
+              <a:defRPr>
+                <a:solidFill>
+                  <a:schemeClr val="tx2"/>
+                </a:solidFill>
+              </a:defRPr>
+            </a:lvl6pPr>
+            <a:lvl7pPr eaLnBrk="1" hangingPunct="1">
+              <a:defRPr>
+                <a:solidFill>
+                  <a:schemeClr val="tx2"/>
+                </a:solidFill>
+              </a:defRPr>
+            </a:lvl7pPr>
+            <a:lvl8pPr eaLnBrk="1" hangingPunct="1">
+              <a:defRPr>
+                <a:solidFill>
+                  <a:schemeClr val="tx2"/>
+                </a:solidFill>
+              </a:defRPr>
+            </a:lvl8pPr>
+            <a:lvl9pPr eaLnBrk="1" hangingPunct="1">
+              <a:defRPr>
+                <a:solidFill>
+                  <a:schemeClr val="tx2"/>
+                </a:solidFill>
+              </a:defRPr>
+            </a:lvl9pPr>
+          </a:lstStyle>
+          <a:p>
+            <a:r>
+              <a:rPr lang="fr-FR" sz="1800" b="1" dirty="0" smtClean="0">
+                <a:ln>
+                  <a:solidFill>
+                    <a:schemeClr val="tx1"/>
+                  </a:solidFill>
+                </a:ln>
+                <a:solidFill>
+                  <a:schemeClr val="accent1">
+                    <a:lumMod val="75000"/>
+                  </a:schemeClr>
+                </a:solidFill>
+              </a:rPr>
+              <a:t>Algorithme de comptage</a:t>
+            </a:r>
+            <a:r>
+              <a:rPr lang="fr-FR" sz="1800" dirty="0" smtClean="0"/>
+              <a:t/>
+            </a:r>
+            <a:br>
+              <a:rPr lang="fr-FR" sz="1800" dirty="0" smtClean="0"/>
+            </a:br>
+            <a:endParaRPr lang="fr-FR" sz="1800" b="1" dirty="0">
+              <a:ln>
+                <a:solidFill>
+                  <a:schemeClr val="tx1"/>
+                </a:solidFill>
+              </a:ln>
+              <a:solidFill>
+                <a:schemeClr val="accent1">
+                  <a:lumMod val="75000"/>
+                </a:schemeClr>
+              </a:solidFill>
+            </a:endParaRPr>
+          </a:p>
+        </p:txBody>
+      </p:sp>
+      <p:sp>
+        <p:nvSpPr>
+          <p:cNvPr id="10" name="Espace réservé du contenu 2"/>
+          <p:cNvSpPr txBox="1">
+            <a:spLocks/>
+          </p:cNvSpPr>
           <p:nvPr/>
-        </p:nvPicPr>
-        <p:blipFill rotWithShape="1">
-          <a:blip r:embed="rId4">
-            <a:extLst>
-              <a:ext uri="{28A0092B-C50C-407E-A947-70E740481C1C}">
-                <a14:useLocalDpi xmlns:a14="http://schemas.microsoft.com/office/drawing/2010/main" val="0"/>
-              </a:ext>
-            </a:extLst>
-          </a:blip>
-          <a:srcRect l="44151" t="14795" r="45094" b="32867"/>
-          <a:stretch/>
-        </p:blipFill>
+        </p:nvSpPr>
         <p:spPr>
           <a:xfrm>
-            <a:off x="8591909" y="2720675"/>
-            <a:ext cx="1187226" cy="2827472"/>
+            <a:off x="677334" y="2430688"/>
+            <a:ext cx="4743752" cy="2215468"/>
           </a:xfrm>
           <a:prstGeom prst="rect">
             <a:avLst/>
           </a:prstGeom>
         </p:spPr>
-      </p:pic>
+        <p:txBody>
+          <a:bodyPr vert="horz" lIns="91440" tIns="45720" rIns="91440" bIns="45720" rtlCol="0">
+            <a:normAutofit/>
+          </a:bodyPr>
+          <a:lstStyle>
+            <a:lvl1pPr marL="342900" indent="-342900" algn="l" defTabSz="457200" rtl="0" eaLnBrk="1" latinLnBrk="0" hangingPunct="1">
+              <a:spcBef>
+                <a:spcPts val="1000"/>
+              </a:spcBef>
+              <a:spcAft>
+                <a:spcPts val="0"/>
+              </a:spcAft>
+              <a:buClr>
+                <a:schemeClr val="accent1"/>
+              </a:buClr>
+              <a:buSzPct val="80000"/>
+              <a:buFont typeface="Wingdings 3" charset="2"/>
+              <a:buChar char=""/>
+              <a:defRPr sz="1800" kern="1200">
+                <a:solidFill>
+                  <a:schemeClr val="tx1">
+                    <a:lumMod val="75000"/>
+                    <a:lumOff val="25000"/>
+                  </a:schemeClr>
+                </a:solidFill>
+                <a:latin typeface="+mn-lt"/>
+                <a:ea typeface="+mn-ea"/>
+                <a:cs typeface="+mn-cs"/>
+              </a:defRPr>
+            </a:lvl1pPr>
+            <a:lvl2pPr marL="742950" indent="-285750" algn="l" defTabSz="457200" rtl="0" eaLnBrk="1" latinLnBrk="0" hangingPunct="1">
+              <a:spcBef>
+                <a:spcPts val="1000"/>
+              </a:spcBef>
+              <a:spcAft>
+                <a:spcPts val="0"/>
+              </a:spcAft>
+              <a:buClr>
+                <a:schemeClr val="accent1"/>
+              </a:buClr>
+              <a:buSzPct val="80000"/>
+              <a:buFont typeface="Wingdings 3" charset="2"/>
+              <a:buChar char=""/>
+              <a:defRPr sz="1600" kern="1200">
+                <a:solidFill>
+                  <a:schemeClr val="tx1">
+                    <a:lumMod val="75000"/>
+                    <a:lumOff val="25000"/>
+                  </a:schemeClr>
+                </a:solidFill>
+                <a:latin typeface="+mn-lt"/>
+                <a:ea typeface="+mn-ea"/>
+                <a:cs typeface="+mn-cs"/>
+              </a:defRPr>
+            </a:lvl2pPr>
+            <a:lvl3pPr marL="1143000" indent="-228600" algn="l" defTabSz="457200" rtl="0" eaLnBrk="1" latinLnBrk="0" hangingPunct="1">
+              <a:spcBef>
+                <a:spcPts val="1000"/>
+              </a:spcBef>
+              <a:spcAft>
+                <a:spcPts val="0"/>
+              </a:spcAft>
+              <a:buClr>
+                <a:schemeClr val="accent1"/>
+              </a:buClr>
+              <a:buSzPct val="80000"/>
+              <a:buFont typeface="Wingdings 3" charset="2"/>
+              <a:buChar char=""/>
+              <a:defRPr sz="1400" kern="1200">
+                <a:solidFill>
+                  <a:schemeClr val="tx1">
+                    <a:lumMod val="75000"/>
+                    <a:lumOff val="25000"/>
+                  </a:schemeClr>
+                </a:solidFill>
+                <a:latin typeface="+mn-lt"/>
+                <a:ea typeface="+mn-ea"/>
+                <a:cs typeface="+mn-cs"/>
+              </a:defRPr>
+            </a:lvl3pPr>
+            <a:lvl4pPr marL="1600200" indent="-228600" algn="l" defTabSz="457200" rtl="0" eaLnBrk="1" latinLnBrk="0" hangingPunct="1">
+              <a:spcBef>
+                <a:spcPts val="1000"/>
+              </a:spcBef>
+              <a:spcAft>
+                <a:spcPts val="0"/>
+              </a:spcAft>
+              <a:buClr>
+                <a:schemeClr val="accent1"/>
+              </a:buClr>
+              <a:buSzPct val="80000"/>
+              <a:buFont typeface="Wingdings 3" charset="2"/>
+              <a:buChar char=""/>
+              <a:defRPr sz="1200" kern="1200">
+                <a:solidFill>
+                  <a:schemeClr val="tx1">
+                    <a:lumMod val="75000"/>
+                    <a:lumOff val="25000"/>
+                  </a:schemeClr>
+                </a:solidFill>
+                <a:latin typeface="+mn-lt"/>
+                <a:ea typeface="+mn-ea"/>
+                <a:cs typeface="+mn-cs"/>
+              </a:defRPr>
+            </a:lvl4pPr>
+            <a:lvl5pPr marL="2057400" indent="-228600" algn="l" defTabSz="457200" rtl="0" eaLnBrk="1" latinLnBrk="0" hangingPunct="1">
+              <a:spcBef>
+                <a:spcPts val="1000"/>
+              </a:spcBef>
+              <a:spcAft>
+                <a:spcPts val="0"/>
+              </a:spcAft>
+              <a:buClr>
+                <a:schemeClr val="accent1"/>
+              </a:buClr>
+              <a:buSzPct val="80000"/>
+              <a:buFont typeface="Wingdings 3" charset="2"/>
+              <a:buChar char=""/>
+              <a:defRPr sz="1200" kern="1200">
+                <a:solidFill>
+                  <a:schemeClr val="tx1">
+                    <a:lumMod val="75000"/>
+                    <a:lumOff val="25000"/>
+                  </a:schemeClr>
+                </a:solidFill>
+                <a:latin typeface="+mn-lt"/>
+                <a:ea typeface="+mn-ea"/>
+                <a:cs typeface="+mn-cs"/>
+              </a:defRPr>
+            </a:lvl5pPr>
+            <a:lvl6pPr marL="2514600" indent="-228600" algn="l" defTabSz="457200" rtl="0" eaLnBrk="1" latinLnBrk="0" hangingPunct="1">
+              <a:spcBef>
+                <a:spcPts val="1000"/>
+              </a:spcBef>
+              <a:spcAft>
+                <a:spcPts val="0"/>
+              </a:spcAft>
+              <a:buClr>
+                <a:schemeClr val="accent1"/>
+              </a:buClr>
+              <a:buSzPct val="80000"/>
+              <a:buFont typeface="Wingdings 3" charset="2"/>
+              <a:buChar char=""/>
+              <a:defRPr sz="1200" kern="1200">
+                <a:solidFill>
+                  <a:schemeClr val="tx1">
+                    <a:lumMod val="75000"/>
+                    <a:lumOff val="25000"/>
+                  </a:schemeClr>
+                </a:solidFill>
+                <a:latin typeface="+mn-lt"/>
+                <a:ea typeface="+mn-ea"/>
+                <a:cs typeface="+mn-cs"/>
+              </a:defRPr>
+            </a:lvl6pPr>
+            <a:lvl7pPr marL="2971800" indent="-228600" algn="l" defTabSz="457200" rtl="0" eaLnBrk="1" latinLnBrk="0" hangingPunct="1">
+              <a:spcBef>
+                <a:spcPts val="1000"/>
+              </a:spcBef>
+              <a:spcAft>
+                <a:spcPts val="0"/>
+              </a:spcAft>
+              <a:buClr>
+                <a:schemeClr val="accent1"/>
+              </a:buClr>
+              <a:buSzPct val="80000"/>
+              <a:buFont typeface="Wingdings 3" charset="2"/>
+              <a:buChar char=""/>
+              <a:defRPr sz="1200" kern="1200">
+                <a:solidFill>
+                  <a:schemeClr val="tx1">
+                    <a:lumMod val="75000"/>
+                    <a:lumOff val="25000"/>
+                  </a:schemeClr>
+                </a:solidFill>
+                <a:latin typeface="+mn-lt"/>
+                <a:ea typeface="+mn-ea"/>
+                <a:cs typeface="+mn-cs"/>
+              </a:defRPr>
+            </a:lvl7pPr>
+            <a:lvl8pPr marL="3429000" indent="-228600" algn="l" defTabSz="457200" rtl="0" eaLnBrk="1" latinLnBrk="0" hangingPunct="1">
+              <a:spcBef>
+                <a:spcPts val="1000"/>
+              </a:spcBef>
+              <a:spcAft>
+                <a:spcPts val="0"/>
+              </a:spcAft>
+              <a:buClr>
+                <a:schemeClr val="accent1"/>
+              </a:buClr>
+              <a:buSzPct val="80000"/>
+              <a:buFont typeface="Wingdings 3" charset="2"/>
+              <a:buChar char=""/>
+              <a:defRPr sz="1200" kern="1200">
+                <a:solidFill>
+                  <a:schemeClr val="tx1">
+                    <a:lumMod val="75000"/>
+                    <a:lumOff val="25000"/>
+                  </a:schemeClr>
+                </a:solidFill>
+                <a:latin typeface="+mn-lt"/>
+                <a:ea typeface="+mn-ea"/>
+                <a:cs typeface="+mn-cs"/>
+              </a:defRPr>
+            </a:lvl8pPr>
+            <a:lvl9pPr marL="3886200" indent="-228600" algn="l" defTabSz="457200" rtl="0" eaLnBrk="1" latinLnBrk="0" hangingPunct="1">
+              <a:spcBef>
+                <a:spcPts val="1000"/>
+              </a:spcBef>
+              <a:spcAft>
+                <a:spcPts val="0"/>
+              </a:spcAft>
+              <a:buClr>
+                <a:schemeClr val="accent1"/>
+              </a:buClr>
+              <a:buSzPct val="80000"/>
+              <a:buFont typeface="Wingdings 3" charset="2"/>
+              <a:buChar char=""/>
+              <a:defRPr sz="1200" kern="1200">
+                <a:solidFill>
+                  <a:schemeClr val="tx1">
+                    <a:lumMod val="75000"/>
+                    <a:lumOff val="25000"/>
+                  </a:schemeClr>
+                </a:solidFill>
+                <a:latin typeface="+mn-lt"/>
+                <a:ea typeface="+mn-ea"/>
+                <a:cs typeface="+mn-cs"/>
+              </a:defRPr>
+            </a:lvl9pPr>
+          </a:lstStyle>
+          <a:p>
+            <a:pPr>
+              <a:buClr>
+                <a:schemeClr val="accent1">
+                  <a:lumMod val="75000"/>
+                </a:schemeClr>
+              </a:buClr>
+              <a:buSzPct val="100000"/>
+              <a:buFont typeface="Wingdings 3" panose="05040102010807070707" pitchFamily="18" charset="2"/>
+              <a:buChar char=""/>
+            </a:pPr>
+            <a:r>
+              <a:rPr lang="fr-FR" sz="1400" dirty="0" smtClean="0">
+                <a:solidFill>
+                  <a:schemeClr val="tx1"/>
+                </a:solidFill>
+              </a:rPr>
+              <a:t>Matrice de confusion</a:t>
+            </a:r>
+          </a:p>
+          <a:p>
+            <a:pPr>
+              <a:buClr>
+                <a:schemeClr val="accent1">
+                  <a:lumMod val="75000"/>
+                </a:schemeClr>
+              </a:buClr>
+              <a:buSzPct val="100000"/>
+              <a:buFont typeface="Wingdings 3" panose="05040102010807070707" pitchFamily="18" charset="2"/>
+              <a:buChar char=""/>
+            </a:pPr>
+            <a:r>
+              <a:rPr lang="fr-FR" sz="1400" dirty="0" smtClean="0">
+                <a:solidFill>
+                  <a:schemeClr val="tx1"/>
+                </a:solidFill>
+              </a:rPr>
+              <a:t>Taille du vecteur descriptif</a:t>
+            </a:r>
+          </a:p>
+          <a:p>
+            <a:pPr>
+              <a:buClr>
+                <a:schemeClr val="accent1">
+                  <a:lumMod val="75000"/>
+                </a:schemeClr>
+              </a:buClr>
+              <a:buSzPct val="100000"/>
+              <a:buFont typeface="Wingdings 3" panose="05040102010807070707" pitchFamily="18" charset="2"/>
+              <a:buChar char=""/>
+            </a:pPr>
+            <a:r>
+              <a:rPr lang="fr-FR" sz="1400" dirty="0" smtClean="0">
+                <a:solidFill>
+                  <a:schemeClr val="tx1"/>
+                </a:solidFill>
+              </a:rPr>
+              <a:t>Temps d’exécution</a:t>
+            </a:r>
+          </a:p>
+          <a:p>
+            <a:pPr>
+              <a:buClr>
+                <a:schemeClr val="accent1">
+                  <a:lumMod val="75000"/>
+                </a:schemeClr>
+              </a:buClr>
+              <a:buSzPct val="100000"/>
+              <a:buFont typeface="Wingdings 3" panose="05040102010807070707" pitchFamily="18" charset="2"/>
+              <a:buChar char=""/>
+            </a:pPr>
+            <a:r>
+              <a:rPr lang="fr-FR" sz="1400" dirty="0" smtClean="0">
+                <a:solidFill>
+                  <a:schemeClr val="tx1"/>
+                </a:solidFill>
+              </a:rPr>
+              <a:t>Influence du contexte</a:t>
+            </a:r>
+          </a:p>
+          <a:p>
+            <a:pPr>
+              <a:buClr>
+                <a:schemeClr val="accent1">
+                  <a:lumMod val="75000"/>
+                </a:schemeClr>
+              </a:buClr>
+              <a:buSzPct val="100000"/>
+              <a:buFont typeface="Wingdings 3" panose="05040102010807070707" pitchFamily="18" charset="2"/>
+              <a:buChar char=""/>
+            </a:pPr>
+            <a:endParaRPr lang="fr-FR" sz="1400" dirty="0" smtClean="0">
+              <a:solidFill>
+                <a:schemeClr val="tx1"/>
+              </a:solidFill>
+            </a:endParaRPr>
+          </a:p>
+          <a:p>
+            <a:pPr marL="201168" lvl="1" indent="0">
+              <a:buFont typeface="Wingdings 3" charset="2"/>
+              <a:buNone/>
+            </a:pPr>
+            <a:endParaRPr lang="fr-FR" sz="1200" dirty="0">
+              <a:solidFill>
+                <a:schemeClr val="tx1"/>
+              </a:solidFill>
+            </a:endParaRPr>
+          </a:p>
+        </p:txBody>
+      </p:sp>
+      <p:sp>
+        <p:nvSpPr>
+          <p:cNvPr id="11" name="Espace réservé du contenu 2"/>
+          <p:cNvSpPr txBox="1">
+            <a:spLocks/>
+          </p:cNvSpPr>
+          <p:nvPr/>
+        </p:nvSpPr>
+        <p:spPr>
+          <a:xfrm>
+            <a:off x="5932714" y="2430688"/>
+            <a:ext cx="4743752" cy="2215468"/>
+          </a:xfrm>
+          <a:prstGeom prst="rect">
+            <a:avLst/>
+          </a:prstGeom>
+        </p:spPr>
+        <p:txBody>
+          <a:bodyPr vert="horz" lIns="91440" tIns="45720" rIns="91440" bIns="45720" rtlCol="0">
+            <a:normAutofit/>
+          </a:bodyPr>
+          <a:lstStyle>
+            <a:lvl1pPr marL="342900" indent="-342900" algn="l" defTabSz="457200" rtl="0" eaLnBrk="1" latinLnBrk="0" hangingPunct="1">
+              <a:spcBef>
+                <a:spcPts val="1000"/>
+              </a:spcBef>
+              <a:spcAft>
+                <a:spcPts val="0"/>
+              </a:spcAft>
+              <a:buClr>
+                <a:schemeClr val="accent1"/>
+              </a:buClr>
+              <a:buSzPct val="80000"/>
+              <a:buFont typeface="Wingdings 3" charset="2"/>
+              <a:buChar char=""/>
+              <a:defRPr sz="1800" kern="1200">
+                <a:solidFill>
+                  <a:schemeClr val="tx1">
+                    <a:lumMod val="75000"/>
+                    <a:lumOff val="25000"/>
+                  </a:schemeClr>
+                </a:solidFill>
+                <a:latin typeface="+mn-lt"/>
+                <a:ea typeface="+mn-ea"/>
+                <a:cs typeface="+mn-cs"/>
+              </a:defRPr>
+            </a:lvl1pPr>
+            <a:lvl2pPr marL="742950" indent="-285750" algn="l" defTabSz="457200" rtl="0" eaLnBrk="1" latinLnBrk="0" hangingPunct="1">
+              <a:spcBef>
+                <a:spcPts val="1000"/>
+              </a:spcBef>
+              <a:spcAft>
+                <a:spcPts val="0"/>
+              </a:spcAft>
+              <a:buClr>
+                <a:schemeClr val="accent1"/>
+              </a:buClr>
+              <a:buSzPct val="80000"/>
+              <a:buFont typeface="Wingdings 3" charset="2"/>
+              <a:buChar char=""/>
+              <a:defRPr sz="1600" kern="1200">
+                <a:solidFill>
+                  <a:schemeClr val="tx1">
+                    <a:lumMod val="75000"/>
+                    <a:lumOff val="25000"/>
+                  </a:schemeClr>
+                </a:solidFill>
+                <a:latin typeface="+mn-lt"/>
+                <a:ea typeface="+mn-ea"/>
+                <a:cs typeface="+mn-cs"/>
+              </a:defRPr>
+            </a:lvl2pPr>
+            <a:lvl3pPr marL="1143000" indent="-228600" algn="l" defTabSz="457200" rtl="0" eaLnBrk="1" latinLnBrk="0" hangingPunct="1">
+              <a:spcBef>
+                <a:spcPts val="1000"/>
+              </a:spcBef>
+              <a:spcAft>
+                <a:spcPts val="0"/>
+              </a:spcAft>
+              <a:buClr>
+                <a:schemeClr val="accent1"/>
+              </a:buClr>
+              <a:buSzPct val="80000"/>
+              <a:buFont typeface="Wingdings 3" charset="2"/>
+              <a:buChar char=""/>
+              <a:defRPr sz="1400" kern="1200">
+                <a:solidFill>
+                  <a:schemeClr val="tx1">
+                    <a:lumMod val="75000"/>
+                    <a:lumOff val="25000"/>
+                  </a:schemeClr>
+                </a:solidFill>
+                <a:latin typeface="+mn-lt"/>
+                <a:ea typeface="+mn-ea"/>
+                <a:cs typeface="+mn-cs"/>
+              </a:defRPr>
+            </a:lvl3pPr>
+            <a:lvl4pPr marL="1600200" indent="-228600" algn="l" defTabSz="457200" rtl="0" eaLnBrk="1" latinLnBrk="0" hangingPunct="1">
+              <a:spcBef>
+                <a:spcPts val="1000"/>
+              </a:spcBef>
+              <a:spcAft>
+                <a:spcPts val="0"/>
+              </a:spcAft>
+              <a:buClr>
+                <a:schemeClr val="accent1"/>
+              </a:buClr>
+              <a:buSzPct val="80000"/>
+              <a:buFont typeface="Wingdings 3" charset="2"/>
+              <a:buChar char=""/>
+              <a:defRPr sz="1200" kern="1200">
+                <a:solidFill>
+                  <a:schemeClr val="tx1">
+                    <a:lumMod val="75000"/>
+                    <a:lumOff val="25000"/>
+                  </a:schemeClr>
+                </a:solidFill>
+                <a:latin typeface="+mn-lt"/>
+                <a:ea typeface="+mn-ea"/>
+                <a:cs typeface="+mn-cs"/>
+              </a:defRPr>
+            </a:lvl4pPr>
+            <a:lvl5pPr marL="2057400" indent="-228600" algn="l" defTabSz="457200" rtl="0" eaLnBrk="1" latinLnBrk="0" hangingPunct="1">
+              <a:spcBef>
+                <a:spcPts val="1000"/>
+              </a:spcBef>
+              <a:spcAft>
+                <a:spcPts val="0"/>
+              </a:spcAft>
+              <a:buClr>
+                <a:schemeClr val="accent1"/>
+              </a:buClr>
+              <a:buSzPct val="80000"/>
+              <a:buFont typeface="Wingdings 3" charset="2"/>
+              <a:buChar char=""/>
+              <a:defRPr sz="1200" kern="1200">
+                <a:solidFill>
+                  <a:schemeClr val="tx1">
+                    <a:lumMod val="75000"/>
+                    <a:lumOff val="25000"/>
+                  </a:schemeClr>
+                </a:solidFill>
+                <a:latin typeface="+mn-lt"/>
+                <a:ea typeface="+mn-ea"/>
+                <a:cs typeface="+mn-cs"/>
+              </a:defRPr>
+            </a:lvl5pPr>
+            <a:lvl6pPr marL="2514600" indent="-228600" algn="l" defTabSz="457200" rtl="0" eaLnBrk="1" latinLnBrk="0" hangingPunct="1">
+              <a:spcBef>
+                <a:spcPts val="1000"/>
+              </a:spcBef>
+              <a:spcAft>
+                <a:spcPts val="0"/>
+              </a:spcAft>
+              <a:buClr>
+                <a:schemeClr val="accent1"/>
+              </a:buClr>
+              <a:buSzPct val="80000"/>
+              <a:buFont typeface="Wingdings 3" charset="2"/>
+              <a:buChar char=""/>
+              <a:defRPr sz="1200" kern="1200">
+                <a:solidFill>
+                  <a:schemeClr val="tx1">
+                    <a:lumMod val="75000"/>
+                    <a:lumOff val="25000"/>
+                  </a:schemeClr>
+                </a:solidFill>
+                <a:latin typeface="+mn-lt"/>
+                <a:ea typeface="+mn-ea"/>
+                <a:cs typeface="+mn-cs"/>
+              </a:defRPr>
+            </a:lvl6pPr>
+            <a:lvl7pPr marL="2971800" indent="-228600" algn="l" defTabSz="457200" rtl="0" eaLnBrk="1" latinLnBrk="0" hangingPunct="1">
+              <a:spcBef>
+                <a:spcPts val="1000"/>
+              </a:spcBef>
+              <a:spcAft>
+                <a:spcPts val="0"/>
+              </a:spcAft>
+              <a:buClr>
+                <a:schemeClr val="accent1"/>
+              </a:buClr>
+              <a:buSzPct val="80000"/>
+              <a:buFont typeface="Wingdings 3" charset="2"/>
+              <a:buChar char=""/>
+              <a:defRPr sz="1200" kern="1200">
+                <a:solidFill>
+                  <a:schemeClr val="tx1">
+                    <a:lumMod val="75000"/>
+                    <a:lumOff val="25000"/>
+                  </a:schemeClr>
+                </a:solidFill>
+                <a:latin typeface="+mn-lt"/>
+                <a:ea typeface="+mn-ea"/>
+                <a:cs typeface="+mn-cs"/>
+              </a:defRPr>
+            </a:lvl7pPr>
+            <a:lvl8pPr marL="3429000" indent="-228600" algn="l" defTabSz="457200" rtl="0" eaLnBrk="1" latinLnBrk="0" hangingPunct="1">
+              <a:spcBef>
+                <a:spcPts val="1000"/>
+              </a:spcBef>
+              <a:spcAft>
+                <a:spcPts val="0"/>
+              </a:spcAft>
+              <a:buClr>
+                <a:schemeClr val="accent1"/>
+              </a:buClr>
+              <a:buSzPct val="80000"/>
+              <a:buFont typeface="Wingdings 3" charset="2"/>
+              <a:buChar char=""/>
+              <a:defRPr sz="1200" kern="1200">
+                <a:solidFill>
+                  <a:schemeClr val="tx1">
+                    <a:lumMod val="75000"/>
+                    <a:lumOff val="25000"/>
+                  </a:schemeClr>
+                </a:solidFill>
+                <a:latin typeface="+mn-lt"/>
+                <a:ea typeface="+mn-ea"/>
+                <a:cs typeface="+mn-cs"/>
+              </a:defRPr>
+            </a:lvl8pPr>
+            <a:lvl9pPr marL="3886200" indent="-228600" algn="l" defTabSz="457200" rtl="0" eaLnBrk="1" latinLnBrk="0" hangingPunct="1">
+              <a:spcBef>
+                <a:spcPts val="1000"/>
+              </a:spcBef>
+              <a:spcAft>
+                <a:spcPts val="0"/>
+              </a:spcAft>
+              <a:buClr>
+                <a:schemeClr val="accent1"/>
+              </a:buClr>
+              <a:buSzPct val="80000"/>
+              <a:buFont typeface="Wingdings 3" charset="2"/>
+              <a:buChar char=""/>
+              <a:defRPr sz="1200" kern="1200">
+                <a:solidFill>
+                  <a:schemeClr val="tx1">
+                    <a:lumMod val="75000"/>
+                    <a:lumOff val="25000"/>
+                  </a:schemeClr>
+                </a:solidFill>
+                <a:latin typeface="+mn-lt"/>
+                <a:ea typeface="+mn-ea"/>
+                <a:cs typeface="+mn-cs"/>
+              </a:defRPr>
+            </a:lvl9pPr>
+          </a:lstStyle>
+          <a:p>
+            <a:pPr>
+              <a:buClr>
+                <a:schemeClr val="accent1">
+                  <a:lumMod val="75000"/>
+                </a:schemeClr>
+              </a:buClr>
+              <a:buSzPct val="100000"/>
+              <a:buFont typeface="Wingdings 3" panose="05040102010807070707" pitchFamily="18" charset="2"/>
+              <a:buChar char=""/>
+            </a:pPr>
+            <a:r>
+              <a:rPr lang="fr-FR" sz="1400" dirty="0" smtClean="0">
+                <a:solidFill>
+                  <a:schemeClr val="tx1"/>
+                </a:solidFill>
+              </a:rPr>
+              <a:t>Images par seconde</a:t>
+            </a:r>
+          </a:p>
+          <a:p>
+            <a:pPr>
+              <a:buClr>
+                <a:schemeClr val="accent1">
+                  <a:lumMod val="75000"/>
+                </a:schemeClr>
+              </a:buClr>
+              <a:buSzPct val="100000"/>
+              <a:buFont typeface="Wingdings 3" panose="05040102010807070707" pitchFamily="18" charset="2"/>
+              <a:buChar char=""/>
+            </a:pPr>
+            <a:r>
+              <a:rPr lang="fr-FR" sz="1400" dirty="0" smtClean="0">
+                <a:solidFill>
+                  <a:schemeClr val="tx1"/>
+                </a:solidFill>
+              </a:rPr>
+              <a:t>Précision</a:t>
+            </a:r>
+          </a:p>
+          <a:p>
+            <a:pPr>
+              <a:buClr>
+                <a:schemeClr val="accent1">
+                  <a:lumMod val="75000"/>
+                </a:schemeClr>
+              </a:buClr>
+              <a:buSzPct val="100000"/>
+              <a:buFont typeface="Wingdings 3" panose="05040102010807070707" pitchFamily="18" charset="2"/>
+              <a:buChar char=""/>
+            </a:pPr>
+            <a:endParaRPr lang="fr-FR" sz="1400" dirty="0" smtClean="0">
+              <a:solidFill>
+                <a:schemeClr val="tx1"/>
+              </a:solidFill>
+            </a:endParaRPr>
+          </a:p>
+          <a:p>
+            <a:pPr marL="201168" lvl="1" indent="0">
+              <a:buFont typeface="Wingdings 3" charset="2"/>
+              <a:buNone/>
+            </a:pPr>
+            <a:endParaRPr lang="fr-FR" sz="1200" dirty="0">
+              <a:solidFill>
+                <a:schemeClr val="tx1"/>
+              </a:solidFill>
+            </a:endParaRPr>
+          </a:p>
+        </p:txBody>
+      </p:sp>
     </p:spTree>
     <p:extLst>
       <p:ext uri="{BB962C8B-B14F-4D97-AF65-F5344CB8AC3E}">
-        <p14:creationId xmlns:p14="http://schemas.microsoft.com/office/powerpoint/2010/main" val="3322833802"/>
+        <p14:creationId xmlns:p14="http://schemas.microsoft.com/office/powerpoint/2010/main" val="2000397142"/>
+      </p:ext>
+    </p:extLst>
+  </p:cSld>
+  <p:clrMapOvr>
+    <a:masterClrMapping/>
+  </p:clrMapOvr>
+  <p:timing>
+    <p:tnLst>
+      <p:par>
+        <p:cTn id="1" dur="indefinite" restart="never" nodeType="tmRoot"/>
+      </p:par>
+    </p:tnLst>
+  </p:timing>
+</p:sld>
+</file>
+
+<file path=ppt/slides/slide12.xml><?xml version="1.0" encoding="utf-8"?>
+<p:sld xmlns:a="http://schemas.openxmlformats.org/drawingml/2006/main" xmlns:r="http://schemas.openxmlformats.org/officeDocument/2006/relationships" xmlns:p="http://schemas.openxmlformats.org/presentationml/2006/main">
+  <p:cSld>
+    <p:spTree>
+      <p:nvGrpSpPr>
+        <p:cNvPr id="1" name=""/>
+        <p:cNvGrpSpPr/>
+        <p:nvPr/>
+      </p:nvGrpSpPr>
+      <p:grpSpPr>
+        <a:xfrm>
+          <a:off x="0" y="0"/>
+          <a:ext cx="0" cy="0"/>
+          <a:chOff x="0" y="0"/>
+          <a:chExt cx="0" cy="0"/>
+        </a:xfrm>
+      </p:grpSpPr>
+      <p:sp>
+        <p:nvSpPr>
+          <p:cNvPr id="4" name="Titre 1"/>
+          <p:cNvSpPr txBox="1">
+            <a:spLocks/>
+          </p:cNvSpPr>
+          <p:nvPr/>
+        </p:nvSpPr>
+        <p:spPr>
+          <a:xfrm>
+            <a:off x="677334" y="337457"/>
+            <a:ext cx="8596668" cy="925286"/>
+          </a:xfrm>
+          <a:prstGeom prst="rect">
+            <a:avLst/>
+          </a:prstGeom>
+        </p:spPr>
+        <p:txBody>
+          <a:bodyPr vert="horz" lIns="91440" tIns="45720" rIns="91440" bIns="45720" rtlCol="0" anchor="t">
+            <a:normAutofit/>
+          </a:bodyPr>
+          <a:lstStyle>
+            <a:lvl1pPr algn="l" defTabSz="457200" rtl="0" eaLnBrk="1" latinLnBrk="0" hangingPunct="1">
+              <a:spcBef>
+                <a:spcPct val="0"/>
+              </a:spcBef>
+              <a:buNone/>
+              <a:defRPr sz="3600" kern="1200">
+                <a:solidFill>
+                  <a:schemeClr val="accent1"/>
+                </a:solidFill>
+                <a:latin typeface="+mj-lt"/>
+                <a:ea typeface="+mj-ea"/>
+                <a:cs typeface="+mj-cs"/>
+              </a:defRPr>
+            </a:lvl1pPr>
+            <a:lvl2pPr eaLnBrk="1" hangingPunct="1">
+              <a:defRPr>
+                <a:solidFill>
+                  <a:schemeClr val="tx2"/>
+                </a:solidFill>
+              </a:defRPr>
+            </a:lvl2pPr>
+            <a:lvl3pPr eaLnBrk="1" hangingPunct="1">
+              <a:defRPr>
+                <a:solidFill>
+                  <a:schemeClr val="tx2"/>
+                </a:solidFill>
+              </a:defRPr>
+            </a:lvl3pPr>
+            <a:lvl4pPr eaLnBrk="1" hangingPunct="1">
+              <a:defRPr>
+                <a:solidFill>
+                  <a:schemeClr val="tx2"/>
+                </a:solidFill>
+              </a:defRPr>
+            </a:lvl4pPr>
+            <a:lvl5pPr eaLnBrk="1" hangingPunct="1">
+              <a:defRPr>
+                <a:solidFill>
+                  <a:schemeClr val="tx2"/>
+                </a:solidFill>
+              </a:defRPr>
+            </a:lvl5pPr>
+            <a:lvl6pPr eaLnBrk="1" hangingPunct="1">
+              <a:defRPr>
+                <a:solidFill>
+                  <a:schemeClr val="tx2"/>
+                </a:solidFill>
+              </a:defRPr>
+            </a:lvl6pPr>
+            <a:lvl7pPr eaLnBrk="1" hangingPunct="1">
+              <a:defRPr>
+                <a:solidFill>
+                  <a:schemeClr val="tx2"/>
+                </a:solidFill>
+              </a:defRPr>
+            </a:lvl7pPr>
+            <a:lvl8pPr eaLnBrk="1" hangingPunct="1">
+              <a:defRPr>
+                <a:solidFill>
+                  <a:schemeClr val="tx2"/>
+                </a:solidFill>
+              </a:defRPr>
+            </a:lvl8pPr>
+            <a:lvl9pPr eaLnBrk="1" hangingPunct="1">
+              <a:defRPr>
+                <a:solidFill>
+                  <a:schemeClr val="tx2"/>
+                </a:solidFill>
+              </a:defRPr>
+            </a:lvl9pPr>
+          </a:lstStyle>
+          <a:p>
+            <a:r>
+              <a:rPr lang="fr-FR" sz="4400" b="1" dirty="0" smtClean="0">
+                <a:ln>
+                  <a:solidFill>
+                    <a:schemeClr val="tx1"/>
+                  </a:solidFill>
+                </a:ln>
+                <a:solidFill>
+                  <a:schemeClr val="accent1">
+                    <a:lumMod val="75000"/>
+                  </a:schemeClr>
+                </a:solidFill>
+              </a:rPr>
+              <a:t>Démonstration</a:t>
+            </a:r>
+            <a:endParaRPr lang="fr-FR" sz="4400" b="1" dirty="0">
+              <a:ln>
+                <a:solidFill>
+                  <a:schemeClr val="tx1"/>
+                </a:solidFill>
+              </a:ln>
+              <a:solidFill>
+                <a:schemeClr val="accent1">
+                  <a:lumMod val="75000"/>
+                </a:schemeClr>
+              </a:solidFill>
+            </a:endParaRPr>
+          </a:p>
+        </p:txBody>
+      </p:sp>
+    </p:spTree>
+    <p:extLst>
+      <p:ext uri="{BB962C8B-B14F-4D97-AF65-F5344CB8AC3E}">
+        <p14:creationId xmlns:p14="http://schemas.microsoft.com/office/powerpoint/2010/main" val="1328000042"/>
+      </p:ext>
+    </p:extLst>
+  </p:cSld>
+  <p:clrMapOvr>
+    <a:masterClrMapping/>
+  </p:clrMapOvr>
+  <p:timing>
+    <p:tnLst>
+      <p:par>
+        <p:cTn id="1" dur="indefinite" restart="never" nodeType="tmRoot"/>
+      </p:par>
+    </p:tnLst>
+  </p:timing>
+</p:sld>
+</file>
+
+<file path=ppt/slides/slide13.xml><?xml version="1.0" encoding="utf-8"?>
+<p:sld xmlns:a="http://schemas.openxmlformats.org/drawingml/2006/main" xmlns:r="http://schemas.openxmlformats.org/officeDocument/2006/relationships" xmlns:p="http://schemas.openxmlformats.org/presentationml/2006/main">
+  <p:cSld>
+    <p:spTree>
+      <p:nvGrpSpPr>
+        <p:cNvPr id="1" name=""/>
+        <p:cNvGrpSpPr/>
+        <p:nvPr/>
+      </p:nvGrpSpPr>
+      <p:grpSpPr>
+        <a:xfrm>
+          <a:off x="0" y="0"/>
+          <a:ext cx="0" cy="0"/>
+          <a:chOff x="0" y="0"/>
+          <a:chExt cx="0" cy="0"/>
+        </a:xfrm>
+      </p:grpSpPr>
+      <p:sp>
+        <p:nvSpPr>
+          <p:cNvPr id="4" name="Titre 1"/>
+          <p:cNvSpPr txBox="1">
+            <a:spLocks/>
+          </p:cNvSpPr>
+          <p:nvPr/>
+        </p:nvSpPr>
+        <p:spPr>
+          <a:xfrm>
+            <a:off x="677334" y="337457"/>
+            <a:ext cx="8596668" cy="925286"/>
+          </a:xfrm>
+          <a:prstGeom prst="rect">
+            <a:avLst/>
+          </a:prstGeom>
+        </p:spPr>
+        <p:txBody>
+          <a:bodyPr vert="horz" lIns="91440" tIns="45720" rIns="91440" bIns="45720" rtlCol="0" anchor="t">
+            <a:normAutofit/>
+          </a:bodyPr>
+          <a:lstStyle>
+            <a:lvl1pPr algn="l" defTabSz="457200" rtl="0" eaLnBrk="1" latinLnBrk="0" hangingPunct="1">
+              <a:spcBef>
+                <a:spcPct val="0"/>
+              </a:spcBef>
+              <a:buNone/>
+              <a:defRPr sz="3600" kern="1200">
+                <a:solidFill>
+                  <a:schemeClr val="accent1"/>
+                </a:solidFill>
+                <a:latin typeface="+mj-lt"/>
+                <a:ea typeface="+mj-ea"/>
+                <a:cs typeface="+mj-cs"/>
+              </a:defRPr>
+            </a:lvl1pPr>
+            <a:lvl2pPr eaLnBrk="1" hangingPunct="1">
+              <a:defRPr>
+                <a:solidFill>
+                  <a:schemeClr val="tx2"/>
+                </a:solidFill>
+              </a:defRPr>
+            </a:lvl2pPr>
+            <a:lvl3pPr eaLnBrk="1" hangingPunct="1">
+              <a:defRPr>
+                <a:solidFill>
+                  <a:schemeClr val="tx2"/>
+                </a:solidFill>
+              </a:defRPr>
+            </a:lvl3pPr>
+            <a:lvl4pPr eaLnBrk="1" hangingPunct="1">
+              <a:defRPr>
+                <a:solidFill>
+                  <a:schemeClr val="tx2"/>
+                </a:solidFill>
+              </a:defRPr>
+            </a:lvl4pPr>
+            <a:lvl5pPr eaLnBrk="1" hangingPunct="1">
+              <a:defRPr>
+                <a:solidFill>
+                  <a:schemeClr val="tx2"/>
+                </a:solidFill>
+              </a:defRPr>
+            </a:lvl5pPr>
+            <a:lvl6pPr eaLnBrk="1" hangingPunct="1">
+              <a:defRPr>
+                <a:solidFill>
+                  <a:schemeClr val="tx2"/>
+                </a:solidFill>
+              </a:defRPr>
+            </a:lvl6pPr>
+            <a:lvl7pPr eaLnBrk="1" hangingPunct="1">
+              <a:defRPr>
+                <a:solidFill>
+                  <a:schemeClr val="tx2"/>
+                </a:solidFill>
+              </a:defRPr>
+            </a:lvl7pPr>
+            <a:lvl8pPr eaLnBrk="1" hangingPunct="1">
+              <a:defRPr>
+                <a:solidFill>
+                  <a:schemeClr val="tx2"/>
+                </a:solidFill>
+              </a:defRPr>
+            </a:lvl8pPr>
+            <a:lvl9pPr eaLnBrk="1" hangingPunct="1">
+              <a:defRPr>
+                <a:solidFill>
+                  <a:schemeClr val="tx2"/>
+                </a:solidFill>
+              </a:defRPr>
+            </a:lvl9pPr>
+          </a:lstStyle>
+          <a:p>
+            <a:r>
+              <a:rPr lang="fr-FR" sz="4400" b="1" dirty="0" smtClean="0">
+                <a:ln>
+                  <a:solidFill>
+                    <a:schemeClr val="tx1"/>
+                  </a:solidFill>
+                </a:ln>
+                <a:solidFill>
+                  <a:schemeClr val="accent1">
+                    <a:lumMod val="75000"/>
+                  </a:schemeClr>
+                </a:solidFill>
+              </a:rPr>
+              <a:t>Résultats</a:t>
+            </a:r>
+            <a:endParaRPr lang="fr-FR" sz="4400" b="1" dirty="0">
+              <a:ln>
+                <a:solidFill>
+                  <a:schemeClr val="tx1"/>
+                </a:solidFill>
+              </a:ln>
+              <a:solidFill>
+                <a:schemeClr val="accent1">
+                  <a:lumMod val="75000"/>
+                </a:schemeClr>
+              </a:solidFill>
+            </a:endParaRPr>
+          </a:p>
+        </p:txBody>
+      </p:sp>
+      <p:graphicFrame>
+        <p:nvGraphicFramePr>
+          <p:cNvPr id="5" name="Tableau 4"/>
+          <p:cNvGraphicFramePr>
+            <a:graphicFrameLocks noGrp="1"/>
+          </p:cNvGraphicFramePr>
+          <p:nvPr>
+            <p:extLst>
+              <p:ext uri="{D42A27DB-BD31-4B8C-83A1-F6EECF244321}">
+                <p14:modId xmlns:p14="http://schemas.microsoft.com/office/powerpoint/2010/main" val="111633639"/>
+              </p:ext>
+            </p:extLst>
+          </p:nvPr>
+        </p:nvGraphicFramePr>
+        <p:xfrm>
+          <a:off x="1286292" y="2698979"/>
+          <a:ext cx="2874055" cy="1152526"/>
+        </p:xfrm>
+        <a:graphic>
+          <a:graphicData uri="http://schemas.openxmlformats.org/drawingml/2006/table">
+            <a:tbl>
+              <a:tblPr>
+                <a:tableStyleId>{5C22544A-7EE6-4342-B048-85BDC9FD1C3A}</a:tableStyleId>
+              </a:tblPr>
+              <a:tblGrid>
+                <a:gridCol w="1098577"/>
+                <a:gridCol w="887739"/>
+                <a:gridCol w="887739"/>
+              </a:tblGrid>
+              <a:tr h="295159">
+                <a:tc gridSpan="3">
+                  <a:txBody>
+                    <a:bodyPr/>
+                    <a:lstStyle/>
+                    <a:p>
+                      <a:pPr algn="ctr" fontAlgn="b"/>
+                      <a:r>
+                        <a:rPr lang="fr-FR" sz="1100" b="1" u="none" strike="noStrike" dirty="0">
+                          <a:effectLst/>
+                        </a:rPr>
+                        <a:t>Résultat HOG</a:t>
+                      </a:r>
+                      <a:endParaRPr lang="fr-FR" sz="1100" b="1" i="0" u="none" strike="noStrike" dirty="0">
+                        <a:solidFill>
+                          <a:srgbClr val="000000"/>
+                        </a:solidFill>
+                        <a:effectLst/>
+                        <a:latin typeface="Calibri" panose="020F0502020204030204" pitchFamily="34" charset="0"/>
+                      </a:endParaRPr>
+                    </a:p>
+                  </a:txBody>
+                  <a:tcPr marL="9525" marR="9525" marT="9525" marB="0" anchor="b"/>
+                </a:tc>
+                <a:tc hMerge="1">
+                  <a:txBody>
+                    <a:bodyPr/>
+                    <a:lstStyle/>
+                    <a:p>
+                      <a:endParaRPr lang="fr-FR"/>
+                    </a:p>
+                  </a:txBody>
+                  <a:tcPr/>
+                </a:tc>
+                <a:tc hMerge="1">
+                  <a:txBody>
+                    <a:bodyPr/>
+                    <a:lstStyle/>
+                    <a:p>
+                      <a:endParaRPr lang="fr-FR"/>
+                    </a:p>
+                  </a:txBody>
+                  <a:tcPr/>
+                </a:tc>
+              </a:tr>
+              <a:tr h="281104">
+                <a:tc>
+                  <a:txBody>
+                    <a:bodyPr/>
+                    <a:lstStyle/>
+                    <a:p>
+                      <a:pPr algn="l" fontAlgn="b"/>
+                      <a:r>
+                        <a:rPr lang="fr-FR" sz="1100" b="1" u="none" strike="noStrike">
+                          <a:effectLst/>
+                        </a:rPr>
+                        <a:t> </a:t>
+                      </a:r>
+                      <a:endParaRPr lang="fr-FR" sz="1100" b="1" i="0" u="none" strike="noStrike">
+                        <a:solidFill>
+                          <a:srgbClr val="000000"/>
+                        </a:solidFill>
+                        <a:effectLst/>
+                        <a:latin typeface="Calibri" panose="020F0502020204030204" pitchFamily="34" charset="0"/>
+                      </a:endParaRPr>
+                    </a:p>
+                  </a:txBody>
+                  <a:tcPr marL="9525" marR="9525" marT="9525" marB="0" anchor="b"/>
+                </a:tc>
+                <a:tc>
+                  <a:txBody>
+                    <a:bodyPr/>
+                    <a:lstStyle/>
+                    <a:p>
+                      <a:pPr algn="l" fontAlgn="b"/>
+                      <a:r>
+                        <a:rPr lang="fr-FR" sz="1100" b="1" u="none" strike="noStrike">
+                          <a:effectLst/>
+                        </a:rPr>
+                        <a:t>Positif</a:t>
+                      </a:r>
+                      <a:endParaRPr lang="fr-FR" sz="1100" b="1" i="0" u="none" strike="noStrike">
+                        <a:solidFill>
+                          <a:srgbClr val="000000"/>
+                        </a:solidFill>
+                        <a:effectLst/>
+                        <a:latin typeface="Calibri" panose="020F0502020204030204" pitchFamily="34" charset="0"/>
+                      </a:endParaRPr>
+                    </a:p>
+                  </a:txBody>
+                  <a:tcPr marL="9525" marR="9525" marT="9525" marB="0" anchor="b"/>
+                </a:tc>
+                <a:tc>
+                  <a:txBody>
+                    <a:bodyPr/>
+                    <a:lstStyle/>
+                    <a:p>
+                      <a:pPr algn="l" fontAlgn="b"/>
+                      <a:r>
+                        <a:rPr lang="fr-FR" sz="1100" b="1" u="none" strike="noStrike">
+                          <a:effectLst/>
+                        </a:rPr>
+                        <a:t>Négatif</a:t>
+                      </a:r>
+                      <a:endParaRPr lang="fr-FR" sz="1100" b="1" i="0" u="none" strike="noStrike">
+                        <a:solidFill>
+                          <a:srgbClr val="000000"/>
+                        </a:solidFill>
+                        <a:effectLst/>
+                        <a:latin typeface="Calibri" panose="020F0502020204030204" pitchFamily="34" charset="0"/>
+                      </a:endParaRPr>
+                    </a:p>
+                  </a:txBody>
+                  <a:tcPr marL="9525" marR="9525" marT="9525" marB="0" anchor="b"/>
+                </a:tc>
+              </a:tr>
+              <a:tr h="281104">
+                <a:tc>
+                  <a:txBody>
+                    <a:bodyPr/>
+                    <a:lstStyle/>
+                    <a:p>
+                      <a:pPr algn="l" fontAlgn="b"/>
+                      <a:r>
+                        <a:rPr lang="fr-FR" sz="1100" b="1" u="none" strike="noStrike" dirty="0">
+                          <a:effectLst/>
+                        </a:rPr>
+                        <a:t>VRAI (</a:t>
+                      </a:r>
+                      <a:r>
+                        <a:rPr lang="fr-FR" sz="1100" b="1" u="none" strike="noStrike" dirty="0" err="1">
+                          <a:effectLst/>
+                        </a:rPr>
+                        <a:t>pieton</a:t>
+                      </a:r>
+                      <a:r>
+                        <a:rPr lang="fr-FR" sz="1100" b="1" u="none" strike="noStrike" dirty="0">
+                          <a:effectLst/>
+                        </a:rPr>
+                        <a:t>)</a:t>
+                      </a:r>
+                      <a:endParaRPr lang="fr-FR" sz="1100" b="1" i="0" u="none" strike="noStrike" dirty="0">
+                        <a:solidFill>
+                          <a:srgbClr val="000000"/>
+                        </a:solidFill>
+                        <a:effectLst/>
+                        <a:latin typeface="Calibri" panose="020F0502020204030204" pitchFamily="34" charset="0"/>
+                      </a:endParaRPr>
+                    </a:p>
+                  </a:txBody>
+                  <a:tcPr marL="9525" marR="9525" marT="9525" marB="0" anchor="b"/>
+                </a:tc>
+                <a:tc>
+                  <a:txBody>
+                    <a:bodyPr/>
+                    <a:lstStyle/>
+                    <a:p>
+                      <a:pPr algn="r" fontAlgn="b"/>
+                      <a:r>
+                        <a:rPr lang="fr-FR" sz="1100" b="1" u="none" strike="noStrike">
+                          <a:effectLst/>
+                        </a:rPr>
+                        <a:t>100</a:t>
+                      </a:r>
+                      <a:endParaRPr lang="fr-FR" sz="1100" b="1" i="0" u="none" strike="noStrike">
+                        <a:solidFill>
+                          <a:srgbClr val="000000"/>
+                        </a:solidFill>
+                        <a:effectLst/>
+                        <a:latin typeface="Calibri" panose="020F0502020204030204" pitchFamily="34" charset="0"/>
+                      </a:endParaRPr>
+                    </a:p>
+                  </a:txBody>
+                  <a:tcPr marL="9525" marR="9525" marT="9525" marB="0" anchor="b"/>
+                </a:tc>
+                <a:tc>
+                  <a:txBody>
+                    <a:bodyPr/>
+                    <a:lstStyle/>
+                    <a:p>
+                      <a:pPr algn="r" fontAlgn="b"/>
+                      <a:r>
+                        <a:rPr lang="fr-FR" sz="1100" b="1" u="none" strike="noStrike">
+                          <a:effectLst/>
+                        </a:rPr>
+                        <a:t>0</a:t>
+                      </a:r>
+                      <a:endParaRPr lang="fr-FR" sz="1100" b="1" i="0" u="none" strike="noStrike">
+                        <a:solidFill>
+                          <a:srgbClr val="000000"/>
+                        </a:solidFill>
+                        <a:effectLst/>
+                        <a:latin typeface="Calibri" panose="020F0502020204030204" pitchFamily="34" charset="0"/>
+                      </a:endParaRPr>
+                    </a:p>
+                  </a:txBody>
+                  <a:tcPr marL="9525" marR="9525" marT="9525" marB="0" anchor="b"/>
+                </a:tc>
+              </a:tr>
+              <a:tr h="295159">
+                <a:tc>
+                  <a:txBody>
+                    <a:bodyPr/>
+                    <a:lstStyle/>
+                    <a:p>
+                      <a:pPr algn="l" fontAlgn="b"/>
+                      <a:r>
+                        <a:rPr lang="fr-FR" sz="1100" b="1" u="none" strike="noStrike">
+                          <a:effectLst/>
+                        </a:rPr>
+                        <a:t>FAUX (fond)</a:t>
+                      </a:r>
+                      <a:endParaRPr lang="fr-FR" sz="1100" b="1" i="0" u="none" strike="noStrike">
+                        <a:solidFill>
+                          <a:srgbClr val="000000"/>
+                        </a:solidFill>
+                        <a:effectLst/>
+                        <a:latin typeface="Calibri" panose="020F0502020204030204" pitchFamily="34" charset="0"/>
+                      </a:endParaRPr>
+                    </a:p>
+                  </a:txBody>
+                  <a:tcPr marL="9525" marR="9525" marT="9525" marB="0" anchor="b"/>
+                </a:tc>
+                <a:tc>
+                  <a:txBody>
+                    <a:bodyPr/>
+                    <a:lstStyle/>
+                    <a:p>
+                      <a:pPr algn="r" fontAlgn="b"/>
+                      <a:r>
+                        <a:rPr lang="fr-FR" sz="1100" b="1" u="none" strike="noStrike" dirty="0">
+                          <a:effectLst/>
+                        </a:rPr>
+                        <a:t>0</a:t>
+                      </a:r>
+                      <a:endParaRPr lang="fr-FR" sz="1100" b="1" i="0" u="none" strike="noStrike" dirty="0">
+                        <a:solidFill>
+                          <a:srgbClr val="000000"/>
+                        </a:solidFill>
+                        <a:effectLst/>
+                        <a:latin typeface="Calibri" panose="020F0502020204030204" pitchFamily="34" charset="0"/>
+                      </a:endParaRPr>
+                    </a:p>
+                  </a:txBody>
+                  <a:tcPr marL="9525" marR="9525" marT="9525" marB="0" anchor="b"/>
+                </a:tc>
+                <a:tc>
+                  <a:txBody>
+                    <a:bodyPr/>
+                    <a:lstStyle/>
+                    <a:p>
+                      <a:pPr algn="r" fontAlgn="b"/>
+                      <a:r>
+                        <a:rPr lang="fr-FR" sz="1100" b="1" u="none" strike="noStrike" dirty="0">
+                          <a:effectLst/>
+                        </a:rPr>
+                        <a:t>100</a:t>
+                      </a:r>
+                      <a:endParaRPr lang="fr-FR" sz="1100" b="1" i="0" u="none" strike="noStrike" dirty="0">
+                        <a:solidFill>
+                          <a:srgbClr val="000000"/>
+                        </a:solidFill>
+                        <a:effectLst/>
+                        <a:latin typeface="Calibri" panose="020F0502020204030204" pitchFamily="34" charset="0"/>
+                      </a:endParaRPr>
+                    </a:p>
+                  </a:txBody>
+                  <a:tcPr marL="9525" marR="9525" marT="9525" marB="0" anchor="b"/>
+                </a:tc>
+              </a:tr>
+            </a:tbl>
+          </a:graphicData>
+        </a:graphic>
+      </p:graphicFrame>
+      <p:graphicFrame>
+        <p:nvGraphicFramePr>
+          <p:cNvPr id="6" name="Tableau 5"/>
+          <p:cNvGraphicFramePr>
+            <a:graphicFrameLocks noGrp="1"/>
+          </p:cNvGraphicFramePr>
+          <p:nvPr>
+            <p:extLst>
+              <p:ext uri="{D42A27DB-BD31-4B8C-83A1-F6EECF244321}">
+                <p14:modId xmlns:p14="http://schemas.microsoft.com/office/powerpoint/2010/main" val="1517483826"/>
+              </p:ext>
+            </p:extLst>
+          </p:nvPr>
+        </p:nvGraphicFramePr>
+        <p:xfrm>
+          <a:off x="1286292" y="4409393"/>
+          <a:ext cx="2874055" cy="1152526"/>
+        </p:xfrm>
+        <a:graphic>
+          <a:graphicData uri="http://schemas.openxmlformats.org/drawingml/2006/table">
+            <a:tbl>
+              <a:tblPr>
+                <a:tableStyleId>{5C22544A-7EE6-4342-B048-85BDC9FD1C3A}</a:tableStyleId>
+              </a:tblPr>
+              <a:tblGrid>
+                <a:gridCol w="1098577"/>
+                <a:gridCol w="887739"/>
+                <a:gridCol w="887739"/>
+              </a:tblGrid>
+              <a:tr h="295159">
+                <a:tc gridSpan="3">
+                  <a:txBody>
+                    <a:bodyPr/>
+                    <a:lstStyle/>
+                    <a:p>
+                      <a:pPr algn="ctr" fontAlgn="b"/>
+                      <a:r>
+                        <a:rPr lang="fr-FR" sz="1100" b="1" u="none" strike="noStrike" dirty="0">
+                          <a:effectLst/>
+                        </a:rPr>
+                        <a:t>Résultat MORPHO</a:t>
+                      </a:r>
+                      <a:endParaRPr lang="fr-FR" sz="1100" b="1" i="0" u="none" strike="noStrike" dirty="0">
+                        <a:solidFill>
+                          <a:srgbClr val="000000"/>
+                        </a:solidFill>
+                        <a:effectLst/>
+                        <a:latin typeface="Calibri" panose="020F0502020204030204" pitchFamily="34" charset="0"/>
+                      </a:endParaRPr>
+                    </a:p>
+                  </a:txBody>
+                  <a:tcPr marL="9525" marR="9525" marT="9525" marB="0" anchor="b"/>
+                </a:tc>
+                <a:tc hMerge="1">
+                  <a:txBody>
+                    <a:bodyPr/>
+                    <a:lstStyle/>
+                    <a:p>
+                      <a:endParaRPr lang="fr-FR"/>
+                    </a:p>
+                  </a:txBody>
+                  <a:tcPr/>
+                </a:tc>
+                <a:tc hMerge="1">
+                  <a:txBody>
+                    <a:bodyPr/>
+                    <a:lstStyle/>
+                    <a:p>
+                      <a:endParaRPr lang="fr-FR"/>
+                    </a:p>
+                  </a:txBody>
+                  <a:tcPr/>
+                </a:tc>
+              </a:tr>
+              <a:tr h="281104">
+                <a:tc>
+                  <a:txBody>
+                    <a:bodyPr/>
+                    <a:lstStyle/>
+                    <a:p>
+                      <a:pPr algn="l" fontAlgn="b"/>
+                      <a:r>
+                        <a:rPr lang="fr-FR" sz="1100" b="1" u="none" strike="noStrike">
+                          <a:effectLst/>
+                        </a:rPr>
+                        <a:t> </a:t>
+                      </a:r>
+                      <a:endParaRPr lang="fr-FR" sz="1100" b="1" i="0" u="none" strike="noStrike">
+                        <a:solidFill>
+                          <a:srgbClr val="000000"/>
+                        </a:solidFill>
+                        <a:effectLst/>
+                        <a:latin typeface="Calibri" panose="020F0502020204030204" pitchFamily="34" charset="0"/>
+                      </a:endParaRPr>
+                    </a:p>
+                  </a:txBody>
+                  <a:tcPr marL="9525" marR="9525" marT="9525" marB="0" anchor="b"/>
+                </a:tc>
+                <a:tc>
+                  <a:txBody>
+                    <a:bodyPr/>
+                    <a:lstStyle/>
+                    <a:p>
+                      <a:pPr algn="l" fontAlgn="b"/>
+                      <a:r>
+                        <a:rPr lang="fr-FR" sz="1100" b="1" u="none" strike="noStrike">
+                          <a:effectLst/>
+                        </a:rPr>
+                        <a:t>Positif</a:t>
+                      </a:r>
+                      <a:endParaRPr lang="fr-FR" sz="1100" b="1" i="0" u="none" strike="noStrike">
+                        <a:solidFill>
+                          <a:srgbClr val="000000"/>
+                        </a:solidFill>
+                        <a:effectLst/>
+                        <a:latin typeface="Calibri" panose="020F0502020204030204" pitchFamily="34" charset="0"/>
+                      </a:endParaRPr>
+                    </a:p>
+                  </a:txBody>
+                  <a:tcPr marL="9525" marR="9525" marT="9525" marB="0" anchor="b"/>
+                </a:tc>
+                <a:tc>
+                  <a:txBody>
+                    <a:bodyPr/>
+                    <a:lstStyle/>
+                    <a:p>
+                      <a:pPr algn="l" fontAlgn="b"/>
+                      <a:r>
+                        <a:rPr lang="fr-FR" sz="1100" b="1" u="none" strike="noStrike">
+                          <a:effectLst/>
+                        </a:rPr>
+                        <a:t>Négatif</a:t>
+                      </a:r>
+                      <a:endParaRPr lang="fr-FR" sz="1100" b="1" i="0" u="none" strike="noStrike">
+                        <a:solidFill>
+                          <a:srgbClr val="000000"/>
+                        </a:solidFill>
+                        <a:effectLst/>
+                        <a:latin typeface="Calibri" panose="020F0502020204030204" pitchFamily="34" charset="0"/>
+                      </a:endParaRPr>
+                    </a:p>
+                  </a:txBody>
+                  <a:tcPr marL="9525" marR="9525" marT="9525" marB="0" anchor="b"/>
+                </a:tc>
+              </a:tr>
+              <a:tr h="281104">
+                <a:tc>
+                  <a:txBody>
+                    <a:bodyPr/>
+                    <a:lstStyle/>
+                    <a:p>
+                      <a:pPr algn="l" fontAlgn="b"/>
+                      <a:r>
+                        <a:rPr lang="fr-FR" sz="1100" b="1" u="none" strike="noStrike">
+                          <a:effectLst/>
+                        </a:rPr>
+                        <a:t>VRAI (pieton)</a:t>
+                      </a:r>
+                      <a:endParaRPr lang="fr-FR" sz="1100" b="1" i="0" u="none" strike="noStrike">
+                        <a:solidFill>
+                          <a:srgbClr val="000000"/>
+                        </a:solidFill>
+                        <a:effectLst/>
+                        <a:latin typeface="Calibri" panose="020F0502020204030204" pitchFamily="34" charset="0"/>
+                      </a:endParaRPr>
+                    </a:p>
+                  </a:txBody>
+                  <a:tcPr marL="9525" marR="9525" marT="9525" marB="0" anchor="b"/>
+                </a:tc>
+                <a:tc>
+                  <a:txBody>
+                    <a:bodyPr/>
+                    <a:lstStyle/>
+                    <a:p>
+                      <a:pPr algn="r" fontAlgn="b"/>
+                      <a:r>
+                        <a:rPr lang="fr-FR" sz="1100" b="1" u="none" strike="noStrike">
+                          <a:effectLst/>
+                        </a:rPr>
+                        <a:t>93,8776</a:t>
+                      </a:r>
+                      <a:endParaRPr lang="fr-FR" sz="1100" b="1" i="0" u="none" strike="noStrike">
+                        <a:solidFill>
+                          <a:srgbClr val="000000"/>
+                        </a:solidFill>
+                        <a:effectLst/>
+                        <a:latin typeface="Calibri" panose="020F0502020204030204" pitchFamily="34" charset="0"/>
+                      </a:endParaRPr>
+                    </a:p>
+                  </a:txBody>
+                  <a:tcPr marL="9525" marR="9525" marT="9525" marB="0" anchor="b"/>
+                </a:tc>
+                <a:tc>
+                  <a:txBody>
+                    <a:bodyPr/>
+                    <a:lstStyle/>
+                    <a:p>
+                      <a:pPr algn="r" fontAlgn="b"/>
+                      <a:r>
+                        <a:rPr lang="fr-FR" sz="1100" b="1" u="none" strike="noStrike">
+                          <a:effectLst/>
+                        </a:rPr>
+                        <a:t>6,1224</a:t>
+                      </a:r>
+                      <a:endParaRPr lang="fr-FR" sz="1100" b="1" i="0" u="none" strike="noStrike">
+                        <a:solidFill>
+                          <a:srgbClr val="000000"/>
+                        </a:solidFill>
+                        <a:effectLst/>
+                        <a:latin typeface="Calibri" panose="020F0502020204030204" pitchFamily="34" charset="0"/>
+                      </a:endParaRPr>
+                    </a:p>
+                  </a:txBody>
+                  <a:tcPr marL="9525" marR="9525" marT="9525" marB="0" anchor="b"/>
+                </a:tc>
+              </a:tr>
+              <a:tr h="295159">
+                <a:tc>
+                  <a:txBody>
+                    <a:bodyPr/>
+                    <a:lstStyle/>
+                    <a:p>
+                      <a:pPr algn="l" fontAlgn="b"/>
+                      <a:r>
+                        <a:rPr lang="fr-FR" sz="1100" b="1" u="none" strike="noStrike">
+                          <a:effectLst/>
+                        </a:rPr>
+                        <a:t>FAUX (fond)</a:t>
+                      </a:r>
+                      <a:endParaRPr lang="fr-FR" sz="1100" b="1" i="0" u="none" strike="noStrike">
+                        <a:solidFill>
+                          <a:srgbClr val="000000"/>
+                        </a:solidFill>
+                        <a:effectLst/>
+                        <a:latin typeface="Calibri" panose="020F0502020204030204" pitchFamily="34" charset="0"/>
+                      </a:endParaRPr>
+                    </a:p>
+                  </a:txBody>
+                  <a:tcPr marL="9525" marR="9525" marT="9525" marB="0" anchor="b"/>
+                </a:tc>
+                <a:tc>
+                  <a:txBody>
+                    <a:bodyPr/>
+                    <a:lstStyle/>
+                    <a:p>
+                      <a:pPr algn="r" fontAlgn="b"/>
+                      <a:r>
+                        <a:rPr lang="fr-FR" sz="1100" b="1" u="none" strike="noStrike" dirty="0">
+                          <a:effectLst/>
+                        </a:rPr>
+                        <a:t>17,6471</a:t>
+                      </a:r>
+                      <a:endParaRPr lang="fr-FR" sz="1100" b="1" i="0" u="none" strike="noStrike" dirty="0">
+                        <a:solidFill>
+                          <a:srgbClr val="000000"/>
+                        </a:solidFill>
+                        <a:effectLst/>
+                        <a:latin typeface="Calibri" panose="020F0502020204030204" pitchFamily="34" charset="0"/>
+                      </a:endParaRPr>
+                    </a:p>
+                  </a:txBody>
+                  <a:tcPr marL="9525" marR="9525" marT="9525" marB="0" anchor="b"/>
+                </a:tc>
+                <a:tc>
+                  <a:txBody>
+                    <a:bodyPr/>
+                    <a:lstStyle/>
+                    <a:p>
+                      <a:pPr algn="r" fontAlgn="b"/>
+                      <a:r>
+                        <a:rPr lang="fr-FR" sz="1100" b="1" u="none" strike="noStrike" dirty="0">
+                          <a:effectLst/>
+                        </a:rPr>
+                        <a:t>82,3529</a:t>
+                      </a:r>
+                      <a:endParaRPr lang="fr-FR" sz="1100" b="1" i="0" u="none" strike="noStrike" dirty="0">
+                        <a:solidFill>
+                          <a:srgbClr val="000000"/>
+                        </a:solidFill>
+                        <a:effectLst/>
+                        <a:latin typeface="Calibri" panose="020F0502020204030204" pitchFamily="34" charset="0"/>
+                      </a:endParaRPr>
+                    </a:p>
+                  </a:txBody>
+                  <a:tcPr marL="9525" marR="9525" marT="9525" marB="0" anchor="b"/>
+                </a:tc>
+              </a:tr>
+            </a:tbl>
+          </a:graphicData>
+        </a:graphic>
+      </p:graphicFrame>
+      <p:graphicFrame>
+        <p:nvGraphicFramePr>
+          <p:cNvPr id="7" name="Tableau 6"/>
+          <p:cNvGraphicFramePr>
+            <a:graphicFrameLocks noGrp="1"/>
+          </p:cNvGraphicFramePr>
+          <p:nvPr>
+            <p:extLst>
+              <p:ext uri="{D42A27DB-BD31-4B8C-83A1-F6EECF244321}">
+                <p14:modId xmlns:p14="http://schemas.microsoft.com/office/powerpoint/2010/main" val="1462337553"/>
+              </p:ext>
+            </p:extLst>
+          </p:nvPr>
+        </p:nvGraphicFramePr>
+        <p:xfrm>
+          <a:off x="5769428" y="2430958"/>
+          <a:ext cx="5340650" cy="1674497"/>
+        </p:xfrm>
+        <a:graphic>
+          <a:graphicData uri="http://schemas.openxmlformats.org/drawingml/2006/table">
+            <a:tbl>
+              <a:tblPr>
+                <a:tableStyleId>{5C22544A-7EE6-4342-B048-85BDC9FD1C3A}</a:tableStyleId>
+              </a:tblPr>
+              <a:tblGrid>
+                <a:gridCol w="762950"/>
+                <a:gridCol w="762950"/>
+                <a:gridCol w="762950"/>
+                <a:gridCol w="762950"/>
+                <a:gridCol w="762950"/>
+                <a:gridCol w="762950"/>
+                <a:gridCol w="762950"/>
+              </a:tblGrid>
+              <a:tr h="200026">
+                <a:tc gridSpan="7">
+                  <a:txBody>
+                    <a:bodyPr/>
+                    <a:lstStyle/>
+                    <a:p>
+                      <a:pPr algn="ctr" fontAlgn="b"/>
+                      <a:r>
+                        <a:rPr lang="fr-FR" sz="1100" b="1" u="none" strike="noStrike" dirty="0">
+                          <a:effectLst/>
+                        </a:rPr>
+                        <a:t>DISK - TR %</a:t>
+                      </a:r>
+                      <a:endParaRPr lang="fr-FR" sz="1100" b="1" i="0" u="none" strike="noStrike" dirty="0">
+                        <a:solidFill>
+                          <a:srgbClr val="000000"/>
+                        </a:solidFill>
+                        <a:effectLst/>
+                        <a:latin typeface="Calibri" panose="020F0502020204030204" pitchFamily="34" charset="0"/>
+                      </a:endParaRPr>
+                    </a:p>
+                  </a:txBody>
+                  <a:tcPr marL="9525" marR="9525" marT="9525" marB="0" anchor="b"/>
+                </a:tc>
+                <a:tc hMerge="1">
+                  <a:txBody>
+                    <a:bodyPr/>
+                    <a:lstStyle/>
+                    <a:p>
+                      <a:endParaRPr lang="fr-FR"/>
+                    </a:p>
+                  </a:txBody>
+                  <a:tcPr/>
+                </a:tc>
+                <a:tc hMerge="1">
+                  <a:txBody>
+                    <a:bodyPr/>
+                    <a:lstStyle/>
+                    <a:p>
+                      <a:endParaRPr lang="fr-FR"/>
+                    </a:p>
+                  </a:txBody>
+                  <a:tcPr/>
+                </a:tc>
+                <a:tc hMerge="1">
+                  <a:txBody>
+                    <a:bodyPr/>
+                    <a:lstStyle/>
+                    <a:p>
+                      <a:endParaRPr lang="fr-FR"/>
+                    </a:p>
+                  </a:txBody>
+                  <a:tcPr/>
+                </a:tc>
+                <a:tc hMerge="1">
+                  <a:txBody>
+                    <a:bodyPr/>
+                    <a:lstStyle/>
+                    <a:p>
+                      <a:endParaRPr lang="fr-FR"/>
+                    </a:p>
+                  </a:txBody>
+                  <a:tcPr/>
+                </a:tc>
+                <a:tc hMerge="1">
+                  <a:txBody>
+                    <a:bodyPr/>
+                    <a:lstStyle/>
+                    <a:p>
+                      <a:endParaRPr lang="fr-FR"/>
+                    </a:p>
+                  </a:txBody>
+                  <a:tcPr/>
+                </a:tc>
+                <a:tc hMerge="1">
+                  <a:txBody>
+                    <a:bodyPr/>
+                    <a:lstStyle/>
+                    <a:p>
+                      <a:endParaRPr lang="fr-FR"/>
+                    </a:p>
+                  </a:txBody>
+                  <a:tcPr/>
+                </a:tc>
+              </a:tr>
+              <a:tr h="512445">
+                <a:tc>
+                  <a:txBody>
+                    <a:bodyPr/>
+                    <a:lstStyle/>
+                    <a:p>
+                      <a:pPr algn="l" fontAlgn="b"/>
+                      <a:r>
+                        <a:rPr lang="fr-FR" sz="1100" b="1" u="none" strike="noStrike">
+                          <a:effectLst/>
+                        </a:rPr>
+                        <a:t>            Taille</a:t>
+                      </a:r>
+                      <a:br>
+                        <a:rPr lang="fr-FR" sz="1100" b="1" u="none" strike="noStrike">
+                          <a:effectLst/>
+                        </a:rPr>
+                      </a:br>
+                      <a:r>
+                        <a:rPr lang="fr-FR" sz="1100" b="1" u="none" strike="noStrike">
+                          <a:effectLst/>
+                        </a:rPr>
+                        <a:t>Seuil</a:t>
+                      </a:r>
+                      <a:endParaRPr lang="fr-FR" sz="1100" b="1" i="0" u="none" strike="noStrike">
+                        <a:solidFill>
+                          <a:srgbClr val="000000"/>
+                        </a:solidFill>
+                        <a:effectLst/>
+                        <a:latin typeface="Calibri" panose="020F0502020204030204" pitchFamily="34" charset="0"/>
+                      </a:endParaRPr>
+                    </a:p>
+                  </a:txBody>
+                  <a:tcPr marL="9525" marR="9525" marT="9525" marB="0" anchor="b"/>
+                </a:tc>
+                <a:tc>
+                  <a:txBody>
+                    <a:bodyPr/>
+                    <a:lstStyle/>
+                    <a:p>
+                      <a:pPr algn="ctr" fontAlgn="ctr"/>
+                      <a:r>
+                        <a:rPr lang="fr-FR" sz="1100" b="1" u="none" strike="noStrike">
+                          <a:effectLst/>
+                        </a:rPr>
+                        <a:t>2</a:t>
+                      </a:r>
+                      <a:endParaRPr lang="fr-FR" sz="1100" b="1" i="0" u="none" strike="noStrike">
+                        <a:solidFill>
+                          <a:srgbClr val="000000"/>
+                        </a:solidFill>
+                        <a:effectLst/>
+                        <a:latin typeface="Calibri" panose="020F0502020204030204" pitchFamily="34" charset="0"/>
+                      </a:endParaRPr>
+                    </a:p>
+                  </a:txBody>
+                  <a:tcPr marL="9525" marR="9525" marT="9525" marB="0" anchor="ctr"/>
+                </a:tc>
+                <a:tc>
+                  <a:txBody>
+                    <a:bodyPr/>
+                    <a:lstStyle/>
+                    <a:p>
+                      <a:pPr algn="ctr" fontAlgn="ctr"/>
+                      <a:r>
+                        <a:rPr lang="fr-FR" sz="1100" b="1" u="none" strike="noStrike">
+                          <a:effectLst/>
+                        </a:rPr>
+                        <a:t>3</a:t>
+                      </a:r>
+                      <a:endParaRPr lang="fr-FR" sz="1100" b="1" i="0" u="none" strike="noStrike">
+                        <a:solidFill>
+                          <a:srgbClr val="000000"/>
+                        </a:solidFill>
+                        <a:effectLst/>
+                        <a:latin typeface="Calibri" panose="020F0502020204030204" pitchFamily="34" charset="0"/>
+                      </a:endParaRPr>
+                    </a:p>
+                  </a:txBody>
+                  <a:tcPr marL="9525" marR="9525" marT="9525" marB="0" anchor="ctr"/>
+                </a:tc>
+                <a:tc>
+                  <a:txBody>
+                    <a:bodyPr/>
+                    <a:lstStyle/>
+                    <a:p>
+                      <a:pPr algn="ctr" fontAlgn="ctr"/>
+                      <a:r>
+                        <a:rPr lang="fr-FR" sz="1100" b="1" u="none" strike="noStrike">
+                          <a:effectLst/>
+                        </a:rPr>
+                        <a:t>4</a:t>
+                      </a:r>
+                      <a:endParaRPr lang="fr-FR" sz="1100" b="1" i="0" u="none" strike="noStrike">
+                        <a:solidFill>
+                          <a:srgbClr val="000000"/>
+                        </a:solidFill>
+                        <a:effectLst/>
+                        <a:latin typeface="Calibri" panose="020F0502020204030204" pitchFamily="34" charset="0"/>
+                      </a:endParaRPr>
+                    </a:p>
+                  </a:txBody>
+                  <a:tcPr marL="9525" marR="9525" marT="9525" marB="0" anchor="ctr"/>
+                </a:tc>
+                <a:tc>
+                  <a:txBody>
+                    <a:bodyPr/>
+                    <a:lstStyle/>
+                    <a:p>
+                      <a:pPr algn="ctr" fontAlgn="ctr"/>
+                      <a:r>
+                        <a:rPr lang="fr-FR" sz="1100" b="1" u="none" strike="noStrike" dirty="0">
+                          <a:effectLst/>
+                        </a:rPr>
+                        <a:t>5</a:t>
+                      </a:r>
+                      <a:endParaRPr lang="fr-FR" sz="1100" b="1" i="0" u="none" strike="noStrike" dirty="0">
+                        <a:solidFill>
+                          <a:srgbClr val="000000"/>
+                        </a:solidFill>
+                        <a:effectLst/>
+                        <a:latin typeface="Calibri" panose="020F0502020204030204" pitchFamily="34" charset="0"/>
+                      </a:endParaRPr>
+                    </a:p>
+                  </a:txBody>
+                  <a:tcPr marL="9525" marR="9525" marT="9525" marB="0" anchor="ctr"/>
+                </a:tc>
+                <a:tc>
+                  <a:txBody>
+                    <a:bodyPr/>
+                    <a:lstStyle/>
+                    <a:p>
+                      <a:pPr algn="ctr" fontAlgn="ctr"/>
+                      <a:r>
+                        <a:rPr lang="fr-FR" sz="1100" b="1" u="none" strike="noStrike">
+                          <a:effectLst/>
+                        </a:rPr>
+                        <a:t>6</a:t>
+                      </a:r>
+                      <a:endParaRPr lang="fr-FR" sz="1100" b="1" i="0" u="none" strike="noStrike">
+                        <a:solidFill>
+                          <a:srgbClr val="000000"/>
+                        </a:solidFill>
+                        <a:effectLst/>
+                        <a:latin typeface="Calibri" panose="020F0502020204030204" pitchFamily="34" charset="0"/>
+                      </a:endParaRPr>
+                    </a:p>
+                  </a:txBody>
+                  <a:tcPr marL="9525" marR="9525" marT="9525" marB="0" anchor="ctr"/>
+                </a:tc>
+                <a:tc>
+                  <a:txBody>
+                    <a:bodyPr/>
+                    <a:lstStyle/>
+                    <a:p>
+                      <a:pPr algn="ctr" fontAlgn="ctr"/>
+                      <a:r>
+                        <a:rPr lang="fr-FR" sz="1100" b="1" u="none" strike="noStrike" dirty="0">
+                          <a:effectLst/>
+                        </a:rPr>
+                        <a:t>7</a:t>
+                      </a:r>
+                      <a:endParaRPr lang="fr-FR" sz="1100" b="1" i="0" u="none" strike="noStrike" dirty="0">
+                        <a:solidFill>
+                          <a:srgbClr val="000000"/>
+                        </a:solidFill>
+                        <a:effectLst/>
+                        <a:latin typeface="Calibri" panose="020F0502020204030204" pitchFamily="34" charset="0"/>
+                      </a:endParaRPr>
+                    </a:p>
+                  </a:txBody>
+                  <a:tcPr marL="9525" marR="9525" marT="9525" marB="0" anchor="ctr"/>
+                </a:tc>
+              </a:tr>
+              <a:tr h="190500">
+                <a:tc>
+                  <a:txBody>
+                    <a:bodyPr/>
+                    <a:lstStyle/>
+                    <a:p>
+                      <a:pPr algn="r" fontAlgn="b"/>
+                      <a:r>
+                        <a:rPr lang="fr-FR" sz="1100" b="1" u="none" strike="noStrike">
+                          <a:effectLst/>
+                        </a:rPr>
+                        <a:t>0,1</a:t>
+                      </a:r>
+                      <a:endParaRPr lang="fr-FR" sz="1100" b="1" i="0" u="none" strike="noStrike">
+                        <a:solidFill>
+                          <a:srgbClr val="000000"/>
+                        </a:solidFill>
+                        <a:effectLst/>
+                        <a:latin typeface="Calibri" panose="020F0502020204030204" pitchFamily="34" charset="0"/>
+                      </a:endParaRPr>
+                    </a:p>
+                  </a:txBody>
+                  <a:tcPr marL="9525" marR="9525" marT="9525" marB="0" anchor="b"/>
+                </a:tc>
+                <a:tc>
+                  <a:txBody>
+                    <a:bodyPr/>
+                    <a:lstStyle/>
+                    <a:p>
+                      <a:pPr algn="r" fontAlgn="b"/>
+                      <a:r>
+                        <a:rPr lang="fr-FR" sz="1100" b="1" u="none" strike="noStrike">
+                          <a:effectLst/>
+                        </a:rPr>
+                        <a:t>60</a:t>
+                      </a:r>
+                      <a:endParaRPr lang="fr-FR" sz="1100" b="1" i="0" u="none" strike="noStrike">
+                        <a:solidFill>
+                          <a:srgbClr val="000000"/>
+                        </a:solidFill>
+                        <a:effectLst/>
+                        <a:latin typeface="Calibri" panose="020F0502020204030204" pitchFamily="34" charset="0"/>
+                      </a:endParaRPr>
+                    </a:p>
+                  </a:txBody>
+                  <a:tcPr marL="9525" marR="9525" marT="9525" marB="0" anchor="b"/>
+                </a:tc>
+                <a:tc>
+                  <a:txBody>
+                    <a:bodyPr/>
+                    <a:lstStyle/>
+                    <a:p>
+                      <a:pPr algn="r" fontAlgn="b"/>
+                      <a:r>
+                        <a:rPr lang="fr-FR" sz="1100" b="1" u="none" strike="noStrike">
+                          <a:effectLst/>
+                        </a:rPr>
+                        <a:t>80</a:t>
+                      </a:r>
+                      <a:endParaRPr lang="fr-FR" sz="1100" b="1" i="0" u="none" strike="noStrike">
+                        <a:solidFill>
+                          <a:srgbClr val="000000"/>
+                        </a:solidFill>
+                        <a:effectLst/>
+                        <a:latin typeface="Calibri" panose="020F0502020204030204" pitchFamily="34" charset="0"/>
+                      </a:endParaRPr>
+                    </a:p>
+                  </a:txBody>
+                  <a:tcPr marL="9525" marR="9525" marT="9525" marB="0" anchor="b"/>
+                </a:tc>
+                <a:tc>
+                  <a:txBody>
+                    <a:bodyPr/>
+                    <a:lstStyle/>
+                    <a:p>
+                      <a:pPr algn="r" fontAlgn="b"/>
+                      <a:r>
+                        <a:rPr lang="fr-FR" sz="1100" b="1" u="none" strike="noStrike">
+                          <a:effectLst/>
+                        </a:rPr>
+                        <a:t>80</a:t>
+                      </a:r>
+                      <a:endParaRPr lang="fr-FR" sz="1100" b="1" i="0" u="none" strike="noStrike">
+                        <a:solidFill>
+                          <a:srgbClr val="000000"/>
+                        </a:solidFill>
+                        <a:effectLst/>
+                        <a:latin typeface="Calibri" panose="020F0502020204030204" pitchFamily="34" charset="0"/>
+                      </a:endParaRPr>
+                    </a:p>
+                  </a:txBody>
+                  <a:tcPr marL="9525" marR="9525" marT="9525" marB="0" anchor="b"/>
+                </a:tc>
+                <a:tc>
+                  <a:txBody>
+                    <a:bodyPr/>
+                    <a:lstStyle/>
+                    <a:p>
+                      <a:pPr algn="r" fontAlgn="b"/>
+                      <a:r>
+                        <a:rPr lang="fr-FR" sz="1100" b="1" u="none" strike="noStrike">
+                          <a:effectLst/>
+                        </a:rPr>
+                        <a:t>70</a:t>
+                      </a:r>
+                      <a:endParaRPr lang="fr-FR" sz="1100" b="1" i="0" u="none" strike="noStrike">
+                        <a:solidFill>
+                          <a:srgbClr val="000000"/>
+                        </a:solidFill>
+                        <a:effectLst/>
+                        <a:latin typeface="Calibri" panose="020F0502020204030204" pitchFamily="34" charset="0"/>
+                      </a:endParaRPr>
+                    </a:p>
+                  </a:txBody>
+                  <a:tcPr marL="9525" marR="9525" marT="9525" marB="0" anchor="b"/>
+                </a:tc>
+                <a:tc>
+                  <a:txBody>
+                    <a:bodyPr/>
+                    <a:lstStyle/>
+                    <a:p>
+                      <a:pPr algn="r" fontAlgn="b"/>
+                      <a:r>
+                        <a:rPr lang="fr-FR" sz="1100" b="1" u="none" strike="noStrike">
+                          <a:effectLst/>
+                        </a:rPr>
+                        <a:t>70</a:t>
+                      </a:r>
+                      <a:endParaRPr lang="fr-FR" sz="1100" b="1" i="0" u="none" strike="noStrike">
+                        <a:solidFill>
+                          <a:srgbClr val="000000"/>
+                        </a:solidFill>
+                        <a:effectLst/>
+                        <a:latin typeface="Calibri" panose="020F0502020204030204" pitchFamily="34" charset="0"/>
+                      </a:endParaRPr>
+                    </a:p>
+                  </a:txBody>
+                  <a:tcPr marL="9525" marR="9525" marT="9525" marB="0" anchor="b"/>
+                </a:tc>
+                <a:tc>
+                  <a:txBody>
+                    <a:bodyPr/>
+                    <a:lstStyle/>
+                    <a:p>
+                      <a:pPr algn="r" fontAlgn="b"/>
+                      <a:r>
+                        <a:rPr lang="fr-FR" sz="1100" b="1" u="none" strike="noStrike">
+                          <a:effectLst/>
+                        </a:rPr>
+                        <a:t>40</a:t>
+                      </a:r>
+                      <a:endParaRPr lang="fr-FR" sz="1100" b="1" i="0" u="none" strike="noStrike">
+                        <a:solidFill>
+                          <a:srgbClr val="000000"/>
+                        </a:solidFill>
+                        <a:effectLst/>
+                        <a:latin typeface="Calibri" panose="020F0502020204030204" pitchFamily="34" charset="0"/>
+                      </a:endParaRPr>
+                    </a:p>
+                  </a:txBody>
+                  <a:tcPr marL="9525" marR="9525" marT="9525" marB="0" anchor="b"/>
+                </a:tc>
+              </a:tr>
+              <a:tr h="190500">
+                <a:tc>
+                  <a:txBody>
+                    <a:bodyPr/>
+                    <a:lstStyle/>
+                    <a:p>
+                      <a:pPr algn="r" fontAlgn="b"/>
+                      <a:r>
+                        <a:rPr lang="fr-FR" sz="1100" b="1" u="none" strike="noStrike">
+                          <a:effectLst/>
+                        </a:rPr>
+                        <a:t>0,125</a:t>
+                      </a:r>
+                      <a:endParaRPr lang="fr-FR" sz="1100" b="1" i="0" u="none" strike="noStrike">
+                        <a:solidFill>
+                          <a:srgbClr val="000000"/>
+                        </a:solidFill>
+                        <a:effectLst/>
+                        <a:latin typeface="Calibri" panose="020F0502020204030204" pitchFamily="34" charset="0"/>
+                      </a:endParaRPr>
+                    </a:p>
+                  </a:txBody>
+                  <a:tcPr marL="9525" marR="9525" marT="9525" marB="0" anchor="b"/>
+                </a:tc>
+                <a:tc>
+                  <a:txBody>
+                    <a:bodyPr/>
+                    <a:lstStyle/>
+                    <a:p>
+                      <a:pPr algn="r" fontAlgn="b"/>
+                      <a:r>
+                        <a:rPr lang="fr-FR" sz="1100" b="1" u="none" strike="noStrike">
+                          <a:effectLst/>
+                        </a:rPr>
+                        <a:t>50</a:t>
+                      </a:r>
+                      <a:endParaRPr lang="fr-FR" sz="1100" b="1" i="0" u="none" strike="noStrike">
+                        <a:solidFill>
+                          <a:srgbClr val="000000"/>
+                        </a:solidFill>
+                        <a:effectLst/>
+                        <a:latin typeface="Calibri" panose="020F0502020204030204" pitchFamily="34" charset="0"/>
+                      </a:endParaRPr>
+                    </a:p>
+                  </a:txBody>
+                  <a:tcPr marL="9525" marR="9525" marT="9525" marB="0" anchor="b"/>
+                </a:tc>
+                <a:tc>
+                  <a:txBody>
+                    <a:bodyPr/>
+                    <a:lstStyle/>
+                    <a:p>
+                      <a:pPr algn="r" fontAlgn="b"/>
+                      <a:r>
+                        <a:rPr lang="fr-FR" sz="1100" b="1" u="none" strike="noStrike">
+                          <a:effectLst/>
+                        </a:rPr>
+                        <a:t>80</a:t>
+                      </a:r>
+                      <a:endParaRPr lang="fr-FR" sz="1100" b="1" i="0" u="none" strike="noStrike">
+                        <a:solidFill>
+                          <a:srgbClr val="000000"/>
+                        </a:solidFill>
+                        <a:effectLst/>
+                        <a:latin typeface="Calibri" panose="020F0502020204030204" pitchFamily="34" charset="0"/>
+                      </a:endParaRPr>
+                    </a:p>
+                  </a:txBody>
+                  <a:tcPr marL="9525" marR="9525" marT="9525" marB="0" anchor="b"/>
+                </a:tc>
+                <a:tc>
+                  <a:txBody>
+                    <a:bodyPr/>
+                    <a:lstStyle/>
+                    <a:p>
+                      <a:pPr algn="r" fontAlgn="b"/>
+                      <a:r>
+                        <a:rPr lang="fr-FR" sz="1100" b="1" u="none" strike="noStrike">
+                          <a:effectLst/>
+                        </a:rPr>
+                        <a:t>60</a:t>
+                      </a:r>
+                      <a:endParaRPr lang="fr-FR" sz="1100" b="1" i="0" u="none" strike="noStrike">
+                        <a:solidFill>
+                          <a:srgbClr val="000000"/>
+                        </a:solidFill>
+                        <a:effectLst/>
+                        <a:latin typeface="Calibri" panose="020F0502020204030204" pitchFamily="34" charset="0"/>
+                      </a:endParaRPr>
+                    </a:p>
+                  </a:txBody>
+                  <a:tcPr marL="9525" marR="9525" marT="9525" marB="0" anchor="b"/>
+                </a:tc>
+                <a:tc>
+                  <a:txBody>
+                    <a:bodyPr/>
+                    <a:lstStyle/>
+                    <a:p>
+                      <a:pPr algn="r" fontAlgn="b"/>
+                      <a:r>
+                        <a:rPr lang="fr-FR" sz="1100" b="1" u="none" strike="noStrike">
+                          <a:effectLst/>
+                        </a:rPr>
+                        <a:t>60</a:t>
+                      </a:r>
+                      <a:endParaRPr lang="fr-FR" sz="1100" b="1" i="0" u="none" strike="noStrike">
+                        <a:solidFill>
+                          <a:srgbClr val="000000"/>
+                        </a:solidFill>
+                        <a:effectLst/>
+                        <a:latin typeface="Calibri" panose="020F0502020204030204" pitchFamily="34" charset="0"/>
+                      </a:endParaRPr>
+                    </a:p>
+                  </a:txBody>
+                  <a:tcPr marL="9525" marR="9525" marT="9525" marB="0" anchor="b"/>
+                </a:tc>
+                <a:tc>
+                  <a:txBody>
+                    <a:bodyPr/>
+                    <a:lstStyle/>
+                    <a:p>
+                      <a:pPr algn="r" fontAlgn="b"/>
+                      <a:r>
+                        <a:rPr lang="fr-FR" sz="1100" b="1" u="none" strike="noStrike">
+                          <a:effectLst/>
+                        </a:rPr>
+                        <a:t>60</a:t>
+                      </a:r>
+                      <a:endParaRPr lang="fr-FR" sz="1100" b="1" i="0" u="none" strike="noStrike">
+                        <a:solidFill>
+                          <a:srgbClr val="000000"/>
+                        </a:solidFill>
+                        <a:effectLst/>
+                        <a:latin typeface="Calibri" panose="020F0502020204030204" pitchFamily="34" charset="0"/>
+                      </a:endParaRPr>
+                    </a:p>
+                  </a:txBody>
+                  <a:tcPr marL="9525" marR="9525" marT="9525" marB="0" anchor="b"/>
+                </a:tc>
+                <a:tc>
+                  <a:txBody>
+                    <a:bodyPr/>
+                    <a:lstStyle/>
+                    <a:p>
+                      <a:pPr algn="r" fontAlgn="b"/>
+                      <a:r>
+                        <a:rPr lang="fr-FR" sz="1100" b="1" u="none" strike="noStrike">
+                          <a:effectLst/>
+                        </a:rPr>
+                        <a:t>30</a:t>
+                      </a:r>
+                      <a:endParaRPr lang="fr-FR" sz="1100" b="1" i="0" u="none" strike="noStrike">
+                        <a:solidFill>
+                          <a:srgbClr val="000000"/>
+                        </a:solidFill>
+                        <a:effectLst/>
+                        <a:latin typeface="Calibri" panose="020F0502020204030204" pitchFamily="34" charset="0"/>
+                      </a:endParaRPr>
+                    </a:p>
+                  </a:txBody>
+                  <a:tcPr marL="9525" marR="9525" marT="9525" marB="0" anchor="b"/>
+                </a:tc>
+              </a:tr>
+              <a:tr h="190500">
+                <a:tc>
+                  <a:txBody>
+                    <a:bodyPr/>
+                    <a:lstStyle/>
+                    <a:p>
+                      <a:pPr algn="r" fontAlgn="b"/>
+                      <a:r>
+                        <a:rPr lang="fr-FR" sz="1100" b="1" u="none" strike="noStrike">
+                          <a:effectLst/>
+                        </a:rPr>
+                        <a:t>0,15</a:t>
+                      </a:r>
+                      <a:endParaRPr lang="fr-FR" sz="1100" b="1" i="0" u="none" strike="noStrike">
+                        <a:solidFill>
+                          <a:srgbClr val="000000"/>
+                        </a:solidFill>
+                        <a:effectLst/>
+                        <a:latin typeface="Calibri" panose="020F0502020204030204" pitchFamily="34" charset="0"/>
+                      </a:endParaRPr>
+                    </a:p>
+                  </a:txBody>
+                  <a:tcPr marL="9525" marR="9525" marT="9525" marB="0" anchor="b"/>
+                </a:tc>
+                <a:tc>
+                  <a:txBody>
+                    <a:bodyPr/>
+                    <a:lstStyle/>
+                    <a:p>
+                      <a:pPr algn="r" fontAlgn="b"/>
+                      <a:r>
+                        <a:rPr lang="fr-FR" sz="1100" b="1" u="none" strike="noStrike">
+                          <a:effectLst/>
+                        </a:rPr>
+                        <a:t>60</a:t>
+                      </a:r>
+                      <a:endParaRPr lang="fr-FR" sz="1100" b="1" i="0" u="none" strike="noStrike">
+                        <a:solidFill>
+                          <a:srgbClr val="000000"/>
+                        </a:solidFill>
+                        <a:effectLst/>
+                        <a:latin typeface="Calibri" panose="020F0502020204030204" pitchFamily="34" charset="0"/>
+                      </a:endParaRPr>
+                    </a:p>
+                  </a:txBody>
+                  <a:tcPr marL="9525" marR="9525" marT="9525" marB="0" anchor="b"/>
+                </a:tc>
+                <a:tc>
+                  <a:txBody>
+                    <a:bodyPr/>
+                    <a:lstStyle/>
+                    <a:p>
+                      <a:pPr algn="r" fontAlgn="b"/>
+                      <a:r>
+                        <a:rPr lang="fr-FR" sz="1100" b="1" u="none" strike="noStrike">
+                          <a:effectLst/>
+                        </a:rPr>
+                        <a:t>90</a:t>
+                      </a:r>
+                      <a:endParaRPr lang="fr-FR" sz="1100" b="1" i="0" u="none" strike="noStrike">
+                        <a:solidFill>
+                          <a:srgbClr val="000000"/>
+                        </a:solidFill>
+                        <a:effectLst/>
+                        <a:latin typeface="Calibri" panose="020F0502020204030204" pitchFamily="34" charset="0"/>
+                      </a:endParaRPr>
+                    </a:p>
+                  </a:txBody>
+                  <a:tcPr marL="9525" marR="9525" marT="9525" marB="0" anchor="b"/>
+                </a:tc>
+                <a:tc>
+                  <a:txBody>
+                    <a:bodyPr/>
+                    <a:lstStyle/>
+                    <a:p>
+                      <a:pPr algn="r" fontAlgn="b"/>
+                      <a:r>
+                        <a:rPr lang="fr-FR" sz="1100" b="1" u="none" strike="noStrike">
+                          <a:effectLst/>
+                        </a:rPr>
+                        <a:t>70</a:t>
+                      </a:r>
+                      <a:endParaRPr lang="fr-FR" sz="1100" b="1" i="0" u="none" strike="noStrike">
+                        <a:solidFill>
+                          <a:srgbClr val="000000"/>
+                        </a:solidFill>
+                        <a:effectLst/>
+                        <a:latin typeface="Calibri" panose="020F0502020204030204" pitchFamily="34" charset="0"/>
+                      </a:endParaRPr>
+                    </a:p>
+                  </a:txBody>
+                  <a:tcPr marL="9525" marR="9525" marT="9525" marB="0" anchor="b"/>
+                </a:tc>
+                <a:tc>
+                  <a:txBody>
+                    <a:bodyPr/>
+                    <a:lstStyle/>
+                    <a:p>
+                      <a:pPr algn="r" fontAlgn="b"/>
+                      <a:r>
+                        <a:rPr lang="fr-FR" sz="1100" b="1" u="none" strike="noStrike">
+                          <a:effectLst/>
+                        </a:rPr>
+                        <a:t>90</a:t>
+                      </a:r>
+                      <a:endParaRPr lang="fr-FR" sz="1100" b="1" i="0" u="none" strike="noStrike">
+                        <a:solidFill>
+                          <a:srgbClr val="000000"/>
+                        </a:solidFill>
+                        <a:effectLst/>
+                        <a:latin typeface="Calibri" panose="020F0502020204030204" pitchFamily="34" charset="0"/>
+                      </a:endParaRPr>
+                    </a:p>
+                  </a:txBody>
+                  <a:tcPr marL="9525" marR="9525" marT="9525" marB="0" anchor="b"/>
+                </a:tc>
+                <a:tc>
+                  <a:txBody>
+                    <a:bodyPr/>
+                    <a:lstStyle/>
+                    <a:p>
+                      <a:pPr algn="r" fontAlgn="b"/>
+                      <a:r>
+                        <a:rPr lang="fr-FR" sz="1100" b="1" u="none" strike="noStrike">
+                          <a:effectLst/>
+                        </a:rPr>
+                        <a:t>60</a:t>
+                      </a:r>
+                      <a:endParaRPr lang="fr-FR" sz="1100" b="1" i="0" u="none" strike="noStrike">
+                        <a:solidFill>
+                          <a:srgbClr val="000000"/>
+                        </a:solidFill>
+                        <a:effectLst/>
+                        <a:latin typeface="Calibri" panose="020F0502020204030204" pitchFamily="34" charset="0"/>
+                      </a:endParaRPr>
+                    </a:p>
+                  </a:txBody>
+                  <a:tcPr marL="9525" marR="9525" marT="9525" marB="0" anchor="b"/>
+                </a:tc>
+                <a:tc>
+                  <a:txBody>
+                    <a:bodyPr/>
+                    <a:lstStyle/>
+                    <a:p>
+                      <a:pPr algn="r" fontAlgn="b"/>
+                      <a:r>
+                        <a:rPr lang="fr-FR" sz="1100" b="1" u="none" strike="noStrike">
+                          <a:effectLst/>
+                        </a:rPr>
+                        <a:t>30</a:t>
+                      </a:r>
+                      <a:endParaRPr lang="fr-FR" sz="1100" b="1" i="0" u="none" strike="noStrike">
+                        <a:solidFill>
+                          <a:srgbClr val="000000"/>
+                        </a:solidFill>
+                        <a:effectLst/>
+                        <a:latin typeface="Calibri" panose="020F0502020204030204" pitchFamily="34" charset="0"/>
+                      </a:endParaRPr>
+                    </a:p>
+                  </a:txBody>
+                  <a:tcPr marL="9525" marR="9525" marT="9525" marB="0" anchor="b"/>
+                </a:tc>
+              </a:tr>
+              <a:tr h="190500">
+                <a:tc>
+                  <a:txBody>
+                    <a:bodyPr/>
+                    <a:lstStyle/>
+                    <a:p>
+                      <a:pPr algn="r" fontAlgn="b"/>
+                      <a:r>
+                        <a:rPr lang="fr-FR" sz="1100" b="1" u="none" strike="noStrike">
+                          <a:effectLst/>
+                        </a:rPr>
+                        <a:t>0,175</a:t>
+                      </a:r>
+                      <a:endParaRPr lang="fr-FR" sz="1100" b="1" i="0" u="none" strike="noStrike">
+                        <a:solidFill>
+                          <a:srgbClr val="000000"/>
+                        </a:solidFill>
+                        <a:effectLst/>
+                        <a:latin typeface="Calibri" panose="020F0502020204030204" pitchFamily="34" charset="0"/>
+                      </a:endParaRPr>
+                    </a:p>
+                  </a:txBody>
+                  <a:tcPr marL="9525" marR="9525" marT="9525" marB="0" anchor="b"/>
+                </a:tc>
+                <a:tc>
+                  <a:txBody>
+                    <a:bodyPr/>
+                    <a:lstStyle/>
+                    <a:p>
+                      <a:pPr algn="r" fontAlgn="b"/>
+                      <a:r>
+                        <a:rPr lang="fr-FR" sz="1100" b="1" u="none" strike="noStrike">
+                          <a:effectLst/>
+                        </a:rPr>
+                        <a:t>60</a:t>
+                      </a:r>
+                      <a:endParaRPr lang="fr-FR" sz="1100" b="1" i="0" u="none" strike="noStrike">
+                        <a:solidFill>
+                          <a:srgbClr val="000000"/>
+                        </a:solidFill>
+                        <a:effectLst/>
+                        <a:latin typeface="Calibri" panose="020F0502020204030204" pitchFamily="34" charset="0"/>
+                      </a:endParaRPr>
+                    </a:p>
+                  </a:txBody>
+                  <a:tcPr marL="9525" marR="9525" marT="9525" marB="0" anchor="b"/>
+                </a:tc>
+                <a:tc>
+                  <a:txBody>
+                    <a:bodyPr/>
+                    <a:lstStyle/>
+                    <a:p>
+                      <a:pPr algn="r" fontAlgn="b"/>
+                      <a:r>
+                        <a:rPr lang="fr-FR" sz="1100" b="1" u="none" strike="noStrike">
+                          <a:effectLst/>
+                        </a:rPr>
+                        <a:t>80</a:t>
+                      </a:r>
+                      <a:endParaRPr lang="fr-FR" sz="1100" b="1" i="0" u="none" strike="noStrike">
+                        <a:solidFill>
+                          <a:srgbClr val="000000"/>
+                        </a:solidFill>
+                        <a:effectLst/>
+                        <a:latin typeface="Calibri" panose="020F0502020204030204" pitchFamily="34" charset="0"/>
+                      </a:endParaRPr>
+                    </a:p>
+                  </a:txBody>
+                  <a:tcPr marL="9525" marR="9525" marT="9525" marB="0" anchor="b"/>
+                </a:tc>
+                <a:tc>
+                  <a:txBody>
+                    <a:bodyPr/>
+                    <a:lstStyle/>
+                    <a:p>
+                      <a:pPr algn="r" fontAlgn="b"/>
+                      <a:r>
+                        <a:rPr lang="fr-FR" sz="1100" b="1" u="none" strike="noStrike">
+                          <a:effectLst/>
+                        </a:rPr>
+                        <a:t>90</a:t>
+                      </a:r>
+                      <a:endParaRPr lang="fr-FR" sz="1100" b="1" i="0" u="none" strike="noStrike">
+                        <a:solidFill>
+                          <a:srgbClr val="000000"/>
+                        </a:solidFill>
+                        <a:effectLst/>
+                        <a:latin typeface="Calibri" panose="020F0502020204030204" pitchFamily="34" charset="0"/>
+                      </a:endParaRPr>
+                    </a:p>
+                  </a:txBody>
+                  <a:tcPr marL="9525" marR="9525" marT="9525" marB="0" anchor="b"/>
+                </a:tc>
+                <a:tc>
+                  <a:txBody>
+                    <a:bodyPr/>
+                    <a:lstStyle/>
+                    <a:p>
+                      <a:pPr algn="r" fontAlgn="b"/>
+                      <a:r>
+                        <a:rPr lang="fr-FR" sz="1100" b="1" u="none" strike="noStrike">
+                          <a:effectLst/>
+                        </a:rPr>
+                        <a:t>80</a:t>
+                      </a:r>
+                      <a:endParaRPr lang="fr-FR" sz="1100" b="1" i="0" u="none" strike="noStrike">
+                        <a:solidFill>
+                          <a:srgbClr val="000000"/>
+                        </a:solidFill>
+                        <a:effectLst/>
+                        <a:latin typeface="Calibri" panose="020F0502020204030204" pitchFamily="34" charset="0"/>
+                      </a:endParaRPr>
+                    </a:p>
+                  </a:txBody>
+                  <a:tcPr marL="9525" marR="9525" marT="9525" marB="0" anchor="b"/>
+                </a:tc>
+                <a:tc>
+                  <a:txBody>
+                    <a:bodyPr/>
+                    <a:lstStyle/>
+                    <a:p>
+                      <a:pPr algn="r" fontAlgn="b"/>
+                      <a:r>
+                        <a:rPr lang="fr-FR" sz="1100" b="1" u="none" strike="noStrike">
+                          <a:effectLst/>
+                        </a:rPr>
+                        <a:t>50</a:t>
+                      </a:r>
+                      <a:endParaRPr lang="fr-FR" sz="1100" b="1" i="0" u="none" strike="noStrike">
+                        <a:solidFill>
+                          <a:srgbClr val="000000"/>
+                        </a:solidFill>
+                        <a:effectLst/>
+                        <a:latin typeface="Calibri" panose="020F0502020204030204" pitchFamily="34" charset="0"/>
+                      </a:endParaRPr>
+                    </a:p>
+                  </a:txBody>
+                  <a:tcPr marL="9525" marR="9525" marT="9525" marB="0" anchor="b"/>
+                </a:tc>
+                <a:tc>
+                  <a:txBody>
+                    <a:bodyPr/>
+                    <a:lstStyle/>
+                    <a:p>
+                      <a:pPr algn="r" fontAlgn="b"/>
+                      <a:r>
+                        <a:rPr lang="fr-FR" sz="1100" b="1" u="none" strike="noStrike">
+                          <a:effectLst/>
+                        </a:rPr>
+                        <a:t>20</a:t>
+                      </a:r>
+                      <a:endParaRPr lang="fr-FR" sz="1100" b="1" i="0" u="none" strike="noStrike">
+                        <a:solidFill>
+                          <a:srgbClr val="000000"/>
+                        </a:solidFill>
+                        <a:effectLst/>
+                        <a:latin typeface="Calibri" panose="020F0502020204030204" pitchFamily="34" charset="0"/>
+                      </a:endParaRPr>
+                    </a:p>
+                  </a:txBody>
+                  <a:tcPr marL="9525" marR="9525" marT="9525" marB="0" anchor="b"/>
+                </a:tc>
+              </a:tr>
+              <a:tr h="200026">
+                <a:tc>
+                  <a:txBody>
+                    <a:bodyPr/>
+                    <a:lstStyle/>
+                    <a:p>
+                      <a:pPr algn="r" fontAlgn="b"/>
+                      <a:r>
+                        <a:rPr lang="fr-FR" sz="1100" b="1" u="none" strike="noStrike">
+                          <a:effectLst/>
+                        </a:rPr>
+                        <a:t>0,2</a:t>
+                      </a:r>
+                      <a:endParaRPr lang="fr-FR" sz="1100" b="1" i="0" u="none" strike="noStrike">
+                        <a:solidFill>
+                          <a:srgbClr val="000000"/>
+                        </a:solidFill>
+                        <a:effectLst/>
+                        <a:latin typeface="Calibri" panose="020F0502020204030204" pitchFamily="34" charset="0"/>
+                      </a:endParaRPr>
+                    </a:p>
+                  </a:txBody>
+                  <a:tcPr marL="9525" marR="9525" marT="9525" marB="0" anchor="b"/>
+                </a:tc>
+                <a:tc>
+                  <a:txBody>
+                    <a:bodyPr/>
+                    <a:lstStyle/>
+                    <a:p>
+                      <a:pPr algn="r" fontAlgn="b"/>
+                      <a:r>
+                        <a:rPr lang="fr-FR" sz="1100" b="1" u="none" strike="noStrike">
+                          <a:effectLst/>
+                        </a:rPr>
+                        <a:t>60</a:t>
+                      </a:r>
+                      <a:endParaRPr lang="fr-FR" sz="1100" b="1" i="0" u="none" strike="noStrike">
+                        <a:solidFill>
+                          <a:srgbClr val="000000"/>
+                        </a:solidFill>
+                        <a:effectLst/>
+                        <a:latin typeface="Calibri" panose="020F0502020204030204" pitchFamily="34" charset="0"/>
+                      </a:endParaRPr>
+                    </a:p>
+                  </a:txBody>
+                  <a:tcPr marL="9525" marR="9525" marT="9525" marB="0" anchor="b"/>
+                </a:tc>
+                <a:tc>
+                  <a:txBody>
+                    <a:bodyPr/>
+                    <a:lstStyle/>
+                    <a:p>
+                      <a:pPr algn="r" fontAlgn="b"/>
+                      <a:r>
+                        <a:rPr lang="fr-FR" sz="1100" b="1" u="none" strike="noStrike">
+                          <a:effectLst/>
+                        </a:rPr>
+                        <a:t>50</a:t>
+                      </a:r>
+                      <a:endParaRPr lang="fr-FR" sz="1100" b="1" i="0" u="none" strike="noStrike">
+                        <a:solidFill>
+                          <a:srgbClr val="000000"/>
+                        </a:solidFill>
+                        <a:effectLst/>
+                        <a:latin typeface="Calibri" panose="020F0502020204030204" pitchFamily="34" charset="0"/>
+                      </a:endParaRPr>
+                    </a:p>
+                  </a:txBody>
+                  <a:tcPr marL="9525" marR="9525" marT="9525" marB="0" anchor="b"/>
+                </a:tc>
+                <a:tc>
+                  <a:txBody>
+                    <a:bodyPr/>
+                    <a:lstStyle/>
+                    <a:p>
+                      <a:pPr algn="r" fontAlgn="b"/>
+                      <a:r>
+                        <a:rPr lang="fr-FR" sz="1100" b="1" u="none" strike="noStrike">
+                          <a:effectLst/>
+                        </a:rPr>
+                        <a:t>60</a:t>
+                      </a:r>
+                      <a:endParaRPr lang="fr-FR" sz="1100" b="1" i="0" u="none" strike="noStrike">
+                        <a:solidFill>
+                          <a:srgbClr val="000000"/>
+                        </a:solidFill>
+                        <a:effectLst/>
+                        <a:latin typeface="Calibri" panose="020F0502020204030204" pitchFamily="34" charset="0"/>
+                      </a:endParaRPr>
+                    </a:p>
+                  </a:txBody>
+                  <a:tcPr marL="9525" marR="9525" marT="9525" marB="0" anchor="b"/>
+                </a:tc>
+                <a:tc>
+                  <a:txBody>
+                    <a:bodyPr/>
+                    <a:lstStyle/>
+                    <a:p>
+                      <a:pPr algn="r" fontAlgn="b"/>
+                      <a:r>
+                        <a:rPr lang="fr-FR" sz="1100" b="1" u="none" strike="noStrike">
+                          <a:effectLst/>
+                        </a:rPr>
+                        <a:t>80</a:t>
+                      </a:r>
+                      <a:endParaRPr lang="fr-FR" sz="1100" b="1" i="0" u="none" strike="noStrike">
+                        <a:solidFill>
+                          <a:srgbClr val="000000"/>
+                        </a:solidFill>
+                        <a:effectLst/>
+                        <a:latin typeface="Calibri" panose="020F0502020204030204" pitchFamily="34" charset="0"/>
+                      </a:endParaRPr>
+                    </a:p>
+                  </a:txBody>
+                  <a:tcPr marL="9525" marR="9525" marT="9525" marB="0" anchor="b"/>
+                </a:tc>
+                <a:tc>
+                  <a:txBody>
+                    <a:bodyPr/>
+                    <a:lstStyle/>
+                    <a:p>
+                      <a:pPr algn="r" fontAlgn="b"/>
+                      <a:r>
+                        <a:rPr lang="fr-FR" sz="1100" b="1" u="none" strike="noStrike">
+                          <a:effectLst/>
+                        </a:rPr>
+                        <a:t>30</a:t>
+                      </a:r>
+                      <a:endParaRPr lang="fr-FR" sz="1100" b="1" i="0" u="none" strike="noStrike">
+                        <a:solidFill>
+                          <a:srgbClr val="000000"/>
+                        </a:solidFill>
+                        <a:effectLst/>
+                        <a:latin typeface="Calibri" panose="020F0502020204030204" pitchFamily="34" charset="0"/>
+                      </a:endParaRPr>
+                    </a:p>
+                  </a:txBody>
+                  <a:tcPr marL="9525" marR="9525" marT="9525" marB="0" anchor="b"/>
+                </a:tc>
+                <a:tc>
+                  <a:txBody>
+                    <a:bodyPr/>
+                    <a:lstStyle/>
+                    <a:p>
+                      <a:pPr algn="r" fontAlgn="b"/>
+                      <a:r>
+                        <a:rPr lang="fr-FR" sz="1100" b="1" u="none" strike="noStrike" dirty="0">
+                          <a:effectLst/>
+                        </a:rPr>
+                        <a:t>10</a:t>
+                      </a:r>
+                      <a:endParaRPr lang="fr-FR" sz="1100" b="1" i="0" u="none" strike="noStrike" dirty="0">
+                        <a:solidFill>
+                          <a:srgbClr val="000000"/>
+                        </a:solidFill>
+                        <a:effectLst/>
+                        <a:latin typeface="Calibri" panose="020F0502020204030204" pitchFamily="34" charset="0"/>
+                      </a:endParaRPr>
+                    </a:p>
+                  </a:txBody>
+                  <a:tcPr marL="9525" marR="9525" marT="9525" marB="0" anchor="b"/>
+                </a:tc>
+              </a:tr>
+            </a:tbl>
+          </a:graphicData>
+        </a:graphic>
+      </p:graphicFrame>
+      <p:cxnSp>
+        <p:nvCxnSpPr>
+          <p:cNvPr id="8" name="Connecteur droit 7"/>
+          <p:cNvCxnSpPr/>
+          <p:nvPr/>
+        </p:nvCxnSpPr>
+        <p:spPr>
+          <a:xfrm flipH="1">
+            <a:off x="5421086" y="1687286"/>
+            <a:ext cx="10885" cy="3962400"/>
+          </a:xfrm>
+          <a:prstGeom prst="line">
+            <a:avLst/>
+          </a:prstGeom>
+          <a:ln w="57150"/>
+        </p:spPr>
+        <p:style>
+          <a:lnRef idx="1">
+            <a:schemeClr val="accent1"/>
+          </a:lnRef>
+          <a:fillRef idx="0">
+            <a:schemeClr val="accent1"/>
+          </a:fillRef>
+          <a:effectRef idx="0">
+            <a:schemeClr val="accent1"/>
+          </a:effectRef>
+          <a:fontRef idx="minor">
+            <a:schemeClr val="tx1"/>
+          </a:fontRef>
+        </p:style>
+      </p:cxnSp>
+      <p:sp>
+        <p:nvSpPr>
+          <p:cNvPr id="9" name="Titre 1"/>
+          <p:cNvSpPr>
+            <a:spLocks noGrp="1"/>
+          </p:cNvSpPr>
+          <p:nvPr>
+            <p:ph type="title"/>
+          </p:nvPr>
+        </p:nvSpPr>
+        <p:spPr>
+          <a:xfrm>
+            <a:off x="1369783" y="1687015"/>
+            <a:ext cx="4406295" cy="743403"/>
+          </a:xfrm>
+        </p:spPr>
+        <p:txBody>
+          <a:bodyPr>
+            <a:noAutofit/>
+          </a:bodyPr>
+          <a:lstStyle/>
+          <a:p>
+            <a:r>
+              <a:rPr lang="fr-FR" sz="1800" b="1" dirty="0" smtClean="0">
+                <a:ln>
+                  <a:solidFill>
+                    <a:schemeClr val="tx1"/>
+                  </a:solidFill>
+                </a:ln>
+                <a:solidFill>
+                  <a:schemeClr val="accent1">
+                    <a:lumMod val="75000"/>
+                  </a:schemeClr>
+                </a:solidFill>
+              </a:rPr>
+              <a:t>Description + classification</a:t>
+            </a:r>
+            <a:r>
+              <a:rPr lang="fr-FR" sz="1800" dirty="0"/>
+              <a:t/>
+            </a:r>
+            <a:br>
+              <a:rPr lang="fr-FR" sz="1800" dirty="0"/>
+            </a:br>
+            <a:endParaRPr lang="fr-FR" sz="1800" b="1" dirty="0">
+              <a:ln>
+                <a:solidFill>
+                  <a:schemeClr val="tx1"/>
+                </a:solidFill>
+              </a:ln>
+              <a:solidFill>
+                <a:schemeClr val="accent1">
+                  <a:lumMod val="75000"/>
+                </a:schemeClr>
+              </a:solidFill>
+            </a:endParaRPr>
+          </a:p>
+        </p:txBody>
+      </p:sp>
+      <p:sp>
+        <p:nvSpPr>
+          <p:cNvPr id="10" name="Titre 1"/>
+          <p:cNvSpPr txBox="1">
+            <a:spLocks/>
+          </p:cNvSpPr>
+          <p:nvPr/>
+        </p:nvSpPr>
+        <p:spPr>
+          <a:xfrm>
+            <a:off x="5932714" y="1687285"/>
+            <a:ext cx="4406295" cy="743403"/>
+          </a:xfrm>
+          <a:prstGeom prst="rect">
+            <a:avLst/>
+          </a:prstGeom>
+        </p:spPr>
+        <p:txBody>
+          <a:bodyPr vert="horz" lIns="91440" tIns="45720" rIns="91440" bIns="45720" rtlCol="0" anchor="t">
+            <a:noAutofit/>
+          </a:bodyPr>
+          <a:lstStyle>
+            <a:lvl1pPr algn="l" defTabSz="457200" rtl="0" eaLnBrk="1" latinLnBrk="0" hangingPunct="1">
+              <a:spcBef>
+                <a:spcPct val="0"/>
+              </a:spcBef>
+              <a:buNone/>
+              <a:defRPr sz="3600" kern="1200">
+                <a:solidFill>
+                  <a:schemeClr val="accent1"/>
+                </a:solidFill>
+                <a:latin typeface="+mj-lt"/>
+                <a:ea typeface="+mj-ea"/>
+                <a:cs typeface="+mj-cs"/>
+              </a:defRPr>
+            </a:lvl1pPr>
+            <a:lvl2pPr eaLnBrk="1" hangingPunct="1">
+              <a:defRPr>
+                <a:solidFill>
+                  <a:schemeClr val="tx2"/>
+                </a:solidFill>
+              </a:defRPr>
+            </a:lvl2pPr>
+            <a:lvl3pPr eaLnBrk="1" hangingPunct="1">
+              <a:defRPr>
+                <a:solidFill>
+                  <a:schemeClr val="tx2"/>
+                </a:solidFill>
+              </a:defRPr>
+            </a:lvl3pPr>
+            <a:lvl4pPr eaLnBrk="1" hangingPunct="1">
+              <a:defRPr>
+                <a:solidFill>
+                  <a:schemeClr val="tx2"/>
+                </a:solidFill>
+              </a:defRPr>
+            </a:lvl4pPr>
+            <a:lvl5pPr eaLnBrk="1" hangingPunct="1">
+              <a:defRPr>
+                <a:solidFill>
+                  <a:schemeClr val="tx2"/>
+                </a:solidFill>
+              </a:defRPr>
+            </a:lvl5pPr>
+            <a:lvl6pPr eaLnBrk="1" hangingPunct="1">
+              <a:defRPr>
+                <a:solidFill>
+                  <a:schemeClr val="tx2"/>
+                </a:solidFill>
+              </a:defRPr>
+            </a:lvl6pPr>
+            <a:lvl7pPr eaLnBrk="1" hangingPunct="1">
+              <a:defRPr>
+                <a:solidFill>
+                  <a:schemeClr val="tx2"/>
+                </a:solidFill>
+              </a:defRPr>
+            </a:lvl7pPr>
+            <a:lvl8pPr eaLnBrk="1" hangingPunct="1">
+              <a:defRPr>
+                <a:solidFill>
+                  <a:schemeClr val="tx2"/>
+                </a:solidFill>
+              </a:defRPr>
+            </a:lvl8pPr>
+            <a:lvl9pPr eaLnBrk="1" hangingPunct="1">
+              <a:defRPr>
+                <a:solidFill>
+                  <a:schemeClr val="tx2"/>
+                </a:solidFill>
+              </a:defRPr>
+            </a:lvl9pPr>
+          </a:lstStyle>
+          <a:p>
+            <a:r>
+              <a:rPr lang="fr-FR" sz="1800" b="1" dirty="0" smtClean="0">
+                <a:ln>
+                  <a:solidFill>
+                    <a:schemeClr val="tx1"/>
+                  </a:solidFill>
+                </a:ln>
+                <a:solidFill>
+                  <a:schemeClr val="accent1">
+                    <a:lumMod val="75000"/>
+                  </a:schemeClr>
+                </a:solidFill>
+              </a:rPr>
+              <a:t>Comptage</a:t>
+            </a:r>
+            <a:r>
+              <a:rPr lang="fr-FR" sz="1800" dirty="0" smtClean="0"/>
+              <a:t/>
+            </a:r>
+            <a:br>
+              <a:rPr lang="fr-FR" sz="1800" dirty="0" smtClean="0"/>
+            </a:br>
+            <a:endParaRPr lang="fr-FR" sz="1800" b="1" dirty="0">
+              <a:ln>
+                <a:solidFill>
+                  <a:schemeClr val="tx1"/>
+                </a:solidFill>
+              </a:ln>
+              <a:solidFill>
+                <a:schemeClr val="accent1">
+                  <a:lumMod val="75000"/>
+                </a:schemeClr>
+              </a:solidFill>
+            </a:endParaRPr>
+          </a:p>
+        </p:txBody>
+      </p:sp>
+      <p:graphicFrame>
+        <p:nvGraphicFramePr>
+          <p:cNvPr id="11" name="Tableau 10"/>
+          <p:cNvGraphicFramePr>
+            <a:graphicFrameLocks noGrp="1"/>
+          </p:cNvGraphicFramePr>
+          <p:nvPr>
+            <p:extLst>
+              <p:ext uri="{D42A27DB-BD31-4B8C-83A1-F6EECF244321}">
+                <p14:modId xmlns:p14="http://schemas.microsoft.com/office/powerpoint/2010/main" val="2344838757"/>
+              </p:ext>
+            </p:extLst>
+          </p:nvPr>
+        </p:nvGraphicFramePr>
+        <p:xfrm>
+          <a:off x="5776078" y="4235221"/>
+          <a:ext cx="5334000" cy="1674495"/>
+        </p:xfrm>
+        <a:graphic>
+          <a:graphicData uri="http://schemas.openxmlformats.org/drawingml/2006/table">
+            <a:tbl>
+              <a:tblPr>
+                <a:tableStyleId>{5C22544A-7EE6-4342-B048-85BDC9FD1C3A}</a:tableStyleId>
+              </a:tblPr>
+              <a:tblGrid>
+                <a:gridCol w="762000"/>
+                <a:gridCol w="762000"/>
+                <a:gridCol w="762000"/>
+                <a:gridCol w="762000"/>
+                <a:gridCol w="762000"/>
+                <a:gridCol w="762000"/>
+                <a:gridCol w="762000"/>
+              </a:tblGrid>
+              <a:tr h="200025">
+                <a:tc gridSpan="7">
+                  <a:txBody>
+                    <a:bodyPr/>
+                    <a:lstStyle/>
+                    <a:p>
+                      <a:pPr algn="ctr" fontAlgn="b"/>
+                      <a:r>
+                        <a:rPr lang="fr-FR" sz="1100" b="1" u="none" strike="noStrike" dirty="0">
+                          <a:effectLst/>
+                        </a:rPr>
+                        <a:t>DISK - FPS</a:t>
+                      </a:r>
+                      <a:endParaRPr lang="fr-FR" sz="1100" b="1" i="0" u="none" strike="noStrike" dirty="0">
+                        <a:solidFill>
+                          <a:srgbClr val="000000"/>
+                        </a:solidFill>
+                        <a:effectLst/>
+                        <a:latin typeface="Calibri" panose="020F0502020204030204" pitchFamily="34" charset="0"/>
+                      </a:endParaRPr>
+                    </a:p>
+                  </a:txBody>
+                  <a:tcPr marL="9525" marR="9525" marT="9525" marB="0" anchor="b"/>
+                </a:tc>
+                <a:tc hMerge="1">
+                  <a:txBody>
+                    <a:bodyPr/>
+                    <a:lstStyle/>
+                    <a:p>
+                      <a:endParaRPr lang="fr-FR"/>
+                    </a:p>
+                  </a:txBody>
+                  <a:tcPr/>
+                </a:tc>
+                <a:tc hMerge="1">
+                  <a:txBody>
+                    <a:bodyPr/>
+                    <a:lstStyle/>
+                    <a:p>
+                      <a:endParaRPr lang="fr-FR"/>
+                    </a:p>
+                  </a:txBody>
+                  <a:tcPr/>
+                </a:tc>
+                <a:tc hMerge="1">
+                  <a:txBody>
+                    <a:bodyPr/>
+                    <a:lstStyle/>
+                    <a:p>
+                      <a:endParaRPr lang="fr-FR"/>
+                    </a:p>
+                  </a:txBody>
+                  <a:tcPr/>
+                </a:tc>
+                <a:tc hMerge="1">
+                  <a:txBody>
+                    <a:bodyPr/>
+                    <a:lstStyle/>
+                    <a:p>
+                      <a:endParaRPr lang="fr-FR"/>
+                    </a:p>
+                  </a:txBody>
+                  <a:tcPr/>
+                </a:tc>
+                <a:tc hMerge="1">
+                  <a:txBody>
+                    <a:bodyPr/>
+                    <a:lstStyle/>
+                    <a:p>
+                      <a:endParaRPr lang="fr-FR"/>
+                    </a:p>
+                  </a:txBody>
+                  <a:tcPr/>
+                </a:tc>
+                <a:tc hMerge="1">
+                  <a:txBody>
+                    <a:bodyPr/>
+                    <a:lstStyle/>
+                    <a:p>
+                      <a:endParaRPr lang="fr-FR"/>
+                    </a:p>
+                  </a:txBody>
+                  <a:tcPr/>
+                </a:tc>
+              </a:tr>
+              <a:tr h="390525">
+                <a:tc>
+                  <a:txBody>
+                    <a:bodyPr/>
+                    <a:lstStyle/>
+                    <a:p>
+                      <a:pPr algn="l" fontAlgn="b"/>
+                      <a:r>
+                        <a:rPr lang="fr-FR" sz="1100" b="1" u="none" strike="noStrike">
+                          <a:effectLst/>
+                        </a:rPr>
+                        <a:t>            Taille</a:t>
+                      </a:r>
+                      <a:br>
+                        <a:rPr lang="fr-FR" sz="1100" b="1" u="none" strike="noStrike">
+                          <a:effectLst/>
+                        </a:rPr>
+                      </a:br>
+                      <a:r>
+                        <a:rPr lang="fr-FR" sz="1100" b="1" u="none" strike="noStrike">
+                          <a:effectLst/>
+                        </a:rPr>
+                        <a:t>Seuil</a:t>
+                      </a:r>
+                      <a:endParaRPr lang="fr-FR" sz="1100" b="1" i="0" u="none" strike="noStrike">
+                        <a:solidFill>
+                          <a:srgbClr val="000000"/>
+                        </a:solidFill>
+                        <a:effectLst/>
+                        <a:latin typeface="Calibri" panose="020F0502020204030204" pitchFamily="34" charset="0"/>
+                      </a:endParaRPr>
+                    </a:p>
+                  </a:txBody>
+                  <a:tcPr marL="9525" marR="9525" marT="9525" marB="0" anchor="b"/>
+                </a:tc>
+                <a:tc>
+                  <a:txBody>
+                    <a:bodyPr/>
+                    <a:lstStyle/>
+                    <a:p>
+                      <a:pPr algn="ctr" fontAlgn="ctr"/>
+                      <a:r>
+                        <a:rPr lang="fr-FR" sz="1100" b="1" u="none" strike="noStrike">
+                          <a:effectLst/>
+                        </a:rPr>
+                        <a:t>2</a:t>
+                      </a:r>
+                      <a:endParaRPr lang="fr-FR" sz="1100" b="1" i="0" u="none" strike="noStrike">
+                        <a:solidFill>
+                          <a:srgbClr val="000000"/>
+                        </a:solidFill>
+                        <a:effectLst/>
+                        <a:latin typeface="Calibri" panose="020F0502020204030204" pitchFamily="34" charset="0"/>
+                      </a:endParaRPr>
+                    </a:p>
+                  </a:txBody>
+                  <a:tcPr marL="9525" marR="9525" marT="9525" marB="0" anchor="ctr"/>
+                </a:tc>
+                <a:tc>
+                  <a:txBody>
+                    <a:bodyPr/>
+                    <a:lstStyle/>
+                    <a:p>
+                      <a:pPr algn="ctr" fontAlgn="ctr"/>
+                      <a:r>
+                        <a:rPr lang="fr-FR" sz="1100" b="1" u="none" strike="noStrike">
+                          <a:effectLst/>
+                        </a:rPr>
+                        <a:t>3</a:t>
+                      </a:r>
+                      <a:endParaRPr lang="fr-FR" sz="1100" b="1" i="0" u="none" strike="noStrike">
+                        <a:solidFill>
+                          <a:srgbClr val="000000"/>
+                        </a:solidFill>
+                        <a:effectLst/>
+                        <a:latin typeface="Calibri" panose="020F0502020204030204" pitchFamily="34" charset="0"/>
+                      </a:endParaRPr>
+                    </a:p>
+                  </a:txBody>
+                  <a:tcPr marL="9525" marR="9525" marT="9525" marB="0" anchor="ctr"/>
+                </a:tc>
+                <a:tc>
+                  <a:txBody>
+                    <a:bodyPr/>
+                    <a:lstStyle/>
+                    <a:p>
+                      <a:pPr algn="ctr" fontAlgn="ctr"/>
+                      <a:r>
+                        <a:rPr lang="fr-FR" sz="1100" b="1" u="none" strike="noStrike">
+                          <a:effectLst/>
+                        </a:rPr>
+                        <a:t>4</a:t>
+                      </a:r>
+                      <a:endParaRPr lang="fr-FR" sz="1100" b="1" i="0" u="none" strike="noStrike">
+                        <a:solidFill>
+                          <a:srgbClr val="000000"/>
+                        </a:solidFill>
+                        <a:effectLst/>
+                        <a:latin typeface="Calibri" panose="020F0502020204030204" pitchFamily="34" charset="0"/>
+                      </a:endParaRPr>
+                    </a:p>
+                  </a:txBody>
+                  <a:tcPr marL="9525" marR="9525" marT="9525" marB="0" anchor="ctr"/>
+                </a:tc>
+                <a:tc>
+                  <a:txBody>
+                    <a:bodyPr/>
+                    <a:lstStyle/>
+                    <a:p>
+                      <a:pPr algn="ctr" fontAlgn="ctr"/>
+                      <a:r>
+                        <a:rPr lang="fr-FR" sz="1100" b="1" u="none" strike="noStrike" dirty="0">
+                          <a:effectLst/>
+                        </a:rPr>
+                        <a:t>5</a:t>
+                      </a:r>
+                      <a:endParaRPr lang="fr-FR" sz="1100" b="1" i="0" u="none" strike="noStrike" dirty="0">
+                        <a:solidFill>
+                          <a:srgbClr val="000000"/>
+                        </a:solidFill>
+                        <a:effectLst/>
+                        <a:latin typeface="Calibri" panose="020F0502020204030204" pitchFamily="34" charset="0"/>
+                      </a:endParaRPr>
+                    </a:p>
+                  </a:txBody>
+                  <a:tcPr marL="9525" marR="9525" marT="9525" marB="0" anchor="ctr"/>
+                </a:tc>
+                <a:tc>
+                  <a:txBody>
+                    <a:bodyPr/>
+                    <a:lstStyle/>
+                    <a:p>
+                      <a:pPr algn="ctr" fontAlgn="ctr"/>
+                      <a:r>
+                        <a:rPr lang="fr-FR" sz="1100" b="1" u="none" strike="noStrike">
+                          <a:effectLst/>
+                        </a:rPr>
+                        <a:t>6</a:t>
+                      </a:r>
+                      <a:endParaRPr lang="fr-FR" sz="1100" b="1" i="0" u="none" strike="noStrike">
+                        <a:solidFill>
+                          <a:srgbClr val="000000"/>
+                        </a:solidFill>
+                        <a:effectLst/>
+                        <a:latin typeface="Calibri" panose="020F0502020204030204" pitchFamily="34" charset="0"/>
+                      </a:endParaRPr>
+                    </a:p>
+                  </a:txBody>
+                  <a:tcPr marL="9525" marR="9525" marT="9525" marB="0" anchor="ctr"/>
+                </a:tc>
+                <a:tc>
+                  <a:txBody>
+                    <a:bodyPr/>
+                    <a:lstStyle/>
+                    <a:p>
+                      <a:pPr algn="ctr" fontAlgn="ctr"/>
+                      <a:r>
+                        <a:rPr lang="fr-FR" sz="1100" b="1" u="none" strike="noStrike">
+                          <a:effectLst/>
+                        </a:rPr>
+                        <a:t>7</a:t>
+                      </a:r>
+                      <a:endParaRPr lang="fr-FR" sz="1100" b="1" i="0" u="none" strike="noStrike">
+                        <a:solidFill>
+                          <a:srgbClr val="000000"/>
+                        </a:solidFill>
+                        <a:effectLst/>
+                        <a:latin typeface="Calibri" panose="020F0502020204030204" pitchFamily="34" charset="0"/>
+                      </a:endParaRPr>
+                    </a:p>
+                  </a:txBody>
+                  <a:tcPr marL="9525" marR="9525" marT="9525" marB="0" anchor="ctr"/>
+                </a:tc>
+              </a:tr>
+              <a:tr h="190500">
+                <a:tc>
+                  <a:txBody>
+                    <a:bodyPr/>
+                    <a:lstStyle/>
+                    <a:p>
+                      <a:pPr algn="r" fontAlgn="b"/>
+                      <a:r>
+                        <a:rPr lang="fr-FR" sz="1100" b="1" u="none" strike="noStrike">
+                          <a:effectLst/>
+                        </a:rPr>
+                        <a:t>0,1</a:t>
+                      </a:r>
+                      <a:endParaRPr lang="fr-FR" sz="1100" b="1" i="0" u="none" strike="noStrike">
+                        <a:solidFill>
+                          <a:srgbClr val="000000"/>
+                        </a:solidFill>
+                        <a:effectLst/>
+                        <a:latin typeface="Calibri" panose="020F0502020204030204" pitchFamily="34" charset="0"/>
+                      </a:endParaRPr>
+                    </a:p>
+                  </a:txBody>
+                  <a:tcPr marL="9525" marR="9525" marT="9525" marB="0" anchor="b"/>
+                </a:tc>
+                <a:tc>
+                  <a:txBody>
+                    <a:bodyPr/>
+                    <a:lstStyle/>
+                    <a:p>
+                      <a:pPr algn="r" fontAlgn="b"/>
+                      <a:r>
+                        <a:rPr lang="fr-FR" sz="1100" b="1" u="none" strike="noStrike">
+                          <a:effectLst/>
+                        </a:rPr>
+                        <a:t>15,5094</a:t>
+                      </a:r>
+                      <a:endParaRPr lang="fr-FR" sz="1100" b="1" i="0" u="none" strike="noStrike">
+                        <a:solidFill>
+                          <a:srgbClr val="000000"/>
+                        </a:solidFill>
+                        <a:effectLst/>
+                        <a:latin typeface="Calibri" panose="020F0502020204030204" pitchFamily="34" charset="0"/>
+                      </a:endParaRPr>
+                    </a:p>
+                  </a:txBody>
+                  <a:tcPr marL="9525" marR="9525" marT="9525" marB="0" anchor="b"/>
+                </a:tc>
+                <a:tc>
+                  <a:txBody>
+                    <a:bodyPr/>
+                    <a:lstStyle/>
+                    <a:p>
+                      <a:pPr algn="r" fontAlgn="b"/>
+                      <a:r>
+                        <a:rPr lang="fr-FR" sz="1100" b="1" u="none" strike="noStrike">
+                          <a:effectLst/>
+                        </a:rPr>
+                        <a:t>12,8094</a:t>
+                      </a:r>
+                      <a:endParaRPr lang="fr-FR" sz="1100" b="1" i="0" u="none" strike="noStrike">
+                        <a:solidFill>
+                          <a:srgbClr val="000000"/>
+                        </a:solidFill>
+                        <a:effectLst/>
+                        <a:latin typeface="Calibri" panose="020F0502020204030204" pitchFamily="34" charset="0"/>
+                      </a:endParaRPr>
+                    </a:p>
+                  </a:txBody>
+                  <a:tcPr marL="9525" marR="9525" marT="9525" marB="0" anchor="b"/>
+                </a:tc>
+                <a:tc>
+                  <a:txBody>
+                    <a:bodyPr/>
+                    <a:lstStyle/>
+                    <a:p>
+                      <a:pPr algn="r" fontAlgn="b"/>
+                      <a:r>
+                        <a:rPr lang="fr-FR" sz="1100" b="1" u="none" strike="noStrike">
+                          <a:effectLst/>
+                        </a:rPr>
+                        <a:t>14,7765</a:t>
+                      </a:r>
+                      <a:endParaRPr lang="fr-FR" sz="1100" b="1" i="0" u="none" strike="noStrike">
+                        <a:solidFill>
+                          <a:srgbClr val="000000"/>
+                        </a:solidFill>
+                        <a:effectLst/>
+                        <a:latin typeface="Calibri" panose="020F0502020204030204" pitchFamily="34" charset="0"/>
+                      </a:endParaRPr>
+                    </a:p>
+                  </a:txBody>
+                  <a:tcPr marL="9525" marR="9525" marT="9525" marB="0" anchor="b"/>
+                </a:tc>
+                <a:tc>
+                  <a:txBody>
+                    <a:bodyPr/>
+                    <a:lstStyle/>
+                    <a:p>
+                      <a:pPr algn="r" fontAlgn="b"/>
+                      <a:r>
+                        <a:rPr lang="fr-FR" sz="1100" b="1" u="none" strike="noStrike">
+                          <a:effectLst/>
+                        </a:rPr>
+                        <a:t>13,7574</a:t>
+                      </a:r>
+                      <a:endParaRPr lang="fr-FR" sz="1100" b="1" i="0" u="none" strike="noStrike">
+                        <a:solidFill>
+                          <a:srgbClr val="000000"/>
+                        </a:solidFill>
+                        <a:effectLst/>
+                        <a:latin typeface="Calibri" panose="020F0502020204030204" pitchFamily="34" charset="0"/>
+                      </a:endParaRPr>
+                    </a:p>
+                  </a:txBody>
+                  <a:tcPr marL="9525" marR="9525" marT="9525" marB="0" anchor="b"/>
+                </a:tc>
+                <a:tc>
+                  <a:txBody>
+                    <a:bodyPr/>
+                    <a:lstStyle/>
+                    <a:p>
+                      <a:pPr algn="r" fontAlgn="b"/>
+                      <a:r>
+                        <a:rPr lang="fr-FR" sz="1100" b="1" u="none" strike="noStrike">
+                          <a:effectLst/>
+                        </a:rPr>
+                        <a:t>14,6925</a:t>
+                      </a:r>
+                      <a:endParaRPr lang="fr-FR" sz="1100" b="1" i="0" u="none" strike="noStrike">
+                        <a:solidFill>
+                          <a:srgbClr val="000000"/>
+                        </a:solidFill>
+                        <a:effectLst/>
+                        <a:latin typeface="Calibri" panose="020F0502020204030204" pitchFamily="34" charset="0"/>
+                      </a:endParaRPr>
+                    </a:p>
+                  </a:txBody>
+                  <a:tcPr marL="9525" marR="9525" marT="9525" marB="0" anchor="b"/>
+                </a:tc>
+                <a:tc>
+                  <a:txBody>
+                    <a:bodyPr/>
+                    <a:lstStyle/>
+                    <a:p>
+                      <a:pPr algn="r" fontAlgn="b"/>
+                      <a:r>
+                        <a:rPr lang="fr-FR" sz="1100" b="1" u="none" strike="noStrike">
+                          <a:effectLst/>
+                        </a:rPr>
+                        <a:t>15,139</a:t>
+                      </a:r>
+                      <a:endParaRPr lang="fr-FR" sz="1100" b="1" i="0" u="none" strike="noStrike">
+                        <a:solidFill>
+                          <a:srgbClr val="000000"/>
+                        </a:solidFill>
+                        <a:effectLst/>
+                        <a:latin typeface="Calibri" panose="020F0502020204030204" pitchFamily="34" charset="0"/>
+                      </a:endParaRPr>
+                    </a:p>
+                  </a:txBody>
+                  <a:tcPr marL="9525" marR="9525" marT="9525" marB="0" anchor="b"/>
+                </a:tc>
+              </a:tr>
+              <a:tr h="190500">
+                <a:tc>
+                  <a:txBody>
+                    <a:bodyPr/>
+                    <a:lstStyle/>
+                    <a:p>
+                      <a:pPr algn="r" fontAlgn="b"/>
+                      <a:r>
+                        <a:rPr lang="fr-FR" sz="1100" b="1" u="none" strike="noStrike">
+                          <a:effectLst/>
+                        </a:rPr>
+                        <a:t>0,125</a:t>
+                      </a:r>
+                      <a:endParaRPr lang="fr-FR" sz="1100" b="1" i="0" u="none" strike="noStrike">
+                        <a:solidFill>
+                          <a:srgbClr val="000000"/>
+                        </a:solidFill>
+                        <a:effectLst/>
+                        <a:latin typeface="Calibri" panose="020F0502020204030204" pitchFamily="34" charset="0"/>
+                      </a:endParaRPr>
+                    </a:p>
+                  </a:txBody>
+                  <a:tcPr marL="9525" marR="9525" marT="9525" marB="0" anchor="b"/>
+                </a:tc>
+                <a:tc>
+                  <a:txBody>
+                    <a:bodyPr/>
+                    <a:lstStyle/>
+                    <a:p>
+                      <a:pPr algn="r" fontAlgn="b"/>
+                      <a:r>
+                        <a:rPr lang="fr-FR" sz="1100" b="1" u="none" strike="noStrike">
+                          <a:effectLst/>
+                        </a:rPr>
+                        <a:t>15,2557</a:t>
+                      </a:r>
+                      <a:endParaRPr lang="fr-FR" sz="1100" b="1" i="0" u="none" strike="noStrike">
+                        <a:solidFill>
+                          <a:srgbClr val="000000"/>
+                        </a:solidFill>
+                        <a:effectLst/>
+                        <a:latin typeface="Calibri" panose="020F0502020204030204" pitchFamily="34" charset="0"/>
+                      </a:endParaRPr>
+                    </a:p>
+                  </a:txBody>
+                  <a:tcPr marL="9525" marR="9525" marT="9525" marB="0" anchor="b"/>
+                </a:tc>
+                <a:tc>
+                  <a:txBody>
+                    <a:bodyPr/>
+                    <a:lstStyle/>
+                    <a:p>
+                      <a:pPr algn="r" fontAlgn="b"/>
+                      <a:r>
+                        <a:rPr lang="fr-FR" sz="1100" b="1" u="none" strike="noStrike">
+                          <a:effectLst/>
+                        </a:rPr>
+                        <a:t>13,0961</a:t>
+                      </a:r>
+                      <a:endParaRPr lang="fr-FR" sz="1100" b="1" i="0" u="none" strike="noStrike">
+                        <a:solidFill>
+                          <a:srgbClr val="000000"/>
+                        </a:solidFill>
+                        <a:effectLst/>
+                        <a:latin typeface="Calibri" panose="020F0502020204030204" pitchFamily="34" charset="0"/>
+                      </a:endParaRPr>
+                    </a:p>
+                  </a:txBody>
+                  <a:tcPr marL="9525" marR="9525" marT="9525" marB="0" anchor="b"/>
+                </a:tc>
+                <a:tc>
+                  <a:txBody>
+                    <a:bodyPr/>
+                    <a:lstStyle/>
+                    <a:p>
+                      <a:pPr algn="r" fontAlgn="b"/>
+                      <a:r>
+                        <a:rPr lang="fr-FR" sz="1100" b="1" u="none" strike="noStrike">
+                          <a:effectLst/>
+                        </a:rPr>
+                        <a:t>14,2122</a:t>
+                      </a:r>
+                      <a:endParaRPr lang="fr-FR" sz="1100" b="1" i="0" u="none" strike="noStrike">
+                        <a:solidFill>
+                          <a:srgbClr val="000000"/>
+                        </a:solidFill>
+                        <a:effectLst/>
+                        <a:latin typeface="Calibri" panose="020F0502020204030204" pitchFamily="34" charset="0"/>
+                      </a:endParaRPr>
+                    </a:p>
+                  </a:txBody>
+                  <a:tcPr marL="9525" marR="9525" marT="9525" marB="0" anchor="b"/>
+                </a:tc>
+                <a:tc>
+                  <a:txBody>
+                    <a:bodyPr/>
+                    <a:lstStyle/>
+                    <a:p>
+                      <a:pPr algn="r" fontAlgn="b"/>
+                      <a:r>
+                        <a:rPr lang="fr-FR" sz="1100" b="1" u="none" strike="noStrike">
+                          <a:effectLst/>
+                        </a:rPr>
+                        <a:t>15,0337</a:t>
+                      </a:r>
+                      <a:endParaRPr lang="fr-FR" sz="1100" b="1" i="0" u="none" strike="noStrike">
+                        <a:solidFill>
+                          <a:srgbClr val="000000"/>
+                        </a:solidFill>
+                        <a:effectLst/>
+                        <a:latin typeface="Calibri" panose="020F0502020204030204" pitchFamily="34" charset="0"/>
+                      </a:endParaRPr>
+                    </a:p>
+                  </a:txBody>
+                  <a:tcPr marL="9525" marR="9525" marT="9525" marB="0" anchor="b"/>
+                </a:tc>
+                <a:tc>
+                  <a:txBody>
+                    <a:bodyPr/>
+                    <a:lstStyle/>
+                    <a:p>
+                      <a:pPr algn="r" fontAlgn="b"/>
+                      <a:r>
+                        <a:rPr lang="fr-FR" sz="1100" b="1" u="none" strike="noStrike">
+                          <a:effectLst/>
+                        </a:rPr>
+                        <a:t>15,0531</a:t>
+                      </a:r>
+                      <a:endParaRPr lang="fr-FR" sz="1100" b="1" i="0" u="none" strike="noStrike">
+                        <a:solidFill>
+                          <a:srgbClr val="000000"/>
+                        </a:solidFill>
+                        <a:effectLst/>
+                        <a:latin typeface="Calibri" panose="020F0502020204030204" pitchFamily="34" charset="0"/>
+                      </a:endParaRPr>
+                    </a:p>
+                  </a:txBody>
+                  <a:tcPr marL="9525" marR="9525" marT="9525" marB="0" anchor="b"/>
+                </a:tc>
+                <a:tc>
+                  <a:txBody>
+                    <a:bodyPr/>
+                    <a:lstStyle/>
+                    <a:p>
+                      <a:pPr algn="r" fontAlgn="b"/>
+                      <a:r>
+                        <a:rPr lang="fr-FR" sz="1100" b="1" u="none" strike="noStrike">
+                          <a:effectLst/>
+                        </a:rPr>
+                        <a:t>15,4064</a:t>
+                      </a:r>
+                      <a:endParaRPr lang="fr-FR" sz="1100" b="1" i="0" u="none" strike="noStrike">
+                        <a:solidFill>
+                          <a:srgbClr val="000000"/>
+                        </a:solidFill>
+                        <a:effectLst/>
+                        <a:latin typeface="Calibri" panose="020F0502020204030204" pitchFamily="34" charset="0"/>
+                      </a:endParaRPr>
+                    </a:p>
+                  </a:txBody>
+                  <a:tcPr marL="9525" marR="9525" marT="9525" marB="0" anchor="b"/>
+                </a:tc>
+              </a:tr>
+              <a:tr h="190500">
+                <a:tc>
+                  <a:txBody>
+                    <a:bodyPr/>
+                    <a:lstStyle/>
+                    <a:p>
+                      <a:pPr algn="r" fontAlgn="b"/>
+                      <a:r>
+                        <a:rPr lang="fr-FR" sz="1100" b="1" u="none" strike="noStrike">
+                          <a:effectLst/>
+                        </a:rPr>
+                        <a:t>0,15</a:t>
+                      </a:r>
+                      <a:endParaRPr lang="fr-FR" sz="1100" b="1" i="0" u="none" strike="noStrike">
+                        <a:solidFill>
+                          <a:srgbClr val="000000"/>
+                        </a:solidFill>
+                        <a:effectLst/>
+                        <a:latin typeface="Calibri" panose="020F0502020204030204" pitchFamily="34" charset="0"/>
+                      </a:endParaRPr>
+                    </a:p>
+                  </a:txBody>
+                  <a:tcPr marL="9525" marR="9525" marT="9525" marB="0" anchor="b"/>
+                </a:tc>
+                <a:tc>
+                  <a:txBody>
+                    <a:bodyPr/>
+                    <a:lstStyle/>
+                    <a:p>
+                      <a:pPr algn="r" fontAlgn="b"/>
+                      <a:r>
+                        <a:rPr lang="fr-FR" sz="1100" b="1" u="none" strike="noStrike">
+                          <a:effectLst/>
+                        </a:rPr>
+                        <a:t>15,3782</a:t>
+                      </a:r>
+                      <a:endParaRPr lang="fr-FR" sz="1100" b="1" i="0" u="none" strike="noStrike">
+                        <a:solidFill>
+                          <a:srgbClr val="000000"/>
+                        </a:solidFill>
+                        <a:effectLst/>
+                        <a:latin typeface="Calibri" panose="020F0502020204030204" pitchFamily="34" charset="0"/>
+                      </a:endParaRPr>
+                    </a:p>
+                  </a:txBody>
+                  <a:tcPr marL="9525" marR="9525" marT="9525" marB="0" anchor="b"/>
+                </a:tc>
+                <a:tc>
+                  <a:txBody>
+                    <a:bodyPr/>
+                    <a:lstStyle/>
+                    <a:p>
+                      <a:pPr algn="r" fontAlgn="b"/>
+                      <a:r>
+                        <a:rPr lang="fr-FR" sz="1100" b="1" u="none" strike="noStrike">
+                          <a:effectLst/>
+                        </a:rPr>
+                        <a:t>13,3564</a:t>
+                      </a:r>
+                      <a:endParaRPr lang="fr-FR" sz="1100" b="1" i="0" u="none" strike="noStrike">
+                        <a:solidFill>
+                          <a:srgbClr val="000000"/>
+                        </a:solidFill>
+                        <a:effectLst/>
+                        <a:latin typeface="Calibri" panose="020F0502020204030204" pitchFamily="34" charset="0"/>
+                      </a:endParaRPr>
+                    </a:p>
+                  </a:txBody>
+                  <a:tcPr marL="9525" marR="9525" marT="9525" marB="0" anchor="b"/>
+                </a:tc>
+                <a:tc>
+                  <a:txBody>
+                    <a:bodyPr/>
+                    <a:lstStyle/>
+                    <a:p>
+                      <a:pPr algn="r" fontAlgn="b"/>
+                      <a:r>
+                        <a:rPr lang="fr-FR" sz="1100" b="1" u="none" strike="noStrike">
+                          <a:effectLst/>
+                        </a:rPr>
+                        <a:t>14,452</a:t>
+                      </a:r>
+                      <a:endParaRPr lang="fr-FR" sz="1100" b="1" i="0" u="none" strike="noStrike">
+                        <a:solidFill>
+                          <a:srgbClr val="000000"/>
+                        </a:solidFill>
+                        <a:effectLst/>
+                        <a:latin typeface="Calibri" panose="020F0502020204030204" pitchFamily="34" charset="0"/>
+                      </a:endParaRPr>
+                    </a:p>
+                  </a:txBody>
+                  <a:tcPr marL="9525" marR="9525" marT="9525" marB="0" anchor="b"/>
+                </a:tc>
+                <a:tc>
+                  <a:txBody>
+                    <a:bodyPr/>
+                    <a:lstStyle/>
+                    <a:p>
+                      <a:pPr algn="r" fontAlgn="b"/>
+                      <a:r>
+                        <a:rPr lang="fr-FR" sz="1100" b="1" u="none" strike="noStrike">
+                          <a:effectLst/>
+                        </a:rPr>
+                        <a:t>14,8571</a:t>
+                      </a:r>
+                      <a:endParaRPr lang="fr-FR" sz="1100" b="1" i="0" u="none" strike="noStrike">
+                        <a:solidFill>
+                          <a:srgbClr val="000000"/>
+                        </a:solidFill>
+                        <a:effectLst/>
+                        <a:latin typeface="Calibri" panose="020F0502020204030204" pitchFamily="34" charset="0"/>
+                      </a:endParaRPr>
+                    </a:p>
+                  </a:txBody>
+                  <a:tcPr marL="9525" marR="9525" marT="9525" marB="0" anchor="b"/>
+                </a:tc>
+                <a:tc>
+                  <a:txBody>
+                    <a:bodyPr/>
+                    <a:lstStyle/>
+                    <a:p>
+                      <a:pPr algn="r" fontAlgn="b"/>
+                      <a:r>
+                        <a:rPr lang="fr-FR" sz="1100" b="1" u="none" strike="noStrike">
+                          <a:effectLst/>
+                        </a:rPr>
+                        <a:t>15,0595</a:t>
+                      </a:r>
+                      <a:endParaRPr lang="fr-FR" sz="1100" b="1" i="0" u="none" strike="noStrike">
+                        <a:solidFill>
+                          <a:srgbClr val="000000"/>
+                        </a:solidFill>
+                        <a:effectLst/>
+                        <a:latin typeface="Calibri" panose="020F0502020204030204" pitchFamily="34" charset="0"/>
+                      </a:endParaRPr>
+                    </a:p>
+                  </a:txBody>
+                  <a:tcPr marL="9525" marR="9525" marT="9525" marB="0" anchor="b"/>
+                </a:tc>
+                <a:tc>
+                  <a:txBody>
+                    <a:bodyPr/>
+                    <a:lstStyle/>
+                    <a:p>
+                      <a:pPr algn="r" fontAlgn="b"/>
+                      <a:r>
+                        <a:rPr lang="fr-FR" sz="1100" b="1" u="none" strike="noStrike">
+                          <a:effectLst/>
+                        </a:rPr>
+                        <a:t>15,3361</a:t>
+                      </a:r>
+                      <a:endParaRPr lang="fr-FR" sz="1100" b="1" i="0" u="none" strike="noStrike">
+                        <a:solidFill>
+                          <a:srgbClr val="000000"/>
+                        </a:solidFill>
+                        <a:effectLst/>
+                        <a:latin typeface="Calibri" panose="020F0502020204030204" pitchFamily="34" charset="0"/>
+                      </a:endParaRPr>
+                    </a:p>
+                  </a:txBody>
+                  <a:tcPr marL="9525" marR="9525" marT="9525" marB="0" anchor="b"/>
+                </a:tc>
+              </a:tr>
+              <a:tr h="190500">
+                <a:tc>
+                  <a:txBody>
+                    <a:bodyPr/>
+                    <a:lstStyle/>
+                    <a:p>
+                      <a:pPr algn="r" fontAlgn="b"/>
+                      <a:r>
+                        <a:rPr lang="fr-FR" sz="1100" b="1" u="none" strike="noStrike">
+                          <a:effectLst/>
+                        </a:rPr>
+                        <a:t>0,175</a:t>
+                      </a:r>
+                      <a:endParaRPr lang="fr-FR" sz="1100" b="1" i="0" u="none" strike="noStrike">
+                        <a:solidFill>
+                          <a:srgbClr val="000000"/>
+                        </a:solidFill>
+                        <a:effectLst/>
+                        <a:latin typeface="Calibri" panose="020F0502020204030204" pitchFamily="34" charset="0"/>
+                      </a:endParaRPr>
+                    </a:p>
+                  </a:txBody>
+                  <a:tcPr marL="9525" marR="9525" marT="9525" marB="0" anchor="b"/>
+                </a:tc>
+                <a:tc>
+                  <a:txBody>
+                    <a:bodyPr/>
+                    <a:lstStyle/>
+                    <a:p>
+                      <a:pPr algn="r" fontAlgn="b"/>
+                      <a:r>
+                        <a:rPr lang="fr-FR" sz="1100" b="1" u="none" strike="noStrike">
+                          <a:effectLst/>
+                        </a:rPr>
+                        <a:t>13,0988</a:t>
+                      </a:r>
+                      <a:endParaRPr lang="fr-FR" sz="1100" b="1" i="0" u="none" strike="noStrike">
+                        <a:solidFill>
+                          <a:srgbClr val="000000"/>
+                        </a:solidFill>
+                        <a:effectLst/>
+                        <a:latin typeface="Calibri" panose="020F0502020204030204" pitchFamily="34" charset="0"/>
+                      </a:endParaRPr>
+                    </a:p>
+                  </a:txBody>
+                  <a:tcPr marL="9525" marR="9525" marT="9525" marB="0" anchor="b"/>
+                </a:tc>
+                <a:tc>
+                  <a:txBody>
+                    <a:bodyPr/>
+                    <a:lstStyle/>
+                    <a:p>
+                      <a:pPr algn="r" fontAlgn="b"/>
+                      <a:r>
+                        <a:rPr lang="fr-FR" sz="1100" b="1" u="none" strike="noStrike">
+                          <a:effectLst/>
+                        </a:rPr>
+                        <a:t>13,6316</a:t>
+                      </a:r>
+                      <a:endParaRPr lang="fr-FR" sz="1100" b="1" i="0" u="none" strike="noStrike">
+                        <a:solidFill>
+                          <a:srgbClr val="000000"/>
+                        </a:solidFill>
+                        <a:effectLst/>
+                        <a:latin typeface="Calibri" panose="020F0502020204030204" pitchFamily="34" charset="0"/>
+                      </a:endParaRPr>
+                    </a:p>
+                  </a:txBody>
+                  <a:tcPr marL="9525" marR="9525" marT="9525" marB="0" anchor="b"/>
+                </a:tc>
+                <a:tc>
+                  <a:txBody>
+                    <a:bodyPr/>
+                    <a:lstStyle/>
+                    <a:p>
+                      <a:pPr algn="r" fontAlgn="b"/>
+                      <a:r>
+                        <a:rPr lang="fr-FR" sz="1100" b="1" u="none" strike="noStrike">
+                          <a:effectLst/>
+                        </a:rPr>
+                        <a:t>16,2087</a:t>
+                      </a:r>
+                      <a:endParaRPr lang="fr-FR" sz="1100" b="1" i="0" u="none" strike="noStrike">
+                        <a:solidFill>
+                          <a:srgbClr val="000000"/>
+                        </a:solidFill>
+                        <a:effectLst/>
+                        <a:latin typeface="Calibri" panose="020F0502020204030204" pitchFamily="34" charset="0"/>
+                      </a:endParaRPr>
+                    </a:p>
+                  </a:txBody>
+                  <a:tcPr marL="9525" marR="9525" marT="9525" marB="0" anchor="b"/>
+                </a:tc>
+                <a:tc>
+                  <a:txBody>
+                    <a:bodyPr/>
+                    <a:lstStyle/>
+                    <a:p>
+                      <a:pPr algn="r" fontAlgn="b"/>
+                      <a:r>
+                        <a:rPr lang="fr-FR" sz="1100" b="1" u="none" strike="noStrike">
+                          <a:effectLst/>
+                        </a:rPr>
+                        <a:t>15,0225</a:t>
+                      </a:r>
+                      <a:endParaRPr lang="fr-FR" sz="1100" b="1" i="0" u="none" strike="noStrike">
+                        <a:solidFill>
+                          <a:srgbClr val="000000"/>
+                        </a:solidFill>
+                        <a:effectLst/>
+                        <a:latin typeface="Calibri" panose="020F0502020204030204" pitchFamily="34" charset="0"/>
+                      </a:endParaRPr>
+                    </a:p>
+                  </a:txBody>
+                  <a:tcPr marL="9525" marR="9525" marT="9525" marB="0" anchor="b"/>
+                </a:tc>
+                <a:tc>
+                  <a:txBody>
+                    <a:bodyPr/>
+                    <a:lstStyle/>
+                    <a:p>
+                      <a:pPr algn="r" fontAlgn="b"/>
+                      <a:r>
+                        <a:rPr lang="fr-FR" sz="1100" b="1" u="none" strike="noStrike">
+                          <a:effectLst/>
+                        </a:rPr>
+                        <a:t>15,4806</a:t>
+                      </a:r>
+                      <a:endParaRPr lang="fr-FR" sz="1100" b="1" i="0" u="none" strike="noStrike">
+                        <a:solidFill>
+                          <a:srgbClr val="000000"/>
+                        </a:solidFill>
+                        <a:effectLst/>
+                        <a:latin typeface="Calibri" panose="020F0502020204030204" pitchFamily="34" charset="0"/>
+                      </a:endParaRPr>
+                    </a:p>
+                  </a:txBody>
+                  <a:tcPr marL="9525" marR="9525" marT="9525" marB="0" anchor="b"/>
+                </a:tc>
+                <a:tc>
+                  <a:txBody>
+                    <a:bodyPr/>
+                    <a:lstStyle/>
+                    <a:p>
+                      <a:pPr algn="r" fontAlgn="b"/>
+                      <a:r>
+                        <a:rPr lang="fr-FR" sz="1100" b="1" u="none" strike="noStrike">
+                          <a:effectLst/>
+                        </a:rPr>
+                        <a:t>15,5745</a:t>
+                      </a:r>
+                      <a:endParaRPr lang="fr-FR" sz="1100" b="1" i="0" u="none" strike="noStrike">
+                        <a:solidFill>
+                          <a:srgbClr val="000000"/>
+                        </a:solidFill>
+                        <a:effectLst/>
+                        <a:latin typeface="Calibri" panose="020F0502020204030204" pitchFamily="34" charset="0"/>
+                      </a:endParaRPr>
+                    </a:p>
+                  </a:txBody>
+                  <a:tcPr marL="9525" marR="9525" marT="9525" marB="0" anchor="b"/>
+                </a:tc>
+              </a:tr>
+              <a:tr h="200025">
+                <a:tc>
+                  <a:txBody>
+                    <a:bodyPr/>
+                    <a:lstStyle/>
+                    <a:p>
+                      <a:pPr algn="r" fontAlgn="b"/>
+                      <a:r>
+                        <a:rPr lang="fr-FR" sz="1100" b="1" u="none" strike="noStrike">
+                          <a:effectLst/>
+                        </a:rPr>
+                        <a:t>0,2</a:t>
+                      </a:r>
+                      <a:endParaRPr lang="fr-FR" sz="1100" b="1" i="0" u="none" strike="noStrike">
+                        <a:solidFill>
+                          <a:srgbClr val="000000"/>
+                        </a:solidFill>
+                        <a:effectLst/>
+                        <a:latin typeface="Calibri" panose="020F0502020204030204" pitchFamily="34" charset="0"/>
+                      </a:endParaRPr>
+                    </a:p>
+                  </a:txBody>
+                  <a:tcPr marL="9525" marR="9525" marT="9525" marB="0" anchor="b"/>
+                </a:tc>
+                <a:tc>
+                  <a:txBody>
+                    <a:bodyPr/>
+                    <a:lstStyle/>
+                    <a:p>
+                      <a:pPr algn="r" fontAlgn="b"/>
+                      <a:r>
+                        <a:rPr lang="fr-FR" sz="1100" b="1" u="none" strike="noStrike">
+                          <a:effectLst/>
+                        </a:rPr>
+                        <a:t>15,5323</a:t>
+                      </a:r>
+                      <a:endParaRPr lang="fr-FR" sz="1100" b="1" i="0" u="none" strike="noStrike">
+                        <a:solidFill>
+                          <a:srgbClr val="000000"/>
+                        </a:solidFill>
+                        <a:effectLst/>
+                        <a:latin typeface="Calibri" panose="020F0502020204030204" pitchFamily="34" charset="0"/>
+                      </a:endParaRPr>
+                    </a:p>
+                  </a:txBody>
+                  <a:tcPr marL="9525" marR="9525" marT="9525" marB="0" anchor="b"/>
+                </a:tc>
+                <a:tc>
+                  <a:txBody>
+                    <a:bodyPr/>
+                    <a:lstStyle/>
+                    <a:p>
+                      <a:pPr algn="r" fontAlgn="b"/>
+                      <a:r>
+                        <a:rPr lang="fr-FR" sz="1100" b="1" u="none" strike="noStrike">
+                          <a:effectLst/>
+                        </a:rPr>
+                        <a:t>13,3409</a:t>
+                      </a:r>
+                      <a:endParaRPr lang="fr-FR" sz="1100" b="1" i="0" u="none" strike="noStrike">
+                        <a:solidFill>
+                          <a:srgbClr val="000000"/>
+                        </a:solidFill>
+                        <a:effectLst/>
+                        <a:latin typeface="Calibri" panose="020F0502020204030204" pitchFamily="34" charset="0"/>
+                      </a:endParaRPr>
+                    </a:p>
+                  </a:txBody>
+                  <a:tcPr marL="9525" marR="9525" marT="9525" marB="0" anchor="b"/>
+                </a:tc>
+                <a:tc>
+                  <a:txBody>
+                    <a:bodyPr/>
+                    <a:lstStyle/>
+                    <a:p>
+                      <a:pPr algn="r" fontAlgn="b"/>
+                      <a:r>
+                        <a:rPr lang="fr-FR" sz="1100" b="1" u="none" strike="noStrike">
+                          <a:effectLst/>
+                        </a:rPr>
+                        <a:t>15,9624</a:t>
+                      </a:r>
+                      <a:endParaRPr lang="fr-FR" sz="1100" b="1" i="0" u="none" strike="noStrike">
+                        <a:solidFill>
+                          <a:srgbClr val="000000"/>
+                        </a:solidFill>
+                        <a:effectLst/>
+                        <a:latin typeface="Calibri" panose="020F0502020204030204" pitchFamily="34" charset="0"/>
+                      </a:endParaRPr>
+                    </a:p>
+                  </a:txBody>
+                  <a:tcPr marL="9525" marR="9525" marT="9525" marB="0" anchor="b"/>
+                </a:tc>
+                <a:tc>
+                  <a:txBody>
+                    <a:bodyPr/>
+                    <a:lstStyle/>
+                    <a:p>
+                      <a:pPr algn="r" fontAlgn="b"/>
+                      <a:r>
+                        <a:rPr lang="fr-FR" sz="1100" b="1" u="none" strike="noStrike">
+                          <a:effectLst/>
+                        </a:rPr>
+                        <a:t>15,136</a:t>
+                      </a:r>
+                      <a:endParaRPr lang="fr-FR" sz="1100" b="1" i="0" u="none" strike="noStrike">
+                        <a:solidFill>
+                          <a:srgbClr val="000000"/>
+                        </a:solidFill>
+                        <a:effectLst/>
+                        <a:latin typeface="Calibri" panose="020F0502020204030204" pitchFamily="34" charset="0"/>
+                      </a:endParaRPr>
+                    </a:p>
+                  </a:txBody>
+                  <a:tcPr marL="9525" marR="9525" marT="9525" marB="0" anchor="b"/>
+                </a:tc>
+                <a:tc>
+                  <a:txBody>
+                    <a:bodyPr/>
+                    <a:lstStyle/>
+                    <a:p>
+                      <a:pPr algn="r" fontAlgn="b"/>
+                      <a:r>
+                        <a:rPr lang="fr-FR" sz="1100" b="1" u="none" strike="noStrike">
+                          <a:effectLst/>
+                        </a:rPr>
+                        <a:t>15,6391</a:t>
+                      </a:r>
+                      <a:endParaRPr lang="fr-FR" sz="1100" b="1" i="0" u="none" strike="noStrike">
+                        <a:solidFill>
+                          <a:srgbClr val="000000"/>
+                        </a:solidFill>
+                        <a:effectLst/>
+                        <a:latin typeface="Calibri" panose="020F0502020204030204" pitchFamily="34" charset="0"/>
+                      </a:endParaRPr>
+                    </a:p>
+                  </a:txBody>
+                  <a:tcPr marL="9525" marR="9525" marT="9525" marB="0" anchor="b"/>
+                </a:tc>
+                <a:tc>
+                  <a:txBody>
+                    <a:bodyPr/>
+                    <a:lstStyle/>
+                    <a:p>
+                      <a:pPr algn="r" fontAlgn="b"/>
+                      <a:r>
+                        <a:rPr lang="fr-FR" sz="1100" b="1" u="none" strike="noStrike" dirty="0">
+                          <a:effectLst/>
+                        </a:rPr>
+                        <a:t>15,9866</a:t>
+                      </a:r>
+                      <a:endParaRPr lang="fr-FR" sz="1100" b="1" i="0" u="none" strike="noStrike" dirty="0">
+                        <a:solidFill>
+                          <a:srgbClr val="000000"/>
+                        </a:solidFill>
+                        <a:effectLst/>
+                        <a:latin typeface="Calibri" panose="020F0502020204030204" pitchFamily="34" charset="0"/>
+                      </a:endParaRPr>
+                    </a:p>
+                  </a:txBody>
+                  <a:tcPr marL="9525" marR="9525" marT="9525" marB="0" anchor="b"/>
+                </a:tc>
+              </a:tr>
+            </a:tbl>
+          </a:graphicData>
+        </a:graphic>
+      </p:graphicFrame>
+    </p:spTree>
+    <p:extLst>
+      <p:ext uri="{BB962C8B-B14F-4D97-AF65-F5344CB8AC3E}">
+        <p14:creationId xmlns:p14="http://schemas.microsoft.com/office/powerpoint/2010/main" val="4016162099"/>
+      </p:ext>
+    </p:extLst>
+  </p:cSld>
+  <p:clrMapOvr>
+    <a:masterClrMapping/>
+  </p:clrMapOvr>
+  <p:timing>
+    <p:tnLst>
+      <p:par>
+        <p:cTn id="1" dur="indefinite" restart="never" nodeType="tmRoot"/>
+      </p:par>
+    </p:tnLst>
+  </p:timing>
+</p:sld>
+</file>
+
+<file path=ppt/slides/slide14.xml><?xml version="1.0" encoding="utf-8"?>
+<p:sld xmlns:a="http://schemas.openxmlformats.org/drawingml/2006/main" xmlns:r="http://schemas.openxmlformats.org/officeDocument/2006/relationships" xmlns:p="http://schemas.openxmlformats.org/presentationml/2006/main">
+  <p:cSld>
+    <p:spTree>
+      <p:nvGrpSpPr>
+        <p:cNvPr id="1" name=""/>
+        <p:cNvGrpSpPr/>
+        <p:nvPr/>
+      </p:nvGrpSpPr>
+      <p:grpSpPr>
+        <a:xfrm>
+          <a:off x="0" y="0"/>
+          <a:ext cx="0" cy="0"/>
+          <a:chOff x="0" y="0"/>
+          <a:chExt cx="0" cy="0"/>
+        </a:xfrm>
+      </p:grpSpPr>
+      <p:sp>
+        <p:nvSpPr>
+          <p:cNvPr id="3" name="Espace réservé du contenu 2"/>
+          <p:cNvSpPr>
+            <a:spLocks noGrp="1"/>
+          </p:cNvSpPr>
+          <p:nvPr>
+            <p:ph idx="1"/>
+          </p:nvPr>
+        </p:nvSpPr>
+        <p:spPr>
+          <a:xfrm>
+            <a:off x="677334" y="1736046"/>
+            <a:ext cx="8596668" cy="3880773"/>
+          </a:xfrm>
+        </p:spPr>
+        <p:txBody>
+          <a:bodyPr/>
+          <a:lstStyle/>
+          <a:p>
+            <a:r>
+              <a:rPr lang="fr-FR" dirty="0" smtClean="0"/>
+              <a:t>Une approche à adapter au cahier des charges et au contexte</a:t>
+            </a:r>
+          </a:p>
+          <a:p>
+            <a:r>
+              <a:rPr lang="fr-FR" dirty="0" smtClean="0"/>
+              <a:t>Beaucoup de contraintes</a:t>
+            </a:r>
+          </a:p>
+          <a:p>
+            <a:r>
+              <a:rPr lang="fr-FR" dirty="0" smtClean="0">
+                <a:sym typeface="Wingdings 3" panose="05040102010807070707" pitchFamily="18" charset="2"/>
+              </a:rPr>
+              <a:t> Les approches « naïves » méritent d’être étudiées</a:t>
+            </a:r>
+          </a:p>
+          <a:p>
+            <a:r>
+              <a:rPr lang="fr-FR" dirty="0" smtClean="0">
+                <a:sym typeface="Wingdings 3" panose="05040102010807070707" pitchFamily="18" charset="2"/>
+              </a:rPr>
+              <a:t>Une palette d’outils pour la description et la classification</a:t>
+            </a:r>
+          </a:p>
+          <a:p>
+            <a:r>
+              <a:rPr lang="fr-FR" dirty="0" smtClean="0">
+                <a:sym typeface="Wingdings 3" panose="05040102010807070707" pitchFamily="18" charset="2"/>
+              </a:rPr>
+              <a:t>Approche </a:t>
+            </a:r>
+            <a:r>
+              <a:rPr lang="fr-FR" dirty="0" err="1" smtClean="0">
+                <a:sym typeface="Wingdings 3" panose="05040102010807070707" pitchFamily="18" charset="2"/>
+              </a:rPr>
+              <a:t>data-mining</a:t>
+            </a:r>
+            <a:r>
+              <a:rPr lang="fr-FR" dirty="0" smtClean="0">
+                <a:sym typeface="Wingdings 3" panose="05040102010807070707" pitchFamily="18" charset="2"/>
+              </a:rPr>
+              <a:t> ?</a:t>
+            </a:r>
+            <a:endParaRPr lang="fr-FR" dirty="0" smtClean="0"/>
+          </a:p>
+          <a:p>
+            <a:endParaRPr lang="fr-FR" dirty="0" smtClean="0"/>
+          </a:p>
+          <a:p>
+            <a:endParaRPr lang="fr-FR" dirty="0" smtClean="0"/>
+          </a:p>
+          <a:p>
+            <a:endParaRPr lang="fr-FR" dirty="0" smtClean="0"/>
+          </a:p>
+        </p:txBody>
+      </p:sp>
+      <p:sp>
+        <p:nvSpPr>
+          <p:cNvPr id="4" name="Titre 1"/>
+          <p:cNvSpPr txBox="1">
+            <a:spLocks/>
+          </p:cNvSpPr>
+          <p:nvPr/>
+        </p:nvSpPr>
+        <p:spPr>
+          <a:xfrm>
+            <a:off x="677334" y="337457"/>
+            <a:ext cx="8596668" cy="925286"/>
+          </a:xfrm>
+          <a:prstGeom prst="rect">
+            <a:avLst/>
+          </a:prstGeom>
+        </p:spPr>
+        <p:txBody>
+          <a:bodyPr vert="horz" lIns="91440" tIns="45720" rIns="91440" bIns="45720" rtlCol="0" anchor="t">
+            <a:normAutofit/>
+          </a:bodyPr>
+          <a:lstStyle>
+            <a:lvl1pPr algn="l" defTabSz="457200" rtl="0" eaLnBrk="1" latinLnBrk="0" hangingPunct="1">
+              <a:spcBef>
+                <a:spcPct val="0"/>
+              </a:spcBef>
+              <a:buNone/>
+              <a:defRPr sz="3600" kern="1200">
+                <a:solidFill>
+                  <a:schemeClr val="accent1"/>
+                </a:solidFill>
+                <a:latin typeface="+mj-lt"/>
+                <a:ea typeface="+mj-ea"/>
+                <a:cs typeface="+mj-cs"/>
+              </a:defRPr>
+            </a:lvl1pPr>
+            <a:lvl2pPr eaLnBrk="1" hangingPunct="1">
+              <a:defRPr>
+                <a:solidFill>
+                  <a:schemeClr val="tx2"/>
+                </a:solidFill>
+              </a:defRPr>
+            </a:lvl2pPr>
+            <a:lvl3pPr eaLnBrk="1" hangingPunct="1">
+              <a:defRPr>
+                <a:solidFill>
+                  <a:schemeClr val="tx2"/>
+                </a:solidFill>
+              </a:defRPr>
+            </a:lvl3pPr>
+            <a:lvl4pPr eaLnBrk="1" hangingPunct="1">
+              <a:defRPr>
+                <a:solidFill>
+                  <a:schemeClr val="tx2"/>
+                </a:solidFill>
+              </a:defRPr>
+            </a:lvl4pPr>
+            <a:lvl5pPr eaLnBrk="1" hangingPunct="1">
+              <a:defRPr>
+                <a:solidFill>
+                  <a:schemeClr val="tx2"/>
+                </a:solidFill>
+              </a:defRPr>
+            </a:lvl5pPr>
+            <a:lvl6pPr eaLnBrk="1" hangingPunct="1">
+              <a:defRPr>
+                <a:solidFill>
+                  <a:schemeClr val="tx2"/>
+                </a:solidFill>
+              </a:defRPr>
+            </a:lvl6pPr>
+            <a:lvl7pPr eaLnBrk="1" hangingPunct="1">
+              <a:defRPr>
+                <a:solidFill>
+                  <a:schemeClr val="tx2"/>
+                </a:solidFill>
+              </a:defRPr>
+            </a:lvl7pPr>
+            <a:lvl8pPr eaLnBrk="1" hangingPunct="1">
+              <a:defRPr>
+                <a:solidFill>
+                  <a:schemeClr val="tx2"/>
+                </a:solidFill>
+              </a:defRPr>
+            </a:lvl8pPr>
+            <a:lvl9pPr eaLnBrk="1" hangingPunct="1">
+              <a:defRPr>
+                <a:solidFill>
+                  <a:schemeClr val="tx2"/>
+                </a:solidFill>
+              </a:defRPr>
+            </a:lvl9pPr>
+          </a:lstStyle>
+          <a:p>
+            <a:r>
+              <a:rPr lang="fr-FR" sz="4400" b="1" dirty="0" smtClean="0">
+                <a:ln>
+                  <a:solidFill>
+                    <a:schemeClr val="tx1"/>
+                  </a:solidFill>
+                </a:ln>
+                <a:solidFill>
+                  <a:schemeClr val="accent1">
+                    <a:lumMod val="75000"/>
+                  </a:schemeClr>
+                </a:solidFill>
+              </a:rPr>
+              <a:t>Conclusion</a:t>
+            </a:r>
+            <a:endParaRPr lang="fr-FR" sz="4400" b="1" dirty="0">
+              <a:ln>
+                <a:solidFill>
+                  <a:schemeClr val="tx1"/>
+                </a:solidFill>
+              </a:ln>
+              <a:solidFill>
+                <a:schemeClr val="accent1">
+                  <a:lumMod val="75000"/>
+                </a:schemeClr>
+              </a:solidFill>
+            </a:endParaRPr>
+          </a:p>
+        </p:txBody>
+      </p:sp>
+    </p:spTree>
+    <p:extLst>
+      <p:ext uri="{BB962C8B-B14F-4D97-AF65-F5344CB8AC3E}">
+        <p14:creationId xmlns:p14="http://schemas.microsoft.com/office/powerpoint/2010/main" val="748572059"/>
       </p:ext>
     </p:extLst>
   </p:cSld>
@@ -6808,15 +11652,7 @@
                   <a:schemeClr val="tx1"/>
                 </a:solidFill>
               </a:rPr>
-              <a:t>Deux </a:t>
-            </a:r>
-            <a:r>
-              <a:rPr lang="fr-FR" sz="2400" b="1" u="sng" dirty="0" smtClean="0">
-                <a:solidFill>
-                  <a:schemeClr val="tx1"/>
-                </a:solidFill>
-              </a:rPr>
-              <a:t>contraintes</a:t>
+              <a:t>Deux contraintes</a:t>
             </a:r>
             <a:r>
               <a:rPr lang="fr-FR" sz="2400" b="1" dirty="0" smtClean="0">
@@ -8013,22 +12849,7 @@
                   </a:schemeClr>
                 </a:solidFill>
               </a:rPr>
-              <a:t>De m</a:t>
-            </a:r>
-            <a:r>
-              <a:rPr lang="fr-FR" sz="4400" b="1" dirty="0" smtClean="0">
-                <a:ln>
-                  <a:solidFill>
-                    <a:schemeClr val="tx1"/>
-                  </a:solidFill>
-                </a:ln>
-                <a:solidFill>
-                  <a:schemeClr val="accent1">
-                    <a:lumMod val="75000"/>
-                  </a:schemeClr>
-                </a:solidFill>
-              </a:rPr>
-              <a:t>ultiples approches…</a:t>
+              <a:t>De multiples approches…</a:t>
             </a:r>
             <a:endParaRPr lang="fr-FR" sz="4400" b="1" dirty="0">
               <a:ln>
@@ -8143,22 +12964,7 @@
                   </a:schemeClr>
                 </a:solidFill>
               </a:rPr>
-              <a:t>.</a:t>
-            </a:r>
-            <a:r>
-              <a:rPr lang="fr-FR" sz="4400" b="1" dirty="0" smtClean="0">
-                <a:ln>
-                  <a:solidFill>
-                    <a:schemeClr val="tx1"/>
-                  </a:solidFill>
-                </a:ln>
-                <a:solidFill>
-                  <a:schemeClr val="accent1">
-                    <a:lumMod val="75000"/>
-                  </a:schemeClr>
-                </a:solidFill>
-              </a:rPr>
-              <a:t>.. pour de multiples contraintes</a:t>
+              <a:t>... pour de multiples contraintes</a:t>
             </a:r>
             <a:endParaRPr lang="fr-FR" sz="4400" b="1" dirty="0">
               <a:ln>
@@ -8594,7 +13400,6 @@
               <a:rPr lang="fr-FR" sz="1600" dirty="0"/>
               <a:t>mouvante</a:t>
             </a:r>
-            <a:endParaRPr lang="fr-FR" sz="1600" dirty="0"/>
           </a:p>
         </p:txBody>
       </p:sp>
@@ -8695,18 +13500,18 @@
         </p:nvSpPr>
         <p:spPr>
           <a:xfrm>
-            <a:off x="1929191" y="2601685"/>
-            <a:ext cx="6507237" cy="1320800"/>
+            <a:off x="524021" y="1181335"/>
+            <a:ext cx="8596668" cy="743403"/>
           </a:xfrm>
         </p:spPr>
         <p:txBody>
           <a:bodyPr>
-            <a:normAutofit/>
+            <a:noAutofit/>
           </a:bodyPr>
           <a:lstStyle/>
           <a:p>
             <a:r>
-              <a:rPr lang="fr-FR" sz="6600" b="1" dirty="0">
+              <a:rPr lang="fr-FR" sz="2400" b="1" dirty="0">
                 <a:ln>
                   <a:solidFill>
                     <a:schemeClr val="tx1"/>
@@ -8718,16 +13523,291 @@
                   </a:schemeClr>
                 </a:solidFill>
               </a:rPr>
+              <a:t>Histogramme des gradients </a:t>
+            </a:r>
+            <a:r>
+              <a:rPr lang="fr-FR" sz="2400" b="1" dirty="0" smtClean="0">
+                <a:ln>
+                  <a:solidFill>
+                    <a:schemeClr val="tx1"/>
+                  </a:solidFill>
+                </a:ln>
+                <a:solidFill>
+                  <a:schemeClr val="accent1">
+                    <a:lumMod val="75000"/>
+                  </a:schemeClr>
+                </a:solidFill>
+              </a:rPr>
+              <a:t>orientés</a:t>
+            </a:r>
+            <a:r>
+              <a:rPr lang="fr-FR" sz="2400" dirty="0"/>
+              <a:t/>
+            </a:r>
+            <a:br>
+              <a:rPr lang="fr-FR" sz="2400" dirty="0"/>
+            </a:br>
+            <a:endParaRPr lang="fr-FR" sz="2400" b="1" dirty="0">
+              <a:ln>
+                <a:solidFill>
+                  <a:schemeClr val="tx1"/>
+                </a:solidFill>
+              </a:ln>
+              <a:solidFill>
+                <a:schemeClr val="accent1">
+                  <a:lumMod val="75000"/>
+                </a:schemeClr>
+              </a:solidFill>
+            </a:endParaRPr>
+          </a:p>
+        </p:txBody>
+      </p:sp>
+      <p:pic>
+        <p:nvPicPr>
+          <p:cNvPr id="4" name="Image 3"/>
+          <p:cNvPicPr>
+            <a:picLocks noChangeAspect="1"/>
+          </p:cNvPicPr>
+          <p:nvPr/>
+        </p:nvPicPr>
+        <p:blipFill>
+          <a:blip r:embed="rId2">
+            <a:extLst>
+              <a:ext uri="{28A0092B-C50C-407E-A947-70E740481C1C}">
+                <a14:useLocalDpi xmlns:a14="http://schemas.microsoft.com/office/drawing/2010/main" val="0"/>
+              </a:ext>
+            </a:extLst>
+          </a:blip>
+          <a:stretch>
+            <a:fillRect/>
+          </a:stretch>
+        </p:blipFill>
+        <p:spPr>
+          <a:xfrm>
+            <a:off x="770709" y="3330136"/>
+            <a:ext cx="7134225" cy="2752725"/>
+          </a:xfrm>
+          <a:prstGeom prst="rect">
+            <a:avLst/>
+          </a:prstGeom>
+        </p:spPr>
+      </p:pic>
+      <p:pic>
+        <p:nvPicPr>
+          <p:cNvPr id="5" name="Image 4"/>
+          <p:cNvPicPr>
+            <a:picLocks noChangeAspect="1"/>
+          </p:cNvPicPr>
+          <p:nvPr/>
+        </p:nvPicPr>
+        <p:blipFill>
+          <a:blip r:embed="rId3">
+            <a:extLst>
+              <a:ext uri="{28A0092B-C50C-407E-A947-70E740481C1C}">
+                <a14:useLocalDpi xmlns:a14="http://schemas.microsoft.com/office/drawing/2010/main" val="0"/>
+              </a:ext>
+            </a:extLst>
+          </a:blip>
+          <a:stretch>
+            <a:fillRect/>
+          </a:stretch>
+        </p:blipFill>
+        <p:spPr>
+          <a:xfrm>
+            <a:off x="8627149" y="3330136"/>
+            <a:ext cx="2090677" cy="2752725"/>
+          </a:xfrm>
+          <a:prstGeom prst="rect">
+            <a:avLst/>
+          </a:prstGeom>
+        </p:spPr>
+      </p:pic>
+      <p:sp>
+        <p:nvSpPr>
+          <p:cNvPr id="6" name="Espace réservé du contenu 2"/>
+          <p:cNvSpPr>
+            <a:spLocks noGrp="1"/>
+          </p:cNvSpPr>
+          <p:nvPr>
+            <p:ph idx="1"/>
+          </p:nvPr>
+        </p:nvSpPr>
+        <p:spPr>
+          <a:xfrm>
+            <a:off x="677334" y="2222402"/>
+            <a:ext cx="8596668" cy="2215468"/>
+          </a:xfrm>
+        </p:spPr>
+        <p:txBody>
+          <a:bodyPr>
+            <a:normAutofit/>
+          </a:bodyPr>
+          <a:lstStyle/>
+          <a:p>
+            <a:pPr>
+              <a:buClr>
+                <a:schemeClr val="accent1">
+                  <a:lumMod val="75000"/>
+                </a:schemeClr>
+              </a:buClr>
+              <a:buSzPct val="100000"/>
+              <a:buFont typeface="Wingdings 3" panose="05040102010807070707" pitchFamily="18" charset="2"/>
+              <a:buChar char=""/>
+            </a:pPr>
+            <a:r>
+              <a:rPr lang="fr-FR" dirty="0" smtClean="0">
+                <a:solidFill>
+                  <a:schemeClr val="tx1"/>
+                </a:solidFill>
+              </a:rPr>
+              <a:t>Descripteur de forme basé sur une estimation des directions dominantes par sommation des gradients</a:t>
+            </a:r>
+            <a:endParaRPr lang="fr-FR" dirty="0" smtClean="0">
+              <a:solidFill>
+                <a:schemeClr val="tx1"/>
+              </a:solidFill>
+            </a:endParaRPr>
+          </a:p>
+          <a:p>
+            <a:pPr marL="201168" lvl="1" indent="0">
+              <a:buNone/>
+            </a:pPr>
+            <a:endParaRPr lang="fr-FR" dirty="0">
+              <a:solidFill>
+                <a:schemeClr val="tx1"/>
+              </a:solidFill>
+            </a:endParaRPr>
+          </a:p>
+        </p:txBody>
+      </p:sp>
+      <p:sp>
+        <p:nvSpPr>
+          <p:cNvPr id="7" name="Titre 1"/>
+          <p:cNvSpPr txBox="1">
+            <a:spLocks/>
+          </p:cNvSpPr>
+          <p:nvPr/>
+        </p:nvSpPr>
+        <p:spPr>
+          <a:xfrm>
+            <a:off x="677334" y="337457"/>
+            <a:ext cx="8596668" cy="925286"/>
+          </a:xfrm>
+          <a:prstGeom prst="rect">
+            <a:avLst/>
+          </a:prstGeom>
+        </p:spPr>
+        <p:txBody>
+          <a:bodyPr vert="horz" lIns="91440" tIns="45720" rIns="91440" bIns="45720" rtlCol="0" anchor="t">
+            <a:normAutofit/>
+          </a:bodyPr>
+          <a:lstStyle>
+            <a:lvl1pPr algn="l" defTabSz="457200" rtl="0" eaLnBrk="1" latinLnBrk="0" hangingPunct="1">
+              <a:spcBef>
+                <a:spcPct val="0"/>
+              </a:spcBef>
+              <a:buNone/>
+              <a:defRPr sz="3600" kern="1200">
+                <a:solidFill>
+                  <a:schemeClr val="accent1"/>
+                </a:solidFill>
+                <a:latin typeface="+mj-lt"/>
+                <a:ea typeface="+mj-ea"/>
+                <a:cs typeface="+mj-cs"/>
+              </a:defRPr>
+            </a:lvl1pPr>
+            <a:lvl2pPr eaLnBrk="1" hangingPunct="1">
+              <a:defRPr>
+                <a:solidFill>
+                  <a:schemeClr val="tx2"/>
+                </a:solidFill>
+              </a:defRPr>
+            </a:lvl2pPr>
+            <a:lvl3pPr eaLnBrk="1" hangingPunct="1">
+              <a:defRPr>
+                <a:solidFill>
+                  <a:schemeClr val="tx2"/>
+                </a:solidFill>
+              </a:defRPr>
+            </a:lvl3pPr>
+            <a:lvl4pPr eaLnBrk="1" hangingPunct="1">
+              <a:defRPr>
+                <a:solidFill>
+                  <a:schemeClr val="tx2"/>
+                </a:solidFill>
+              </a:defRPr>
+            </a:lvl4pPr>
+            <a:lvl5pPr eaLnBrk="1" hangingPunct="1">
+              <a:defRPr>
+                <a:solidFill>
+                  <a:schemeClr val="tx2"/>
+                </a:solidFill>
+              </a:defRPr>
+            </a:lvl5pPr>
+            <a:lvl6pPr eaLnBrk="1" hangingPunct="1">
+              <a:defRPr>
+                <a:solidFill>
+                  <a:schemeClr val="tx2"/>
+                </a:solidFill>
+              </a:defRPr>
+            </a:lvl6pPr>
+            <a:lvl7pPr eaLnBrk="1" hangingPunct="1">
+              <a:defRPr>
+                <a:solidFill>
+                  <a:schemeClr val="tx2"/>
+                </a:solidFill>
+              </a:defRPr>
+            </a:lvl7pPr>
+            <a:lvl8pPr eaLnBrk="1" hangingPunct="1">
+              <a:defRPr>
+                <a:solidFill>
+                  <a:schemeClr val="tx2"/>
+                </a:solidFill>
+              </a:defRPr>
+            </a:lvl8pPr>
+            <a:lvl9pPr eaLnBrk="1" hangingPunct="1">
+              <a:defRPr>
+                <a:solidFill>
+                  <a:schemeClr val="tx2"/>
+                </a:solidFill>
+              </a:defRPr>
+            </a:lvl9pPr>
+          </a:lstStyle>
+          <a:p>
+            <a:r>
+              <a:rPr lang="fr-FR" sz="4400" b="1" dirty="0" smtClean="0">
+                <a:ln>
+                  <a:solidFill>
+                    <a:schemeClr val="tx1"/>
+                  </a:solidFill>
+                </a:ln>
+                <a:solidFill>
+                  <a:schemeClr val="accent1">
+                    <a:lumMod val="75000"/>
+                  </a:schemeClr>
+                </a:solidFill>
+              </a:rPr>
               <a:t>Notre approche</a:t>
             </a:r>
-            <a:endParaRPr lang="fr-FR" sz="6600" dirty="0"/>
+            <a:endParaRPr lang="fr-FR" sz="4400" b="1" dirty="0">
+              <a:ln>
+                <a:solidFill>
+                  <a:schemeClr val="tx1"/>
+                </a:solidFill>
+              </a:ln>
+              <a:solidFill>
+                <a:schemeClr val="accent1">
+                  <a:lumMod val="75000"/>
+                </a:schemeClr>
+              </a:solidFill>
+            </a:endParaRPr>
           </a:p>
         </p:txBody>
       </p:sp>
     </p:spTree>
     <p:extLst>
       <p:ext uri="{BB962C8B-B14F-4D97-AF65-F5344CB8AC3E}">
-        <p14:creationId xmlns:p14="http://schemas.microsoft.com/office/powerpoint/2010/main" val="2659698468"/>
+        <p14:creationId xmlns:p14="http://schemas.microsoft.com/office/powerpoint/2010/main" val="2723521297"/>
       </p:ext>
     </p:extLst>
   </p:cSld>
@@ -8761,80 +13841,6 @@
           <a:chExt cx="0" cy="0"/>
         </a:xfrm>
       </p:grpSpPr>
-      <p:sp>
-        <p:nvSpPr>
-          <p:cNvPr id="2" name="Titre 1"/>
-          <p:cNvSpPr>
-            <a:spLocks noGrp="1"/>
-          </p:cNvSpPr>
-          <p:nvPr>
-            <p:ph type="title"/>
-          </p:nvPr>
-        </p:nvSpPr>
-        <p:spPr>
-          <a:xfrm>
-            <a:off x="677334" y="609600"/>
-            <a:ext cx="8596668" cy="743403"/>
-          </a:xfrm>
-        </p:spPr>
-        <p:txBody>
-          <a:bodyPr>
-            <a:normAutofit fontScale="90000"/>
-          </a:bodyPr>
-          <a:lstStyle/>
-          <a:p>
-            <a:r>
-              <a:rPr lang="fr-FR" sz="4000" b="1" dirty="0">
-                <a:ln>
-                  <a:solidFill>
-                    <a:schemeClr val="tx1"/>
-                  </a:solidFill>
-                </a:ln>
-                <a:solidFill>
-                  <a:schemeClr val="accent1">
-                    <a:lumMod val="75000"/>
-                  </a:schemeClr>
-                </a:solidFill>
-              </a:rPr>
-              <a:t>Histogramme des gradients </a:t>
-            </a:r>
-            <a:r>
-              <a:rPr lang="fr-FR" sz="4000" b="1" dirty="0" smtClean="0">
-                <a:ln>
-                  <a:solidFill>
-                    <a:schemeClr val="tx1"/>
-                  </a:solidFill>
-                </a:ln>
-                <a:solidFill>
-                  <a:schemeClr val="accent1">
-                    <a:lumMod val="75000"/>
-                  </a:schemeClr>
-                </a:solidFill>
-              </a:rPr>
-              <a:t>orientés</a:t>
-            </a:r>
-            <a:r>
-              <a:rPr lang="fr-FR" sz="4000" dirty="0"/>
-              <a:t/>
-            </a:r>
-            <a:br>
-              <a:rPr lang="fr-FR" sz="4000" dirty="0"/>
-            </a:br>
-            <a:endParaRPr lang="fr-FR" sz="4000" b="1" dirty="0">
-              <a:ln>
-                <a:solidFill>
-                  <a:schemeClr val="tx1"/>
-                </a:solidFill>
-              </a:ln>
-              <a:solidFill>
-                <a:schemeClr val="accent1">
-                  <a:lumMod val="75000"/>
-                </a:schemeClr>
-              </a:solidFill>
-            </a:endParaRPr>
-          </a:p>
-        </p:txBody>
-      </p:sp>
       <p:pic>
         <p:nvPicPr>
           <p:cNvPr id="4" name="Image 3"/>
@@ -8857,8 +13863,8 @@
         </p:blipFill>
         <p:spPr>
           <a:xfrm>
-            <a:off x="1097280" y="2481051"/>
-            <a:ext cx="7134225" cy="2752725"/>
+            <a:off x="6401454" y="2792411"/>
+            <a:ext cx="4073285" cy="3886246"/>
           </a:xfrm>
           <a:prstGeom prst="rect">
             <a:avLst/>
@@ -8887,18 +13893,387 @@
         </p:blipFill>
         <p:spPr>
           <a:xfrm>
-            <a:off x="9372886" y="2481051"/>
-            <a:ext cx="2090677" cy="2752725"/>
+            <a:off x="3320499" y="3638767"/>
+            <a:ext cx="969034" cy="2422586"/>
           </a:xfrm>
           <a:prstGeom prst="rect">
             <a:avLst/>
           </a:prstGeom>
         </p:spPr>
       </p:pic>
+      <p:pic>
+        <p:nvPicPr>
+          <p:cNvPr id="6" name="Image 5"/>
+          <p:cNvPicPr>
+            <a:picLocks noChangeAspect="1"/>
+          </p:cNvPicPr>
+          <p:nvPr/>
+        </p:nvPicPr>
+        <p:blipFill>
+          <a:blip r:embed="rId4">
+            <a:extLst>
+              <a:ext uri="{28A0092B-C50C-407E-A947-70E740481C1C}">
+                <a14:useLocalDpi xmlns:a14="http://schemas.microsoft.com/office/drawing/2010/main" val="0"/>
+              </a:ext>
+            </a:extLst>
+          </a:blip>
+          <a:stretch>
+            <a:fillRect/>
+          </a:stretch>
+        </p:blipFill>
+        <p:spPr>
+          <a:xfrm>
+            <a:off x="2387732" y="3204295"/>
+            <a:ext cx="969034" cy="2422586"/>
+          </a:xfrm>
+          <a:prstGeom prst="rect">
+            <a:avLst/>
+          </a:prstGeom>
+        </p:spPr>
+      </p:pic>
+      <p:pic>
+        <p:nvPicPr>
+          <p:cNvPr id="7" name="Image 6"/>
+          <p:cNvPicPr>
+            <a:picLocks noChangeAspect="1"/>
+          </p:cNvPicPr>
+          <p:nvPr/>
+        </p:nvPicPr>
+        <p:blipFill>
+          <a:blip r:embed="rId5">
+            <a:extLst>
+              <a:ext uri="{28A0092B-C50C-407E-A947-70E740481C1C}">
+                <a14:useLocalDpi xmlns:a14="http://schemas.microsoft.com/office/drawing/2010/main" val="0"/>
+              </a:ext>
+            </a:extLst>
+          </a:blip>
+          <a:stretch>
+            <a:fillRect/>
+          </a:stretch>
+        </p:blipFill>
+        <p:spPr>
+          <a:xfrm>
+            <a:off x="1435422" y="3617670"/>
+            <a:ext cx="973893" cy="2434733"/>
+          </a:xfrm>
+          <a:prstGeom prst="rect">
+            <a:avLst/>
+          </a:prstGeom>
+        </p:spPr>
+      </p:pic>
+      <p:pic>
+        <p:nvPicPr>
+          <p:cNvPr id="9" name="Image 8"/>
+          <p:cNvPicPr>
+            <a:picLocks noChangeAspect="1"/>
+          </p:cNvPicPr>
+          <p:nvPr/>
+        </p:nvPicPr>
+        <p:blipFill>
+          <a:blip r:embed="rId6">
+            <a:extLst>
+              <a:ext uri="{28A0092B-C50C-407E-A947-70E740481C1C}">
+                <a14:useLocalDpi xmlns:a14="http://schemas.microsoft.com/office/drawing/2010/main" val="0"/>
+              </a:ext>
+            </a:extLst>
+          </a:blip>
+          <a:stretch>
+            <a:fillRect/>
+          </a:stretch>
+        </p:blipFill>
+        <p:spPr>
+          <a:xfrm>
+            <a:off x="4213857" y="3204295"/>
+            <a:ext cx="986860" cy="2467150"/>
+          </a:xfrm>
+          <a:prstGeom prst="rect">
+            <a:avLst/>
+          </a:prstGeom>
+        </p:spPr>
+      </p:pic>
+      <p:sp>
+        <p:nvSpPr>
+          <p:cNvPr id="10" name="Titre 1"/>
+          <p:cNvSpPr txBox="1">
+            <a:spLocks/>
+          </p:cNvSpPr>
+          <p:nvPr/>
+        </p:nvSpPr>
+        <p:spPr>
+          <a:xfrm>
+            <a:off x="677334" y="337457"/>
+            <a:ext cx="8596668" cy="925286"/>
+          </a:xfrm>
+          <a:prstGeom prst="rect">
+            <a:avLst/>
+          </a:prstGeom>
+        </p:spPr>
+        <p:txBody>
+          <a:bodyPr vert="horz" lIns="91440" tIns="45720" rIns="91440" bIns="45720" rtlCol="0" anchor="t">
+            <a:normAutofit/>
+          </a:bodyPr>
+          <a:lstStyle>
+            <a:lvl1pPr algn="l" defTabSz="457200" rtl="0" eaLnBrk="1" latinLnBrk="0" hangingPunct="1">
+              <a:spcBef>
+                <a:spcPct val="0"/>
+              </a:spcBef>
+              <a:buNone/>
+              <a:defRPr sz="3600" kern="1200">
+                <a:solidFill>
+                  <a:schemeClr val="accent1"/>
+                </a:solidFill>
+                <a:latin typeface="+mj-lt"/>
+                <a:ea typeface="+mj-ea"/>
+                <a:cs typeface="+mj-cs"/>
+              </a:defRPr>
+            </a:lvl1pPr>
+            <a:lvl2pPr eaLnBrk="1" hangingPunct="1">
+              <a:defRPr>
+                <a:solidFill>
+                  <a:schemeClr val="tx2"/>
+                </a:solidFill>
+              </a:defRPr>
+            </a:lvl2pPr>
+            <a:lvl3pPr eaLnBrk="1" hangingPunct="1">
+              <a:defRPr>
+                <a:solidFill>
+                  <a:schemeClr val="tx2"/>
+                </a:solidFill>
+              </a:defRPr>
+            </a:lvl3pPr>
+            <a:lvl4pPr eaLnBrk="1" hangingPunct="1">
+              <a:defRPr>
+                <a:solidFill>
+                  <a:schemeClr val="tx2"/>
+                </a:solidFill>
+              </a:defRPr>
+            </a:lvl4pPr>
+            <a:lvl5pPr eaLnBrk="1" hangingPunct="1">
+              <a:defRPr>
+                <a:solidFill>
+                  <a:schemeClr val="tx2"/>
+                </a:solidFill>
+              </a:defRPr>
+            </a:lvl5pPr>
+            <a:lvl6pPr eaLnBrk="1" hangingPunct="1">
+              <a:defRPr>
+                <a:solidFill>
+                  <a:schemeClr val="tx2"/>
+                </a:solidFill>
+              </a:defRPr>
+            </a:lvl6pPr>
+            <a:lvl7pPr eaLnBrk="1" hangingPunct="1">
+              <a:defRPr>
+                <a:solidFill>
+                  <a:schemeClr val="tx2"/>
+                </a:solidFill>
+              </a:defRPr>
+            </a:lvl7pPr>
+            <a:lvl8pPr eaLnBrk="1" hangingPunct="1">
+              <a:defRPr>
+                <a:solidFill>
+                  <a:schemeClr val="tx2"/>
+                </a:solidFill>
+              </a:defRPr>
+            </a:lvl8pPr>
+            <a:lvl9pPr eaLnBrk="1" hangingPunct="1">
+              <a:defRPr>
+                <a:solidFill>
+                  <a:schemeClr val="tx2"/>
+                </a:solidFill>
+              </a:defRPr>
+            </a:lvl9pPr>
+          </a:lstStyle>
+          <a:p>
+            <a:r>
+              <a:rPr lang="fr-FR" sz="4400" b="1" dirty="0" smtClean="0">
+                <a:ln>
+                  <a:solidFill>
+                    <a:schemeClr val="tx1"/>
+                  </a:solidFill>
+                </a:ln>
+                <a:solidFill>
+                  <a:schemeClr val="accent1">
+                    <a:lumMod val="75000"/>
+                  </a:schemeClr>
+                </a:solidFill>
+              </a:rPr>
+              <a:t>Notre approche</a:t>
+            </a:r>
+            <a:endParaRPr lang="fr-FR" sz="4400" b="1" dirty="0">
+              <a:ln>
+                <a:solidFill>
+                  <a:schemeClr val="tx1"/>
+                </a:solidFill>
+              </a:ln>
+              <a:solidFill>
+                <a:schemeClr val="accent1">
+                  <a:lumMod val="75000"/>
+                </a:schemeClr>
+              </a:solidFill>
+            </a:endParaRPr>
+          </a:p>
+        </p:txBody>
+      </p:sp>
+      <p:sp>
+        <p:nvSpPr>
+          <p:cNvPr id="12" name="Titre 1"/>
+          <p:cNvSpPr>
+            <a:spLocks noGrp="1"/>
+          </p:cNvSpPr>
+          <p:nvPr>
+            <p:ph type="title"/>
+          </p:nvPr>
+        </p:nvSpPr>
+        <p:spPr>
+          <a:xfrm>
+            <a:off x="524021" y="1181335"/>
+            <a:ext cx="8596668" cy="743403"/>
+          </a:xfrm>
+        </p:spPr>
+        <p:txBody>
+          <a:bodyPr>
+            <a:noAutofit/>
+          </a:bodyPr>
+          <a:lstStyle/>
+          <a:p>
+            <a:r>
+              <a:rPr lang="fr-FR" sz="2400" b="1" dirty="0" smtClean="0">
+                <a:ln>
+                  <a:solidFill>
+                    <a:schemeClr val="tx1"/>
+                  </a:solidFill>
+                </a:ln>
+                <a:solidFill>
+                  <a:schemeClr val="accent1">
+                    <a:lumMod val="75000"/>
+                  </a:schemeClr>
+                </a:solidFill>
+              </a:rPr>
+              <a:t>Support </a:t>
+            </a:r>
+            <a:r>
+              <a:rPr lang="fr-FR" sz="2400" b="1" dirty="0" err="1" smtClean="0">
+                <a:ln>
+                  <a:solidFill>
+                    <a:schemeClr val="tx1"/>
+                  </a:solidFill>
+                </a:ln>
+                <a:solidFill>
+                  <a:schemeClr val="accent1">
+                    <a:lumMod val="75000"/>
+                  </a:schemeClr>
+                </a:solidFill>
+              </a:rPr>
+              <a:t>Vector</a:t>
+            </a:r>
+            <a:r>
+              <a:rPr lang="fr-FR" sz="2400" b="1" dirty="0" smtClean="0">
+                <a:ln>
+                  <a:solidFill>
+                    <a:schemeClr val="tx1"/>
+                  </a:solidFill>
+                </a:ln>
+                <a:solidFill>
+                  <a:schemeClr val="accent1">
+                    <a:lumMod val="75000"/>
+                  </a:schemeClr>
+                </a:solidFill>
+              </a:rPr>
+              <a:t> Machine</a:t>
+            </a:r>
+            <a:r>
+              <a:rPr lang="fr-FR" sz="2400" dirty="0"/>
+              <a:t/>
+            </a:r>
+            <a:br>
+              <a:rPr lang="fr-FR" sz="2400" dirty="0"/>
+            </a:br>
+            <a:endParaRPr lang="fr-FR" sz="2400" b="1" dirty="0">
+              <a:ln>
+                <a:solidFill>
+                  <a:schemeClr val="tx1"/>
+                </a:solidFill>
+              </a:ln>
+              <a:solidFill>
+                <a:schemeClr val="accent1">
+                  <a:lumMod val="75000"/>
+                </a:schemeClr>
+              </a:solidFill>
+            </a:endParaRPr>
+          </a:p>
+        </p:txBody>
+      </p:sp>
+      <p:sp>
+        <p:nvSpPr>
+          <p:cNvPr id="13" name="Espace réservé du contenu 2"/>
+          <p:cNvSpPr>
+            <a:spLocks noGrp="1"/>
+          </p:cNvSpPr>
+          <p:nvPr>
+            <p:ph idx="1"/>
+          </p:nvPr>
+        </p:nvSpPr>
+        <p:spPr>
+          <a:xfrm>
+            <a:off x="677334" y="2222402"/>
+            <a:ext cx="8596668" cy="2215468"/>
+          </a:xfrm>
+        </p:spPr>
+        <p:txBody>
+          <a:bodyPr>
+            <a:normAutofit/>
+          </a:bodyPr>
+          <a:lstStyle/>
+          <a:p>
+            <a:pPr>
+              <a:buClr>
+                <a:schemeClr val="accent1">
+                  <a:lumMod val="75000"/>
+                </a:schemeClr>
+              </a:buClr>
+              <a:buSzPct val="100000"/>
+              <a:buFont typeface="Wingdings 3" panose="05040102010807070707" pitchFamily="18" charset="2"/>
+              <a:buChar char=""/>
+            </a:pPr>
+            <a:r>
+              <a:rPr lang="fr-FR" dirty="0" err="1" smtClean="0">
+                <a:solidFill>
+                  <a:schemeClr val="tx1"/>
+                </a:solidFill>
+              </a:rPr>
+              <a:t>Classifieur</a:t>
+            </a:r>
+            <a:r>
+              <a:rPr lang="fr-FR" dirty="0" smtClean="0">
+                <a:solidFill>
+                  <a:schemeClr val="tx1"/>
+                </a:solidFill>
+              </a:rPr>
+              <a:t> à apprentissage supervisé</a:t>
+            </a:r>
+            <a:endParaRPr lang="fr-FR" dirty="0" smtClean="0">
+              <a:solidFill>
+                <a:schemeClr val="tx1"/>
+              </a:solidFill>
+            </a:endParaRPr>
+          </a:p>
+          <a:p>
+            <a:pPr marL="201168" lvl="1" indent="0">
+              <a:buNone/>
+            </a:pPr>
+            <a:endParaRPr lang="fr-FR" dirty="0">
+              <a:solidFill>
+                <a:schemeClr val="tx1"/>
+              </a:solidFill>
+            </a:endParaRPr>
+          </a:p>
+        </p:txBody>
+      </p:sp>
     </p:spTree>
     <p:extLst>
       <p:ext uri="{BB962C8B-B14F-4D97-AF65-F5344CB8AC3E}">
-        <p14:creationId xmlns:p14="http://schemas.microsoft.com/office/powerpoint/2010/main" val="2723521297"/>
+        <p14:creationId xmlns:p14="http://schemas.microsoft.com/office/powerpoint/2010/main" val="998969261"/>
       </p:ext>
     </p:extLst>
   </p:cSld>
